--- a/오진호 포토폴리오.pptx
+++ b/오진호 포토폴리오.pptx
@@ -200,7 +200,7 @@
           <a:p>
             <a:fld id="{67406EAE-9ED8-4493-8307-E0CBB87D5314}" type="datetimeFigureOut">
               <a:rPr lang="ko-KR" altLang="en-US" smtClean="0"/>
-              <a:t>2021-09-03</a:t>
+              <a:t>2021-09-14</a:t>
             </a:fld>
             <a:endParaRPr lang="ko-KR" altLang="en-US"/>
           </a:p>
@@ -614,7 +614,7 @@
           <a:p>
             <a:fld id="{7E1FD04A-7A57-4ABB-A4D2-40192FED31D2}" type="datetimeFigureOut">
               <a:rPr lang="ko-KR" altLang="en-US" smtClean="0"/>
-              <a:t>2021-09-03</a:t>
+              <a:t>2021-09-14</a:t>
             </a:fld>
             <a:endParaRPr lang="ko-KR" altLang="en-US"/>
           </a:p>
@@ -812,7 +812,7 @@
           <a:p>
             <a:fld id="{7E1FD04A-7A57-4ABB-A4D2-40192FED31D2}" type="datetimeFigureOut">
               <a:rPr lang="ko-KR" altLang="en-US" smtClean="0"/>
-              <a:t>2021-09-03</a:t>
+              <a:t>2021-09-14</a:t>
             </a:fld>
             <a:endParaRPr lang="ko-KR" altLang="en-US"/>
           </a:p>
@@ -1020,7 +1020,7 @@
           <a:p>
             <a:fld id="{7E1FD04A-7A57-4ABB-A4D2-40192FED31D2}" type="datetimeFigureOut">
               <a:rPr lang="ko-KR" altLang="en-US" smtClean="0"/>
-              <a:t>2021-09-03</a:t>
+              <a:t>2021-09-14</a:t>
             </a:fld>
             <a:endParaRPr lang="ko-KR" altLang="en-US"/>
           </a:p>
@@ -1218,7 +1218,7 @@
           <a:p>
             <a:fld id="{7E1FD04A-7A57-4ABB-A4D2-40192FED31D2}" type="datetimeFigureOut">
               <a:rPr lang="ko-KR" altLang="en-US" smtClean="0"/>
-              <a:t>2021-09-03</a:t>
+              <a:t>2021-09-14</a:t>
             </a:fld>
             <a:endParaRPr lang="ko-KR" altLang="en-US"/>
           </a:p>
@@ -1493,7 +1493,7 @@
           <a:p>
             <a:fld id="{7E1FD04A-7A57-4ABB-A4D2-40192FED31D2}" type="datetimeFigureOut">
               <a:rPr lang="ko-KR" altLang="en-US" smtClean="0"/>
-              <a:t>2021-09-03</a:t>
+              <a:t>2021-09-14</a:t>
             </a:fld>
             <a:endParaRPr lang="ko-KR" altLang="en-US"/>
           </a:p>
@@ -1758,7 +1758,7 @@
           <a:p>
             <a:fld id="{7E1FD04A-7A57-4ABB-A4D2-40192FED31D2}" type="datetimeFigureOut">
               <a:rPr lang="ko-KR" altLang="en-US" smtClean="0"/>
-              <a:t>2021-09-03</a:t>
+              <a:t>2021-09-14</a:t>
             </a:fld>
             <a:endParaRPr lang="ko-KR" altLang="en-US"/>
           </a:p>
@@ -2170,7 +2170,7 @@
           <a:p>
             <a:fld id="{7E1FD04A-7A57-4ABB-A4D2-40192FED31D2}" type="datetimeFigureOut">
               <a:rPr lang="ko-KR" altLang="en-US" smtClean="0"/>
-              <a:t>2021-09-03</a:t>
+              <a:t>2021-09-14</a:t>
             </a:fld>
             <a:endParaRPr lang="ko-KR" altLang="en-US"/>
           </a:p>
@@ -2311,7 +2311,7 @@
           <a:p>
             <a:fld id="{7E1FD04A-7A57-4ABB-A4D2-40192FED31D2}" type="datetimeFigureOut">
               <a:rPr lang="ko-KR" altLang="en-US" smtClean="0"/>
-              <a:t>2021-09-03</a:t>
+              <a:t>2021-09-14</a:t>
             </a:fld>
             <a:endParaRPr lang="ko-KR" altLang="en-US"/>
           </a:p>
@@ -2424,7 +2424,7 @@
           <a:p>
             <a:fld id="{7E1FD04A-7A57-4ABB-A4D2-40192FED31D2}" type="datetimeFigureOut">
               <a:rPr lang="ko-KR" altLang="en-US" smtClean="0"/>
-              <a:t>2021-09-03</a:t>
+              <a:t>2021-09-14</a:t>
             </a:fld>
             <a:endParaRPr lang="ko-KR" altLang="en-US"/>
           </a:p>
@@ -2735,7 +2735,7 @@
           <a:p>
             <a:fld id="{7E1FD04A-7A57-4ABB-A4D2-40192FED31D2}" type="datetimeFigureOut">
               <a:rPr lang="ko-KR" altLang="en-US" smtClean="0"/>
-              <a:t>2021-09-03</a:t>
+              <a:t>2021-09-14</a:t>
             </a:fld>
             <a:endParaRPr lang="ko-KR" altLang="en-US"/>
           </a:p>
@@ -3023,7 +3023,7 @@
           <a:p>
             <a:fld id="{7E1FD04A-7A57-4ABB-A4D2-40192FED31D2}" type="datetimeFigureOut">
               <a:rPr lang="ko-KR" altLang="en-US" smtClean="0"/>
-              <a:t>2021-09-03</a:t>
+              <a:t>2021-09-14</a:t>
             </a:fld>
             <a:endParaRPr lang="ko-KR" altLang="en-US"/>
           </a:p>
@@ -3264,7 +3264,7 @@
           <a:p>
             <a:fld id="{7E1FD04A-7A57-4ABB-A4D2-40192FED31D2}" type="datetimeFigureOut">
               <a:rPr lang="ko-KR" altLang="en-US" smtClean="0"/>
-              <a:t>2021-09-03</a:t>
+              <a:t>2021-09-14</a:t>
             </a:fld>
             <a:endParaRPr lang="ko-KR" altLang="en-US"/>
           </a:p>
@@ -3741,7 +3741,7 @@
         </p:nvSpPr>
         <p:spPr>
           <a:xfrm>
-            <a:off x="5783580" y="2190988"/>
+            <a:off x="5783580" y="3019124"/>
             <a:ext cx="5173980" cy="307777"/>
           </a:xfrm>
           <a:prstGeom prst="rect">
@@ -3789,7 +3789,7 @@
         </p:nvSpPr>
         <p:spPr>
           <a:xfrm>
-            <a:off x="5783580" y="2686288"/>
+            <a:off x="5783580" y="3821362"/>
             <a:ext cx="6278880" cy="307777"/>
           </a:xfrm>
           <a:prstGeom prst="rect">
@@ -3925,6 +3925,257 @@
               </a:rPr>
               <a:t> 개발자 오진호</a:t>
             </a:r>
+          </a:p>
+        </p:txBody>
+      </p:sp>
+      <p:sp>
+        <p:nvSpPr>
+          <p:cNvPr id="2" name="TextBox 1">
+            <a:extLst>
+              <a:ext uri="{FF2B5EF4-FFF2-40B4-BE49-F238E27FC236}">
+                <a16:creationId xmlns:a16="http://schemas.microsoft.com/office/drawing/2014/main" id="{9C8D3ACA-DCCA-4D45-A3EB-63540921026B}"/>
+              </a:ext>
+            </a:extLst>
+          </p:cNvPr>
+          <p:cNvSpPr txBox="1"/>
+          <p:nvPr/>
+        </p:nvSpPr>
+        <p:spPr>
+          <a:xfrm>
+            <a:off x="9537025" y="6069568"/>
+            <a:ext cx="2654975" cy="430887"/>
+          </a:xfrm>
+          <a:prstGeom prst="rect">
+            <a:avLst/>
+          </a:prstGeom>
+          <a:noFill/>
+        </p:spPr>
+        <p:txBody>
+          <a:bodyPr wrap="square" rtlCol="0">
+            <a:spAutoFit/>
+          </a:bodyPr>
+          <a:lstStyle/>
+          <a:p>
+            <a:r>
+              <a:rPr lang="en-US" altLang="ko-KR" sz="1100" dirty="0"/>
+              <a:t>Email: </a:t>
+            </a:r>
+            <a:r>
+              <a:rPr lang="en-US" altLang="ko-KR" sz="1100" dirty="0">
+                <a:hlinkClick r:id="rId3"/>
+              </a:rPr>
+              <a:t>ohjinho7@gmail.com</a:t>
+            </a:r>
+            <a:endParaRPr lang="en-US" altLang="ko-KR" sz="1100" dirty="0"/>
+          </a:p>
+          <a:p>
+            <a:r>
+              <a:rPr lang="en-US" altLang="ko-KR" sz="1100" dirty="0" err="1"/>
+              <a:t>Github</a:t>
+            </a:r>
+            <a:r>
+              <a:rPr lang="en-US" altLang="ko-KR" sz="1100" dirty="0"/>
+              <a:t>: https://github.com/ohjinhokor</a:t>
+            </a:r>
+            <a:endParaRPr lang="ko-KR" altLang="en-US" sz="1100" dirty="0"/>
+          </a:p>
+        </p:txBody>
+      </p:sp>
+      <p:sp>
+        <p:nvSpPr>
+          <p:cNvPr id="3" name="TextBox 2">
+            <a:extLst>
+              <a:ext uri="{FF2B5EF4-FFF2-40B4-BE49-F238E27FC236}">
+                <a16:creationId xmlns:a16="http://schemas.microsoft.com/office/drawing/2014/main" id="{C5B441CB-CDA3-4A7C-A5FD-40C627D20663}"/>
+              </a:ext>
+            </a:extLst>
+          </p:cNvPr>
+          <p:cNvSpPr txBox="1"/>
+          <p:nvPr/>
+        </p:nvSpPr>
+        <p:spPr>
+          <a:xfrm>
+            <a:off x="9537025" y="5822337"/>
+            <a:ext cx="3762602" cy="253916"/>
+          </a:xfrm>
+          <a:prstGeom prst="rect">
+            <a:avLst/>
+          </a:prstGeom>
+          <a:noFill/>
+        </p:spPr>
+        <p:txBody>
+          <a:bodyPr wrap="square" rtlCol="0">
+            <a:spAutoFit/>
+          </a:bodyPr>
+          <a:lstStyle/>
+          <a:p>
+            <a:r>
+              <a:rPr lang="ko-KR" altLang="en-US" sz="1050" dirty="0"/>
+              <a:t>사용 기술</a:t>
+            </a:r>
+            <a:r>
+              <a:rPr lang="en-US" altLang="ko-KR" sz="1050" dirty="0"/>
+              <a:t>: Java, </a:t>
+            </a:r>
+            <a:r>
+              <a:rPr lang="en-US" altLang="ko-KR" sz="1050" dirty="0" err="1"/>
+              <a:t>SpringBoot</a:t>
+            </a:r>
+            <a:r>
+              <a:rPr lang="en-US" altLang="ko-KR" sz="1050" dirty="0"/>
+              <a:t>, </a:t>
+            </a:r>
+            <a:r>
+              <a:rPr lang="en-US" altLang="ko-KR" sz="1050" dirty="0" err="1"/>
+              <a:t>Jpa</a:t>
+            </a:r>
+            <a:r>
+              <a:rPr lang="en-US" altLang="ko-KR" sz="1050" dirty="0"/>
+              <a:t>, MVC</a:t>
+            </a:r>
+            <a:endParaRPr lang="ko-KR" altLang="en-US" sz="1050" dirty="0"/>
+          </a:p>
+        </p:txBody>
+      </p:sp>
+      <p:cxnSp>
+        <p:nvCxnSpPr>
+          <p:cNvPr id="6" name="직선 연결선 5">
+            <a:extLst>
+              <a:ext uri="{FF2B5EF4-FFF2-40B4-BE49-F238E27FC236}">
+                <a16:creationId xmlns:a16="http://schemas.microsoft.com/office/drawing/2014/main" id="{D204CD73-0EED-42FC-8D21-86A2373FAD75}"/>
+              </a:ext>
+            </a:extLst>
+          </p:cNvPr>
+          <p:cNvCxnSpPr>
+            <a:cxnSpLocks/>
+          </p:cNvCxnSpPr>
+          <p:nvPr/>
+        </p:nvCxnSpPr>
+        <p:spPr>
+          <a:xfrm>
+            <a:off x="5650302" y="2587924"/>
+            <a:ext cx="6429410" cy="0"/>
+          </a:xfrm>
+          <a:prstGeom prst="line">
+            <a:avLst/>
+          </a:prstGeom>
+          <a:ln w="38100"/>
+        </p:spPr>
+        <p:style>
+          <a:lnRef idx="1">
+            <a:schemeClr val="accent1"/>
+          </a:lnRef>
+          <a:fillRef idx="0">
+            <a:schemeClr val="accent1"/>
+          </a:fillRef>
+          <a:effectRef idx="0">
+            <a:schemeClr val="accent1"/>
+          </a:effectRef>
+          <a:fontRef idx="minor">
+            <a:schemeClr val="tx1"/>
+          </a:fontRef>
+        </p:style>
+      </p:cxnSp>
+      <p:sp>
+        <p:nvSpPr>
+          <p:cNvPr id="7" name="TextBox 6">
+            <a:extLst>
+              <a:ext uri="{FF2B5EF4-FFF2-40B4-BE49-F238E27FC236}">
+                <a16:creationId xmlns:a16="http://schemas.microsoft.com/office/drawing/2014/main" id="{9DFEB9F6-477D-471E-9FF8-F2E06E67C0B4}"/>
+              </a:ext>
+            </a:extLst>
+          </p:cNvPr>
+          <p:cNvSpPr txBox="1"/>
+          <p:nvPr/>
+        </p:nvSpPr>
+        <p:spPr>
+          <a:xfrm>
+            <a:off x="5783580" y="1753717"/>
+            <a:ext cx="4317952" cy="646331"/>
+          </a:xfrm>
+          <a:prstGeom prst="rect">
+            <a:avLst/>
+          </a:prstGeom>
+          <a:noFill/>
+        </p:spPr>
+        <p:txBody>
+          <a:bodyPr wrap="square" rtlCol="0">
+            <a:spAutoFit/>
+          </a:bodyPr>
+          <a:lstStyle/>
+          <a:p>
+            <a:r>
+              <a:rPr lang="ko-KR" altLang="en-US" dirty="0"/>
+              <a:t>세상을 바꿀 수 있는 아이디어를 </a:t>
+            </a:r>
+            <a:endParaRPr lang="en-US" altLang="ko-KR" dirty="0"/>
+          </a:p>
+          <a:p>
+            <a:r>
+              <a:rPr lang="ko-KR" altLang="en-US" dirty="0"/>
+              <a:t>실체화 하는 것을 꿈꾸는 개발자입니다</a:t>
+            </a:r>
+            <a:r>
+              <a:rPr lang="en-US" altLang="ko-KR" dirty="0"/>
+              <a:t>.</a:t>
+            </a:r>
+            <a:endParaRPr lang="ko-KR" altLang="en-US" dirty="0"/>
+          </a:p>
+        </p:txBody>
+      </p:sp>
+      <p:sp>
+        <p:nvSpPr>
+          <p:cNvPr id="12" name="TextBox 11">
+            <a:extLst>
+              <a:ext uri="{FF2B5EF4-FFF2-40B4-BE49-F238E27FC236}">
+                <a16:creationId xmlns:a16="http://schemas.microsoft.com/office/drawing/2014/main" id="{35A3C594-E819-4733-BEA5-254BD6422031}"/>
+              </a:ext>
+            </a:extLst>
+          </p:cNvPr>
+          <p:cNvSpPr txBox="1"/>
+          <p:nvPr/>
+        </p:nvSpPr>
+        <p:spPr>
+          <a:xfrm>
+            <a:off x="5783580" y="3420243"/>
+            <a:ext cx="5173980" cy="307777"/>
+          </a:xfrm>
+          <a:prstGeom prst="rect">
+            <a:avLst/>
+          </a:prstGeom>
+          <a:noFill/>
+        </p:spPr>
+        <p:txBody>
+          <a:bodyPr wrap="square" rtlCol="0">
+            <a:spAutoFit/>
+          </a:bodyPr>
+          <a:lstStyle/>
+          <a:p>
+            <a:r>
+              <a:rPr lang="ko-KR" altLang="en-US" sz="1400" dirty="0"/>
+              <a:t>숭실대학교 </a:t>
+            </a:r>
+            <a:r>
+              <a:rPr lang="en-US" altLang="ko-KR" sz="1400" dirty="0"/>
+              <a:t>HCI</a:t>
+            </a:r>
+            <a:r>
+              <a:rPr lang="ko-KR" altLang="en-US" sz="1400" dirty="0"/>
+              <a:t>연구실 </a:t>
+            </a:r>
+            <a:r>
+              <a:rPr lang="ko-KR" altLang="en-US" sz="1400" dirty="0" err="1"/>
+              <a:t>백엔드</a:t>
+            </a:r>
+            <a:r>
+              <a:rPr lang="ko-KR" altLang="en-US" sz="1400" dirty="0"/>
+              <a:t> 개발자</a:t>
+            </a:r>
+            <a:r>
+              <a:rPr lang="en-US" altLang="ko-KR" sz="1400" dirty="0"/>
+              <a:t>(2021.03 ~)</a:t>
+            </a:r>
+            <a:endParaRPr lang="ko-KR" altLang="en-US" sz="1400" dirty="0"/>
           </a:p>
         </p:txBody>
       </p:sp>
@@ -4290,7 +4541,7 @@
         </p:nvSpPr>
         <p:spPr>
           <a:xfrm>
-            <a:off x="6096000" y="3078189"/>
+            <a:off x="6096000" y="3059156"/>
             <a:ext cx="3892162" cy="307777"/>
           </a:xfrm>
           <a:prstGeom prst="rect">
@@ -4346,7 +4597,7 @@
         </p:nvSpPr>
         <p:spPr>
           <a:xfrm>
-            <a:off x="5599771" y="3791095"/>
+            <a:off x="5600623" y="3714462"/>
             <a:ext cx="127155" cy="121059"/>
           </a:xfrm>
           <a:prstGeom prst="rect">
@@ -4381,7 +4632,7 @@
         </p:nvSpPr>
         <p:spPr>
           <a:xfrm>
-            <a:off x="6115979" y="3641002"/>
+            <a:off x="6116831" y="3564369"/>
             <a:ext cx="2390775" cy="369332"/>
           </a:xfrm>
           <a:prstGeom prst="rect">
@@ -4417,8 +4668,8 @@
         </p:nvSpPr>
         <p:spPr>
           <a:xfrm>
-            <a:off x="6116829" y="4010334"/>
-            <a:ext cx="5766807" cy="646331"/>
+            <a:off x="6117681" y="4008025"/>
+            <a:ext cx="5766807" cy="1015663"/>
           </a:xfrm>
           <a:prstGeom prst="rect">
             <a:avLst/>
@@ -4439,9 +4690,11 @@
               <a:rPr lang="en-US" altLang="ko-KR" sz="1200" dirty="0"/>
               <a:t>. </a:t>
             </a:r>
+          </a:p>
+          <a:p>
             <a:r>
               <a:rPr lang="ko-KR" altLang="en-US" sz="1200" dirty="0"/>
-              <a:t>손님이 </a:t>
+              <a:t>손님이 음식점에 입장하여 </a:t>
             </a:r>
             <a:r>
               <a:rPr lang="en-US" altLang="ko-KR" sz="1200" dirty="0"/>
@@ -4449,24 +4702,30 @@
             </a:r>
             <a:r>
               <a:rPr lang="ko-KR" altLang="en-US" sz="1200" dirty="0"/>
-              <a:t>코드를 통해 음식을 주문하면 가게 </a:t>
-            </a:r>
-            <a:r>
-              <a:rPr lang="ko-KR" altLang="en-US" sz="1200"/>
-              <a:t>사장님이 카운터에서 주문한 음식을 바로 </a:t>
-            </a:r>
-            <a:r>
-              <a:rPr lang="ko-KR" altLang="en-US" sz="1200" dirty="0"/>
-              <a:t>확인할 수 있는 아이템을 구상하였습니다</a:t>
+              <a:t>코드를 통해 음식을 주문하면 가게 사장님이 카운터에서 주문한 음식을 바로 확인할 수 있는 아이템입니다</a:t>
             </a:r>
             <a:r>
               <a:rPr lang="en-US" altLang="ko-KR" sz="1200" dirty="0"/>
               <a:t>.</a:t>
             </a:r>
+          </a:p>
+          <a:p>
+            <a:endParaRPr lang="en-US" altLang="ko-KR" sz="1200" dirty="0"/>
+          </a:p>
+          <a:p>
             <a:r>
               <a:rPr lang="ko-KR" altLang="en-US" sz="1200" dirty="0"/>
-              <a:t> </a:t>
-            </a:r>
+              <a:t>상세 설명 </a:t>
+            </a:r>
+            <a:r>
+              <a:rPr lang="en-US" altLang="ko-KR" sz="1200" dirty="0"/>
+              <a:t>: </a:t>
+            </a:r>
+            <a:r>
+              <a:rPr lang="en-US" altLang="ko-KR" sz="1100" dirty="0"/>
+              <a:t>https://maze-warlock-8d1.notion.site/965c208d24004a28a3e50bc30fe22d7c</a:t>
+            </a:r>
+            <a:endParaRPr lang="ko-KR" altLang="en-US" sz="1100" dirty="0"/>
           </a:p>
         </p:txBody>
       </p:sp>
@@ -4484,7 +4743,7 @@
         </p:nvSpPr>
         <p:spPr>
           <a:xfrm>
-            <a:off x="5599771" y="5154127"/>
+            <a:off x="5599772" y="5385270"/>
             <a:ext cx="127155" cy="121059"/>
           </a:xfrm>
           <a:prstGeom prst="rect">
@@ -4519,7 +4778,7 @@
         </p:nvSpPr>
         <p:spPr>
           <a:xfrm>
-            <a:off x="6096000" y="5004034"/>
+            <a:off x="6096001" y="5235177"/>
             <a:ext cx="2390775" cy="369332"/>
           </a:xfrm>
           <a:prstGeom prst="rect">
@@ -4555,7 +4814,7 @@
         </p:nvSpPr>
         <p:spPr>
           <a:xfrm>
-            <a:off x="6116830" y="5373366"/>
+            <a:off x="6116831" y="5604509"/>
             <a:ext cx="5766805" cy="1200329"/>
           </a:xfrm>
           <a:prstGeom prst="rect">

--- a/오진호 포토폴리오.pptx
+++ b/오진호 포토폴리오.pptx
@@ -200,7 +200,7 @@
           <a:p>
             <a:fld id="{67406EAE-9ED8-4493-8307-E0CBB87D5314}" type="datetimeFigureOut">
               <a:rPr lang="ko-KR" altLang="en-US" smtClean="0"/>
-              <a:t>2021-09-14</a:t>
+              <a:t>2021-10-29</a:t>
             </a:fld>
             <a:endParaRPr lang="ko-KR" altLang="en-US"/>
           </a:p>
@@ -614,7 +614,7 @@
           <a:p>
             <a:fld id="{7E1FD04A-7A57-4ABB-A4D2-40192FED31D2}" type="datetimeFigureOut">
               <a:rPr lang="ko-KR" altLang="en-US" smtClean="0"/>
-              <a:t>2021-09-14</a:t>
+              <a:t>2021-10-29</a:t>
             </a:fld>
             <a:endParaRPr lang="ko-KR" altLang="en-US"/>
           </a:p>
@@ -812,7 +812,7 @@
           <a:p>
             <a:fld id="{7E1FD04A-7A57-4ABB-A4D2-40192FED31D2}" type="datetimeFigureOut">
               <a:rPr lang="ko-KR" altLang="en-US" smtClean="0"/>
-              <a:t>2021-09-14</a:t>
+              <a:t>2021-10-29</a:t>
             </a:fld>
             <a:endParaRPr lang="ko-KR" altLang="en-US"/>
           </a:p>
@@ -1020,7 +1020,7 @@
           <a:p>
             <a:fld id="{7E1FD04A-7A57-4ABB-A4D2-40192FED31D2}" type="datetimeFigureOut">
               <a:rPr lang="ko-KR" altLang="en-US" smtClean="0"/>
-              <a:t>2021-09-14</a:t>
+              <a:t>2021-10-29</a:t>
             </a:fld>
             <a:endParaRPr lang="ko-KR" altLang="en-US"/>
           </a:p>
@@ -1218,7 +1218,7 @@
           <a:p>
             <a:fld id="{7E1FD04A-7A57-4ABB-A4D2-40192FED31D2}" type="datetimeFigureOut">
               <a:rPr lang="ko-KR" altLang="en-US" smtClean="0"/>
-              <a:t>2021-09-14</a:t>
+              <a:t>2021-10-29</a:t>
             </a:fld>
             <a:endParaRPr lang="ko-KR" altLang="en-US"/>
           </a:p>
@@ -1493,7 +1493,7 @@
           <a:p>
             <a:fld id="{7E1FD04A-7A57-4ABB-A4D2-40192FED31D2}" type="datetimeFigureOut">
               <a:rPr lang="ko-KR" altLang="en-US" smtClean="0"/>
-              <a:t>2021-09-14</a:t>
+              <a:t>2021-10-29</a:t>
             </a:fld>
             <a:endParaRPr lang="ko-KR" altLang="en-US"/>
           </a:p>
@@ -1758,7 +1758,7 @@
           <a:p>
             <a:fld id="{7E1FD04A-7A57-4ABB-A4D2-40192FED31D2}" type="datetimeFigureOut">
               <a:rPr lang="ko-KR" altLang="en-US" smtClean="0"/>
-              <a:t>2021-09-14</a:t>
+              <a:t>2021-10-29</a:t>
             </a:fld>
             <a:endParaRPr lang="ko-KR" altLang="en-US"/>
           </a:p>
@@ -2170,7 +2170,7 @@
           <a:p>
             <a:fld id="{7E1FD04A-7A57-4ABB-A4D2-40192FED31D2}" type="datetimeFigureOut">
               <a:rPr lang="ko-KR" altLang="en-US" smtClean="0"/>
-              <a:t>2021-09-14</a:t>
+              <a:t>2021-10-29</a:t>
             </a:fld>
             <a:endParaRPr lang="ko-KR" altLang="en-US"/>
           </a:p>
@@ -2311,7 +2311,7 @@
           <a:p>
             <a:fld id="{7E1FD04A-7A57-4ABB-A4D2-40192FED31D2}" type="datetimeFigureOut">
               <a:rPr lang="ko-KR" altLang="en-US" smtClean="0"/>
-              <a:t>2021-09-14</a:t>
+              <a:t>2021-10-29</a:t>
             </a:fld>
             <a:endParaRPr lang="ko-KR" altLang="en-US"/>
           </a:p>
@@ -2424,7 +2424,7 @@
           <a:p>
             <a:fld id="{7E1FD04A-7A57-4ABB-A4D2-40192FED31D2}" type="datetimeFigureOut">
               <a:rPr lang="ko-KR" altLang="en-US" smtClean="0"/>
-              <a:t>2021-09-14</a:t>
+              <a:t>2021-10-29</a:t>
             </a:fld>
             <a:endParaRPr lang="ko-KR" altLang="en-US"/>
           </a:p>
@@ -2735,7 +2735,7 @@
           <a:p>
             <a:fld id="{7E1FD04A-7A57-4ABB-A4D2-40192FED31D2}" type="datetimeFigureOut">
               <a:rPr lang="ko-KR" altLang="en-US" smtClean="0"/>
-              <a:t>2021-09-14</a:t>
+              <a:t>2021-10-29</a:t>
             </a:fld>
             <a:endParaRPr lang="ko-KR" altLang="en-US"/>
           </a:p>
@@ -3023,7 +3023,7 @@
           <a:p>
             <a:fld id="{7E1FD04A-7A57-4ABB-A4D2-40192FED31D2}" type="datetimeFigureOut">
               <a:rPr lang="ko-KR" altLang="en-US" smtClean="0"/>
-              <a:t>2021-09-14</a:t>
+              <a:t>2021-10-29</a:t>
             </a:fld>
             <a:endParaRPr lang="ko-KR" altLang="en-US"/>
           </a:p>
@@ -3264,7 +3264,7 @@
           <a:p>
             <a:fld id="{7E1FD04A-7A57-4ABB-A4D2-40192FED31D2}" type="datetimeFigureOut">
               <a:rPr lang="ko-KR" altLang="en-US" smtClean="0"/>
-              <a:t>2021-09-14</a:t>
+              <a:t>2021-10-29</a:t>
             </a:fld>
             <a:endParaRPr lang="ko-KR" altLang="en-US"/>
           </a:p>
@@ -3742,7 +3742,7 @@
         <p:spPr>
           <a:xfrm>
             <a:off x="5783580" y="3019124"/>
-            <a:ext cx="5173980" cy="307777"/>
+            <a:ext cx="5173980" cy="261610"/>
           </a:xfrm>
           <a:prstGeom prst="rect">
             <a:avLst/>
@@ -3756,22 +3756,22 @@
           <a:lstStyle/>
           <a:p>
             <a:r>
-              <a:rPr lang="ko-KR" altLang="en-US" sz="1400" dirty="0"/>
+              <a:rPr lang="ko-KR" altLang="en-US" sz="1100" dirty="0"/>
               <a:t>숭실대학교 </a:t>
             </a:r>
             <a:r>
-              <a:rPr lang="en-US" altLang="ko-KR" sz="1400" dirty="0"/>
+              <a:rPr lang="en-US" altLang="ko-KR" sz="1100" dirty="0"/>
               <a:t>IT</a:t>
             </a:r>
             <a:r>
-              <a:rPr lang="ko-KR" altLang="en-US" sz="1400" dirty="0"/>
+              <a:rPr lang="ko-KR" altLang="en-US" sz="1100" dirty="0"/>
               <a:t>대학 글로벌미디어학부</a:t>
             </a:r>
             <a:r>
-              <a:rPr lang="en-US" altLang="ko-KR" sz="1400" dirty="0"/>
+              <a:rPr lang="en-US" altLang="ko-KR" sz="1100" dirty="0"/>
               <a:t>(2016.03 ~)</a:t>
             </a:r>
-            <a:endParaRPr lang="ko-KR" altLang="en-US" sz="1400" dirty="0"/>
+            <a:endParaRPr lang="ko-KR" altLang="en-US" sz="1100" dirty="0"/>
           </a:p>
         </p:txBody>
       </p:sp>
@@ -3789,8 +3789,8 @@
         </p:nvSpPr>
         <p:spPr>
           <a:xfrm>
-            <a:off x="5783580" y="3821362"/>
-            <a:ext cx="6278880" cy="307777"/>
+            <a:off x="5783580" y="3612190"/>
+            <a:ext cx="6278880" cy="261610"/>
           </a:xfrm>
           <a:prstGeom prst="rect">
             <a:avLst/>
@@ -3804,30 +3804,30 @@
           <a:lstStyle/>
           <a:p>
             <a:r>
-              <a:rPr lang="ko-KR" altLang="en-US" sz="1400" dirty="0"/>
+              <a:rPr lang="ko-KR" altLang="en-US" sz="1100" dirty="0"/>
               <a:t>숭실대학교 창업지원단 소속 </a:t>
             </a:r>
             <a:r>
-              <a:rPr lang="ko-KR" altLang="en-US" sz="1400" dirty="0" err="1"/>
+              <a:rPr lang="ko-KR" altLang="en-US" sz="1100" dirty="0" err="1"/>
               <a:t>온더브릿지</a:t>
             </a:r>
             <a:r>
-              <a:rPr lang="ko-KR" altLang="en-US" sz="1400" dirty="0"/>
+              <a:rPr lang="ko-KR" altLang="en-US" sz="1100" dirty="0"/>
               <a:t> </a:t>
             </a:r>
             <a:r>
-              <a:rPr lang="ko-KR" altLang="en-US" sz="1400" dirty="0" err="1"/>
+              <a:rPr lang="ko-KR" altLang="en-US" sz="1100" dirty="0" err="1"/>
               <a:t>백엔드</a:t>
             </a:r>
             <a:r>
-              <a:rPr lang="ko-KR" altLang="en-US" sz="1400" dirty="0"/>
+              <a:rPr lang="ko-KR" altLang="en-US" sz="1100" dirty="0"/>
               <a:t> 개발자</a:t>
             </a:r>
             <a:r>
-              <a:rPr lang="en-US" altLang="ko-KR" sz="1400" dirty="0"/>
+              <a:rPr lang="en-US" altLang="ko-KR" sz="1100" dirty="0"/>
               <a:t>(2021. 04 ~ 2021.08)</a:t>
             </a:r>
-            <a:endParaRPr lang="ko-KR" altLang="en-US" sz="1400" dirty="0"/>
+            <a:endParaRPr lang="ko-KR" altLang="en-US" sz="1100" dirty="0"/>
           </a:p>
         </p:txBody>
       </p:sp>
@@ -3978,62 +3978,6 @@
               <a:t>: https://github.com/ohjinhokor</a:t>
             </a:r>
             <a:endParaRPr lang="ko-KR" altLang="en-US" sz="1100" dirty="0"/>
-          </a:p>
-        </p:txBody>
-      </p:sp>
-      <p:sp>
-        <p:nvSpPr>
-          <p:cNvPr id="3" name="TextBox 2">
-            <a:extLst>
-              <a:ext uri="{FF2B5EF4-FFF2-40B4-BE49-F238E27FC236}">
-                <a16:creationId xmlns:a16="http://schemas.microsoft.com/office/drawing/2014/main" id="{C5B441CB-CDA3-4A7C-A5FD-40C627D20663}"/>
-              </a:ext>
-            </a:extLst>
-          </p:cNvPr>
-          <p:cNvSpPr txBox="1"/>
-          <p:nvPr/>
-        </p:nvSpPr>
-        <p:spPr>
-          <a:xfrm>
-            <a:off x="9537025" y="5822337"/>
-            <a:ext cx="3762602" cy="253916"/>
-          </a:xfrm>
-          <a:prstGeom prst="rect">
-            <a:avLst/>
-          </a:prstGeom>
-          <a:noFill/>
-        </p:spPr>
-        <p:txBody>
-          <a:bodyPr wrap="square" rtlCol="0">
-            <a:spAutoFit/>
-          </a:bodyPr>
-          <a:lstStyle/>
-          <a:p>
-            <a:r>
-              <a:rPr lang="ko-KR" altLang="en-US" sz="1050" dirty="0"/>
-              <a:t>사용 기술</a:t>
-            </a:r>
-            <a:r>
-              <a:rPr lang="en-US" altLang="ko-KR" sz="1050" dirty="0"/>
-              <a:t>: Java, </a:t>
-            </a:r>
-            <a:r>
-              <a:rPr lang="en-US" altLang="ko-KR" sz="1050" dirty="0" err="1"/>
-              <a:t>SpringBoot</a:t>
-            </a:r>
-            <a:r>
-              <a:rPr lang="en-US" altLang="ko-KR" sz="1050" dirty="0"/>
-              <a:t>, </a:t>
-            </a:r>
-            <a:r>
-              <a:rPr lang="en-US" altLang="ko-KR" sz="1050" dirty="0" err="1"/>
-              <a:t>Jpa</a:t>
-            </a:r>
-            <a:r>
-              <a:rPr lang="en-US" altLang="ko-KR" sz="1050" dirty="0"/>
-              <a:t>, MVC</a:t>
-            </a:r>
-            <a:endParaRPr lang="ko-KR" altLang="en-US" sz="1050" dirty="0"/>
           </a:p>
         </p:txBody>
       </p:sp>
@@ -4137,8 +4081,8 @@
         </p:nvSpPr>
         <p:spPr>
           <a:xfrm>
-            <a:off x="5783580" y="3420243"/>
-            <a:ext cx="5173980" cy="307777"/>
+            <a:off x="5783580" y="3315657"/>
+            <a:ext cx="5173980" cy="261610"/>
           </a:xfrm>
           <a:prstGeom prst="rect">
             <a:avLst/>
@@ -4152,30 +4096,186 @@
           <a:lstStyle/>
           <a:p>
             <a:r>
-              <a:rPr lang="ko-KR" altLang="en-US" sz="1400" dirty="0"/>
+              <a:rPr lang="ko-KR" altLang="en-US" sz="1100" dirty="0"/>
               <a:t>숭실대학교 </a:t>
             </a:r>
             <a:r>
-              <a:rPr lang="en-US" altLang="ko-KR" sz="1400" dirty="0"/>
+              <a:rPr lang="en-US" altLang="ko-KR" sz="1100" dirty="0"/>
               <a:t>HCI</a:t>
             </a:r>
             <a:r>
-              <a:rPr lang="ko-KR" altLang="en-US" sz="1400" dirty="0"/>
+              <a:rPr lang="ko-KR" altLang="en-US" sz="1100" dirty="0"/>
               <a:t>연구실 </a:t>
             </a:r>
             <a:r>
-              <a:rPr lang="ko-KR" altLang="en-US" sz="1400" dirty="0" err="1"/>
+              <a:rPr lang="ko-KR" altLang="en-US" sz="1100" dirty="0" err="1"/>
               <a:t>백엔드</a:t>
             </a:r>
             <a:r>
-              <a:rPr lang="ko-KR" altLang="en-US" sz="1400" dirty="0"/>
+              <a:rPr lang="ko-KR" altLang="en-US" sz="1100" dirty="0"/>
               <a:t> 개발자</a:t>
             </a:r>
             <a:r>
-              <a:rPr lang="en-US" altLang="ko-KR" sz="1400" dirty="0"/>
+              <a:rPr lang="en-US" altLang="ko-KR" sz="1100" dirty="0"/>
               <a:t>(2021.03 ~)</a:t>
             </a:r>
-            <a:endParaRPr lang="ko-KR" altLang="en-US" sz="1400" dirty="0"/>
+            <a:endParaRPr lang="ko-KR" altLang="en-US" sz="1100" dirty="0"/>
+          </a:p>
+        </p:txBody>
+      </p:sp>
+      <p:sp>
+        <p:nvSpPr>
+          <p:cNvPr id="13" name="TextBox 12">
+            <a:extLst>
+              <a:ext uri="{FF2B5EF4-FFF2-40B4-BE49-F238E27FC236}">
+                <a16:creationId xmlns:a16="http://schemas.microsoft.com/office/drawing/2014/main" id="{C3A6887C-B1DA-4C65-92C8-63DC460BC854}"/>
+              </a:ext>
+            </a:extLst>
+          </p:cNvPr>
+          <p:cNvSpPr txBox="1"/>
+          <p:nvPr/>
+        </p:nvSpPr>
+        <p:spPr>
+          <a:xfrm>
+            <a:off x="5783580" y="4203533"/>
+            <a:ext cx="6278880" cy="261610"/>
+          </a:xfrm>
+          <a:prstGeom prst="rect">
+            <a:avLst/>
+          </a:prstGeom>
+          <a:noFill/>
+        </p:spPr>
+        <p:txBody>
+          <a:bodyPr wrap="square" rtlCol="0">
+            <a:spAutoFit/>
+          </a:bodyPr>
+          <a:lstStyle/>
+          <a:p>
+            <a:r>
+              <a:rPr lang="en-US" altLang="ko-KR" sz="1100" dirty="0"/>
+              <a:t>Google Developers Social Club </a:t>
+            </a:r>
+            <a:r>
+              <a:rPr lang="ko-KR" altLang="en-US" sz="1100" dirty="0"/>
+              <a:t>숭실대 지부 </a:t>
+            </a:r>
+            <a:r>
+              <a:rPr lang="en-US" altLang="ko-KR" sz="1100" dirty="0"/>
+              <a:t>Server/Cloud Member(2021.09~)</a:t>
+            </a:r>
+            <a:endParaRPr lang="ko-KR" altLang="en-US" sz="1100" dirty="0"/>
+          </a:p>
+        </p:txBody>
+      </p:sp>
+      <p:sp>
+        <p:nvSpPr>
+          <p:cNvPr id="14" name="TextBox 13">
+            <a:extLst>
+              <a:ext uri="{FF2B5EF4-FFF2-40B4-BE49-F238E27FC236}">
+                <a16:creationId xmlns:a16="http://schemas.microsoft.com/office/drawing/2014/main" id="{BB9BA9AE-E79D-4B05-BFF5-BCCBB1FB312E}"/>
+              </a:ext>
+            </a:extLst>
+          </p:cNvPr>
+          <p:cNvSpPr txBox="1"/>
+          <p:nvPr/>
+        </p:nvSpPr>
+        <p:spPr>
+          <a:xfrm>
+            <a:off x="5783580" y="4498343"/>
+            <a:ext cx="6278880" cy="261610"/>
+          </a:xfrm>
+          <a:prstGeom prst="rect">
+            <a:avLst/>
+          </a:prstGeom>
+          <a:noFill/>
+        </p:spPr>
+        <p:txBody>
+          <a:bodyPr wrap="square" rtlCol="0">
+            <a:spAutoFit/>
+          </a:bodyPr>
+          <a:lstStyle/>
+          <a:p>
+            <a:r>
+              <a:rPr lang="ko-KR" altLang="en-US" sz="1100" dirty="0"/>
+              <a:t>숭실대학교</a:t>
+            </a:r>
+            <a:r>
+              <a:rPr lang="en-US" altLang="ko-KR" sz="1100" dirty="0"/>
+              <a:t> </a:t>
+            </a:r>
+            <a:r>
+              <a:rPr lang="ko-KR" altLang="en-US" sz="1100" dirty="0"/>
+              <a:t>개발동아리 </a:t>
+            </a:r>
+            <a:r>
+              <a:rPr lang="ko-KR" altLang="en-US" sz="1100" dirty="0" err="1"/>
+              <a:t>유어슈</a:t>
+            </a:r>
+            <a:r>
+              <a:rPr lang="ko-KR" altLang="en-US" sz="1100" dirty="0"/>
+              <a:t> </a:t>
+            </a:r>
+            <a:r>
+              <a:rPr lang="ko-KR" altLang="en-US" sz="1100" dirty="0" err="1"/>
+              <a:t>백엔드</a:t>
+            </a:r>
+            <a:r>
+              <a:rPr lang="ko-KR" altLang="en-US" sz="1100" dirty="0"/>
+              <a:t> 팀원</a:t>
+            </a:r>
+            <a:r>
+              <a:rPr lang="en-US" altLang="ko-KR" sz="1100" dirty="0"/>
+              <a:t>(2021.10~)</a:t>
+            </a:r>
+            <a:endParaRPr lang="ko-KR" altLang="en-US" sz="1100" dirty="0"/>
+          </a:p>
+        </p:txBody>
+      </p:sp>
+      <p:sp>
+        <p:nvSpPr>
+          <p:cNvPr id="15" name="TextBox 14">
+            <a:extLst>
+              <a:ext uri="{FF2B5EF4-FFF2-40B4-BE49-F238E27FC236}">
+                <a16:creationId xmlns:a16="http://schemas.microsoft.com/office/drawing/2014/main" id="{AE70CFAB-9590-4219-B702-399DF8CA6F33}"/>
+              </a:ext>
+            </a:extLst>
+          </p:cNvPr>
+          <p:cNvSpPr txBox="1"/>
+          <p:nvPr/>
+        </p:nvSpPr>
+        <p:spPr>
+          <a:xfrm>
+            <a:off x="5783580" y="3908723"/>
+            <a:ext cx="6278880" cy="261610"/>
+          </a:xfrm>
+          <a:prstGeom prst="rect">
+            <a:avLst/>
+          </a:prstGeom>
+          <a:noFill/>
+        </p:spPr>
+        <p:txBody>
+          <a:bodyPr wrap="square" rtlCol="0">
+            <a:spAutoFit/>
+          </a:bodyPr>
+          <a:lstStyle/>
+          <a:p>
+            <a:r>
+              <a:rPr lang="ko-KR" altLang="en-US" sz="1100" dirty="0"/>
+              <a:t>대학 연합 동아리 </a:t>
+            </a:r>
+            <a:r>
+              <a:rPr lang="en-US" altLang="ko-KR" sz="1100" dirty="0"/>
+              <a:t>UMC </a:t>
+            </a:r>
+            <a:r>
+              <a:rPr lang="ko-KR" altLang="en-US" sz="1100" dirty="0"/>
+              <a:t>숭실대 지부 </a:t>
+            </a:r>
+            <a:r>
+              <a:rPr lang="en-US" altLang="ko-KR" sz="1100" dirty="0"/>
+              <a:t>Server Member(2021.08~)</a:t>
+            </a:r>
+            <a:endParaRPr lang="ko-KR" altLang="en-US" sz="1100" dirty="0"/>
           </a:p>
         </p:txBody>
       </p:sp>
@@ -4913,12 +5013,48 @@
           <a:chExt cx="0" cy="0"/>
         </a:xfrm>
       </p:grpSpPr>
-      <p:sp>
-        <p:nvSpPr>
-          <p:cNvPr id="65" name="직사각형 64">
-            <a:extLst>
-              <a:ext uri="{FF2B5EF4-FFF2-40B4-BE49-F238E27FC236}">
-                <a16:creationId xmlns:a16="http://schemas.microsoft.com/office/drawing/2014/main" id="{6FF8432A-69DB-46F7-8190-427FF91B9998}"/>
+      <p:pic>
+        <p:nvPicPr>
+          <p:cNvPr id="3" name="그림 2">
+            <a:extLst>
+              <a:ext uri="{FF2B5EF4-FFF2-40B4-BE49-F238E27FC236}">
+                <a16:creationId xmlns:a16="http://schemas.microsoft.com/office/drawing/2014/main" id="{571231B8-EF14-414A-AC59-EA7768C23BFD}"/>
+              </a:ext>
+            </a:extLst>
+          </p:cNvPr>
+          <p:cNvPicPr>
+            <a:picLocks noChangeAspect="1"/>
+          </p:cNvPicPr>
+          <p:nvPr/>
+        </p:nvPicPr>
+        <p:blipFill>
+          <a:blip r:embed="rId2">
+            <a:extLst>
+              <a:ext uri="{28A0092B-C50C-407E-A947-70E740481C1C}">
+                <a14:useLocalDpi xmlns:a14="http://schemas.microsoft.com/office/drawing/2010/main" val="0"/>
+              </a:ext>
+            </a:extLst>
+          </a:blip>
+          <a:stretch>
+            <a:fillRect/>
+          </a:stretch>
+        </p:blipFill>
+        <p:spPr>
+          <a:xfrm>
+            <a:off x="392130" y="868306"/>
+            <a:ext cx="5004506" cy="1445557"/>
+          </a:xfrm>
+          <a:prstGeom prst="rect">
+            <a:avLst/>
+          </a:prstGeom>
+        </p:spPr>
+      </p:pic>
+      <p:sp>
+        <p:nvSpPr>
+          <p:cNvPr id="4" name="object 6">
+            <a:extLst>
+              <a:ext uri="{FF2B5EF4-FFF2-40B4-BE49-F238E27FC236}">
+                <a16:creationId xmlns:a16="http://schemas.microsoft.com/office/drawing/2014/main" id="{A545290D-3CA4-4FA2-95E8-9278EA4D17BD}"/>
               </a:ext>
             </a:extLst>
           </p:cNvPr>
@@ -4927,8 +5063,618 @@
         </p:nvSpPr>
         <p:spPr>
           <a:xfrm>
-            <a:off x="5194170" y="2978270"/>
-            <a:ext cx="746760" cy="3756824"/>
+            <a:off x="6123918" y="471421"/>
+            <a:ext cx="127155" cy="121059"/>
+          </a:xfrm>
+          <a:prstGeom prst="rect">
+            <a:avLst/>
+          </a:prstGeom>
+          <a:blipFill>
+            <a:blip r:embed="rId3" cstate="print"/>
+            <a:stretch>
+              <a:fillRect/>
+            </a:stretch>
+          </a:blipFill>
+        </p:spPr>
+        <p:txBody>
+          <a:bodyPr wrap="square" lIns="0" tIns="0" rIns="0" bIns="0" rtlCol="0"/>
+          <a:lstStyle/>
+          <a:p>
+            <a:endParaRPr/>
+          </a:p>
+        </p:txBody>
+      </p:sp>
+      <p:sp>
+        <p:nvSpPr>
+          <p:cNvPr id="5" name="TextBox 4">
+            <a:extLst>
+              <a:ext uri="{FF2B5EF4-FFF2-40B4-BE49-F238E27FC236}">
+                <a16:creationId xmlns:a16="http://schemas.microsoft.com/office/drawing/2014/main" id="{8CC82E3D-6DE0-4E9E-84B2-A115D86CD670}"/>
+              </a:ext>
+            </a:extLst>
+          </p:cNvPr>
+          <p:cNvSpPr txBox="1"/>
+          <p:nvPr/>
+        </p:nvSpPr>
+        <p:spPr>
+          <a:xfrm>
+            <a:off x="6339071" y="347284"/>
+            <a:ext cx="2390775" cy="369332"/>
+          </a:xfrm>
+          <a:prstGeom prst="rect">
+            <a:avLst/>
+          </a:prstGeom>
+          <a:noFill/>
+        </p:spPr>
+        <p:txBody>
+          <a:bodyPr wrap="square" rtlCol="0">
+            <a:spAutoFit/>
+          </a:bodyPr>
+          <a:lstStyle/>
+          <a:p>
+            <a:r>
+              <a:rPr lang="ko-KR" altLang="en-US" b="1" dirty="0"/>
+              <a:t>미들웨어 사용</a:t>
+            </a:r>
+            <a:endParaRPr lang="en-US" altLang="ko-KR" b="1" dirty="0"/>
+          </a:p>
+        </p:txBody>
+      </p:sp>
+      <p:sp>
+        <p:nvSpPr>
+          <p:cNvPr id="6" name="TextBox 5">
+            <a:extLst>
+              <a:ext uri="{FF2B5EF4-FFF2-40B4-BE49-F238E27FC236}">
+                <a16:creationId xmlns:a16="http://schemas.microsoft.com/office/drawing/2014/main" id="{2F20D144-5A52-4928-B643-7010AFB681FA}"/>
+              </a:ext>
+            </a:extLst>
+          </p:cNvPr>
+          <p:cNvSpPr txBox="1"/>
+          <p:nvPr/>
+        </p:nvSpPr>
+        <p:spPr>
+          <a:xfrm>
+            <a:off x="6251072" y="804878"/>
+            <a:ext cx="5766807" cy="2308324"/>
+          </a:xfrm>
+          <a:prstGeom prst="rect">
+            <a:avLst/>
+          </a:prstGeom>
+          <a:noFill/>
+        </p:spPr>
+        <p:txBody>
+          <a:bodyPr wrap="square" rtlCol="0">
+            <a:spAutoFit/>
+          </a:bodyPr>
+          <a:lstStyle/>
+          <a:p>
+            <a:r>
+              <a:rPr lang="ko-KR" altLang="en-US" sz="1200" dirty="0"/>
+              <a:t>해당 서비스의 </a:t>
+            </a:r>
+            <a:r>
+              <a:rPr lang="ko-KR" altLang="en-US" sz="1200" b="1" dirty="0"/>
+              <a:t>보안</a:t>
+            </a:r>
+            <a:r>
+              <a:rPr lang="ko-KR" altLang="en-US" sz="1200" dirty="0"/>
+              <a:t>을 위해 </a:t>
+            </a:r>
+            <a:r>
+              <a:rPr lang="ko-KR" altLang="en-US" sz="1200" b="1" dirty="0"/>
+              <a:t>미들웨어</a:t>
+            </a:r>
+            <a:r>
+              <a:rPr lang="ko-KR" altLang="en-US" sz="1200" dirty="0"/>
+              <a:t>를 이용하였습니다</a:t>
+            </a:r>
+            <a:r>
+              <a:rPr lang="en-US" altLang="ko-KR" sz="1200" dirty="0"/>
+              <a:t>.</a:t>
+            </a:r>
+            <a:r>
+              <a:rPr lang="ko-KR" altLang="en-US" sz="1200" dirty="0"/>
+              <a:t> </a:t>
+            </a:r>
+            <a:endParaRPr lang="en-US" altLang="ko-KR" sz="1200" dirty="0"/>
+          </a:p>
+          <a:p>
+            <a:endParaRPr lang="en-US" altLang="ko-KR" sz="1200" dirty="0"/>
+          </a:p>
+          <a:p>
+            <a:pPr marL="228600" indent="-228600">
+              <a:buAutoNum type="arabicPeriod"/>
+            </a:pPr>
+            <a:r>
+              <a:rPr lang="en-US" altLang="ko-KR" sz="1200" dirty="0"/>
+              <a:t>HTTP header</a:t>
+            </a:r>
+            <a:r>
+              <a:rPr lang="ko-KR" altLang="en-US" sz="1200" dirty="0"/>
+              <a:t>를 사용하여 클라이언트로부터 </a:t>
+            </a:r>
+            <a:r>
+              <a:rPr lang="en-US" altLang="ko-KR" sz="1200" dirty="0" err="1"/>
+              <a:t>store_id</a:t>
+            </a:r>
+            <a:r>
+              <a:rPr lang="ko-KR" altLang="en-US" sz="1200" dirty="0"/>
+              <a:t>와 </a:t>
+            </a:r>
+            <a:r>
+              <a:rPr lang="en-US" altLang="ko-KR" sz="1200" dirty="0"/>
+              <a:t>JWT(</a:t>
+            </a:r>
+            <a:r>
+              <a:rPr lang="ko-KR" altLang="en-US" sz="1200" dirty="0"/>
+              <a:t>토큰</a:t>
+            </a:r>
+            <a:r>
+              <a:rPr lang="en-US" altLang="ko-KR" sz="1200" dirty="0"/>
+              <a:t>)</a:t>
+            </a:r>
+            <a:r>
+              <a:rPr lang="ko-KR" altLang="en-US" sz="1200" dirty="0"/>
+              <a:t>을 받아옵니다</a:t>
+            </a:r>
+            <a:r>
+              <a:rPr lang="en-US" altLang="ko-KR" sz="1200" dirty="0"/>
+              <a:t>.</a:t>
+            </a:r>
+          </a:p>
+          <a:p>
+            <a:pPr marL="228600" indent="-228600">
+              <a:buAutoNum type="arabicPeriod"/>
+            </a:pPr>
+            <a:endParaRPr lang="en-US" altLang="ko-KR" sz="1200" dirty="0"/>
+          </a:p>
+          <a:p>
+            <a:pPr marL="228600" indent="-228600">
+              <a:buAutoNum type="arabicPeriod"/>
+            </a:pPr>
+            <a:r>
+              <a:rPr lang="en-US" altLang="ko-KR" sz="1200" dirty="0"/>
+              <a:t>JWT(</a:t>
+            </a:r>
+            <a:r>
+              <a:rPr lang="ko-KR" altLang="en-US" sz="1200" dirty="0"/>
+              <a:t>토큰</a:t>
+            </a:r>
+            <a:r>
+              <a:rPr lang="en-US" altLang="ko-KR" sz="1200" dirty="0"/>
+              <a:t>)</a:t>
+            </a:r>
+            <a:r>
+              <a:rPr lang="ko-KR" altLang="en-US" sz="1200" dirty="0"/>
+              <a:t>에서 </a:t>
+            </a:r>
+            <a:r>
+              <a:rPr lang="en-US" altLang="ko-KR" sz="1200" dirty="0" err="1"/>
+              <a:t>user_id</a:t>
+            </a:r>
+            <a:r>
+              <a:rPr lang="ko-KR" altLang="en-US" sz="1200" dirty="0"/>
+              <a:t>를 추출하여 해당 </a:t>
+            </a:r>
+            <a:r>
+              <a:rPr lang="en-US" altLang="ko-KR" sz="1200" dirty="0"/>
+              <a:t>user</a:t>
+            </a:r>
+            <a:r>
+              <a:rPr lang="ko-KR" altLang="en-US" sz="1200" dirty="0"/>
+              <a:t>가 </a:t>
+            </a:r>
+            <a:r>
+              <a:rPr lang="en-US" altLang="ko-KR" sz="1200" dirty="0"/>
+              <a:t>header</a:t>
+            </a:r>
+            <a:r>
+              <a:rPr lang="ko-KR" altLang="en-US" sz="1200" dirty="0"/>
+              <a:t>에 들어있는 </a:t>
+            </a:r>
+            <a:r>
+              <a:rPr lang="en-US" altLang="ko-KR" sz="1200" dirty="0" err="1"/>
+              <a:t>store_id</a:t>
+            </a:r>
+            <a:r>
+              <a:rPr lang="ko-KR" altLang="en-US" sz="1200" dirty="0"/>
+              <a:t>를 </a:t>
+            </a:r>
+            <a:r>
+              <a:rPr lang="en-US" altLang="ko-KR" sz="1200" dirty="0"/>
+              <a:t>pk</a:t>
+            </a:r>
+            <a:r>
+              <a:rPr lang="ko-KR" altLang="en-US" sz="1200" dirty="0"/>
+              <a:t>값으로 갖는 </a:t>
+            </a:r>
+            <a:r>
+              <a:rPr lang="en-US" altLang="ko-KR" sz="1200" dirty="0"/>
+              <a:t>store</a:t>
+            </a:r>
+            <a:r>
+              <a:rPr lang="ko-KR" altLang="en-US" sz="1200" dirty="0"/>
+              <a:t>에 접근 권한이 있는지 확인합니다</a:t>
+            </a:r>
+            <a:r>
+              <a:rPr lang="en-US" altLang="ko-KR" sz="1200" dirty="0"/>
+              <a:t>.</a:t>
+            </a:r>
+          </a:p>
+          <a:p>
+            <a:pPr marL="228600" indent="-228600">
+              <a:buAutoNum type="arabicPeriod"/>
+            </a:pPr>
+            <a:endParaRPr lang="en-US" altLang="ko-KR" sz="1200" dirty="0"/>
+          </a:p>
+          <a:p>
+            <a:pPr marL="228600" indent="-228600">
+              <a:buAutoNum type="arabicPeriod"/>
+            </a:pPr>
+            <a:r>
+              <a:rPr lang="ko-KR" altLang="en-US" sz="1200" dirty="0"/>
+              <a:t>권한이 있다면 </a:t>
+            </a:r>
+            <a:r>
+              <a:rPr lang="en-US" altLang="ko-KR" sz="1200" dirty="0"/>
+              <a:t>user</a:t>
+            </a:r>
+            <a:r>
+              <a:rPr lang="ko-KR" altLang="en-US" sz="1200" dirty="0"/>
+              <a:t>는 해당 음식점의 메뉴 삭제</a:t>
+            </a:r>
+            <a:r>
+              <a:rPr lang="en-US" altLang="ko-KR" sz="1200" dirty="0"/>
+              <a:t>, </a:t>
+            </a:r>
+            <a:r>
+              <a:rPr lang="ko-KR" altLang="en-US" sz="1200" dirty="0"/>
+              <a:t>옵션 변경 등 음식점의 세부사항을 변경할 수 있습니다</a:t>
+            </a:r>
+            <a:r>
+              <a:rPr lang="en-US" altLang="ko-KR" sz="1200" dirty="0"/>
+              <a:t>.</a:t>
+            </a:r>
+          </a:p>
+          <a:p>
+            <a:pPr marL="228600" indent="-228600">
+              <a:buAutoNum type="arabicPeriod"/>
+            </a:pPr>
+            <a:endParaRPr lang="en-US" altLang="ko-KR" sz="1200" dirty="0"/>
+          </a:p>
+          <a:p>
+            <a:pPr marL="228600" indent="-228600">
+              <a:buAutoNum type="arabicPeriod"/>
+            </a:pPr>
+            <a:endParaRPr lang="en-US" altLang="ko-KR" sz="1200" dirty="0"/>
+          </a:p>
+        </p:txBody>
+      </p:sp>
+      <p:sp>
+        <p:nvSpPr>
+          <p:cNvPr id="8" name="TextBox 7">
+            <a:extLst>
+              <a:ext uri="{FF2B5EF4-FFF2-40B4-BE49-F238E27FC236}">
+                <a16:creationId xmlns:a16="http://schemas.microsoft.com/office/drawing/2014/main" id="{4594AA78-5634-4ABD-9C2B-FA205AAF2888}"/>
+              </a:ext>
+            </a:extLst>
+          </p:cNvPr>
+          <p:cNvSpPr txBox="1"/>
+          <p:nvPr/>
+        </p:nvSpPr>
+        <p:spPr>
+          <a:xfrm>
+            <a:off x="6339071" y="3521231"/>
+            <a:ext cx="2390775" cy="369332"/>
+          </a:xfrm>
+          <a:prstGeom prst="rect">
+            <a:avLst/>
+          </a:prstGeom>
+          <a:noFill/>
+        </p:spPr>
+        <p:txBody>
+          <a:bodyPr wrap="square" rtlCol="0">
+            <a:spAutoFit/>
+          </a:bodyPr>
+          <a:lstStyle/>
+          <a:p>
+            <a:r>
+              <a:rPr lang="en-US" altLang="ko-KR" b="1" dirty="0"/>
+              <a:t>JWT</a:t>
+            </a:r>
+            <a:r>
+              <a:rPr lang="ko-KR" altLang="en-US" b="1" dirty="0"/>
+              <a:t> 인증 사용</a:t>
+            </a:r>
+            <a:endParaRPr lang="en-US" altLang="ko-KR" b="1" dirty="0"/>
+          </a:p>
+        </p:txBody>
+      </p:sp>
+      <p:sp>
+        <p:nvSpPr>
+          <p:cNvPr id="9" name="TextBox 8">
+            <a:extLst>
+              <a:ext uri="{FF2B5EF4-FFF2-40B4-BE49-F238E27FC236}">
+                <a16:creationId xmlns:a16="http://schemas.microsoft.com/office/drawing/2014/main" id="{03C08083-D226-4FD5-8E5F-6CD98967450A}"/>
+              </a:ext>
+            </a:extLst>
+          </p:cNvPr>
+          <p:cNvSpPr txBox="1"/>
+          <p:nvPr/>
+        </p:nvSpPr>
+        <p:spPr>
+          <a:xfrm>
+            <a:off x="6339071" y="4016733"/>
+            <a:ext cx="5766807" cy="2023631"/>
+          </a:xfrm>
+          <a:prstGeom prst="rect">
+            <a:avLst/>
+          </a:prstGeom>
+          <a:noFill/>
+        </p:spPr>
+        <p:txBody>
+          <a:bodyPr wrap="square" rtlCol="0">
+            <a:spAutoFit/>
+          </a:bodyPr>
+          <a:lstStyle/>
+          <a:p>
+            <a:r>
+              <a:rPr lang="en-US" altLang="ko-KR" sz="1300" dirty="0"/>
+              <a:t>Token</a:t>
+            </a:r>
+            <a:r>
+              <a:rPr lang="ko-KR" altLang="en-US" sz="1300" dirty="0"/>
+              <a:t>이 </a:t>
+            </a:r>
+            <a:r>
+              <a:rPr lang="ko-KR" altLang="en-US" sz="1300" b="1" dirty="0"/>
+              <a:t>탈취</a:t>
+            </a:r>
+            <a:r>
+              <a:rPr lang="ko-KR" altLang="en-US" sz="1300" dirty="0"/>
+              <a:t> 될 위험이 있기에</a:t>
+            </a:r>
+            <a:r>
+              <a:rPr lang="en-US" altLang="ko-KR" sz="1300" dirty="0"/>
+              <a:t>, Refresh token</a:t>
+            </a:r>
+            <a:r>
+              <a:rPr lang="ko-KR" altLang="en-US" sz="1300" dirty="0"/>
+              <a:t>의 </a:t>
+            </a:r>
+            <a:r>
+              <a:rPr lang="en-US" altLang="ko-KR" sz="1300" b="1" dirty="0"/>
+              <a:t>index</a:t>
+            </a:r>
+            <a:r>
+              <a:rPr lang="ko-KR" altLang="en-US" sz="1300" dirty="0"/>
+              <a:t>값으로 로직을 수행하도록 설계하였습니다</a:t>
+            </a:r>
+            <a:r>
+              <a:rPr lang="en-US" altLang="ko-KR" sz="1300" dirty="0"/>
+              <a:t>.</a:t>
+            </a:r>
+          </a:p>
+          <a:p>
+            <a:endParaRPr lang="en-US" altLang="ko-KR" sz="950" dirty="0"/>
+          </a:p>
+          <a:p>
+            <a:pPr marL="228600" indent="-228600">
+              <a:buAutoNum type="arabicPeriod"/>
+            </a:pPr>
+            <a:r>
+              <a:rPr lang="en-US" altLang="ko-KR" sz="1000" dirty="0"/>
+              <a:t>Refresh Token</a:t>
+            </a:r>
+            <a:r>
+              <a:rPr lang="ko-KR" altLang="en-US" sz="1000" dirty="0"/>
+              <a:t>의 저장위치는 </a:t>
+            </a:r>
+            <a:r>
+              <a:rPr lang="en-US" altLang="ko-KR" sz="1000" dirty="0"/>
+              <a:t>DB</a:t>
+            </a:r>
+            <a:r>
+              <a:rPr lang="ko-KR" altLang="en-US" sz="1000" dirty="0"/>
+              <a:t>로 하였습니다</a:t>
+            </a:r>
+            <a:endParaRPr lang="en-US" altLang="ko-KR" sz="1000" dirty="0"/>
+          </a:p>
+          <a:p>
+            <a:pPr marL="228600" indent="-228600">
+              <a:buAutoNum type="arabicPeriod"/>
+            </a:pPr>
+            <a:endParaRPr lang="en-US" altLang="ko-KR" sz="1000" dirty="0"/>
+          </a:p>
+          <a:p>
+            <a:pPr marL="228600" indent="-228600">
+              <a:buAutoNum type="arabicPeriod"/>
+            </a:pPr>
+            <a:r>
+              <a:rPr lang="en-US" altLang="ko-KR" sz="1000" dirty="0"/>
+              <a:t>Response </a:t>
+            </a:r>
+            <a:r>
+              <a:rPr lang="ko-KR" altLang="en-US" sz="1000" dirty="0"/>
+              <a:t>값으로 </a:t>
+            </a:r>
+            <a:r>
+              <a:rPr lang="en-US" altLang="ko-KR" sz="1000" dirty="0"/>
+              <a:t>Access token</a:t>
+            </a:r>
+            <a:r>
+              <a:rPr lang="ko-KR" altLang="en-US" sz="1000" dirty="0"/>
+              <a:t>과 </a:t>
+            </a:r>
+            <a:r>
+              <a:rPr lang="en-US" altLang="ko-KR" sz="1000" dirty="0"/>
+              <a:t>‘Refresh token</a:t>
+            </a:r>
+            <a:r>
+              <a:rPr lang="ko-KR" altLang="en-US" sz="1000" dirty="0"/>
+              <a:t>의 </a:t>
+            </a:r>
+            <a:r>
+              <a:rPr lang="en-US" altLang="ko-KR" sz="1000" dirty="0"/>
+              <a:t>index’ </a:t>
+            </a:r>
+            <a:r>
+              <a:rPr lang="ko-KR" altLang="en-US" sz="1000" dirty="0"/>
+              <a:t>값을 반환합니다</a:t>
+            </a:r>
+            <a:r>
+              <a:rPr lang="en-US" altLang="ko-KR" sz="1000" dirty="0"/>
+              <a:t>. Index</a:t>
+            </a:r>
+            <a:r>
+              <a:rPr lang="ko-KR" altLang="en-US" sz="1000" dirty="0"/>
+              <a:t>값은 각 </a:t>
+            </a:r>
+            <a:r>
+              <a:rPr lang="en-US" altLang="ko-KR" sz="1000" dirty="0"/>
+              <a:t>Refresh token</a:t>
+            </a:r>
+            <a:r>
+              <a:rPr lang="ko-KR" altLang="en-US" sz="1000" dirty="0"/>
+              <a:t>의 </a:t>
+            </a:r>
+            <a:r>
+              <a:rPr lang="en-US" altLang="ko-KR" sz="1000" dirty="0"/>
+              <a:t>pk</a:t>
+            </a:r>
+            <a:r>
+              <a:rPr lang="ko-KR" altLang="en-US" sz="1000" dirty="0"/>
+              <a:t>입니다</a:t>
+            </a:r>
+            <a:r>
+              <a:rPr lang="en-US" altLang="ko-KR" sz="1000" dirty="0"/>
+              <a:t>.</a:t>
+            </a:r>
+          </a:p>
+          <a:p>
+            <a:pPr marL="228600" indent="-228600">
+              <a:buAutoNum type="arabicPeriod"/>
+            </a:pPr>
+            <a:endParaRPr lang="en-US" altLang="ko-KR" sz="1000" dirty="0"/>
+          </a:p>
+          <a:p>
+            <a:pPr marL="228600" indent="-228600">
+              <a:buAutoNum type="arabicPeriod"/>
+            </a:pPr>
+            <a:r>
+              <a:rPr lang="en-US" altLang="ko-KR" sz="1000" dirty="0"/>
+              <a:t>Refresh token</a:t>
+            </a:r>
+            <a:r>
+              <a:rPr lang="ko-KR" altLang="en-US" sz="1000" dirty="0"/>
+              <a:t>의 유효성 검사는 크게 </a:t>
+            </a:r>
+            <a:r>
+              <a:rPr lang="en-US" altLang="ko-KR" sz="1000" dirty="0"/>
+              <a:t>2</a:t>
+            </a:r>
+            <a:r>
+              <a:rPr lang="ko-KR" altLang="en-US" sz="1000" dirty="0"/>
+              <a:t>가지입니다</a:t>
+            </a:r>
+            <a:r>
+              <a:rPr lang="en-US" altLang="ko-KR" sz="1000" dirty="0"/>
+              <a:t>.</a:t>
+            </a:r>
+          </a:p>
+          <a:p>
+            <a:r>
+              <a:rPr lang="en-US" altLang="ko-KR" sz="900" dirty="0"/>
+              <a:t>  1) refresh</a:t>
+            </a:r>
+            <a:r>
+              <a:rPr lang="ko-KR" altLang="en-US" sz="900" dirty="0"/>
+              <a:t> </a:t>
+            </a:r>
+            <a:r>
+              <a:rPr lang="en-US" altLang="ko-KR" sz="900" dirty="0"/>
+              <a:t>token</a:t>
+            </a:r>
+            <a:r>
+              <a:rPr lang="ko-KR" altLang="en-US" sz="900" dirty="0"/>
+              <a:t>의 유효시간 확인</a:t>
+            </a:r>
+            <a:endParaRPr lang="en-US" altLang="ko-KR" sz="900" dirty="0"/>
+          </a:p>
+          <a:p>
+            <a:r>
+              <a:rPr lang="en-US" altLang="ko-KR" sz="900" dirty="0"/>
+              <a:t>  2) access token</a:t>
+            </a:r>
+            <a:r>
+              <a:rPr lang="ko-KR" altLang="en-US" sz="900" dirty="0"/>
+              <a:t>에 저장되어 있는 </a:t>
+            </a:r>
+            <a:r>
+              <a:rPr lang="en-US" altLang="ko-KR" sz="900" dirty="0" err="1"/>
+              <a:t>user_id</a:t>
+            </a:r>
+            <a:r>
+              <a:rPr lang="en-US" altLang="ko-KR" sz="900" dirty="0"/>
+              <a:t> </a:t>
+            </a:r>
+            <a:r>
+              <a:rPr lang="ko-KR" altLang="en-US" sz="900" dirty="0"/>
+              <a:t>와 </a:t>
+            </a:r>
+            <a:r>
+              <a:rPr lang="en-US" altLang="ko-KR" sz="900" dirty="0"/>
+              <a:t>refresh</a:t>
+            </a:r>
+            <a:r>
+              <a:rPr lang="ko-KR" altLang="en-US" sz="900" dirty="0"/>
+              <a:t> </a:t>
+            </a:r>
+            <a:r>
+              <a:rPr lang="en-US" altLang="ko-KR" sz="900" dirty="0"/>
+              <a:t>token</a:t>
+            </a:r>
+            <a:r>
+              <a:rPr lang="ko-KR" altLang="en-US" sz="900" dirty="0"/>
+              <a:t>에 저장되어 있는 </a:t>
+            </a:r>
+            <a:r>
+              <a:rPr lang="en-US" altLang="ko-KR" sz="900" dirty="0" err="1"/>
+              <a:t>user_id</a:t>
+            </a:r>
+            <a:r>
+              <a:rPr lang="ko-KR" altLang="en-US" sz="900" dirty="0"/>
+              <a:t>의 일치 여부</a:t>
+            </a:r>
+            <a:r>
+              <a:rPr lang="en-US" altLang="ko-KR" sz="900" dirty="0"/>
+              <a:t>   </a:t>
+            </a:r>
+          </a:p>
+          <a:p>
+            <a:pPr marL="228600" indent="-228600">
+              <a:buAutoNum type="arabicPeriod"/>
+            </a:pPr>
+            <a:endParaRPr lang="en-US" altLang="ko-KR" sz="1200" dirty="0"/>
+          </a:p>
+        </p:txBody>
+      </p:sp>
+      <p:sp>
+        <p:nvSpPr>
+          <p:cNvPr id="2" name="직사각형 1">
+            <a:extLst>
+              <a:ext uri="{FF2B5EF4-FFF2-40B4-BE49-F238E27FC236}">
+                <a16:creationId xmlns:a16="http://schemas.microsoft.com/office/drawing/2014/main" id="{BDF2FF74-54BD-4DF7-AFC3-8559026B5F9A}"/>
+              </a:ext>
+            </a:extLst>
+          </p:cNvPr>
+          <p:cNvSpPr/>
+          <p:nvPr/>
+        </p:nvSpPr>
+        <p:spPr>
+          <a:xfrm>
+            <a:off x="312826" y="2773266"/>
+            <a:ext cx="746760" cy="369330"/>
           </a:xfrm>
           <a:prstGeom prst="rect">
             <a:avLst/>
@@ -4955,900 +5701,7 @@
           <a:lstStyle/>
           <a:p>
             <a:pPr algn="ctr"/>
-            <a:r>
-              <a:rPr lang="en-US" altLang="ko-KR" dirty="0">
-                <a:solidFill>
-                  <a:schemeClr val="tx1"/>
-                </a:solidFill>
-              </a:rPr>
-              <a:t>D</a:t>
-            </a:r>
-          </a:p>
-          <a:p>
-            <a:pPr algn="ctr"/>
-            <a:r>
-              <a:rPr lang="en-US" altLang="ko-KR" dirty="0">
-                <a:solidFill>
-                  <a:schemeClr val="tx1"/>
-                </a:solidFill>
-              </a:rPr>
-              <a:t>B</a:t>
-            </a:r>
-            <a:endParaRPr lang="ko-KR" altLang="en-US" dirty="0">
-              <a:solidFill>
-                <a:schemeClr val="tx1"/>
-              </a:solidFill>
-            </a:endParaRPr>
-          </a:p>
-        </p:txBody>
-      </p:sp>
-      <p:pic>
-        <p:nvPicPr>
-          <p:cNvPr id="3" name="그림 2">
-            <a:extLst>
-              <a:ext uri="{FF2B5EF4-FFF2-40B4-BE49-F238E27FC236}">
-                <a16:creationId xmlns:a16="http://schemas.microsoft.com/office/drawing/2014/main" id="{571231B8-EF14-414A-AC59-EA7768C23BFD}"/>
-              </a:ext>
-            </a:extLst>
-          </p:cNvPr>
-          <p:cNvPicPr>
-            <a:picLocks noChangeAspect="1"/>
-          </p:cNvPicPr>
-          <p:nvPr/>
-        </p:nvPicPr>
-        <p:blipFill>
-          <a:blip r:embed="rId2">
-            <a:extLst>
-              <a:ext uri="{28A0092B-C50C-407E-A947-70E740481C1C}">
-                <a14:useLocalDpi xmlns:a14="http://schemas.microsoft.com/office/drawing/2010/main" val="0"/>
-              </a:ext>
-            </a:extLst>
-          </a:blip>
-          <a:stretch>
-            <a:fillRect/>
-          </a:stretch>
-        </p:blipFill>
-        <p:spPr>
-          <a:xfrm>
-            <a:off x="392130" y="868306"/>
-            <a:ext cx="5004506" cy="1445557"/>
-          </a:xfrm>
-          <a:prstGeom prst="rect">
-            <a:avLst/>
-          </a:prstGeom>
-        </p:spPr>
-      </p:pic>
-      <p:sp>
-        <p:nvSpPr>
-          <p:cNvPr id="4" name="object 6">
-            <a:extLst>
-              <a:ext uri="{FF2B5EF4-FFF2-40B4-BE49-F238E27FC236}">
-                <a16:creationId xmlns:a16="http://schemas.microsoft.com/office/drawing/2014/main" id="{A545290D-3CA4-4FA2-95E8-9278EA4D17BD}"/>
-              </a:ext>
-            </a:extLst>
-          </p:cNvPr>
-          <p:cNvSpPr/>
-          <p:nvPr/>
-        </p:nvSpPr>
-        <p:spPr>
-          <a:xfrm>
-            <a:off x="6123918" y="471421"/>
-            <a:ext cx="127155" cy="121059"/>
-          </a:xfrm>
-          <a:prstGeom prst="rect">
-            <a:avLst/>
-          </a:prstGeom>
-          <a:blipFill>
-            <a:blip r:embed="rId3" cstate="print"/>
-            <a:stretch>
-              <a:fillRect/>
-            </a:stretch>
-          </a:blipFill>
-        </p:spPr>
-        <p:txBody>
-          <a:bodyPr wrap="square" lIns="0" tIns="0" rIns="0" bIns="0" rtlCol="0"/>
-          <a:lstStyle/>
-          <a:p>
-            <a:endParaRPr/>
-          </a:p>
-        </p:txBody>
-      </p:sp>
-      <p:sp>
-        <p:nvSpPr>
-          <p:cNvPr id="5" name="TextBox 4">
-            <a:extLst>
-              <a:ext uri="{FF2B5EF4-FFF2-40B4-BE49-F238E27FC236}">
-                <a16:creationId xmlns:a16="http://schemas.microsoft.com/office/drawing/2014/main" id="{8CC82E3D-6DE0-4E9E-84B2-A115D86CD670}"/>
-              </a:ext>
-            </a:extLst>
-          </p:cNvPr>
-          <p:cNvSpPr txBox="1"/>
-          <p:nvPr/>
-        </p:nvSpPr>
-        <p:spPr>
-          <a:xfrm>
-            <a:off x="6339071" y="347284"/>
-            <a:ext cx="2390775" cy="369332"/>
-          </a:xfrm>
-          <a:prstGeom prst="rect">
-            <a:avLst/>
-          </a:prstGeom>
-          <a:noFill/>
-        </p:spPr>
-        <p:txBody>
-          <a:bodyPr wrap="square" rtlCol="0">
-            <a:spAutoFit/>
-          </a:bodyPr>
-          <a:lstStyle/>
-          <a:p>
-            <a:r>
-              <a:rPr lang="ko-KR" altLang="en-US" b="1" dirty="0"/>
-              <a:t>미들웨어 사용</a:t>
-            </a:r>
-            <a:endParaRPr lang="en-US" altLang="ko-KR" b="1" dirty="0"/>
-          </a:p>
-        </p:txBody>
-      </p:sp>
-      <p:sp>
-        <p:nvSpPr>
-          <p:cNvPr id="6" name="TextBox 5">
-            <a:extLst>
-              <a:ext uri="{FF2B5EF4-FFF2-40B4-BE49-F238E27FC236}">
-                <a16:creationId xmlns:a16="http://schemas.microsoft.com/office/drawing/2014/main" id="{2F20D144-5A52-4928-B643-7010AFB681FA}"/>
-              </a:ext>
-            </a:extLst>
-          </p:cNvPr>
-          <p:cNvSpPr txBox="1"/>
-          <p:nvPr/>
-        </p:nvSpPr>
-        <p:spPr>
-          <a:xfrm>
-            <a:off x="6251072" y="804878"/>
-            <a:ext cx="5766807" cy="2308324"/>
-          </a:xfrm>
-          <a:prstGeom prst="rect">
-            <a:avLst/>
-          </a:prstGeom>
-          <a:noFill/>
-        </p:spPr>
-        <p:txBody>
-          <a:bodyPr wrap="square" rtlCol="0">
-            <a:spAutoFit/>
-          </a:bodyPr>
-          <a:lstStyle/>
-          <a:p>
-            <a:r>
-              <a:rPr lang="ko-KR" altLang="en-US" sz="1200" dirty="0"/>
-              <a:t>해당 서비스의 </a:t>
-            </a:r>
-            <a:r>
-              <a:rPr lang="ko-KR" altLang="en-US" sz="1200" b="1" dirty="0"/>
-              <a:t>보안</a:t>
-            </a:r>
-            <a:r>
-              <a:rPr lang="ko-KR" altLang="en-US" sz="1200" dirty="0"/>
-              <a:t>을 위해 </a:t>
-            </a:r>
-            <a:r>
-              <a:rPr lang="ko-KR" altLang="en-US" sz="1200" b="1" dirty="0"/>
-              <a:t>미들웨어</a:t>
-            </a:r>
-            <a:r>
-              <a:rPr lang="ko-KR" altLang="en-US" sz="1200" dirty="0"/>
-              <a:t>를 이용하였습니다</a:t>
-            </a:r>
-            <a:r>
-              <a:rPr lang="en-US" altLang="ko-KR" sz="1200" dirty="0"/>
-              <a:t>.</a:t>
-            </a:r>
-            <a:r>
-              <a:rPr lang="ko-KR" altLang="en-US" sz="1200" dirty="0"/>
-              <a:t> </a:t>
-            </a:r>
-            <a:endParaRPr lang="en-US" altLang="ko-KR" sz="1200" dirty="0"/>
-          </a:p>
-          <a:p>
-            <a:endParaRPr lang="en-US" altLang="ko-KR" sz="1200" dirty="0"/>
-          </a:p>
-          <a:p>
-            <a:pPr marL="228600" indent="-228600">
-              <a:buAutoNum type="arabicPeriod"/>
-            </a:pPr>
-            <a:r>
-              <a:rPr lang="en-US" altLang="ko-KR" sz="1200" dirty="0"/>
-              <a:t>HTTP header</a:t>
-            </a:r>
-            <a:r>
-              <a:rPr lang="ko-KR" altLang="en-US" sz="1200" dirty="0"/>
-              <a:t>를 사용하여 클라이언트로부터 </a:t>
-            </a:r>
-            <a:r>
-              <a:rPr lang="en-US" altLang="ko-KR" sz="1200" dirty="0" err="1"/>
-              <a:t>store_id</a:t>
-            </a:r>
-            <a:r>
-              <a:rPr lang="ko-KR" altLang="en-US" sz="1200" dirty="0"/>
-              <a:t>와 </a:t>
-            </a:r>
-            <a:r>
-              <a:rPr lang="en-US" altLang="ko-KR" sz="1200" dirty="0"/>
-              <a:t>JWT(</a:t>
-            </a:r>
-            <a:r>
-              <a:rPr lang="ko-KR" altLang="en-US" sz="1200" dirty="0"/>
-              <a:t>토큰</a:t>
-            </a:r>
-            <a:r>
-              <a:rPr lang="en-US" altLang="ko-KR" sz="1200" dirty="0"/>
-              <a:t>)</a:t>
-            </a:r>
-            <a:r>
-              <a:rPr lang="ko-KR" altLang="en-US" sz="1200" dirty="0"/>
-              <a:t>을 받아옵니다</a:t>
-            </a:r>
-            <a:r>
-              <a:rPr lang="en-US" altLang="ko-KR" sz="1200" dirty="0"/>
-              <a:t>.</a:t>
-            </a:r>
-          </a:p>
-          <a:p>
-            <a:pPr marL="228600" indent="-228600">
-              <a:buAutoNum type="arabicPeriod"/>
-            </a:pPr>
-            <a:endParaRPr lang="en-US" altLang="ko-KR" sz="1200" dirty="0"/>
-          </a:p>
-          <a:p>
-            <a:pPr marL="228600" indent="-228600">
-              <a:buAutoNum type="arabicPeriod"/>
-            </a:pPr>
-            <a:r>
-              <a:rPr lang="en-US" altLang="ko-KR" sz="1200" dirty="0"/>
-              <a:t>JWT(</a:t>
-            </a:r>
-            <a:r>
-              <a:rPr lang="ko-KR" altLang="en-US" sz="1200" dirty="0"/>
-              <a:t>토큰</a:t>
-            </a:r>
-            <a:r>
-              <a:rPr lang="en-US" altLang="ko-KR" sz="1200" dirty="0"/>
-              <a:t>)</a:t>
-            </a:r>
-            <a:r>
-              <a:rPr lang="ko-KR" altLang="en-US" sz="1200" dirty="0"/>
-              <a:t>에서 </a:t>
-            </a:r>
-            <a:r>
-              <a:rPr lang="en-US" altLang="ko-KR" sz="1200" dirty="0" err="1"/>
-              <a:t>user_id</a:t>
-            </a:r>
-            <a:r>
-              <a:rPr lang="ko-KR" altLang="en-US" sz="1200" dirty="0"/>
-              <a:t>를 추출하여 해당 </a:t>
-            </a:r>
-            <a:r>
-              <a:rPr lang="en-US" altLang="ko-KR" sz="1200" dirty="0"/>
-              <a:t>user</a:t>
-            </a:r>
-            <a:r>
-              <a:rPr lang="ko-KR" altLang="en-US" sz="1200" dirty="0"/>
-              <a:t>가 </a:t>
-            </a:r>
-            <a:r>
-              <a:rPr lang="en-US" altLang="ko-KR" sz="1200" dirty="0"/>
-              <a:t>header</a:t>
-            </a:r>
-            <a:r>
-              <a:rPr lang="ko-KR" altLang="en-US" sz="1200" dirty="0"/>
-              <a:t>에 들어있는 </a:t>
-            </a:r>
-            <a:r>
-              <a:rPr lang="en-US" altLang="ko-KR" sz="1200" dirty="0" err="1"/>
-              <a:t>store_id</a:t>
-            </a:r>
-            <a:r>
-              <a:rPr lang="ko-KR" altLang="en-US" sz="1200" dirty="0"/>
-              <a:t>를 </a:t>
-            </a:r>
-            <a:r>
-              <a:rPr lang="en-US" altLang="ko-KR" sz="1200" dirty="0"/>
-              <a:t>pk</a:t>
-            </a:r>
-            <a:r>
-              <a:rPr lang="ko-KR" altLang="en-US" sz="1200" dirty="0"/>
-              <a:t>값으로 갖는 </a:t>
-            </a:r>
-            <a:r>
-              <a:rPr lang="en-US" altLang="ko-KR" sz="1200" dirty="0"/>
-              <a:t>store</a:t>
-            </a:r>
-            <a:r>
-              <a:rPr lang="ko-KR" altLang="en-US" sz="1200" dirty="0"/>
-              <a:t>에 접근 권한이 있는지 확인합니다</a:t>
-            </a:r>
-            <a:r>
-              <a:rPr lang="en-US" altLang="ko-KR" sz="1200" dirty="0"/>
-              <a:t>.</a:t>
-            </a:r>
-          </a:p>
-          <a:p>
-            <a:pPr marL="228600" indent="-228600">
-              <a:buAutoNum type="arabicPeriod"/>
-            </a:pPr>
-            <a:endParaRPr lang="en-US" altLang="ko-KR" sz="1200" dirty="0"/>
-          </a:p>
-          <a:p>
-            <a:pPr marL="228600" indent="-228600">
-              <a:buAutoNum type="arabicPeriod"/>
-            </a:pPr>
-            <a:r>
-              <a:rPr lang="ko-KR" altLang="en-US" sz="1200" dirty="0"/>
-              <a:t>권한이 있다면 </a:t>
-            </a:r>
-            <a:r>
-              <a:rPr lang="en-US" altLang="ko-KR" sz="1200" dirty="0"/>
-              <a:t>user</a:t>
-            </a:r>
-            <a:r>
-              <a:rPr lang="ko-KR" altLang="en-US" sz="1200" dirty="0"/>
-              <a:t>는 해당 음식점의 메뉴 삭제</a:t>
-            </a:r>
-            <a:r>
-              <a:rPr lang="en-US" altLang="ko-KR" sz="1200" dirty="0"/>
-              <a:t>, </a:t>
-            </a:r>
-            <a:r>
-              <a:rPr lang="ko-KR" altLang="en-US" sz="1200" dirty="0"/>
-              <a:t>옵션 변경 등 음식점의 세부사항을 변경할 수 있습니다</a:t>
-            </a:r>
-            <a:r>
-              <a:rPr lang="en-US" altLang="ko-KR" sz="1200" dirty="0"/>
-              <a:t>.</a:t>
-            </a:r>
-          </a:p>
-          <a:p>
-            <a:pPr marL="228600" indent="-228600">
-              <a:buAutoNum type="arabicPeriod"/>
-            </a:pPr>
-            <a:endParaRPr lang="en-US" altLang="ko-KR" sz="1200" dirty="0"/>
-          </a:p>
-          <a:p>
-            <a:pPr marL="228600" indent="-228600">
-              <a:buAutoNum type="arabicPeriod"/>
-            </a:pPr>
-            <a:endParaRPr lang="en-US" altLang="ko-KR" sz="1200" dirty="0"/>
-          </a:p>
-        </p:txBody>
-      </p:sp>
-      <p:sp>
-        <p:nvSpPr>
-          <p:cNvPr id="7" name="object 6">
-            <a:extLst>
-              <a:ext uri="{FF2B5EF4-FFF2-40B4-BE49-F238E27FC236}">
-                <a16:creationId xmlns:a16="http://schemas.microsoft.com/office/drawing/2014/main" id="{AE805891-8B5B-4D37-806E-00D7EC22661A}"/>
-              </a:ext>
-            </a:extLst>
-          </p:cNvPr>
-          <p:cNvSpPr/>
-          <p:nvPr/>
-        </p:nvSpPr>
-        <p:spPr>
-          <a:xfrm>
-            <a:off x="6123917" y="3113338"/>
-            <a:ext cx="127155" cy="121059"/>
-          </a:xfrm>
-          <a:prstGeom prst="rect">
-            <a:avLst/>
-          </a:prstGeom>
-          <a:blipFill>
-            <a:blip r:embed="rId3" cstate="print"/>
-            <a:stretch>
-              <a:fillRect/>
-            </a:stretch>
-          </a:blipFill>
-        </p:spPr>
-        <p:txBody>
-          <a:bodyPr wrap="square" lIns="0" tIns="0" rIns="0" bIns="0" rtlCol="0"/>
-          <a:lstStyle/>
-          <a:p>
-            <a:endParaRPr/>
-          </a:p>
-        </p:txBody>
-      </p:sp>
-      <p:sp>
-        <p:nvSpPr>
-          <p:cNvPr id="8" name="TextBox 7">
-            <a:extLst>
-              <a:ext uri="{FF2B5EF4-FFF2-40B4-BE49-F238E27FC236}">
-                <a16:creationId xmlns:a16="http://schemas.microsoft.com/office/drawing/2014/main" id="{4594AA78-5634-4ABD-9C2B-FA205AAF2888}"/>
-              </a:ext>
-            </a:extLst>
-          </p:cNvPr>
-          <p:cNvSpPr txBox="1"/>
-          <p:nvPr/>
-        </p:nvSpPr>
-        <p:spPr>
-          <a:xfrm>
-            <a:off x="6339070" y="2989201"/>
-            <a:ext cx="2390775" cy="369332"/>
-          </a:xfrm>
-          <a:prstGeom prst="rect">
-            <a:avLst/>
-          </a:prstGeom>
-          <a:noFill/>
-        </p:spPr>
-        <p:txBody>
-          <a:bodyPr wrap="square" rtlCol="0">
-            <a:spAutoFit/>
-          </a:bodyPr>
-          <a:lstStyle/>
-          <a:p>
-            <a:r>
-              <a:rPr lang="en-US" altLang="ko-KR" b="1" dirty="0"/>
-              <a:t>JWT</a:t>
-            </a:r>
-            <a:r>
-              <a:rPr lang="ko-KR" altLang="en-US" b="1" dirty="0"/>
-              <a:t> 인증 사용</a:t>
-            </a:r>
-            <a:endParaRPr lang="en-US" altLang="ko-KR" b="1" dirty="0"/>
-          </a:p>
-        </p:txBody>
-      </p:sp>
-      <p:sp>
-        <p:nvSpPr>
-          <p:cNvPr id="9" name="TextBox 8">
-            <a:extLst>
-              <a:ext uri="{FF2B5EF4-FFF2-40B4-BE49-F238E27FC236}">
-                <a16:creationId xmlns:a16="http://schemas.microsoft.com/office/drawing/2014/main" id="{03C08083-D226-4FD5-8E5F-6CD98967450A}"/>
-              </a:ext>
-            </a:extLst>
-          </p:cNvPr>
-          <p:cNvSpPr txBox="1"/>
-          <p:nvPr/>
-        </p:nvSpPr>
-        <p:spPr>
-          <a:xfrm>
-            <a:off x="6251072" y="3570931"/>
-            <a:ext cx="5766807" cy="3493264"/>
-          </a:xfrm>
-          <a:prstGeom prst="rect">
-            <a:avLst/>
-          </a:prstGeom>
-          <a:noFill/>
-        </p:spPr>
-        <p:txBody>
-          <a:bodyPr wrap="square" rtlCol="0">
-            <a:spAutoFit/>
-          </a:bodyPr>
-          <a:lstStyle/>
-          <a:p>
-            <a:r>
-              <a:rPr lang="en-US" altLang="ko-KR" sz="1300" dirty="0"/>
-              <a:t>Token</a:t>
-            </a:r>
-            <a:r>
-              <a:rPr lang="ko-KR" altLang="en-US" sz="1300" dirty="0"/>
-              <a:t>이 </a:t>
-            </a:r>
-            <a:r>
-              <a:rPr lang="ko-KR" altLang="en-US" sz="1300" b="1" dirty="0"/>
-              <a:t>탈취</a:t>
-            </a:r>
-            <a:r>
-              <a:rPr lang="ko-KR" altLang="en-US" sz="1300" dirty="0"/>
-              <a:t> 될 위험이 있기에</a:t>
-            </a:r>
-            <a:r>
-              <a:rPr lang="en-US" altLang="ko-KR" sz="1300" dirty="0"/>
-              <a:t>, Refresh token</a:t>
-            </a:r>
-            <a:r>
-              <a:rPr lang="ko-KR" altLang="en-US" sz="1300" dirty="0"/>
-              <a:t>의 </a:t>
-            </a:r>
-            <a:r>
-              <a:rPr lang="en-US" altLang="ko-KR" sz="1300" b="1" dirty="0"/>
-              <a:t>index</a:t>
-            </a:r>
-            <a:r>
-              <a:rPr lang="ko-KR" altLang="en-US" sz="1300" dirty="0"/>
-              <a:t>값으로 로직을 수행하도록 설계하였습니다</a:t>
-            </a:r>
-            <a:r>
-              <a:rPr lang="en-US" altLang="ko-KR" sz="1300" dirty="0"/>
-              <a:t>.</a:t>
-            </a:r>
-          </a:p>
-          <a:p>
-            <a:endParaRPr lang="en-US" altLang="ko-KR" sz="950" dirty="0"/>
-          </a:p>
-          <a:p>
-            <a:pPr marL="228600" indent="-228600">
-              <a:buAutoNum type="arabicPeriod"/>
-            </a:pPr>
-            <a:r>
-              <a:rPr lang="ko-KR" altLang="en-US" sz="950" dirty="0"/>
-              <a:t>로그인 시에 </a:t>
-            </a:r>
-            <a:r>
-              <a:rPr lang="en-US" altLang="ko-KR" sz="950" dirty="0"/>
-              <a:t>Access token</a:t>
-            </a:r>
-            <a:r>
-              <a:rPr lang="ko-KR" altLang="en-US" sz="950" dirty="0"/>
-              <a:t>과 </a:t>
-            </a:r>
-            <a:r>
-              <a:rPr lang="en-US" altLang="ko-KR" sz="950" dirty="0"/>
-              <a:t>Refresh token</a:t>
-            </a:r>
-            <a:r>
-              <a:rPr lang="ko-KR" altLang="en-US" sz="950" dirty="0"/>
-              <a:t>을 함께 발급합니다</a:t>
-            </a:r>
-            <a:r>
-              <a:rPr lang="en-US" altLang="ko-KR" sz="950" dirty="0"/>
-              <a:t>. </a:t>
-            </a:r>
-            <a:r>
-              <a:rPr lang="ko-KR" altLang="en-US" sz="950" dirty="0"/>
-              <a:t>서버의 </a:t>
-            </a:r>
-            <a:r>
-              <a:rPr lang="en-US" altLang="ko-KR" sz="950" dirty="0"/>
-              <a:t>Refresh Token</a:t>
-            </a:r>
-            <a:r>
-              <a:rPr lang="ko-KR" altLang="en-US" sz="950" dirty="0"/>
-              <a:t>의 저장위치는 </a:t>
-            </a:r>
-            <a:r>
-              <a:rPr lang="en-US" altLang="ko-KR" sz="950" dirty="0"/>
-              <a:t>DB</a:t>
-            </a:r>
-            <a:r>
-              <a:rPr lang="ko-KR" altLang="en-US" sz="950" dirty="0"/>
-              <a:t>로 하였습니다</a:t>
-            </a:r>
-            <a:endParaRPr lang="en-US" altLang="ko-KR" sz="950" dirty="0"/>
-          </a:p>
-          <a:p>
-            <a:pPr marL="228600" indent="-228600">
-              <a:buAutoNum type="arabicPeriod"/>
-            </a:pPr>
-            <a:endParaRPr lang="en-US" altLang="ko-KR" sz="950" dirty="0"/>
-          </a:p>
-          <a:p>
-            <a:pPr marL="228600" indent="-228600">
-              <a:buAutoNum type="arabicPeriod"/>
-            </a:pPr>
-            <a:r>
-              <a:rPr lang="en-US" altLang="ko-KR" sz="950" dirty="0"/>
-              <a:t>Response </a:t>
-            </a:r>
-            <a:r>
-              <a:rPr lang="ko-KR" altLang="en-US" sz="950" dirty="0"/>
-              <a:t>값으로 </a:t>
-            </a:r>
-            <a:r>
-              <a:rPr lang="en-US" altLang="ko-KR" sz="950" dirty="0"/>
-              <a:t>Access token</a:t>
-            </a:r>
-            <a:r>
-              <a:rPr lang="ko-KR" altLang="en-US" sz="950" dirty="0"/>
-              <a:t>과 </a:t>
-            </a:r>
-            <a:r>
-              <a:rPr lang="en-US" altLang="ko-KR" sz="950" dirty="0"/>
-              <a:t>‘Refresh token</a:t>
-            </a:r>
-            <a:r>
-              <a:rPr lang="ko-KR" altLang="en-US" sz="950" dirty="0"/>
-              <a:t>의 </a:t>
-            </a:r>
-            <a:r>
-              <a:rPr lang="en-US" altLang="ko-KR" sz="950" dirty="0"/>
-              <a:t>index’ </a:t>
-            </a:r>
-            <a:r>
-              <a:rPr lang="ko-KR" altLang="en-US" sz="950" dirty="0"/>
-              <a:t>값을 반환합니다</a:t>
-            </a:r>
-            <a:r>
-              <a:rPr lang="en-US" altLang="ko-KR" sz="950" dirty="0"/>
-              <a:t>. Index</a:t>
-            </a:r>
-            <a:r>
-              <a:rPr lang="ko-KR" altLang="en-US" sz="950" dirty="0"/>
-              <a:t>값은 각 </a:t>
-            </a:r>
-            <a:r>
-              <a:rPr lang="en-US" altLang="ko-KR" sz="950" dirty="0"/>
-              <a:t>Refresh token</a:t>
-            </a:r>
-            <a:r>
-              <a:rPr lang="ko-KR" altLang="en-US" sz="950" dirty="0"/>
-              <a:t>의 </a:t>
-            </a:r>
-            <a:r>
-              <a:rPr lang="en-US" altLang="ko-KR" sz="950" dirty="0"/>
-              <a:t>pk</a:t>
-            </a:r>
-            <a:r>
-              <a:rPr lang="ko-KR" altLang="en-US" sz="950" dirty="0"/>
-              <a:t>입니다</a:t>
-            </a:r>
-            <a:r>
-              <a:rPr lang="en-US" altLang="ko-KR" sz="950" dirty="0"/>
-              <a:t>.</a:t>
-            </a:r>
-          </a:p>
-          <a:p>
-            <a:pPr marL="228600" indent="-228600">
-              <a:buAutoNum type="arabicPeriod"/>
-            </a:pPr>
-            <a:endParaRPr lang="en-US" altLang="ko-KR" sz="950" dirty="0"/>
-          </a:p>
-          <a:p>
-            <a:pPr marL="228600" indent="-228600">
-              <a:buAutoNum type="arabicPeriod"/>
-            </a:pPr>
-            <a:r>
-              <a:rPr lang="en-US" altLang="ko-KR" sz="950" dirty="0"/>
-              <a:t>Access token</a:t>
-            </a:r>
-            <a:r>
-              <a:rPr lang="ko-KR" altLang="en-US" sz="950" dirty="0"/>
-              <a:t>에 한시간의 유효시간을 부여합니다</a:t>
-            </a:r>
-            <a:r>
-              <a:rPr lang="en-US" altLang="ko-KR" sz="950" dirty="0"/>
-              <a:t>. Access token</a:t>
-            </a:r>
-            <a:r>
-              <a:rPr lang="ko-KR" altLang="en-US" sz="950" dirty="0"/>
-              <a:t>의 유효시간이 지나지 않았다면</a:t>
-            </a:r>
-            <a:r>
-              <a:rPr lang="en-US" altLang="ko-KR" sz="950" dirty="0"/>
-              <a:t>, Access token</a:t>
-            </a:r>
-            <a:r>
-              <a:rPr lang="ko-KR" altLang="en-US" sz="950" dirty="0"/>
-              <a:t>을 통하여 비즈니스 로직을 수행 가능합니다</a:t>
-            </a:r>
-            <a:r>
-              <a:rPr lang="en-US" altLang="ko-KR" sz="950" dirty="0"/>
-              <a:t>.</a:t>
-            </a:r>
-          </a:p>
-          <a:p>
-            <a:pPr marL="228600" indent="-228600">
-              <a:buAutoNum type="arabicPeriod"/>
-            </a:pPr>
-            <a:endParaRPr lang="en-US" altLang="ko-KR" sz="950" dirty="0"/>
-          </a:p>
-          <a:p>
-            <a:pPr marL="228600" indent="-228600">
-              <a:buAutoNum type="arabicPeriod"/>
-            </a:pPr>
-            <a:r>
-              <a:rPr lang="en-US" altLang="ko-KR" sz="950" dirty="0"/>
-              <a:t>Access</a:t>
-            </a:r>
-            <a:r>
-              <a:rPr lang="ko-KR" altLang="en-US" sz="950" dirty="0"/>
-              <a:t> </a:t>
-            </a:r>
-            <a:r>
-              <a:rPr lang="en-US" altLang="ko-KR" sz="950" dirty="0"/>
-              <a:t>token</a:t>
-            </a:r>
-            <a:r>
-              <a:rPr lang="ko-KR" altLang="en-US" sz="950" dirty="0"/>
-              <a:t>의 유효기간이 지났다면</a:t>
-            </a:r>
-            <a:r>
-              <a:rPr lang="en-US" altLang="ko-KR" sz="950" dirty="0"/>
-              <a:t>, Access token</a:t>
-            </a:r>
-            <a:r>
-              <a:rPr lang="ko-KR" altLang="en-US" sz="950" dirty="0"/>
-              <a:t>의 </a:t>
-            </a:r>
-            <a:r>
-              <a:rPr lang="en-US" altLang="ko-KR" sz="950" dirty="0" err="1"/>
-              <a:t>user_id</a:t>
-            </a:r>
-            <a:r>
-              <a:rPr lang="ko-KR" altLang="en-US" sz="950" dirty="0"/>
-              <a:t>와 </a:t>
-            </a:r>
-            <a:r>
-              <a:rPr lang="en-US" altLang="ko-KR" sz="950" dirty="0"/>
-              <a:t>Refresh token</a:t>
-            </a:r>
-            <a:r>
-              <a:rPr lang="ko-KR" altLang="en-US" sz="950" dirty="0"/>
-              <a:t>의 </a:t>
-            </a:r>
-            <a:r>
-              <a:rPr lang="en-US" altLang="ko-KR" sz="950" dirty="0" err="1"/>
-              <a:t>user_id</a:t>
-            </a:r>
-            <a:r>
-              <a:rPr lang="ko-KR" altLang="en-US" sz="950" dirty="0"/>
-              <a:t>의 동일 여부를 확인합니다</a:t>
-            </a:r>
-            <a:r>
-              <a:rPr lang="en-US" altLang="ko-KR" sz="950" dirty="0"/>
-              <a:t>. </a:t>
-            </a:r>
-            <a:r>
-              <a:rPr lang="ko-KR" altLang="en-US" sz="950" dirty="0"/>
-              <a:t>다르다면 해킹을 시도했을 가능성이 있기에 </a:t>
-            </a:r>
-            <a:r>
-              <a:rPr lang="en-US" altLang="ko-KR" sz="950" dirty="0"/>
-              <a:t>DB</a:t>
-            </a:r>
-            <a:r>
-              <a:rPr lang="ko-KR" altLang="en-US" sz="950" dirty="0"/>
-              <a:t>에서 </a:t>
-            </a:r>
-            <a:r>
-              <a:rPr lang="ko-KR" altLang="en-US" sz="950" dirty="0" err="1"/>
-              <a:t>리프레쉬토큰을</a:t>
-            </a:r>
-            <a:r>
-              <a:rPr lang="ko-KR" altLang="en-US" sz="950" dirty="0"/>
-              <a:t> 삭제하는 로직을 만들었습니다</a:t>
-            </a:r>
-            <a:r>
-              <a:rPr lang="en-US" altLang="ko-KR" sz="950" dirty="0"/>
-              <a:t>.</a:t>
-            </a:r>
-          </a:p>
-          <a:p>
-            <a:pPr marL="228600" indent="-228600">
-              <a:buAutoNum type="arabicPeriod"/>
-            </a:pPr>
-            <a:endParaRPr lang="en-US" altLang="ko-KR" sz="950" dirty="0"/>
-          </a:p>
-          <a:p>
-            <a:pPr marL="228600" indent="-228600">
-              <a:buAutoNum type="arabicPeriod"/>
-            </a:pPr>
-            <a:r>
-              <a:rPr lang="en-US" altLang="ko-KR" sz="950" dirty="0"/>
-              <a:t>Refresh Token</a:t>
-            </a:r>
-            <a:r>
-              <a:rPr lang="ko-KR" altLang="en-US" sz="950" dirty="0"/>
-              <a:t>의 유효기간이 남았다면 </a:t>
-            </a:r>
-            <a:r>
-              <a:rPr lang="en-US" altLang="ko-KR" sz="950" dirty="0"/>
-              <a:t>Access Token</a:t>
-            </a:r>
-            <a:r>
-              <a:rPr lang="ko-KR" altLang="en-US" sz="950" dirty="0"/>
-              <a:t>과 </a:t>
-            </a:r>
-            <a:r>
-              <a:rPr lang="en-US" altLang="ko-KR" sz="950" dirty="0"/>
-              <a:t>Refresh Token</a:t>
-            </a:r>
-            <a:r>
-              <a:rPr lang="ko-KR" altLang="en-US" sz="950" dirty="0"/>
-              <a:t>을 재발급 해줍니다</a:t>
-            </a:r>
-            <a:r>
-              <a:rPr lang="en-US" altLang="ko-KR" sz="950" dirty="0"/>
-              <a:t>.</a:t>
-            </a:r>
-          </a:p>
-          <a:p>
-            <a:pPr marL="228600" indent="-228600">
-              <a:buAutoNum type="arabicPeriod"/>
-            </a:pPr>
-            <a:endParaRPr lang="en-US" altLang="ko-KR" sz="950" dirty="0"/>
-          </a:p>
-          <a:p>
-            <a:pPr marL="228600" indent="-228600">
-              <a:buAutoNum type="arabicPeriod"/>
-            </a:pPr>
-            <a:r>
-              <a:rPr lang="en-US" altLang="ko-KR" sz="950" dirty="0"/>
-              <a:t>Refresh Token</a:t>
-            </a:r>
-            <a:r>
-              <a:rPr lang="ko-KR" altLang="en-US" sz="950" dirty="0"/>
-              <a:t>이 유효기간이 남아있지 않다면</a:t>
-            </a:r>
-            <a:r>
-              <a:rPr lang="en-US" altLang="ko-KR" sz="950" dirty="0"/>
-              <a:t>, DB</a:t>
-            </a:r>
-            <a:r>
-              <a:rPr lang="ko-KR" altLang="en-US" sz="950" dirty="0"/>
-              <a:t>에서 </a:t>
-            </a:r>
-            <a:r>
-              <a:rPr lang="ko-KR" altLang="en-US" sz="950" dirty="0" err="1"/>
-              <a:t>리프레쉬</a:t>
-            </a:r>
-            <a:r>
-              <a:rPr lang="ko-KR" altLang="en-US" sz="950" dirty="0"/>
-              <a:t> 토큰을 삭제하고 다시 로그인 할 것을 요청합니다</a:t>
-            </a:r>
-            <a:r>
-              <a:rPr lang="en-US" altLang="ko-KR" sz="950" dirty="0"/>
-              <a:t>.</a:t>
-            </a:r>
-            <a:r>
-              <a:rPr lang="ko-KR" altLang="en-US" sz="950" dirty="0"/>
-              <a:t> </a:t>
-            </a:r>
-            <a:endParaRPr lang="en-US" altLang="ko-KR" sz="950" dirty="0"/>
-          </a:p>
-          <a:p>
-            <a:pPr marL="228600" indent="-228600">
-              <a:buAutoNum type="arabicPeriod"/>
-            </a:pPr>
-            <a:endParaRPr lang="en-US" altLang="ko-KR" sz="1200" dirty="0"/>
-          </a:p>
-          <a:p>
-            <a:pPr marL="228600" indent="-228600">
-              <a:buAutoNum type="arabicPeriod"/>
-            </a:pPr>
-            <a:endParaRPr lang="en-US" altLang="ko-KR" sz="1200" dirty="0"/>
-          </a:p>
-        </p:txBody>
-      </p:sp>
-      <p:sp>
-        <p:nvSpPr>
-          <p:cNvPr id="2" name="직사각형 1">
-            <a:extLst>
-              <a:ext uri="{FF2B5EF4-FFF2-40B4-BE49-F238E27FC236}">
-                <a16:creationId xmlns:a16="http://schemas.microsoft.com/office/drawing/2014/main" id="{BDF2FF74-54BD-4DF7-AFC3-8559026B5F9A}"/>
-              </a:ext>
-            </a:extLst>
-          </p:cNvPr>
-          <p:cNvSpPr/>
-          <p:nvPr/>
-        </p:nvSpPr>
-        <p:spPr>
-          <a:xfrm>
-            <a:off x="190500" y="2989203"/>
-            <a:ext cx="746760" cy="3756825"/>
-          </a:xfrm>
-          <a:prstGeom prst="rect">
-            <a:avLst/>
-          </a:prstGeom>
-        </p:spPr>
-        <p:style>
-          <a:lnRef idx="2">
-            <a:schemeClr val="accent3">
-              <a:shade val="50000"/>
-            </a:schemeClr>
-          </a:lnRef>
-          <a:fillRef idx="1">
-            <a:schemeClr val="accent3"/>
-          </a:fillRef>
-          <a:effectRef idx="0">
-            <a:schemeClr val="accent3"/>
-          </a:effectRef>
-          <a:fontRef idx="minor">
-            <a:schemeClr val="lt1"/>
-          </a:fontRef>
-        </p:style>
-        <p:txBody>
-          <a:bodyPr rtlCol="0" anchor="ctr"/>
-          <a:lstStyle/>
-          <a:p>
-            <a:pPr algn="ctr"/>
-            <a:endParaRPr lang="ko-KR" altLang="en-US"/>
+            <a:endParaRPr lang="ko-KR" altLang="en-US" dirty="0"/>
           </a:p>
         </p:txBody>
       </p:sp>
@@ -5867,9 +5720,9 @@
           <p:nvPr/>
         </p:nvCxnSpPr>
         <p:spPr>
-          <a:xfrm flipV="1">
-            <a:off x="1396566" y="3219385"/>
-            <a:ext cx="1644990" cy="7572"/>
+          <a:xfrm>
+            <a:off x="874780" y="3451868"/>
+            <a:ext cx="2495151" cy="0"/>
           </a:xfrm>
           <a:prstGeom prst="straightConnector1">
             <a:avLst/>
@@ -5895,56 +5748,10 @@
       </p:cxnSp>
       <p:sp>
         <p:nvSpPr>
-          <p:cNvPr id="12" name="직사각형 11">
-            <a:extLst>
-              <a:ext uri="{FF2B5EF4-FFF2-40B4-BE49-F238E27FC236}">
-                <a16:creationId xmlns:a16="http://schemas.microsoft.com/office/drawing/2014/main" id="{1C926871-C8E7-4F71-A999-B8FB00500DBF}"/>
-              </a:ext>
-            </a:extLst>
-          </p:cNvPr>
-          <p:cNvSpPr/>
-          <p:nvPr/>
-        </p:nvSpPr>
-        <p:spPr>
-          <a:xfrm>
-            <a:off x="3211529" y="2989201"/>
-            <a:ext cx="746760" cy="3756825"/>
-          </a:xfrm>
-          <a:prstGeom prst="rect">
-            <a:avLst/>
-          </a:prstGeom>
-        </p:spPr>
-        <p:style>
-          <a:lnRef idx="2">
-            <a:schemeClr val="accent3">
-              <a:shade val="50000"/>
-            </a:schemeClr>
-          </a:lnRef>
-          <a:fillRef idx="1">
-            <a:schemeClr val="accent3"/>
-          </a:fillRef>
-          <a:effectRef idx="0">
-            <a:schemeClr val="accent3"/>
-          </a:effectRef>
-          <a:fontRef idx="minor">
-            <a:schemeClr val="lt1"/>
-          </a:fontRef>
-        </p:style>
-        <p:txBody>
-          <a:bodyPr rtlCol="0" anchor="ctr"/>
-          <a:lstStyle/>
-          <a:p>
-            <a:pPr algn="ctr"/>
-            <a:endParaRPr lang="ko-KR" altLang="en-US"/>
-          </a:p>
-        </p:txBody>
-      </p:sp>
-      <p:sp>
-        <p:nvSpPr>
-          <p:cNvPr id="13" name="TextBox 12">
-            <a:extLst>
-              <a:ext uri="{FF2B5EF4-FFF2-40B4-BE49-F238E27FC236}">
-                <a16:creationId xmlns:a16="http://schemas.microsoft.com/office/drawing/2014/main" id="{37A21AD5-84C3-4E87-9334-AD8AA4CD9D27}"/>
+          <p:cNvPr id="14" name="TextBox 13">
+            <a:extLst>
+              <a:ext uri="{FF2B5EF4-FFF2-40B4-BE49-F238E27FC236}">
+                <a16:creationId xmlns:a16="http://schemas.microsoft.com/office/drawing/2014/main" id="{818F613F-EB1F-4BFE-847A-4334F108C6AE}"/>
               </a:ext>
             </a:extLst>
           </p:cNvPr>
@@ -5953,8 +5760,8 @@
         </p:nvSpPr>
         <p:spPr>
           <a:xfrm>
-            <a:off x="3403430" y="3943331"/>
-            <a:ext cx="457200" cy="1754326"/>
+            <a:off x="397128" y="2844604"/>
+            <a:ext cx="579992" cy="646331"/>
           </a:xfrm>
           <a:prstGeom prst="rect">
             <a:avLst/>
@@ -5968,48 +5775,24 @@
           <a:lstStyle/>
           <a:p>
             <a:r>
-              <a:rPr lang="en-US" altLang="ko-KR" dirty="0"/>
-              <a:t>S</a:t>
-            </a:r>
-          </a:p>
-          <a:p>
-            <a:r>
-              <a:rPr lang="en-US" altLang="ko-KR" dirty="0"/>
-              <a:t>E</a:t>
-            </a:r>
-          </a:p>
-          <a:p>
-            <a:r>
-              <a:rPr lang="en-US" altLang="ko-KR" dirty="0"/>
-              <a:t>R</a:t>
-            </a:r>
-          </a:p>
-          <a:p>
-            <a:r>
-              <a:rPr lang="en-US" altLang="ko-KR" dirty="0"/>
-              <a:t>V</a:t>
-            </a:r>
-          </a:p>
-          <a:p>
-            <a:r>
-              <a:rPr lang="en-US" altLang="ko-KR" dirty="0"/>
-              <a:t>E</a:t>
-            </a:r>
-          </a:p>
-          <a:p>
-            <a:r>
-              <a:rPr lang="en-US" altLang="ko-KR" dirty="0"/>
-              <a:t>R</a:t>
-            </a:r>
-          </a:p>
-        </p:txBody>
-      </p:sp>
-      <p:sp>
-        <p:nvSpPr>
-          <p:cNvPr id="14" name="TextBox 13">
-            <a:extLst>
-              <a:ext uri="{FF2B5EF4-FFF2-40B4-BE49-F238E27FC236}">
-                <a16:creationId xmlns:a16="http://schemas.microsoft.com/office/drawing/2014/main" id="{818F613F-EB1F-4BFE-847A-4334F108C6AE}"/>
+              <a:rPr lang="en-US" altLang="ko-KR" sz="900" dirty="0"/>
+              <a:t>CLIENT</a:t>
+            </a:r>
+          </a:p>
+          <a:p>
+            <a:endParaRPr lang="en-US" altLang="ko-KR" sz="900" dirty="0"/>
+          </a:p>
+          <a:p>
+            <a:endParaRPr lang="ko-KR" altLang="en-US" dirty="0"/>
+          </a:p>
+        </p:txBody>
+      </p:sp>
+      <p:sp>
+        <p:nvSpPr>
+          <p:cNvPr id="15" name="TextBox 14">
+            <a:extLst>
+              <a:ext uri="{FF2B5EF4-FFF2-40B4-BE49-F238E27FC236}">
+                <a16:creationId xmlns:a16="http://schemas.microsoft.com/office/drawing/2014/main" id="{D3372B1F-6B80-4291-8A15-E9FC1249F175}"/>
               </a:ext>
             </a:extLst>
           </p:cNvPr>
@@ -6018,75 +5801,7 @@
         </p:nvSpPr>
         <p:spPr>
           <a:xfrm>
-            <a:off x="392130" y="3935949"/>
-            <a:ext cx="339390" cy="2031325"/>
-          </a:xfrm>
-          <a:prstGeom prst="rect">
-            <a:avLst/>
-          </a:prstGeom>
-          <a:noFill/>
-        </p:spPr>
-        <p:txBody>
-          <a:bodyPr wrap="square" rtlCol="0">
-            <a:spAutoFit/>
-          </a:bodyPr>
-          <a:lstStyle/>
-          <a:p>
-            <a:r>
-              <a:rPr lang="en-US" altLang="ko-KR" dirty="0"/>
-              <a:t>C</a:t>
-            </a:r>
-          </a:p>
-          <a:p>
-            <a:r>
-              <a:rPr lang="en-US" altLang="ko-KR" dirty="0"/>
-              <a:t>L</a:t>
-            </a:r>
-          </a:p>
-          <a:p>
-            <a:r>
-              <a:rPr lang="en-US" altLang="ko-KR" dirty="0"/>
-              <a:t>I</a:t>
-            </a:r>
-          </a:p>
-          <a:p>
-            <a:r>
-              <a:rPr lang="en-US" altLang="ko-KR" dirty="0"/>
-              <a:t>E</a:t>
-            </a:r>
-          </a:p>
-          <a:p>
-            <a:r>
-              <a:rPr lang="en-US" altLang="ko-KR" dirty="0"/>
-              <a:t>N</a:t>
-            </a:r>
-          </a:p>
-          <a:p>
-            <a:r>
-              <a:rPr lang="en-US" altLang="ko-KR" dirty="0"/>
-              <a:t>T</a:t>
-            </a:r>
-          </a:p>
-          <a:p>
-            <a:endParaRPr lang="ko-KR" altLang="en-US" dirty="0"/>
-          </a:p>
-        </p:txBody>
-      </p:sp>
-      <p:sp>
-        <p:nvSpPr>
-          <p:cNvPr id="15" name="TextBox 14">
-            <a:extLst>
-              <a:ext uri="{FF2B5EF4-FFF2-40B4-BE49-F238E27FC236}">
-                <a16:creationId xmlns:a16="http://schemas.microsoft.com/office/drawing/2014/main" id="{D3372B1F-6B80-4291-8A15-E9FC1249F175}"/>
-              </a:ext>
-            </a:extLst>
-          </p:cNvPr>
-          <p:cNvSpPr txBox="1"/>
-          <p:nvPr/>
-        </p:nvSpPr>
-        <p:spPr>
-          <a:xfrm>
-            <a:off x="1969457" y="2952820"/>
+            <a:off x="1886636" y="3216715"/>
             <a:ext cx="2144198" cy="215444"/>
           </a:xfrm>
           <a:prstGeom prst="rect">
@@ -6123,8 +5838,8 @@
         </p:nvCxnSpPr>
         <p:spPr>
           <a:xfrm>
-            <a:off x="1796717" y="4090410"/>
-            <a:ext cx="1123184" cy="0"/>
+            <a:off x="1517626" y="4660824"/>
+            <a:ext cx="1852305" cy="1061"/>
           </a:xfrm>
           <a:prstGeom prst="straightConnector1">
             <a:avLst/>
@@ -6164,8 +5879,8 @@
         </p:nvCxnSpPr>
         <p:spPr>
           <a:xfrm>
-            <a:off x="1851105" y="5612653"/>
-            <a:ext cx="1177910" cy="0"/>
+            <a:off x="1548635" y="5588142"/>
+            <a:ext cx="1843592" cy="0"/>
           </a:xfrm>
           <a:prstGeom prst="straightConnector1">
             <a:avLst/>
@@ -6205,8 +5920,8 @@
         </p:nvCxnSpPr>
         <p:spPr>
           <a:xfrm>
-            <a:off x="4051076" y="3461538"/>
-            <a:ext cx="1108233" cy="0"/>
+            <a:off x="3572364" y="3834046"/>
+            <a:ext cx="1864643" cy="31416"/>
           </a:xfrm>
           <a:prstGeom prst="straightConnector1">
             <a:avLst/>
@@ -6246,8 +5961,8 @@
         </p:nvCxnSpPr>
         <p:spPr>
           <a:xfrm flipH="1">
-            <a:off x="1396566" y="3544031"/>
-            <a:ext cx="1644990" cy="0"/>
+            <a:off x="874780" y="3838136"/>
+            <a:ext cx="2495151" cy="0"/>
           </a:xfrm>
           <a:prstGeom prst="straightConnector1">
             <a:avLst/>
@@ -6287,8 +6002,8 @@
         </p:nvCxnSpPr>
         <p:spPr>
           <a:xfrm flipH="1">
-            <a:off x="1822259" y="4469233"/>
-            <a:ext cx="1072099" cy="0"/>
+            <a:off x="1466868" y="4952726"/>
+            <a:ext cx="1903063" cy="0"/>
           </a:xfrm>
           <a:prstGeom prst="straightConnector1">
             <a:avLst/>
@@ -6326,7 +6041,7 @@
         </p:nvSpPr>
         <p:spPr>
           <a:xfrm>
-            <a:off x="1080896" y="3311481"/>
+            <a:off x="1049571" y="3615005"/>
             <a:ext cx="2765478" cy="215444"/>
           </a:xfrm>
           <a:prstGeom prst="rect">
@@ -6361,10 +6076,375 @@
       </p:sp>
       <p:sp>
         <p:nvSpPr>
-          <p:cNvPr id="42" name="타원 41">
-            <a:extLst>
-              <a:ext uri="{FF2B5EF4-FFF2-40B4-BE49-F238E27FC236}">
-                <a16:creationId xmlns:a16="http://schemas.microsoft.com/office/drawing/2014/main" id="{8CE1AF0F-DA6E-4D8D-94E4-DC717BA2B6CA}"/>
+          <p:cNvPr id="44" name="TextBox 43">
+            <a:extLst>
+              <a:ext uri="{FF2B5EF4-FFF2-40B4-BE49-F238E27FC236}">
+                <a16:creationId xmlns:a16="http://schemas.microsoft.com/office/drawing/2014/main" id="{E47B4CCE-B9CD-4445-A8E0-CA92748937D2}"/>
+              </a:ext>
+            </a:extLst>
+          </p:cNvPr>
+          <p:cNvSpPr txBox="1"/>
+          <p:nvPr/>
+        </p:nvSpPr>
+        <p:spPr>
+          <a:xfrm>
+            <a:off x="1359595" y="4446441"/>
+            <a:ext cx="2195212" cy="215444"/>
+          </a:xfrm>
+          <a:prstGeom prst="rect">
+            <a:avLst/>
+          </a:prstGeom>
+          <a:noFill/>
+        </p:spPr>
+        <p:txBody>
+          <a:bodyPr wrap="square" rtlCol="0">
+            <a:spAutoFit/>
+          </a:bodyPr>
+          <a:lstStyle/>
+          <a:p>
+            <a:r>
+              <a:rPr lang="en-US" altLang="ko-KR" sz="800" dirty="0"/>
+              <a:t>Access token</a:t>
+            </a:r>
+            <a:r>
+              <a:rPr lang="ko-KR" altLang="en-US" sz="800" dirty="0"/>
+              <a:t>과 함께 원하는 로직 요청</a:t>
+            </a:r>
+          </a:p>
+        </p:txBody>
+      </p:sp>
+      <p:sp>
+        <p:nvSpPr>
+          <p:cNvPr id="46" name="TextBox 45">
+            <a:extLst>
+              <a:ext uri="{FF2B5EF4-FFF2-40B4-BE49-F238E27FC236}">
+                <a16:creationId xmlns:a16="http://schemas.microsoft.com/office/drawing/2014/main" id="{0C64D2EB-5269-4F11-A3C8-74584E4D35A2}"/>
+              </a:ext>
+            </a:extLst>
+          </p:cNvPr>
+          <p:cNvSpPr txBox="1"/>
+          <p:nvPr/>
+        </p:nvSpPr>
+        <p:spPr>
+          <a:xfrm>
+            <a:off x="1553659" y="4737282"/>
+            <a:ext cx="2221638" cy="215444"/>
+          </a:xfrm>
+          <a:prstGeom prst="rect">
+            <a:avLst/>
+          </a:prstGeom>
+          <a:noFill/>
+        </p:spPr>
+        <p:txBody>
+          <a:bodyPr wrap="square" rtlCol="0">
+            <a:spAutoFit/>
+          </a:bodyPr>
+          <a:lstStyle/>
+          <a:p>
+            <a:r>
+              <a:rPr lang="ko-KR" altLang="en-US" sz="800" dirty="0"/>
+              <a:t>로직 수행 후 </a:t>
+            </a:r>
+            <a:r>
+              <a:rPr lang="en-US" altLang="ko-KR" sz="800" dirty="0"/>
+              <a:t>response </a:t>
+            </a:r>
+            <a:r>
+              <a:rPr lang="ko-KR" altLang="en-US" sz="800" dirty="0"/>
+              <a:t>반환</a:t>
+            </a:r>
+          </a:p>
+        </p:txBody>
+      </p:sp>
+      <p:sp>
+        <p:nvSpPr>
+          <p:cNvPr id="49" name="TextBox 48">
+            <a:extLst>
+              <a:ext uri="{FF2B5EF4-FFF2-40B4-BE49-F238E27FC236}">
+                <a16:creationId xmlns:a16="http://schemas.microsoft.com/office/drawing/2014/main" id="{15FE7C44-683F-41D6-85F7-3422BE4D35BA}"/>
+              </a:ext>
+            </a:extLst>
+          </p:cNvPr>
+          <p:cNvSpPr txBox="1"/>
+          <p:nvPr/>
+        </p:nvSpPr>
+        <p:spPr>
+          <a:xfrm>
+            <a:off x="1403801" y="5372698"/>
+            <a:ext cx="2574736" cy="215444"/>
+          </a:xfrm>
+          <a:prstGeom prst="rect">
+            <a:avLst/>
+          </a:prstGeom>
+          <a:noFill/>
+        </p:spPr>
+        <p:txBody>
+          <a:bodyPr wrap="square" rtlCol="0">
+            <a:spAutoFit/>
+          </a:bodyPr>
+          <a:lstStyle/>
+          <a:p>
+            <a:r>
+              <a:rPr lang="en-US" altLang="ko-KR" sz="800" dirty="0"/>
+              <a:t>Access</a:t>
+            </a:r>
+            <a:r>
+              <a:rPr lang="ko-KR" altLang="en-US" sz="800" dirty="0"/>
+              <a:t> </a:t>
+            </a:r>
+            <a:r>
+              <a:rPr lang="en-US" altLang="ko-KR" sz="800" dirty="0"/>
+              <a:t>token</a:t>
+            </a:r>
+            <a:r>
+              <a:rPr lang="ko-KR" altLang="en-US" sz="800" dirty="0"/>
+              <a:t>과 </a:t>
+            </a:r>
+            <a:r>
+              <a:rPr lang="en-US" altLang="ko-KR" sz="800" dirty="0"/>
+              <a:t>Refresh Token index</a:t>
+            </a:r>
+            <a:r>
+              <a:rPr lang="ko-KR" altLang="en-US" sz="800" dirty="0"/>
+              <a:t> 보냄</a:t>
+            </a:r>
+          </a:p>
+        </p:txBody>
+      </p:sp>
+      <p:sp>
+        <p:nvSpPr>
+          <p:cNvPr id="72" name="TextBox 71">
+            <a:extLst>
+              <a:ext uri="{FF2B5EF4-FFF2-40B4-BE49-F238E27FC236}">
+                <a16:creationId xmlns:a16="http://schemas.microsoft.com/office/drawing/2014/main" id="{65022745-CA87-4756-A736-1A42FB412CB8}"/>
+              </a:ext>
+            </a:extLst>
+          </p:cNvPr>
+          <p:cNvSpPr txBox="1"/>
+          <p:nvPr/>
+        </p:nvSpPr>
+        <p:spPr>
+          <a:xfrm>
+            <a:off x="1458544" y="6483716"/>
+            <a:ext cx="1953257" cy="215444"/>
+          </a:xfrm>
+          <a:prstGeom prst="rect">
+            <a:avLst/>
+          </a:prstGeom>
+          <a:noFill/>
+        </p:spPr>
+        <p:txBody>
+          <a:bodyPr wrap="square" rtlCol="0">
+            <a:spAutoFit/>
+          </a:bodyPr>
+          <a:lstStyle/>
+          <a:p>
+            <a:r>
+              <a:rPr lang="en-US" altLang="ko-KR" sz="800" dirty="0"/>
+              <a:t>Access token</a:t>
+            </a:r>
+            <a:r>
+              <a:rPr lang="ko-KR" altLang="en-US" sz="800" dirty="0"/>
+              <a:t>과 </a:t>
+            </a:r>
+            <a:r>
+              <a:rPr lang="en-US" altLang="ko-KR" sz="800" dirty="0"/>
+              <a:t>Refresh token </a:t>
+            </a:r>
+            <a:r>
+              <a:rPr lang="ko-KR" altLang="en-US" sz="800" dirty="0"/>
+              <a:t>재발급</a:t>
+            </a:r>
+          </a:p>
+        </p:txBody>
+      </p:sp>
+      <p:sp>
+        <p:nvSpPr>
+          <p:cNvPr id="75" name="TextBox 74">
+            <a:extLst>
+              <a:ext uri="{FF2B5EF4-FFF2-40B4-BE49-F238E27FC236}">
+                <a16:creationId xmlns:a16="http://schemas.microsoft.com/office/drawing/2014/main" id="{9645C855-2A98-4F4F-A168-1D38762833CA}"/>
+              </a:ext>
+            </a:extLst>
+          </p:cNvPr>
+          <p:cNvSpPr txBox="1"/>
+          <p:nvPr/>
+        </p:nvSpPr>
+        <p:spPr>
+          <a:xfrm>
+            <a:off x="3861602" y="3491136"/>
+            <a:ext cx="1202170" cy="338554"/>
+          </a:xfrm>
+          <a:prstGeom prst="rect">
+            <a:avLst/>
+          </a:prstGeom>
+          <a:noFill/>
+        </p:spPr>
+        <p:txBody>
+          <a:bodyPr wrap="square" rtlCol="0">
+            <a:spAutoFit/>
+          </a:bodyPr>
+          <a:lstStyle/>
+          <a:p>
+            <a:pPr algn="ctr"/>
+            <a:r>
+              <a:rPr lang="en-US" altLang="ko-KR" sz="800" dirty="0">
+                <a:solidFill>
+                  <a:schemeClr val="tx1"/>
+                </a:solidFill>
+              </a:rPr>
+              <a:t>DB</a:t>
+            </a:r>
+            <a:r>
+              <a:rPr lang="ko-KR" altLang="en-US" sz="800" dirty="0">
+                <a:solidFill>
+                  <a:schemeClr val="tx1"/>
+                </a:solidFill>
+              </a:rPr>
+              <a:t>에 </a:t>
+            </a:r>
+            <a:r>
+              <a:rPr lang="en-US" altLang="ko-KR" sz="800" dirty="0">
+                <a:solidFill>
+                  <a:schemeClr val="tx1"/>
+                </a:solidFill>
+              </a:rPr>
+              <a:t>refresh </a:t>
+            </a:r>
+          </a:p>
+          <a:p>
+            <a:pPr algn="ctr"/>
+            <a:r>
+              <a:rPr lang="en-US" altLang="ko-KR" sz="800" dirty="0">
+                <a:solidFill>
+                  <a:schemeClr val="tx1"/>
+                </a:solidFill>
+              </a:rPr>
+              <a:t>token </a:t>
+            </a:r>
+            <a:r>
+              <a:rPr lang="ko-KR" altLang="en-US" sz="800" dirty="0">
+                <a:solidFill>
+                  <a:schemeClr val="tx1"/>
+                </a:solidFill>
+              </a:rPr>
+              <a:t>저장</a:t>
+            </a:r>
+          </a:p>
+        </p:txBody>
+      </p:sp>
+      <p:cxnSp>
+        <p:nvCxnSpPr>
+          <p:cNvPr id="76" name="직선 화살표 연결선 75">
+            <a:extLst>
+              <a:ext uri="{FF2B5EF4-FFF2-40B4-BE49-F238E27FC236}">
+                <a16:creationId xmlns:a16="http://schemas.microsoft.com/office/drawing/2014/main" id="{C7EC3059-A0FE-4EEE-A84D-1469DA4E2B97}"/>
+              </a:ext>
+            </a:extLst>
+          </p:cNvPr>
+          <p:cNvCxnSpPr>
+            <a:cxnSpLocks/>
+          </p:cNvCxnSpPr>
+          <p:nvPr/>
+        </p:nvCxnSpPr>
+        <p:spPr>
+          <a:xfrm>
+            <a:off x="3513234" y="5821602"/>
+            <a:ext cx="1904318" cy="0"/>
+          </a:xfrm>
+          <a:prstGeom prst="straightConnector1">
+            <a:avLst/>
+          </a:prstGeom>
+          <a:ln>
+            <a:tailEnd type="triangle"/>
+          </a:ln>
+        </p:spPr>
+        <p:style>
+          <a:lnRef idx="1">
+            <a:schemeClr val="accent1"/>
+          </a:lnRef>
+          <a:fillRef idx="0">
+            <a:schemeClr val="accent1"/>
+          </a:fillRef>
+          <a:effectRef idx="0">
+            <a:schemeClr val="accent1"/>
+          </a:effectRef>
+          <a:fontRef idx="minor">
+            <a:schemeClr val="tx1"/>
+          </a:fontRef>
+        </p:style>
+      </p:cxnSp>
+      <p:sp>
+        <p:nvSpPr>
+          <p:cNvPr id="77" name="TextBox 76">
+            <a:extLst>
+              <a:ext uri="{FF2B5EF4-FFF2-40B4-BE49-F238E27FC236}">
+                <a16:creationId xmlns:a16="http://schemas.microsoft.com/office/drawing/2014/main" id="{2D552E2D-DB8B-428D-8439-7D870E86F0B8}"/>
+              </a:ext>
+            </a:extLst>
+          </p:cNvPr>
+          <p:cNvSpPr txBox="1"/>
+          <p:nvPr/>
+        </p:nvSpPr>
+        <p:spPr>
+          <a:xfrm>
+            <a:off x="3223238" y="5606158"/>
+            <a:ext cx="2304650" cy="215444"/>
+          </a:xfrm>
+          <a:prstGeom prst="rect">
+            <a:avLst/>
+          </a:prstGeom>
+          <a:noFill/>
+        </p:spPr>
+        <p:txBody>
+          <a:bodyPr wrap="square" rtlCol="0">
+            <a:spAutoFit/>
+          </a:bodyPr>
+          <a:lstStyle/>
+          <a:p>
+            <a:pPr algn="ctr"/>
+            <a:r>
+              <a:rPr lang="en-US" altLang="ko-KR" sz="800" dirty="0">
+                <a:solidFill>
+                  <a:schemeClr val="tx1"/>
+                </a:solidFill>
+              </a:rPr>
+              <a:t>Index</a:t>
+            </a:r>
+            <a:r>
+              <a:rPr lang="ko-KR" altLang="en-US" sz="800" dirty="0">
+                <a:solidFill>
+                  <a:schemeClr val="tx1"/>
+                </a:solidFill>
+              </a:rPr>
+              <a:t>를 이용하여 </a:t>
+            </a:r>
+            <a:r>
+              <a:rPr lang="en-US" altLang="ko-KR" sz="800" dirty="0">
+                <a:solidFill>
+                  <a:schemeClr val="tx1"/>
+                </a:solidFill>
+              </a:rPr>
+              <a:t>Refresh token </a:t>
+            </a:r>
+            <a:r>
+              <a:rPr lang="ko-KR" altLang="en-US" sz="800" dirty="0"/>
+              <a:t>요청</a:t>
+            </a:r>
+            <a:endParaRPr lang="ko-KR" altLang="en-US" sz="800" dirty="0">
+              <a:solidFill>
+                <a:schemeClr val="tx1"/>
+              </a:solidFill>
+            </a:endParaRPr>
+          </a:p>
+        </p:txBody>
+      </p:sp>
+      <p:sp>
+        <p:nvSpPr>
+          <p:cNvPr id="39" name="직사각형 38">
+            <a:extLst>
+              <a:ext uri="{FF2B5EF4-FFF2-40B4-BE49-F238E27FC236}">
+                <a16:creationId xmlns:a16="http://schemas.microsoft.com/office/drawing/2014/main" id="{CE99E567-6F4A-4034-A57B-F27A563B57E4}"/>
               </a:ext>
             </a:extLst>
           </p:cNvPr>
@@ -6373,12 +6453,303 @@
         </p:nvSpPr>
         <p:spPr>
           <a:xfrm>
-            <a:off x="982398" y="5466164"/>
-            <a:ext cx="746760" cy="751296"/>
-          </a:xfrm>
-          <a:prstGeom prst="ellipse">
+            <a:off x="3128511" y="2774153"/>
+            <a:ext cx="746760" cy="369330"/>
+          </a:xfrm>
+          <a:prstGeom prst="rect">
             <a:avLst/>
           </a:prstGeom>
+        </p:spPr>
+        <p:style>
+          <a:lnRef idx="2">
+            <a:schemeClr val="accent3">
+              <a:shade val="50000"/>
+            </a:schemeClr>
+          </a:lnRef>
+          <a:fillRef idx="1">
+            <a:schemeClr val="accent3"/>
+          </a:fillRef>
+          <a:effectRef idx="0">
+            <a:schemeClr val="accent3"/>
+          </a:effectRef>
+          <a:fontRef idx="minor">
+            <a:schemeClr val="lt1"/>
+          </a:fontRef>
+        </p:style>
+        <p:txBody>
+          <a:bodyPr rtlCol="0" anchor="ctr"/>
+          <a:lstStyle/>
+          <a:p>
+            <a:pPr algn="ctr"/>
+            <a:endParaRPr lang="ko-KR" altLang="en-US" dirty="0"/>
+          </a:p>
+        </p:txBody>
+      </p:sp>
+      <p:sp>
+        <p:nvSpPr>
+          <p:cNvPr id="40" name="TextBox 39">
+            <a:extLst>
+              <a:ext uri="{FF2B5EF4-FFF2-40B4-BE49-F238E27FC236}">
+                <a16:creationId xmlns:a16="http://schemas.microsoft.com/office/drawing/2014/main" id="{21804700-0ACD-44EE-9688-CD628F231871}"/>
+              </a:ext>
+            </a:extLst>
+          </p:cNvPr>
+          <p:cNvSpPr txBox="1"/>
+          <p:nvPr/>
+        </p:nvSpPr>
+        <p:spPr>
+          <a:xfrm>
+            <a:off x="3242693" y="2850701"/>
+            <a:ext cx="579992" cy="646331"/>
+          </a:xfrm>
+          <a:prstGeom prst="rect">
+            <a:avLst/>
+          </a:prstGeom>
+          <a:noFill/>
+        </p:spPr>
+        <p:txBody>
+          <a:bodyPr wrap="square" rtlCol="0">
+            <a:spAutoFit/>
+          </a:bodyPr>
+          <a:lstStyle/>
+          <a:p>
+            <a:r>
+              <a:rPr lang="en-US" altLang="ko-KR" sz="900" dirty="0"/>
+              <a:t>Server</a:t>
+            </a:r>
+          </a:p>
+          <a:p>
+            <a:endParaRPr lang="en-US" altLang="ko-KR" sz="900" dirty="0"/>
+          </a:p>
+          <a:p>
+            <a:endParaRPr lang="ko-KR" altLang="en-US" dirty="0"/>
+          </a:p>
+        </p:txBody>
+      </p:sp>
+      <p:sp>
+        <p:nvSpPr>
+          <p:cNvPr id="41" name="직사각형 40">
+            <a:extLst>
+              <a:ext uri="{FF2B5EF4-FFF2-40B4-BE49-F238E27FC236}">
+                <a16:creationId xmlns:a16="http://schemas.microsoft.com/office/drawing/2014/main" id="{BEB2CB53-59DE-4F38-9319-310C97C61075}"/>
+              </a:ext>
+            </a:extLst>
+          </p:cNvPr>
+          <p:cNvSpPr/>
+          <p:nvPr/>
+        </p:nvSpPr>
+        <p:spPr>
+          <a:xfrm>
+            <a:off x="5140005" y="2780043"/>
+            <a:ext cx="746760" cy="369330"/>
+          </a:xfrm>
+          <a:prstGeom prst="rect">
+            <a:avLst/>
+          </a:prstGeom>
+        </p:spPr>
+        <p:style>
+          <a:lnRef idx="2">
+            <a:schemeClr val="accent3">
+              <a:shade val="50000"/>
+            </a:schemeClr>
+          </a:lnRef>
+          <a:fillRef idx="1">
+            <a:schemeClr val="accent3"/>
+          </a:fillRef>
+          <a:effectRef idx="0">
+            <a:schemeClr val="accent3"/>
+          </a:effectRef>
+          <a:fontRef idx="minor">
+            <a:schemeClr val="lt1"/>
+          </a:fontRef>
+        </p:style>
+        <p:txBody>
+          <a:bodyPr rtlCol="0" anchor="ctr"/>
+          <a:lstStyle/>
+          <a:p>
+            <a:pPr algn="ctr"/>
+            <a:endParaRPr lang="ko-KR" altLang="en-US" dirty="0"/>
+          </a:p>
+        </p:txBody>
+      </p:sp>
+      <p:sp>
+        <p:nvSpPr>
+          <p:cNvPr id="43" name="TextBox 42">
+            <a:extLst>
+              <a:ext uri="{FF2B5EF4-FFF2-40B4-BE49-F238E27FC236}">
+                <a16:creationId xmlns:a16="http://schemas.microsoft.com/office/drawing/2014/main" id="{57BC83AB-A5A1-4CCE-9CBE-E4E0DFB95EDF}"/>
+              </a:ext>
+            </a:extLst>
+          </p:cNvPr>
+          <p:cNvSpPr txBox="1"/>
+          <p:nvPr/>
+        </p:nvSpPr>
+        <p:spPr>
+          <a:xfrm>
+            <a:off x="5360937" y="2844604"/>
+            <a:ext cx="579992" cy="646331"/>
+          </a:xfrm>
+          <a:prstGeom prst="rect">
+            <a:avLst/>
+          </a:prstGeom>
+          <a:noFill/>
+        </p:spPr>
+        <p:txBody>
+          <a:bodyPr wrap="square" rtlCol="0">
+            <a:spAutoFit/>
+          </a:bodyPr>
+          <a:lstStyle/>
+          <a:p>
+            <a:r>
+              <a:rPr lang="en-US" altLang="ko-KR" sz="900" dirty="0"/>
+              <a:t>DB</a:t>
+            </a:r>
+          </a:p>
+          <a:p>
+            <a:endParaRPr lang="en-US" altLang="ko-KR" sz="900" dirty="0"/>
+          </a:p>
+          <a:p>
+            <a:endParaRPr lang="ko-KR" altLang="en-US" dirty="0"/>
+          </a:p>
+        </p:txBody>
+      </p:sp>
+      <p:cxnSp>
+        <p:nvCxnSpPr>
+          <p:cNvPr id="21" name="직선 연결선 20">
+            <a:extLst>
+              <a:ext uri="{FF2B5EF4-FFF2-40B4-BE49-F238E27FC236}">
+                <a16:creationId xmlns:a16="http://schemas.microsoft.com/office/drawing/2014/main" id="{7FACC415-DD06-4024-8D8F-26CA7B151557}"/>
+              </a:ext>
+            </a:extLst>
+          </p:cNvPr>
+          <p:cNvCxnSpPr>
+            <a:cxnSpLocks/>
+          </p:cNvCxnSpPr>
+          <p:nvPr/>
+        </p:nvCxnSpPr>
+        <p:spPr>
+          <a:xfrm flipH="1">
+            <a:off x="622875" y="3142596"/>
+            <a:ext cx="33729" cy="3641662"/>
+          </a:xfrm>
+          <a:prstGeom prst="line">
+            <a:avLst/>
+          </a:prstGeom>
+        </p:spPr>
+        <p:style>
+          <a:lnRef idx="1">
+            <a:schemeClr val="dk1"/>
+          </a:lnRef>
+          <a:fillRef idx="0">
+            <a:schemeClr val="dk1"/>
+          </a:fillRef>
+          <a:effectRef idx="0">
+            <a:schemeClr val="dk1"/>
+          </a:effectRef>
+          <a:fontRef idx="minor">
+            <a:schemeClr val="tx1"/>
+          </a:fontRef>
+        </p:style>
+      </p:cxnSp>
+      <p:cxnSp>
+        <p:nvCxnSpPr>
+          <p:cNvPr id="45" name="직선 연결선 44">
+            <a:extLst>
+              <a:ext uri="{FF2B5EF4-FFF2-40B4-BE49-F238E27FC236}">
+                <a16:creationId xmlns:a16="http://schemas.microsoft.com/office/drawing/2014/main" id="{12927674-36F1-4A75-A7EF-BFAC6F2D8E0F}"/>
+              </a:ext>
+            </a:extLst>
+          </p:cNvPr>
+          <p:cNvCxnSpPr>
+            <a:cxnSpLocks/>
+          </p:cNvCxnSpPr>
+          <p:nvPr/>
+        </p:nvCxnSpPr>
+        <p:spPr>
+          <a:xfrm flipH="1">
+            <a:off x="3449119" y="3149373"/>
+            <a:ext cx="37303" cy="3634885"/>
+          </a:xfrm>
+          <a:prstGeom prst="line">
+            <a:avLst/>
+          </a:prstGeom>
+        </p:spPr>
+        <p:style>
+          <a:lnRef idx="1">
+            <a:schemeClr val="dk1"/>
+          </a:lnRef>
+          <a:fillRef idx="0">
+            <a:schemeClr val="dk1"/>
+          </a:fillRef>
+          <a:effectRef idx="0">
+            <a:schemeClr val="dk1"/>
+          </a:effectRef>
+          <a:fontRef idx="minor">
+            <a:schemeClr val="tx1"/>
+          </a:fontRef>
+        </p:style>
+      </p:cxnSp>
+      <p:cxnSp>
+        <p:nvCxnSpPr>
+          <p:cNvPr id="47" name="직선 연결선 46">
+            <a:extLst>
+              <a:ext uri="{FF2B5EF4-FFF2-40B4-BE49-F238E27FC236}">
+                <a16:creationId xmlns:a16="http://schemas.microsoft.com/office/drawing/2014/main" id="{F3373778-024F-436D-B2D3-EB925500FEFB}"/>
+              </a:ext>
+            </a:extLst>
+          </p:cNvPr>
+          <p:cNvCxnSpPr>
+            <a:cxnSpLocks/>
+          </p:cNvCxnSpPr>
+          <p:nvPr/>
+        </p:nvCxnSpPr>
+        <p:spPr>
+          <a:xfrm flipH="1">
+            <a:off x="5472030" y="3142595"/>
+            <a:ext cx="37303" cy="3641663"/>
+          </a:xfrm>
+          <a:prstGeom prst="line">
+            <a:avLst/>
+          </a:prstGeom>
+        </p:spPr>
+        <p:style>
+          <a:lnRef idx="1">
+            <a:schemeClr val="dk1"/>
+          </a:lnRef>
+          <a:fillRef idx="0">
+            <a:schemeClr val="dk1"/>
+          </a:fillRef>
+          <a:effectRef idx="0">
+            <a:schemeClr val="dk1"/>
+          </a:effectRef>
+          <a:fontRef idx="minor">
+            <a:schemeClr val="tx1"/>
+          </a:fontRef>
+        </p:style>
+      </p:cxnSp>
+      <p:sp>
+        <p:nvSpPr>
+          <p:cNvPr id="48" name="직사각형 47">
+            <a:extLst>
+              <a:ext uri="{FF2B5EF4-FFF2-40B4-BE49-F238E27FC236}">
+                <a16:creationId xmlns:a16="http://schemas.microsoft.com/office/drawing/2014/main" id="{7B26972A-E740-414B-B294-C15C0F06D364}"/>
+              </a:ext>
+            </a:extLst>
+          </p:cNvPr>
+          <p:cNvSpPr/>
+          <p:nvPr/>
+        </p:nvSpPr>
+        <p:spPr>
+          <a:xfrm>
+            <a:off x="340809" y="4016733"/>
+            <a:ext cx="5545956" cy="293740"/>
+          </a:xfrm>
+          <a:prstGeom prst="rect">
+            <a:avLst/>
+          </a:prstGeom>
+          <a:solidFill>
+            <a:schemeClr val="bg1"/>
+          </a:solidFill>
         </p:spPr>
         <p:style>
           <a:lnRef idx="2">
@@ -6401,84 +6772,16 @@
           <a:lstStyle/>
           <a:p>
             <a:pPr algn="ctr"/>
-            <a:r>
-              <a:rPr lang="en-US" altLang="ko-KR" sz="900" dirty="0">
-                <a:solidFill>
-                  <a:schemeClr val="tx1"/>
-                </a:solidFill>
-              </a:rPr>
-              <a:t>Access token</a:t>
-            </a:r>
-            <a:r>
-              <a:rPr lang="ko-KR" altLang="en-US" sz="900" dirty="0">
-                <a:solidFill>
-                  <a:schemeClr val="tx1"/>
-                </a:solidFill>
-              </a:rPr>
-              <a:t> </a:t>
-            </a:r>
-            <a:endParaRPr lang="en-US" altLang="ko-KR" sz="900" dirty="0">
-              <a:solidFill>
-                <a:schemeClr val="tx1"/>
-              </a:solidFill>
-            </a:endParaRPr>
-          </a:p>
-          <a:p>
-            <a:pPr algn="ctr"/>
-            <a:r>
-              <a:rPr lang="ko-KR" altLang="en-US" sz="900" dirty="0">
-                <a:solidFill>
-                  <a:schemeClr val="tx1"/>
-                </a:solidFill>
-              </a:rPr>
-              <a:t>유효 </a:t>
-            </a:r>
-            <a:endParaRPr lang="en-US" altLang="ko-KR" sz="900" dirty="0">
-              <a:solidFill>
-                <a:schemeClr val="tx1"/>
-              </a:solidFill>
-            </a:endParaRPr>
-          </a:p>
-          <a:p>
-            <a:pPr algn="ctr"/>
-            <a:r>
-              <a:rPr lang="ko-KR" altLang="en-US" sz="900" dirty="0">
-                <a:solidFill>
-                  <a:schemeClr val="tx1"/>
-                </a:solidFill>
-              </a:rPr>
-              <a:t>시간 </a:t>
-            </a:r>
-            <a:endParaRPr lang="en-US" altLang="ko-KR" sz="900" dirty="0">
-              <a:solidFill>
-                <a:schemeClr val="tx1"/>
-              </a:solidFill>
-            </a:endParaRPr>
-          </a:p>
-          <a:p>
-            <a:pPr algn="ctr"/>
-            <a:r>
-              <a:rPr lang="ko-KR" altLang="en-US" sz="900" dirty="0">
-                <a:solidFill>
-                  <a:schemeClr val="tx1"/>
-                </a:solidFill>
-              </a:rPr>
-              <a:t>초과 </a:t>
-            </a:r>
-            <a:endParaRPr lang="en-US" altLang="ko-KR" sz="900" dirty="0">
-              <a:solidFill>
-                <a:schemeClr val="tx1"/>
-              </a:solidFill>
-            </a:endParaRPr>
-          </a:p>
-        </p:txBody>
-      </p:sp>
-      <p:sp>
-        <p:nvSpPr>
-          <p:cNvPr id="44" name="TextBox 43">
-            <a:extLst>
-              <a:ext uri="{FF2B5EF4-FFF2-40B4-BE49-F238E27FC236}">
-                <a16:creationId xmlns:a16="http://schemas.microsoft.com/office/drawing/2014/main" id="{E47B4CCE-B9CD-4445-A8E0-CA92748937D2}"/>
+            <a:endParaRPr lang="ko-KR" altLang="en-US"/>
+          </a:p>
+        </p:txBody>
+      </p:sp>
+      <p:sp>
+        <p:nvSpPr>
+          <p:cNvPr id="50" name="TextBox 49">
+            <a:extLst>
+              <a:ext uri="{FF2B5EF4-FFF2-40B4-BE49-F238E27FC236}">
+                <a16:creationId xmlns:a16="http://schemas.microsoft.com/office/drawing/2014/main" id="{4E01F07C-58A0-4387-BD9D-D735B2794A92}"/>
               </a:ext>
             </a:extLst>
           </p:cNvPr>
@@ -6487,8 +6790,8 @@
         </p:nvSpPr>
         <p:spPr>
           <a:xfrm>
-            <a:off x="1860928" y="3871227"/>
-            <a:ext cx="1092645" cy="215444"/>
+            <a:off x="1073179" y="4039197"/>
+            <a:ext cx="7197212" cy="246221"/>
           </a:xfrm>
           <a:prstGeom prst="rect">
             <a:avLst/>
@@ -6502,130 +6805,51 @@
           <a:lstStyle/>
           <a:p>
             <a:r>
-              <a:rPr lang="ko-KR" altLang="en-US" sz="800" dirty="0"/>
-              <a:t>원하는 로직 요청</a:t>
-            </a:r>
-          </a:p>
-        </p:txBody>
-      </p:sp>
-      <p:sp>
-        <p:nvSpPr>
-          <p:cNvPr id="46" name="TextBox 45">
-            <a:extLst>
-              <a:ext uri="{FF2B5EF4-FFF2-40B4-BE49-F238E27FC236}">
-                <a16:creationId xmlns:a16="http://schemas.microsoft.com/office/drawing/2014/main" id="{0C64D2EB-5269-4F11-A3C8-74584E4D35A2}"/>
-              </a:ext>
-            </a:extLst>
-          </p:cNvPr>
-          <p:cNvSpPr txBox="1"/>
+              <a:rPr lang="ko-KR" altLang="en-US" sz="1000" dirty="0"/>
+              <a:t>로그인 이후 </a:t>
+            </a:r>
+            <a:r>
+              <a:rPr lang="en-US" altLang="ko-KR" sz="1000" dirty="0" err="1"/>
+              <a:t>AccessToken</a:t>
+            </a:r>
+            <a:r>
+              <a:rPr lang="ko-KR" altLang="en-US" sz="1000" dirty="0"/>
+              <a:t>의 유효성에 따라 </a:t>
+            </a:r>
+            <a:r>
+              <a:rPr lang="en-US" altLang="ko-KR" sz="1000" dirty="0"/>
+              <a:t>2</a:t>
+            </a:r>
+            <a:r>
+              <a:rPr lang="ko-KR" altLang="en-US" sz="1000" dirty="0"/>
+              <a:t>가지의 상황이 발생한다</a:t>
+            </a:r>
+          </a:p>
+        </p:txBody>
+      </p:sp>
+      <p:sp>
+        <p:nvSpPr>
+          <p:cNvPr id="54" name="직사각형 53">
+            <a:extLst>
+              <a:ext uri="{FF2B5EF4-FFF2-40B4-BE49-F238E27FC236}">
+                <a16:creationId xmlns:a16="http://schemas.microsoft.com/office/drawing/2014/main" id="{656EE5DF-ABE4-480E-A791-7A4D5156F472}"/>
+              </a:ext>
+            </a:extLst>
+          </p:cNvPr>
+          <p:cNvSpPr/>
           <p:nvPr/>
         </p:nvSpPr>
         <p:spPr>
           <a:xfrm>
-            <a:off x="1675670" y="4248454"/>
-            <a:ext cx="2221638" cy="215444"/>
+            <a:off x="2987141" y="6130589"/>
+            <a:ext cx="855794" cy="342161"/>
           </a:xfrm>
           <a:prstGeom prst="rect">
             <a:avLst/>
           </a:prstGeom>
-          <a:noFill/>
-        </p:spPr>
-        <p:txBody>
-          <a:bodyPr wrap="square" rtlCol="0">
-            <a:spAutoFit/>
-          </a:bodyPr>
-          <a:lstStyle/>
-          <a:p>
-            <a:r>
-              <a:rPr lang="ko-KR" altLang="en-US" sz="800" dirty="0"/>
-              <a:t>로직 수행 후 </a:t>
-            </a:r>
-            <a:r>
-              <a:rPr lang="en-US" altLang="ko-KR" sz="800" dirty="0"/>
-              <a:t>response </a:t>
-            </a:r>
-            <a:r>
-              <a:rPr lang="ko-KR" altLang="en-US" sz="800" dirty="0"/>
-              <a:t>반환</a:t>
-            </a:r>
-          </a:p>
-        </p:txBody>
-      </p:sp>
-      <p:sp>
-        <p:nvSpPr>
-          <p:cNvPr id="49" name="TextBox 48">
-            <a:extLst>
-              <a:ext uri="{FF2B5EF4-FFF2-40B4-BE49-F238E27FC236}">
-                <a16:creationId xmlns:a16="http://schemas.microsoft.com/office/drawing/2014/main" id="{15FE7C44-683F-41D6-85F7-3422BE4D35BA}"/>
-              </a:ext>
-            </a:extLst>
-          </p:cNvPr>
-          <p:cNvSpPr txBox="1"/>
-          <p:nvPr/>
-        </p:nvSpPr>
-        <p:spPr>
-          <a:xfrm>
-            <a:off x="1816869" y="5296715"/>
-            <a:ext cx="1383658" cy="338554"/>
-          </a:xfrm>
-          <a:prstGeom prst="rect">
-            <a:avLst/>
-          </a:prstGeom>
-          <a:noFill/>
-        </p:spPr>
-        <p:txBody>
-          <a:bodyPr wrap="square" rtlCol="0">
-            <a:spAutoFit/>
-          </a:bodyPr>
-          <a:lstStyle/>
-          <a:p>
-            <a:r>
-              <a:rPr lang="en-US" altLang="ko-KR" sz="800" dirty="0"/>
-              <a:t>Access</a:t>
-            </a:r>
-            <a:r>
-              <a:rPr lang="ko-KR" altLang="en-US" sz="800" dirty="0"/>
-              <a:t> </a:t>
-            </a:r>
-            <a:r>
-              <a:rPr lang="en-US" altLang="ko-KR" sz="800" dirty="0"/>
-              <a:t>token</a:t>
-            </a:r>
-            <a:r>
-              <a:rPr lang="ko-KR" altLang="en-US" sz="800" dirty="0"/>
-              <a:t>과 </a:t>
-            </a:r>
-            <a:r>
-              <a:rPr lang="en-US" altLang="ko-KR" sz="800" dirty="0"/>
-              <a:t>Refresh Token index</a:t>
-            </a:r>
-            <a:r>
-              <a:rPr lang="ko-KR" altLang="en-US" sz="800" dirty="0"/>
-              <a:t> 보냄</a:t>
-            </a:r>
-          </a:p>
-        </p:txBody>
-      </p:sp>
-      <p:sp>
-        <p:nvSpPr>
-          <p:cNvPr id="64" name="타원 63">
-            <a:extLst>
-              <a:ext uri="{FF2B5EF4-FFF2-40B4-BE49-F238E27FC236}">
-                <a16:creationId xmlns:a16="http://schemas.microsoft.com/office/drawing/2014/main" id="{601F51DD-B283-437E-B7B7-8BFC5BC16EE9}"/>
-              </a:ext>
-            </a:extLst>
-          </p:cNvPr>
-          <p:cNvSpPr/>
-          <p:nvPr/>
-        </p:nvSpPr>
-        <p:spPr>
-          <a:xfrm>
-            <a:off x="977867" y="3855115"/>
-            <a:ext cx="746760" cy="751296"/>
-          </a:xfrm>
-          <a:prstGeom prst="ellipse">
-            <a:avLst/>
-          </a:prstGeom>
+          <a:solidFill>
+            <a:schemeClr val="bg1"/>
+          </a:solidFill>
         </p:spPr>
         <p:style>
           <a:lnRef idx="2">
@@ -6648,52 +6872,62 @@
           <a:lstStyle/>
           <a:p>
             <a:pPr algn="ctr"/>
-            <a:r>
-              <a:rPr lang="en-US" altLang="ko-KR" sz="900" dirty="0">
-                <a:solidFill>
-                  <a:schemeClr val="tx1"/>
-                </a:solidFill>
-              </a:rPr>
-              <a:t>Access token</a:t>
-            </a:r>
-            <a:r>
-              <a:rPr lang="ko-KR" altLang="en-US" sz="900" dirty="0">
-                <a:solidFill>
-                  <a:schemeClr val="tx1"/>
-                </a:solidFill>
-              </a:rPr>
-              <a:t> </a:t>
-            </a:r>
-            <a:endParaRPr lang="en-US" altLang="ko-KR" sz="900" dirty="0">
-              <a:solidFill>
-                <a:schemeClr val="tx1"/>
-              </a:solidFill>
-            </a:endParaRPr>
-          </a:p>
-          <a:p>
-            <a:pPr algn="ctr"/>
-            <a:r>
-              <a:rPr lang="ko-KR" altLang="en-US" sz="900" dirty="0">
-                <a:solidFill>
-                  <a:schemeClr val="tx1"/>
-                </a:solidFill>
-              </a:rPr>
-              <a:t>유효  </a:t>
-            </a:r>
-            <a:endParaRPr lang="en-US" altLang="ko-KR" sz="900" dirty="0">
-              <a:solidFill>
-                <a:schemeClr val="tx1"/>
-              </a:solidFill>
-            </a:endParaRPr>
+            <a:endParaRPr lang="ko-KR" altLang="en-US"/>
+          </a:p>
+        </p:txBody>
+      </p:sp>
+      <p:sp>
+        <p:nvSpPr>
+          <p:cNvPr id="55" name="TextBox 54">
+            <a:extLst>
+              <a:ext uri="{FF2B5EF4-FFF2-40B4-BE49-F238E27FC236}">
+                <a16:creationId xmlns:a16="http://schemas.microsoft.com/office/drawing/2014/main" id="{CB500238-20FC-4F6B-A9E2-ED6390FAD625}"/>
+              </a:ext>
+            </a:extLst>
+          </p:cNvPr>
+          <p:cNvSpPr txBox="1"/>
+          <p:nvPr/>
+        </p:nvSpPr>
+        <p:spPr>
+          <a:xfrm>
+            <a:off x="2986621" y="6113537"/>
+            <a:ext cx="1029560" cy="338554"/>
+          </a:xfrm>
+          <a:prstGeom prst="rect">
+            <a:avLst/>
+          </a:prstGeom>
+          <a:noFill/>
+        </p:spPr>
+        <p:txBody>
+          <a:bodyPr wrap="square" rtlCol="0">
+            <a:spAutoFit/>
+          </a:bodyPr>
+          <a:lstStyle/>
+          <a:p>
+            <a:r>
+              <a:rPr lang="en-US" altLang="ko-KR" sz="800" dirty="0"/>
+              <a:t>Refresh token</a:t>
+            </a:r>
+            <a:r>
+              <a:rPr lang="ko-KR" altLang="en-US" sz="800" dirty="0"/>
+              <a:t>의 </a:t>
+            </a:r>
+            <a:endParaRPr lang="en-US" altLang="ko-KR" sz="800" dirty="0"/>
+          </a:p>
+          <a:p>
+            <a:r>
+              <a:rPr lang="ko-KR" altLang="en-US" sz="800" dirty="0"/>
+              <a:t>유효성 검사</a:t>
+            </a:r>
           </a:p>
         </p:txBody>
       </p:sp>
       <p:cxnSp>
         <p:nvCxnSpPr>
-          <p:cNvPr id="70" name="직선 화살표 연결선 69">
-            <a:extLst>
-              <a:ext uri="{FF2B5EF4-FFF2-40B4-BE49-F238E27FC236}">
-                <a16:creationId xmlns:a16="http://schemas.microsoft.com/office/drawing/2014/main" id="{D7E5C492-1E55-4038-9239-B79532D7A1B7}"/>
+          <p:cNvPr id="59" name="직선 화살표 연결선 58">
+            <a:extLst>
+              <a:ext uri="{FF2B5EF4-FFF2-40B4-BE49-F238E27FC236}">
+                <a16:creationId xmlns:a16="http://schemas.microsoft.com/office/drawing/2014/main" id="{ABC0AC0C-58E4-4CD5-8871-63D2BF153C07}"/>
               </a:ext>
             </a:extLst>
           </p:cNvPr>
@@ -6704,8 +6938,8 @@
         </p:nvCxnSpPr>
         <p:spPr>
           <a:xfrm flipH="1">
-            <a:off x="1675670" y="6664127"/>
-            <a:ext cx="1356279" cy="0"/>
+            <a:off x="1404321" y="6675160"/>
+            <a:ext cx="2011585" cy="0"/>
           </a:xfrm>
           <a:prstGeom prst="straightConnector1">
             <a:avLst/>
@@ -6731,254 +6965,27 @@
       </p:cxnSp>
       <p:sp>
         <p:nvSpPr>
-          <p:cNvPr id="72" name="TextBox 71">
-            <a:extLst>
-              <a:ext uri="{FF2B5EF4-FFF2-40B4-BE49-F238E27FC236}">
-                <a16:creationId xmlns:a16="http://schemas.microsoft.com/office/drawing/2014/main" id="{65022745-CA87-4756-A736-1A42FB412CB8}"/>
-              </a:ext>
-            </a:extLst>
-          </p:cNvPr>
-          <p:cNvSpPr txBox="1"/>
+          <p:cNvPr id="61" name="직사각형 60">
+            <a:extLst>
+              <a:ext uri="{FF2B5EF4-FFF2-40B4-BE49-F238E27FC236}">
+                <a16:creationId xmlns:a16="http://schemas.microsoft.com/office/drawing/2014/main" id="{585B0B5F-2A26-4AE2-AEB8-6D6923DD7932}"/>
+              </a:ext>
+            </a:extLst>
+          </p:cNvPr>
+          <p:cNvSpPr/>
           <p:nvPr/>
         </p:nvSpPr>
         <p:spPr>
           <a:xfrm>
-            <a:off x="1740160" y="6325573"/>
-            <a:ext cx="1383658" cy="338554"/>
+            <a:off x="733474" y="5372697"/>
+            <a:ext cx="612442" cy="1370263"/>
           </a:xfrm>
           <a:prstGeom prst="rect">
             <a:avLst/>
           </a:prstGeom>
-          <a:noFill/>
-        </p:spPr>
-        <p:txBody>
-          <a:bodyPr wrap="square" rtlCol="0">
-            <a:spAutoFit/>
-          </a:bodyPr>
-          <a:lstStyle/>
-          <a:p>
-            <a:r>
-              <a:rPr lang="en-US" altLang="ko-KR" sz="800" dirty="0"/>
-              <a:t>Access token</a:t>
-            </a:r>
-            <a:r>
-              <a:rPr lang="ko-KR" altLang="en-US" sz="800" dirty="0"/>
-              <a:t>과 </a:t>
-            </a:r>
-            <a:r>
-              <a:rPr lang="en-US" altLang="ko-KR" sz="800" dirty="0"/>
-              <a:t>Refresh token </a:t>
-            </a:r>
-            <a:r>
-              <a:rPr lang="ko-KR" altLang="en-US" sz="800" dirty="0"/>
-              <a:t>재발급</a:t>
-            </a:r>
-          </a:p>
-        </p:txBody>
-      </p:sp>
-      <p:sp>
-        <p:nvSpPr>
-          <p:cNvPr id="75" name="TextBox 74">
-            <a:extLst>
-              <a:ext uri="{FF2B5EF4-FFF2-40B4-BE49-F238E27FC236}">
-                <a16:creationId xmlns:a16="http://schemas.microsoft.com/office/drawing/2014/main" id="{9645C855-2A98-4F4F-A168-1D38762833CA}"/>
-              </a:ext>
-            </a:extLst>
-          </p:cNvPr>
-          <p:cNvSpPr txBox="1"/>
-          <p:nvPr/>
-        </p:nvSpPr>
-        <p:spPr>
-          <a:xfrm>
-            <a:off x="4016347" y="3110148"/>
-            <a:ext cx="1202170" cy="338554"/>
-          </a:xfrm>
-          <a:prstGeom prst="rect">
-            <a:avLst/>
-          </a:prstGeom>
-          <a:noFill/>
-        </p:spPr>
-        <p:txBody>
-          <a:bodyPr wrap="square" rtlCol="0">
-            <a:spAutoFit/>
-          </a:bodyPr>
-          <a:lstStyle/>
-          <a:p>
-            <a:pPr algn="ctr"/>
-            <a:r>
-              <a:rPr lang="en-US" altLang="ko-KR" sz="800" dirty="0">
-                <a:solidFill>
-                  <a:schemeClr val="tx1"/>
-                </a:solidFill>
-              </a:rPr>
-              <a:t>DB</a:t>
-            </a:r>
-            <a:r>
-              <a:rPr lang="ko-KR" altLang="en-US" sz="800" dirty="0">
-                <a:solidFill>
-                  <a:schemeClr val="tx1"/>
-                </a:solidFill>
-              </a:rPr>
-              <a:t>에 </a:t>
-            </a:r>
-            <a:r>
-              <a:rPr lang="en-US" altLang="ko-KR" sz="800" dirty="0">
-                <a:solidFill>
-                  <a:schemeClr val="tx1"/>
-                </a:solidFill>
-              </a:rPr>
-              <a:t>refresh </a:t>
-            </a:r>
-          </a:p>
-          <a:p>
-            <a:pPr algn="ctr"/>
-            <a:r>
-              <a:rPr lang="en-US" altLang="ko-KR" sz="800" dirty="0">
-                <a:solidFill>
-                  <a:schemeClr val="tx1"/>
-                </a:solidFill>
-              </a:rPr>
-              <a:t>token </a:t>
-            </a:r>
-            <a:r>
-              <a:rPr lang="ko-KR" altLang="en-US" sz="800" dirty="0">
-                <a:solidFill>
-                  <a:schemeClr val="tx1"/>
-                </a:solidFill>
-              </a:rPr>
-              <a:t>저장</a:t>
-            </a:r>
-          </a:p>
-        </p:txBody>
-      </p:sp>
-      <p:cxnSp>
-        <p:nvCxnSpPr>
-          <p:cNvPr id="76" name="직선 화살표 연결선 75">
-            <a:extLst>
-              <a:ext uri="{FF2B5EF4-FFF2-40B4-BE49-F238E27FC236}">
-                <a16:creationId xmlns:a16="http://schemas.microsoft.com/office/drawing/2014/main" id="{C7EC3059-A0FE-4EEE-A84D-1469DA4E2B97}"/>
-              </a:ext>
-            </a:extLst>
-          </p:cNvPr>
-          <p:cNvCxnSpPr>
-            <a:cxnSpLocks/>
-          </p:cNvCxnSpPr>
-          <p:nvPr/>
-        </p:nvCxnSpPr>
-        <p:spPr>
-          <a:xfrm>
-            <a:off x="4053369" y="5566725"/>
-            <a:ext cx="1108233" cy="0"/>
-          </a:xfrm>
-          <a:prstGeom prst="straightConnector1">
-            <a:avLst/>
-          </a:prstGeom>
-          <a:ln>
-            <a:tailEnd type="triangle"/>
-          </a:ln>
-        </p:spPr>
-        <p:style>
-          <a:lnRef idx="1">
-            <a:schemeClr val="accent1"/>
-          </a:lnRef>
-          <a:fillRef idx="0">
-            <a:schemeClr val="accent1"/>
-          </a:fillRef>
-          <a:effectRef idx="0">
-            <a:schemeClr val="accent1"/>
-          </a:effectRef>
-          <a:fontRef idx="minor">
-            <a:schemeClr val="tx1"/>
-          </a:fontRef>
-        </p:style>
-      </p:cxnSp>
-      <p:sp>
-        <p:nvSpPr>
-          <p:cNvPr id="77" name="TextBox 76">
-            <a:extLst>
-              <a:ext uri="{FF2B5EF4-FFF2-40B4-BE49-F238E27FC236}">
-                <a16:creationId xmlns:a16="http://schemas.microsoft.com/office/drawing/2014/main" id="{2D552E2D-DB8B-428D-8439-7D870E86F0B8}"/>
-              </a:ext>
-            </a:extLst>
-          </p:cNvPr>
-          <p:cNvSpPr txBox="1"/>
-          <p:nvPr/>
-        </p:nvSpPr>
-        <p:spPr>
-          <a:xfrm>
-            <a:off x="4018640" y="5215335"/>
-            <a:ext cx="1202170" cy="338554"/>
-          </a:xfrm>
-          <a:prstGeom prst="rect">
-            <a:avLst/>
-          </a:prstGeom>
-          <a:noFill/>
-        </p:spPr>
-        <p:txBody>
-          <a:bodyPr wrap="square" rtlCol="0">
-            <a:spAutoFit/>
-          </a:bodyPr>
-          <a:lstStyle/>
-          <a:p>
-            <a:pPr algn="ctr"/>
-            <a:r>
-              <a:rPr lang="en-US" altLang="ko-KR" sz="800" dirty="0">
-                <a:solidFill>
-                  <a:schemeClr val="tx1"/>
-                </a:solidFill>
-              </a:rPr>
-              <a:t>Index</a:t>
-            </a:r>
-            <a:r>
-              <a:rPr lang="ko-KR" altLang="en-US" sz="800" dirty="0">
-                <a:solidFill>
-                  <a:schemeClr val="tx1"/>
-                </a:solidFill>
-              </a:rPr>
-              <a:t>를 이용하여</a:t>
-            </a:r>
-          </a:p>
-          <a:p>
-            <a:pPr algn="ctr"/>
-            <a:r>
-              <a:rPr lang="en-US" altLang="ko-KR" sz="800" dirty="0">
-                <a:solidFill>
-                  <a:schemeClr val="tx1"/>
-                </a:solidFill>
-              </a:rPr>
-              <a:t>Refresh token </a:t>
-            </a:r>
-            <a:r>
-              <a:rPr lang="ko-KR" altLang="en-US" sz="800" dirty="0">
-                <a:solidFill>
-                  <a:schemeClr val="tx1"/>
-                </a:solidFill>
-              </a:rPr>
-              <a:t>찾아옴</a:t>
-            </a:r>
-          </a:p>
-        </p:txBody>
-      </p:sp>
-      <p:sp>
-        <p:nvSpPr>
-          <p:cNvPr id="78" name="사각형: 둥근 모서리 77">
-            <a:extLst>
-              <a:ext uri="{FF2B5EF4-FFF2-40B4-BE49-F238E27FC236}">
-                <a16:creationId xmlns:a16="http://schemas.microsoft.com/office/drawing/2014/main" id="{0EB731A6-60AE-484C-8B27-566D0299BF56}"/>
-              </a:ext>
-            </a:extLst>
-          </p:cNvPr>
-          <p:cNvSpPr/>
-          <p:nvPr/>
-        </p:nvSpPr>
-        <p:spPr>
-          <a:xfrm>
-            <a:off x="2363351" y="5776211"/>
-            <a:ext cx="2318009" cy="448690"/>
-          </a:xfrm>
-          <a:prstGeom prst="roundRect">
-            <a:avLst/>
-          </a:prstGeom>
+          <a:solidFill>
+            <a:schemeClr val="bg1"/>
+          </a:solidFill>
         </p:spPr>
         <p:style>
           <a:lnRef idx="2">
@@ -7000,175 +7007,85 @@
           <a:bodyPr rtlCol="0" anchor="ctr"/>
           <a:lstStyle/>
           <a:p>
-            <a:pPr marL="342900" indent="-342900" algn="ctr">
-              <a:buAutoNum type="arabicPeriod"/>
-            </a:pPr>
-            <a:endParaRPr lang="en-US" altLang="ko-KR" sz="900" dirty="0">
-              <a:solidFill>
-                <a:schemeClr val="tx1"/>
-              </a:solidFill>
-            </a:endParaRPr>
-          </a:p>
-          <a:p>
-            <a:pPr marL="342900" indent="-342900" algn="ctr">
-              <a:buAutoNum type="arabicPeriod"/>
-            </a:pPr>
-            <a:endParaRPr lang="en-US" altLang="ko-KR" sz="900" dirty="0">
-              <a:solidFill>
-                <a:schemeClr val="tx1"/>
-              </a:solidFill>
-            </a:endParaRPr>
-          </a:p>
-          <a:p>
-            <a:pPr algn="ctr"/>
-            <a:r>
-              <a:rPr lang="en-US" altLang="ko-KR" sz="900" dirty="0">
-                <a:solidFill>
-                  <a:schemeClr val="tx1"/>
-                </a:solidFill>
-              </a:rPr>
-              <a:t>1. Access token</a:t>
-            </a:r>
-            <a:r>
-              <a:rPr lang="ko-KR" altLang="en-US" sz="900" dirty="0">
-                <a:solidFill>
-                  <a:schemeClr val="tx1"/>
-                </a:solidFill>
-              </a:rPr>
-              <a:t>의 </a:t>
-            </a:r>
-            <a:r>
-              <a:rPr lang="en-US" altLang="ko-KR" sz="900" dirty="0">
-                <a:solidFill>
-                  <a:schemeClr val="tx1"/>
-                </a:solidFill>
-              </a:rPr>
-              <a:t>user id</a:t>
-            </a:r>
-            <a:r>
-              <a:rPr lang="ko-KR" altLang="en-US" sz="900" dirty="0">
-                <a:solidFill>
-                  <a:schemeClr val="tx1"/>
-                </a:solidFill>
-              </a:rPr>
-              <a:t>와 </a:t>
-            </a:r>
-            <a:r>
-              <a:rPr lang="en-US" altLang="ko-KR" sz="900" dirty="0">
-                <a:solidFill>
-                  <a:schemeClr val="tx1"/>
-                </a:solidFill>
-              </a:rPr>
-              <a:t>Refresh</a:t>
-            </a:r>
-            <a:r>
-              <a:rPr lang="ko-KR" altLang="en-US" sz="900" dirty="0">
-                <a:solidFill>
-                  <a:schemeClr val="tx1"/>
-                </a:solidFill>
-              </a:rPr>
-              <a:t> </a:t>
-            </a:r>
-            <a:r>
-              <a:rPr lang="en-US" altLang="ko-KR" sz="900" dirty="0">
-                <a:solidFill>
-                  <a:schemeClr val="tx1"/>
-                </a:solidFill>
-              </a:rPr>
-              <a:t>token</a:t>
-            </a:r>
-            <a:r>
-              <a:rPr lang="ko-KR" altLang="en-US" sz="900" dirty="0">
-                <a:solidFill>
-                  <a:schemeClr val="tx1"/>
-                </a:solidFill>
-              </a:rPr>
-              <a:t>의 </a:t>
-            </a:r>
-            <a:r>
-              <a:rPr lang="en-US" altLang="ko-KR" sz="900" dirty="0">
-                <a:solidFill>
-                  <a:schemeClr val="tx1"/>
-                </a:solidFill>
-              </a:rPr>
-              <a:t>user id</a:t>
-            </a:r>
-            <a:r>
-              <a:rPr lang="ko-KR" altLang="en-US" sz="900" dirty="0">
-                <a:solidFill>
-                  <a:schemeClr val="tx1"/>
-                </a:solidFill>
-              </a:rPr>
-              <a:t>의 일치여부 확인</a:t>
-            </a:r>
-            <a:endParaRPr lang="en-US" altLang="ko-KR" sz="900" dirty="0">
-              <a:solidFill>
-                <a:schemeClr val="tx1"/>
-              </a:solidFill>
-            </a:endParaRPr>
-          </a:p>
-          <a:p>
-            <a:pPr algn="ctr"/>
-            <a:r>
-              <a:rPr lang="en-US" altLang="ko-KR" sz="900" dirty="0">
-                <a:solidFill>
-                  <a:schemeClr val="tx1"/>
-                </a:solidFill>
-              </a:rPr>
-              <a:t>1. Refresh</a:t>
-            </a:r>
-            <a:r>
-              <a:rPr lang="ko-KR" altLang="en-US" sz="900" dirty="0">
-                <a:solidFill>
-                  <a:schemeClr val="tx1"/>
-                </a:solidFill>
-              </a:rPr>
-              <a:t> </a:t>
-            </a:r>
-            <a:r>
-              <a:rPr lang="en-US" altLang="ko-KR" sz="900" dirty="0">
-                <a:solidFill>
-                  <a:schemeClr val="tx1"/>
-                </a:solidFill>
-              </a:rPr>
-              <a:t>token</a:t>
-            </a:r>
-            <a:r>
-              <a:rPr lang="ko-KR" altLang="en-US" sz="900" dirty="0">
-                <a:solidFill>
-                  <a:schemeClr val="tx1"/>
-                </a:solidFill>
-              </a:rPr>
-              <a:t>의 유효 시간 검사</a:t>
-            </a:r>
-            <a:endParaRPr lang="en-US" altLang="ko-KR" sz="900" dirty="0">
-              <a:solidFill>
-                <a:schemeClr val="tx1"/>
-              </a:solidFill>
-            </a:endParaRPr>
-          </a:p>
-          <a:p>
             <a:pPr algn="ctr"/>
             <a:endParaRPr lang="ko-KR" altLang="en-US" dirty="0"/>
           </a:p>
         </p:txBody>
       </p:sp>
+      <p:sp>
+        <p:nvSpPr>
+          <p:cNvPr id="62" name="TextBox 61">
+            <a:extLst>
+              <a:ext uri="{FF2B5EF4-FFF2-40B4-BE49-F238E27FC236}">
+                <a16:creationId xmlns:a16="http://schemas.microsoft.com/office/drawing/2014/main" id="{EF7DFFE8-A026-4FF1-87F9-1451AAA264C2}"/>
+              </a:ext>
+            </a:extLst>
+          </p:cNvPr>
+          <p:cNvSpPr txBox="1"/>
+          <p:nvPr/>
+        </p:nvSpPr>
+        <p:spPr>
+          <a:xfrm>
+            <a:off x="740294" y="5682880"/>
+            <a:ext cx="808341" cy="707886"/>
+          </a:xfrm>
+          <a:prstGeom prst="rect">
+            <a:avLst/>
+          </a:prstGeom>
+          <a:noFill/>
+        </p:spPr>
+        <p:txBody>
+          <a:bodyPr wrap="square" rtlCol="0">
+            <a:spAutoFit/>
+          </a:bodyPr>
+          <a:lstStyle/>
+          <a:p>
+            <a:r>
+              <a:rPr lang="ko-KR" altLang="en-US" sz="1000" dirty="0"/>
+              <a:t>상황 </a:t>
+            </a:r>
+            <a:r>
+              <a:rPr lang="en-US" altLang="ko-KR" sz="1000" dirty="0"/>
+              <a:t>B</a:t>
+            </a:r>
+          </a:p>
+          <a:p>
+            <a:r>
+              <a:rPr lang="en-US" altLang="ko-KR" sz="1000" dirty="0"/>
+              <a:t>Access token </a:t>
+            </a:r>
+          </a:p>
+          <a:p>
+            <a:r>
+              <a:rPr lang="ko-KR" altLang="en-US" sz="1000" dirty="0"/>
+              <a:t>유효</a:t>
+            </a:r>
+            <a:r>
+              <a:rPr lang="en-US" altLang="ko-KR" sz="1000" dirty="0"/>
+              <a:t>x</a:t>
+            </a:r>
+            <a:endParaRPr lang="ko-KR" altLang="en-US" sz="1000" dirty="0"/>
+          </a:p>
+        </p:txBody>
+      </p:sp>
       <p:cxnSp>
         <p:nvCxnSpPr>
-          <p:cNvPr id="81" name="직선 화살표 연결선 80">
-            <a:extLst>
-              <a:ext uri="{FF2B5EF4-FFF2-40B4-BE49-F238E27FC236}">
-                <a16:creationId xmlns:a16="http://schemas.microsoft.com/office/drawing/2014/main" id="{FD8ED34C-9469-4B54-91A8-3B05E9FC0FC0}"/>
-              </a:ext>
-            </a:extLst>
-          </p:cNvPr>
-          <p:cNvCxnSpPr/>
+          <p:cNvPr id="66" name="직선 화살표 연결선 65">
+            <a:extLst>
+              <a:ext uri="{FF2B5EF4-FFF2-40B4-BE49-F238E27FC236}">
+                <a16:creationId xmlns:a16="http://schemas.microsoft.com/office/drawing/2014/main" id="{CE46C643-941D-4BE7-8C47-0F82854FD958}"/>
+              </a:ext>
+            </a:extLst>
+          </p:cNvPr>
+          <p:cNvCxnSpPr>
+            <a:cxnSpLocks/>
+          </p:cNvCxnSpPr>
           <p:nvPr/>
         </p:nvCxnSpPr>
         <p:spPr>
-          <a:xfrm>
-            <a:off x="4818138" y="6185150"/>
-            <a:ext cx="1156996" cy="0"/>
+          <a:xfrm flipH="1">
+            <a:off x="3513234" y="6030795"/>
+            <a:ext cx="1830980" cy="0"/>
           </a:xfrm>
           <a:prstGeom prst="straightConnector1">
             <a:avLst/>
@@ -7194,10 +7111,10 @@
       </p:cxnSp>
       <p:sp>
         <p:nvSpPr>
-          <p:cNvPr id="82" name="TextBox 81">
-            <a:extLst>
-              <a:ext uri="{FF2B5EF4-FFF2-40B4-BE49-F238E27FC236}">
-                <a16:creationId xmlns:a16="http://schemas.microsoft.com/office/drawing/2014/main" id="{3F76CE84-358F-4F57-9097-979C02F812BC}"/>
+          <p:cNvPr id="68" name="TextBox 67">
+            <a:extLst>
+              <a:ext uri="{FF2B5EF4-FFF2-40B4-BE49-F238E27FC236}">
+                <a16:creationId xmlns:a16="http://schemas.microsoft.com/office/drawing/2014/main" id="{9D9CEC72-13DE-417C-BD41-E66BC3EA41D4}"/>
               </a:ext>
             </a:extLst>
           </p:cNvPr>
@@ -7206,8 +7123,8 @@
         </p:nvSpPr>
         <p:spPr>
           <a:xfrm>
-            <a:off x="4617432" y="5700398"/>
-            <a:ext cx="1543519" cy="461665"/>
+            <a:off x="3920582" y="5846765"/>
+            <a:ext cx="2094861" cy="215444"/>
           </a:xfrm>
           <a:prstGeom prst="rect">
             <a:avLst/>
@@ -7220,63 +7137,154 @@
           </a:bodyPr>
           <a:lstStyle/>
           <a:p>
+            <a:r>
+              <a:rPr lang="en-US" altLang="ko-KR" sz="800" dirty="0"/>
+              <a:t>Refresh token </a:t>
+            </a:r>
+            <a:r>
+              <a:rPr lang="ko-KR" altLang="en-US" sz="800" dirty="0"/>
+              <a:t>반환</a:t>
+            </a:r>
+          </a:p>
+        </p:txBody>
+      </p:sp>
+      <p:sp>
+        <p:nvSpPr>
+          <p:cNvPr id="79" name="object 6">
+            <a:extLst>
+              <a:ext uri="{FF2B5EF4-FFF2-40B4-BE49-F238E27FC236}">
+                <a16:creationId xmlns:a16="http://schemas.microsoft.com/office/drawing/2014/main" id="{4F544C21-56AA-4A5C-80E1-69AA06A445D6}"/>
+              </a:ext>
+            </a:extLst>
+          </p:cNvPr>
+          <p:cNvSpPr/>
+          <p:nvPr/>
+        </p:nvSpPr>
+        <p:spPr>
+          <a:xfrm>
+            <a:off x="6120358" y="3620446"/>
+            <a:ext cx="127155" cy="121059"/>
+          </a:xfrm>
+          <a:prstGeom prst="rect">
+            <a:avLst/>
+          </a:prstGeom>
+          <a:blipFill>
+            <a:blip r:embed="rId3" cstate="print"/>
+            <a:stretch>
+              <a:fillRect/>
+            </a:stretch>
+          </a:blipFill>
+        </p:spPr>
+        <p:txBody>
+          <a:bodyPr wrap="square" lIns="0" tIns="0" rIns="0" bIns="0" rtlCol="0"/>
+          <a:lstStyle/>
+          <a:p>
+            <a:endParaRPr/>
+          </a:p>
+        </p:txBody>
+      </p:sp>
+      <p:sp>
+        <p:nvSpPr>
+          <p:cNvPr id="80" name="직사각형 79">
+            <a:extLst>
+              <a:ext uri="{FF2B5EF4-FFF2-40B4-BE49-F238E27FC236}">
+                <a16:creationId xmlns:a16="http://schemas.microsoft.com/office/drawing/2014/main" id="{7933DD7C-74D0-492B-900B-898CEFBE2103}"/>
+              </a:ext>
+            </a:extLst>
+          </p:cNvPr>
+          <p:cNvSpPr/>
+          <p:nvPr/>
+        </p:nvSpPr>
+        <p:spPr>
+          <a:xfrm>
+            <a:off x="731638" y="4414091"/>
+            <a:ext cx="612442" cy="811244"/>
+          </a:xfrm>
+          <a:prstGeom prst="rect">
+            <a:avLst/>
+          </a:prstGeom>
+          <a:solidFill>
+            <a:schemeClr val="bg1"/>
+          </a:solidFill>
+        </p:spPr>
+        <p:style>
+          <a:lnRef idx="2">
+            <a:schemeClr val="accent1">
+              <a:shade val="50000"/>
+            </a:schemeClr>
+          </a:lnRef>
+          <a:fillRef idx="1">
+            <a:schemeClr val="accent1"/>
+          </a:fillRef>
+          <a:effectRef idx="0">
+            <a:schemeClr val="accent1"/>
+          </a:effectRef>
+          <a:fontRef idx="minor">
+            <a:schemeClr val="lt1"/>
+          </a:fontRef>
+        </p:style>
+        <p:txBody>
+          <a:bodyPr rtlCol="0" anchor="ctr"/>
+          <a:lstStyle/>
+          <a:p>
             <a:pPr algn="ctr"/>
-            <a:r>
-              <a:rPr lang="ko-KR" altLang="en-US" sz="800" dirty="0"/>
-              <a:t>각 토큰의 </a:t>
-            </a:r>
-            <a:r>
-              <a:rPr lang="en-US" altLang="ko-KR" sz="800" dirty="0"/>
-              <a:t>user</a:t>
-            </a:r>
-            <a:r>
-              <a:rPr lang="ko-KR" altLang="en-US" sz="800" dirty="0"/>
-              <a:t> </a:t>
-            </a:r>
-            <a:r>
-              <a:rPr lang="en-US" altLang="ko-KR" sz="800" dirty="0"/>
-              <a:t>id</a:t>
-            </a:r>
-          </a:p>
-          <a:p>
-            <a:pPr algn="ctr"/>
-            <a:r>
-              <a:rPr lang="ko-KR" altLang="en-US" sz="800" dirty="0">
-                <a:solidFill>
-                  <a:schemeClr val="tx1"/>
-                </a:solidFill>
-              </a:rPr>
-              <a:t>일치하지 않을 시</a:t>
-            </a:r>
-            <a:endParaRPr lang="en-US" altLang="ko-KR" sz="800" dirty="0">
-              <a:solidFill>
-                <a:schemeClr val="tx1"/>
-              </a:solidFill>
-            </a:endParaRPr>
-          </a:p>
-          <a:p>
-            <a:pPr algn="ctr"/>
-            <a:r>
-              <a:rPr lang="en-US" altLang="ko-KR" sz="800" dirty="0"/>
-              <a:t>Refresh</a:t>
-            </a:r>
-            <a:r>
-              <a:rPr lang="ko-KR" altLang="en-US" sz="800" dirty="0"/>
-              <a:t> </a:t>
-            </a:r>
-            <a:r>
-              <a:rPr lang="en-US" altLang="ko-KR" sz="800" dirty="0"/>
-              <a:t>token</a:t>
-            </a:r>
-            <a:r>
-              <a:rPr lang="ko-KR" altLang="en-US" sz="800" dirty="0"/>
-              <a:t> 삭제 요청</a:t>
-            </a:r>
-            <a:endParaRPr lang="ko-KR" altLang="en-US" sz="800" dirty="0">
-              <a:solidFill>
-                <a:schemeClr val="tx1"/>
-              </a:solidFill>
-            </a:endParaRPr>
+            <a:endParaRPr lang="ko-KR" altLang="en-US" dirty="0"/>
+          </a:p>
+        </p:txBody>
+      </p:sp>
+      <p:sp>
+        <p:nvSpPr>
+          <p:cNvPr id="83" name="TextBox 82">
+            <a:extLst>
+              <a:ext uri="{FF2B5EF4-FFF2-40B4-BE49-F238E27FC236}">
+                <a16:creationId xmlns:a16="http://schemas.microsoft.com/office/drawing/2014/main" id="{54C1E80B-0FA8-4E09-8EA9-A1C7C5406C28}"/>
+              </a:ext>
+            </a:extLst>
+          </p:cNvPr>
+          <p:cNvSpPr txBox="1"/>
+          <p:nvPr/>
+        </p:nvSpPr>
+        <p:spPr>
+          <a:xfrm>
+            <a:off x="772056" y="4461223"/>
+            <a:ext cx="808341" cy="707886"/>
+          </a:xfrm>
+          <a:prstGeom prst="rect">
+            <a:avLst/>
+          </a:prstGeom>
+          <a:noFill/>
+        </p:spPr>
+        <p:txBody>
+          <a:bodyPr wrap="square" rtlCol="0">
+            <a:spAutoFit/>
+          </a:bodyPr>
+          <a:lstStyle/>
+          <a:p>
+            <a:r>
+              <a:rPr lang="ko-KR" altLang="en-US" sz="1000" dirty="0"/>
+              <a:t>상황 </a:t>
+            </a:r>
+            <a:r>
+              <a:rPr lang="en-US" altLang="ko-KR" sz="1000" dirty="0"/>
+              <a:t>A</a:t>
+            </a:r>
+          </a:p>
+          <a:p>
+            <a:r>
+              <a:rPr lang="en-US" altLang="ko-KR" sz="1000" dirty="0"/>
+              <a:t>Access token </a:t>
+            </a:r>
+          </a:p>
+          <a:p>
+            <a:r>
+              <a:rPr lang="ko-KR" altLang="en-US" sz="1000" dirty="0"/>
+              <a:t>유효 </a:t>
+            </a:r>
+            <a:r>
+              <a:rPr lang="en-US" altLang="ko-KR" sz="1000" dirty="0"/>
+              <a:t>o</a:t>
+            </a:r>
+            <a:endParaRPr lang="ko-KR" altLang="en-US" sz="1000" dirty="0"/>
           </a:p>
         </p:txBody>
       </p:sp>
@@ -7411,11 +7419,11 @@
           <a:p>
             <a:r>
               <a:rPr lang="en-US" altLang="ko-KR" b="1" dirty="0"/>
-              <a:t>DB </a:t>
+              <a:t>ERD</a:t>
             </a:r>
             <a:r>
               <a:rPr lang="ko-KR" altLang="en-US" b="1" dirty="0"/>
-              <a:t>테이블 설계</a:t>
+              <a:t> </a:t>
             </a:r>
             <a:endParaRPr lang="en-US" altLang="ko-KR" b="1" dirty="0"/>
           </a:p>

--- a/오진호 포토폴리오.pptx
+++ b/오진호 포토폴리오.pptx
@@ -5405,7 +5405,7 @@
         <p:spPr>
           <a:xfrm>
             <a:off x="6339071" y="4016733"/>
-            <a:ext cx="5766807" cy="2023631"/>
+            <a:ext cx="5766807" cy="2192908"/>
           </a:xfrm>
           <a:prstGeom prst="rect">
             <a:avLst/>
@@ -5418,136 +5418,98 @@
           </a:bodyPr>
           <a:lstStyle/>
           <a:p>
-            <a:r>
-              <a:rPr lang="en-US" altLang="ko-KR" sz="1300" dirty="0"/>
-              <a:t>Token</a:t>
-            </a:r>
-            <a:r>
-              <a:rPr lang="ko-KR" altLang="en-US" sz="1300" dirty="0"/>
-              <a:t>이 </a:t>
-            </a:r>
-            <a:r>
-              <a:rPr lang="ko-KR" altLang="en-US" sz="1300" b="1" dirty="0"/>
-              <a:t>탈취</a:t>
-            </a:r>
-            <a:r>
-              <a:rPr lang="ko-KR" altLang="en-US" sz="1300" dirty="0"/>
-              <a:t> 될 위험이 있기에</a:t>
-            </a:r>
-            <a:r>
-              <a:rPr lang="en-US" altLang="ko-KR" sz="1300" dirty="0"/>
-              <a:t>, Refresh token</a:t>
-            </a:r>
-            <a:r>
-              <a:rPr lang="ko-KR" altLang="en-US" sz="1300" dirty="0"/>
-              <a:t>의 </a:t>
-            </a:r>
-            <a:r>
-              <a:rPr lang="en-US" altLang="ko-KR" sz="1300" b="1" dirty="0"/>
-              <a:t>index</a:t>
-            </a:r>
-            <a:r>
-              <a:rPr lang="ko-KR" altLang="en-US" sz="1300" dirty="0"/>
-              <a:t>값으로 로직을 수행하도록 설계하였습니다</a:t>
-            </a:r>
-            <a:r>
-              <a:rPr lang="en-US" altLang="ko-KR" sz="1300" dirty="0"/>
-              <a:t>.</a:t>
-            </a:r>
-          </a:p>
-          <a:p>
-            <a:endParaRPr lang="en-US" altLang="ko-KR" sz="950" dirty="0"/>
+            <a:endParaRPr lang="en-US" altLang="ko-KR" sz="1200" dirty="0"/>
           </a:p>
           <a:p>
             <a:pPr marL="228600" indent="-228600">
               <a:buAutoNum type="arabicPeriod"/>
             </a:pPr>
             <a:r>
-              <a:rPr lang="en-US" altLang="ko-KR" sz="1000" dirty="0"/>
+              <a:rPr lang="en-US" altLang="ko-KR" sz="1200" dirty="0"/>
               <a:t>Refresh Token</a:t>
             </a:r>
             <a:r>
-              <a:rPr lang="ko-KR" altLang="en-US" sz="1000" dirty="0"/>
+              <a:rPr lang="ko-KR" altLang="en-US" sz="1200" dirty="0"/>
               <a:t>의 저장위치는 </a:t>
             </a:r>
             <a:r>
-              <a:rPr lang="en-US" altLang="ko-KR" sz="1000" dirty="0"/>
+              <a:rPr lang="en-US" altLang="ko-KR" sz="1200" dirty="0"/>
               <a:t>DB</a:t>
             </a:r>
             <a:r>
-              <a:rPr lang="ko-KR" altLang="en-US" sz="1000" dirty="0"/>
+              <a:rPr lang="ko-KR" altLang="en-US" sz="1200" dirty="0"/>
               <a:t>로 하였습니다</a:t>
             </a:r>
-            <a:endParaRPr lang="en-US" altLang="ko-KR" sz="1000" dirty="0"/>
+            <a:endParaRPr lang="en-US" altLang="ko-KR" sz="1200" dirty="0"/>
           </a:p>
           <a:p>
             <a:pPr marL="228600" indent="-228600">
               <a:buAutoNum type="arabicPeriod"/>
             </a:pPr>
-            <a:endParaRPr lang="en-US" altLang="ko-KR" sz="1000" dirty="0"/>
+            <a:endParaRPr lang="en-US" altLang="ko-KR" sz="1200" dirty="0"/>
           </a:p>
           <a:p>
             <a:pPr marL="228600" indent="-228600">
               <a:buAutoNum type="arabicPeriod"/>
             </a:pPr>
             <a:r>
-              <a:rPr lang="en-US" altLang="ko-KR" sz="1000" dirty="0"/>
+              <a:rPr lang="en-US" altLang="ko-KR" sz="1200" dirty="0"/>
               <a:t>Response </a:t>
             </a:r>
             <a:r>
-              <a:rPr lang="ko-KR" altLang="en-US" sz="1000" dirty="0"/>
+              <a:rPr lang="ko-KR" altLang="en-US" sz="1200" dirty="0"/>
               <a:t>값으로 </a:t>
             </a:r>
             <a:r>
-              <a:rPr lang="en-US" altLang="ko-KR" sz="1000" dirty="0"/>
+              <a:rPr lang="en-US" altLang="ko-KR" sz="1200" dirty="0"/>
               <a:t>Access token</a:t>
             </a:r>
             <a:r>
-              <a:rPr lang="ko-KR" altLang="en-US" sz="1000" dirty="0"/>
+              <a:rPr lang="ko-KR" altLang="en-US" sz="1200" dirty="0"/>
               <a:t>과 </a:t>
             </a:r>
             <a:r>
-              <a:rPr lang="en-US" altLang="ko-KR" sz="1000" dirty="0"/>
+              <a:rPr lang="en-US" altLang="ko-KR" sz="1200" dirty="0"/>
               <a:t>‘Refresh token</a:t>
             </a:r>
             <a:r>
-              <a:rPr lang="ko-KR" altLang="en-US" sz="1000" dirty="0"/>
+              <a:rPr lang="ko-KR" altLang="en-US" sz="1200" dirty="0"/>
               <a:t>의 </a:t>
             </a:r>
             <a:r>
-              <a:rPr lang="en-US" altLang="ko-KR" sz="1000" dirty="0"/>
+              <a:rPr lang="en-US" altLang="ko-KR" sz="1200" dirty="0"/>
               <a:t>index’ </a:t>
             </a:r>
             <a:r>
-              <a:rPr lang="ko-KR" altLang="en-US" sz="1000" dirty="0"/>
+              <a:rPr lang="ko-KR" altLang="en-US" sz="1200" dirty="0"/>
               <a:t>값을 반환합니다</a:t>
             </a:r>
             <a:r>
-              <a:rPr lang="en-US" altLang="ko-KR" sz="1000" dirty="0"/>
+              <a:rPr lang="en-US" altLang="ko-KR" sz="1200" dirty="0"/>
               <a:t>. Index</a:t>
             </a:r>
             <a:r>
-              <a:rPr lang="ko-KR" altLang="en-US" sz="1000" dirty="0"/>
+              <a:rPr lang="ko-KR" altLang="en-US" sz="1200" dirty="0"/>
               <a:t>값은 각 </a:t>
             </a:r>
             <a:r>
-              <a:rPr lang="en-US" altLang="ko-KR" sz="1000" dirty="0"/>
+              <a:rPr lang="en-US" altLang="ko-KR" sz="1200" dirty="0"/>
               <a:t>Refresh token</a:t>
             </a:r>
             <a:r>
-              <a:rPr lang="ko-KR" altLang="en-US" sz="1000" dirty="0"/>
+              <a:rPr lang="ko-KR" altLang="en-US" sz="1200" dirty="0"/>
               <a:t>의 </a:t>
             </a:r>
             <a:r>
-              <a:rPr lang="en-US" altLang="ko-KR" sz="1000" dirty="0"/>
+              <a:rPr lang="en-US" altLang="ko-KR" sz="1200" dirty="0"/>
               <a:t>pk</a:t>
             </a:r>
             <a:r>
-              <a:rPr lang="ko-KR" altLang="en-US" sz="1000" dirty="0"/>
+              <a:rPr lang="ko-KR" altLang="en-US" sz="1200" dirty="0"/>
               <a:t>입니다</a:t>
             </a:r>
             <a:r>
-              <a:rPr lang="en-US" altLang="ko-KR" sz="1000" dirty="0"/>
+              <a:rPr lang="en-US" altLang="ko-KR" sz="1200" dirty="0"/>
               <a:t>.</a:t>
             </a:r>
           </a:p>
@@ -5555,99 +5517,105 @@
             <a:pPr marL="228600" indent="-228600">
               <a:buAutoNum type="arabicPeriod"/>
             </a:pPr>
-            <a:endParaRPr lang="en-US" altLang="ko-KR" sz="1000" dirty="0"/>
+            <a:endParaRPr lang="en-US" altLang="ko-KR" sz="1200" dirty="0"/>
           </a:p>
           <a:p>
             <a:pPr marL="228600" indent="-228600">
               <a:buAutoNum type="arabicPeriod"/>
             </a:pPr>
             <a:r>
-              <a:rPr lang="en-US" altLang="ko-KR" sz="1000" dirty="0"/>
+              <a:rPr lang="en-US" altLang="ko-KR" sz="1200" dirty="0"/>
               <a:t>Refresh token</a:t>
             </a:r>
             <a:r>
-              <a:rPr lang="ko-KR" altLang="en-US" sz="1000" dirty="0"/>
+              <a:rPr lang="ko-KR" altLang="en-US" sz="1200" dirty="0"/>
               <a:t>의 유효성 검사는 크게 </a:t>
             </a:r>
             <a:r>
-              <a:rPr lang="en-US" altLang="ko-KR" sz="1000" dirty="0"/>
+              <a:rPr lang="en-US" altLang="ko-KR" sz="1200" dirty="0"/>
               <a:t>2</a:t>
             </a:r>
             <a:r>
-              <a:rPr lang="ko-KR" altLang="en-US" sz="1000" dirty="0"/>
+              <a:rPr lang="ko-KR" altLang="en-US" sz="1200" dirty="0"/>
               <a:t>가지입니다</a:t>
             </a:r>
             <a:r>
-              <a:rPr lang="en-US" altLang="ko-KR" sz="1000" dirty="0"/>
+              <a:rPr lang="en-US" altLang="ko-KR" sz="1200" dirty="0"/>
               <a:t>.</a:t>
             </a:r>
           </a:p>
           <a:p>
-            <a:r>
-              <a:rPr lang="en-US" altLang="ko-KR" sz="900" dirty="0"/>
-              <a:t>  1) refresh</a:t>
-            </a:r>
-            <a:r>
-              <a:rPr lang="ko-KR" altLang="en-US" sz="900" dirty="0"/>
-              <a:t> </a:t>
-            </a:r>
-            <a:r>
-              <a:rPr lang="en-US" altLang="ko-KR" sz="900" dirty="0"/>
-              <a:t>token</a:t>
-            </a:r>
-            <a:r>
-              <a:rPr lang="ko-KR" altLang="en-US" sz="900" dirty="0"/>
-              <a:t>의 유효시간 확인</a:t>
-            </a:r>
-            <a:endParaRPr lang="en-US" altLang="ko-KR" sz="900" dirty="0"/>
-          </a:p>
-          <a:p>
-            <a:r>
-              <a:rPr lang="en-US" altLang="ko-KR" sz="900" dirty="0"/>
-              <a:t>  2) access token</a:t>
-            </a:r>
-            <a:r>
-              <a:rPr lang="ko-KR" altLang="en-US" sz="900" dirty="0"/>
-              <a:t>에 저장되어 있는 </a:t>
-            </a:r>
-            <a:r>
-              <a:rPr lang="en-US" altLang="ko-KR" sz="900" dirty="0" err="1"/>
-              <a:t>user_id</a:t>
-            </a:r>
             <a:r>
               <a:rPr lang="en-US" altLang="ko-KR" sz="900" dirty="0"/>
               <a:t> </a:t>
             </a:r>
-            <a:r>
-              <a:rPr lang="ko-KR" altLang="en-US" sz="900" dirty="0"/>
+          </a:p>
+          <a:p>
+            <a:r>
+              <a:rPr lang="en-US" altLang="ko-KR" sz="1050" dirty="0"/>
+              <a:t>  1) refresh</a:t>
+            </a:r>
+            <a:r>
+              <a:rPr lang="ko-KR" altLang="en-US" sz="1050" dirty="0"/>
+              <a:t> </a:t>
+            </a:r>
+            <a:r>
+              <a:rPr lang="en-US" altLang="ko-KR" sz="1050" dirty="0"/>
+              <a:t>token</a:t>
+            </a:r>
+            <a:r>
+              <a:rPr lang="ko-KR" altLang="en-US" sz="1050" dirty="0"/>
+              <a:t>의 유효시간 확인</a:t>
+            </a:r>
+            <a:endParaRPr lang="en-US" altLang="ko-KR" sz="1050" dirty="0"/>
+          </a:p>
+          <a:p>
+            <a:r>
+              <a:rPr lang="en-US" altLang="ko-KR" sz="1050" dirty="0"/>
+              <a:t>  2) access token</a:t>
+            </a:r>
+            <a:r>
+              <a:rPr lang="ko-KR" altLang="en-US" sz="1050" dirty="0"/>
+              <a:t>에 저장되어 있는 </a:t>
+            </a:r>
+            <a:r>
+              <a:rPr lang="en-US" altLang="ko-KR" sz="1050" dirty="0" err="1"/>
+              <a:t>user_id</a:t>
+            </a:r>
+            <a:r>
+              <a:rPr lang="en-US" altLang="ko-KR" sz="1050" dirty="0"/>
+              <a:t> </a:t>
+            </a:r>
+            <a:r>
+              <a:rPr lang="ko-KR" altLang="en-US" sz="1050" dirty="0"/>
               <a:t>와 </a:t>
             </a:r>
             <a:r>
-              <a:rPr lang="en-US" altLang="ko-KR" sz="900" dirty="0"/>
+              <a:rPr lang="en-US" altLang="ko-KR" sz="1050" dirty="0"/>
               <a:t>refresh</a:t>
             </a:r>
             <a:r>
-              <a:rPr lang="ko-KR" altLang="en-US" sz="900" dirty="0"/>
+              <a:rPr lang="ko-KR" altLang="en-US" sz="1050" dirty="0"/>
               <a:t> </a:t>
             </a:r>
             <a:r>
-              <a:rPr lang="en-US" altLang="ko-KR" sz="900" dirty="0"/>
+              <a:rPr lang="en-US" altLang="ko-KR" sz="1050" dirty="0"/>
               <a:t>token</a:t>
             </a:r>
             <a:r>
-              <a:rPr lang="ko-KR" altLang="en-US" sz="900" dirty="0"/>
+              <a:rPr lang="ko-KR" altLang="en-US" sz="1050" dirty="0"/>
               <a:t>에 저장되어 있는 </a:t>
             </a:r>
             <a:r>
-              <a:rPr lang="en-US" altLang="ko-KR" sz="900" dirty="0" err="1"/>
+              <a:rPr lang="en-US" altLang="ko-KR" sz="1050" dirty="0" err="1"/>
               <a:t>user_id</a:t>
             </a:r>
             <a:r>
-              <a:rPr lang="ko-KR" altLang="en-US" sz="900" dirty="0"/>
+              <a:rPr lang="ko-KR" altLang="en-US" sz="1050" dirty="0"/>
               <a:t>의 일치 여부</a:t>
             </a:r>
             <a:r>
-              <a:rPr lang="en-US" altLang="ko-KR" sz="900" dirty="0"/>
+              <a:rPr lang="en-US" altLang="ko-KR" sz="1050" dirty="0"/>
               <a:t>   </a:t>
             </a:r>
           </a:p>
@@ -5721,7 +5689,7 @@
         </p:nvCxnSpPr>
         <p:spPr>
           <a:xfrm>
-            <a:off x="874780" y="3451868"/>
+            <a:off x="916537" y="3225388"/>
             <a:ext cx="2495151" cy="0"/>
           </a:xfrm>
           <a:prstGeom prst="straightConnector1">
@@ -5801,7 +5769,7 @@
         </p:nvSpPr>
         <p:spPr>
           <a:xfrm>
-            <a:off x="1886636" y="3216715"/>
+            <a:off x="1928393" y="2990235"/>
             <a:ext cx="2144198" cy="215444"/>
           </a:xfrm>
           <a:prstGeom prst="rect">
@@ -5879,7 +5847,7 @@
         </p:nvCxnSpPr>
         <p:spPr>
           <a:xfrm>
-            <a:off x="1548635" y="5588142"/>
+            <a:off x="1499678" y="5462244"/>
             <a:ext cx="1843592" cy="0"/>
           </a:xfrm>
           <a:prstGeom prst="straightConnector1">
@@ -6170,7 +6138,7 @@
         </p:nvSpPr>
         <p:spPr>
           <a:xfrm>
-            <a:off x="1403801" y="5372698"/>
+            <a:off x="1354844" y="5246800"/>
             <a:ext cx="2574736" cy="215444"/>
           </a:xfrm>
           <a:prstGeom prst="rect">
@@ -6225,8 +6193,8 @@
         </p:nvSpPr>
         <p:spPr>
           <a:xfrm>
-            <a:off x="1458544" y="6483716"/>
-            <a:ext cx="1953257" cy="215444"/>
+            <a:off x="1408125" y="6492246"/>
+            <a:ext cx="2323835" cy="215444"/>
           </a:xfrm>
           <a:prstGeom prst="rect">
             <a:avLst/>
@@ -6249,11 +6217,11 @@
             </a:r>
             <a:r>
               <a:rPr lang="en-US" altLang="ko-KR" sz="800" dirty="0"/>
-              <a:t>Refresh token </a:t>
+              <a:t>Refresh token index</a:t>
             </a:r>
             <a:r>
               <a:rPr lang="ko-KR" altLang="en-US" sz="800" dirty="0"/>
-              <a:t>재발급</a:t>
+              <a:t> 반환</a:t>
             </a:r>
           </a:p>
         </p:txBody>
@@ -6272,8 +6240,8 @@
         </p:nvSpPr>
         <p:spPr>
           <a:xfrm>
-            <a:off x="3861602" y="3491136"/>
-            <a:ext cx="1202170" cy="338554"/>
+            <a:off x="3712303" y="3610280"/>
+            <a:ext cx="1647731" cy="215444"/>
           </a:xfrm>
           <a:prstGeom prst="rect">
             <a:avLst/>
@@ -6309,18 +6277,7 @@
                   <a:schemeClr val="tx1"/>
                 </a:solidFill>
               </a:rPr>
-              <a:t>refresh </a:t>
-            </a:r>
-          </a:p>
-          <a:p>
-            <a:pPr algn="ctr"/>
-            <a:r>
-              <a:rPr lang="en-US" altLang="ko-KR" sz="800" dirty="0">
-                <a:solidFill>
-                  <a:schemeClr val="tx1"/>
-                </a:solidFill>
-              </a:rPr>
-              <a:t>token </a:t>
+              <a:t>refresh token </a:t>
             </a:r>
             <a:r>
               <a:rPr lang="ko-KR" altLang="en-US" sz="800" dirty="0">
@@ -6349,7 +6306,7 @@
         </p:nvCxnSpPr>
         <p:spPr>
           <a:xfrm>
-            <a:off x="3513234" y="5821602"/>
+            <a:off x="3487857" y="5619087"/>
             <a:ext cx="1904318" cy="0"/>
           </a:xfrm>
           <a:prstGeom prst="straightConnector1">
@@ -6388,7 +6345,7 @@
         </p:nvSpPr>
         <p:spPr>
           <a:xfrm>
-            <a:off x="3223238" y="5606158"/>
+            <a:off x="3242693" y="5416300"/>
             <a:ext cx="2304650" cy="215444"/>
           </a:xfrm>
           <a:prstGeom prst="rect">
@@ -6809,8 +6766,8 @@
               <a:t>로그인 이후 </a:t>
             </a:r>
             <a:r>
-              <a:rPr lang="en-US" altLang="ko-KR" sz="1000" dirty="0" err="1"/>
-              <a:t>AccessToken</a:t>
+              <a:rPr lang="en-US" altLang="ko-KR" sz="1000" dirty="0"/>
+              <a:t>Access token</a:t>
             </a:r>
             <a:r>
               <a:rPr lang="ko-KR" altLang="en-US" sz="1000" dirty="0"/>
@@ -6841,8 +6798,8 @@
         </p:nvSpPr>
         <p:spPr>
           <a:xfrm>
-            <a:off x="2987141" y="6130589"/>
-            <a:ext cx="855794" cy="342161"/>
+            <a:off x="2519024" y="5953715"/>
+            <a:ext cx="2011585" cy="483056"/>
           </a:xfrm>
           <a:prstGeom prst="rect">
             <a:avLst/>
@@ -6890,8 +6847,8 @@
         </p:nvSpPr>
         <p:spPr>
           <a:xfrm>
-            <a:off x="2986621" y="6113537"/>
-            <a:ext cx="1029560" cy="338554"/>
+            <a:off x="2661833" y="6011154"/>
+            <a:ext cx="2996803" cy="338554"/>
           </a:xfrm>
           <a:prstGeom prst="rect">
             <a:avLst/>
@@ -6910,14 +6867,34 @@
             </a:r>
             <a:r>
               <a:rPr lang="ko-KR" altLang="en-US" sz="800" dirty="0"/>
-              <a:t>의 </a:t>
+              <a:t>의 유효성 검사 및</a:t>
             </a:r>
             <a:endParaRPr lang="en-US" altLang="ko-KR" sz="800" dirty="0"/>
           </a:p>
           <a:p>
             <a:r>
+              <a:rPr lang="en-US" altLang="ko-KR" sz="800" dirty="0" err="1"/>
+              <a:t>Aceess</a:t>
+            </a:r>
+            <a:r>
               <a:rPr lang="ko-KR" altLang="en-US" sz="800" dirty="0"/>
-              <a:t>유효성 검사</a:t>
+              <a:t> </a:t>
+            </a:r>
+            <a:r>
+              <a:rPr lang="en-US" altLang="ko-KR" sz="800" dirty="0"/>
+              <a:t>token,</a:t>
+            </a:r>
+            <a:r>
+              <a:rPr lang="ko-KR" altLang="en-US" sz="800" dirty="0"/>
+              <a:t> </a:t>
+            </a:r>
+            <a:r>
+              <a:rPr lang="en-US" altLang="ko-KR" sz="800" dirty="0"/>
+              <a:t>refresh token </a:t>
+            </a:r>
+            <a:r>
+              <a:rPr lang="ko-KR" altLang="en-US" sz="800" dirty="0"/>
+              <a:t>재발급</a:t>
             </a:r>
           </a:p>
         </p:txBody>
@@ -6938,7 +6915,7 @@
         </p:nvCxnSpPr>
         <p:spPr>
           <a:xfrm flipH="1">
-            <a:off x="1404321" y="6675160"/>
+            <a:off x="1397239" y="6678550"/>
             <a:ext cx="2011585" cy="0"/>
           </a:xfrm>
           <a:prstGeom prst="straightConnector1">
@@ -6977,8 +6954,8 @@
         </p:nvSpPr>
         <p:spPr>
           <a:xfrm>
-            <a:off x="733474" y="5372697"/>
-            <a:ext cx="612442" cy="1370263"/>
+            <a:off x="733474" y="5282109"/>
+            <a:ext cx="612442" cy="1460852"/>
           </a:xfrm>
           <a:prstGeom prst="rect">
             <a:avLst/>
@@ -7084,7 +7061,7 @@
         </p:nvCxnSpPr>
         <p:spPr>
           <a:xfrm flipH="1">
-            <a:off x="3513234" y="6030795"/>
+            <a:off x="3506468" y="5840946"/>
             <a:ext cx="1830980" cy="0"/>
           </a:xfrm>
           <a:prstGeom prst="straightConnector1">
@@ -7123,7 +7100,7 @@
         </p:nvSpPr>
         <p:spPr>
           <a:xfrm>
-            <a:off x="3920582" y="5846765"/>
+            <a:off x="3948183" y="5661119"/>
             <a:ext cx="2094861" cy="215444"/>
           </a:xfrm>
           <a:prstGeom prst="rect">
@@ -7285,6 +7262,215 @@
               <a:t>o</a:t>
             </a:r>
             <a:endParaRPr lang="ko-KR" altLang="en-US" sz="1000" dirty="0"/>
+          </a:p>
+        </p:txBody>
+      </p:sp>
+      <p:cxnSp>
+        <p:nvCxnSpPr>
+          <p:cNvPr id="51" name="직선 화살표 연결선 50">
+            <a:extLst>
+              <a:ext uri="{FF2B5EF4-FFF2-40B4-BE49-F238E27FC236}">
+                <a16:creationId xmlns:a16="http://schemas.microsoft.com/office/drawing/2014/main" id="{3921F717-3BC9-492F-A8B1-2F6FC2339111}"/>
+              </a:ext>
+            </a:extLst>
+          </p:cNvPr>
+          <p:cNvCxnSpPr>
+            <a:cxnSpLocks/>
+          </p:cNvCxnSpPr>
+          <p:nvPr/>
+        </p:nvCxnSpPr>
+        <p:spPr>
+          <a:xfrm>
+            <a:off x="3493391" y="6669030"/>
+            <a:ext cx="1864643" cy="31416"/>
+          </a:xfrm>
+          <a:prstGeom prst="straightConnector1">
+            <a:avLst/>
+          </a:prstGeom>
+          <a:ln>
+            <a:tailEnd type="triangle"/>
+          </a:ln>
+        </p:spPr>
+        <p:style>
+          <a:lnRef idx="1">
+            <a:schemeClr val="accent1"/>
+          </a:lnRef>
+          <a:fillRef idx="0">
+            <a:schemeClr val="accent1"/>
+          </a:fillRef>
+          <a:effectRef idx="0">
+            <a:schemeClr val="accent1"/>
+          </a:effectRef>
+          <a:fontRef idx="minor">
+            <a:schemeClr val="tx1"/>
+          </a:fontRef>
+        </p:style>
+      </p:cxnSp>
+      <p:sp>
+        <p:nvSpPr>
+          <p:cNvPr id="52" name="TextBox 51">
+            <a:extLst>
+              <a:ext uri="{FF2B5EF4-FFF2-40B4-BE49-F238E27FC236}">
+                <a16:creationId xmlns:a16="http://schemas.microsoft.com/office/drawing/2014/main" id="{265BCF5C-F163-481F-86F3-E5C378DC93FF}"/>
+              </a:ext>
+            </a:extLst>
+          </p:cNvPr>
+          <p:cNvSpPr txBox="1"/>
+          <p:nvPr/>
+        </p:nvSpPr>
+        <p:spPr>
+          <a:xfrm>
+            <a:off x="3597055" y="6472973"/>
+            <a:ext cx="1663764" cy="215444"/>
+          </a:xfrm>
+          <a:prstGeom prst="rect">
+            <a:avLst/>
+          </a:prstGeom>
+          <a:noFill/>
+        </p:spPr>
+        <p:txBody>
+          <a:bodyPr wrap="square" rtlCol="0">
+            <a:spAutoFit/>
+          </a:bodyPr>
+          <a:lstStyle/>
+          <a:p>
+            <a:pPr algn="ctr"/>
+            <a:r>
+              <a:rPr lang="en-US" altLang="ko-KR" sz="800" dirty="0">
+                <a:solidFill>
+                  <a:schemeClr val="tx1"/>
+                </a:solidFill>
+              </a:rPr>
+              <a:t>DB</a:t>
+            </a:r>
+            <a:r>
+              <a:rPr lang="ko-KR" altLang="en-US" sz="800" dirty="0">
+                <a:solidFill>
+                  <a:schemeClr val="tx1"/>
+                </a:solidFill>
+              </a:rPr>
+              <a:t>에 </a:t>
+            </a:r>
+            <a:r>
+              <a:rPr lang="en-US" altLang="ko-KR" sz="800" dirty="0">
+                <a:solidFill>
+                  <a:schemeClr val="tx1"/>
+                </a:solidFill>
+              </a:rPr>
+              <a:t>refresh token </a:t>
+            </a:r>
+            <a:r>
+              <a:rPr lang="ko-KR" altLang="en-US" sz="800" dirty="0">
+                <a:solidFill>
+                  <a:schemeClr val="tx1"/>
+                </a:solidFill>
+              </a:rPr>
+              <a:t>저장</a:t>
+            </a:r>
+          </a:p>
+        </p:txBody>
+      </p:sp>
+      <p:sp>
+        <p:nvSpPr>
+          <p:cNvPr id="60" name="직사각형 59">
+            <a:extLst>
+              <a:ext uri="{FF2B5EF4-FFF2-40B4-BE49-F238E27FC236}">
+                <a16:creationId xmlns:a16="http://schemas.microsoft.com/office/drawing/2014/main" id="{9531155D-331E-4371-BCD7-11EB65153757}"/>
+              </a:ext>
+            </a:extLst>
+          </p:cNvPr>
+          <p:cNvSpPr/>
+          <p:nvPr/>
+        </p:nvSpPr>
+        <p:spPr>
+          <a:xfrm>
+            <a:off x="2660808" y="3335968"/>
+            <a:ext cx="1663419" cy="250417"/>
+          </a:xfrm>
+          <a:prstGeom prst="rect">
+            <a:avLst/>
+          </a:prstGeom>
+          <a:solidFill>
+            <a:schemeClr val="bg1"/>
+          </a:solidFill>
+        </p:spPr>
+        <p:style>
+          <a:lnRef idx="2">
+            <a:schemeClr val="accent1">
+              <a:shade val="50000"/>
+            </a:schemeClr>
+          </a:lnRef>
+          <a:fillRef idx="1">
+            <a:schemeClr val="accent1"/>
+          </a:fillRef>
+          <a:effectRef idx="0">
+            <a:schemeClr val="accent1"/>
+          </a:effectRef>
+          <a:fontRef idx="minor">
+            <a:schemeClr val="lt1"/>
+          </a:fontRef>
+        </p:style>
+        <p:txBody>
+          <a:bodyPr rtlCol="0" anchor="ctr"/>
+          <a:lstStyle/>
+          <a:p>
+            <a:pPr algn="ctr"/>
+            <a:endParaRPr lang="ko-KR" altLang="en-US"/>
+          </a:p>
+        </p:txBody>
+      </p:sp>
+      <p:sp>
+        <p:nvSpPr>
+          <p:cNvPr id="67" name="TextBox 66">
+            <a:extLst>
+              <a:ext uri="{FF2B5EF4-FFF2-40B4-BE49-F238E27FC236}">
+                <a16:creationId xmlns:a16="http://schemas.microsoft.com/office/drawing/2014/main" id="{9CB42709-213A-4885-98EE-70E05156280C}"/>
+              </a:ext>
+            </a:extLst>
+          </p:cNvPr>
+          <p:cNvSpPr txBox="1"/>
+          <p:nvPr/>
+        </p:nvSpPr>
+        <p:spPr>
+          <a:xfrm>
+            <a:off x="2660808" y="3360865"/>
+            <a:ext cx="2996803" cy="215444"/>
+          </a:xfrm>
+          <a:prstGeom prst="rect">
+            <a:avLst/>
+          </a:prstGeom>
+          <a:noFill/>
+        </p:spPr>
+        <p:txBody>
+          <a:bodyPr wrap="square" rtlCol="0">
+            <a:spAutoFit/>
+          </a:bodyPr>
+          <a:lstStyle/>
+          <a:p>
+            <a:r>
+              <a:rPr lang="en-US" altLang="ko-KR" sz="800" dirty="0"/>
+              <a:t>Access</a:t>
+            </a:r>
+            <a:r>
+              <a:rPr lang="ko-KR" altLang="en-US" sz="800" dirty="0"/>
+              <a:t> </a:t>
+            </a:r>
+            <a:r>
+              <a:rPr lang="en-US" altLang="ko-KR" sz="800" dirty="0"/>
+              <a:t>token,</a:t>
+            </a:r>
+            <a:r>
+              <a:rPr lang="ko-KR" altLang="en-US" sz="800" dirty="0"/>
+              <a:t> </a:t>
+            </a:r>
+            <a:r>
+              <a:rPr lang="en-US" altLang="ko-KR" sz="800" dirty="0"/>
+              <a:t>refresh token </a:t>
+            </a:r>
+            <a:r>
+              <a:rPr lang="ko-KR" altLang="en-US" sz="800" dirty="0"/>
+              <a:t>발급</a:t>
+            </a:r>
           </a:p>
         </p:txBody>
       </p:sp>

--- a/오진호 포토폴리오.pptx
+++ b/오진호 포토폴리오.pptx
@@ -5,13 +5,14 @@
     <p:sldMasterId id="2147483648" r:id="rId1"/>
   </p:sldMasterIdLst>
   <p:notesMasterIdLst>
-    <p:notesMasterId r:id="rId6"/>
+    <p:notesMasterId r:id="rId7"/>
   </p:notesMasterIdLst>
   <p:sldIdLst>
     <p:sldId id="256" r:id="rId2"/>
     <p:sldId id="257" r:id="rId3"/>
     <p:sldId id="258" r:id="rId4"/>
-    <p:sldId id="259" r:id="rId5"/>
+    <p:sldId id="260" r:id="rId5"/>
+    <p:sldId id="261" r:id="rId6"/>
   </p:sldIdLst>
   <p:sldSz cx="12192000" cy="6858000"/>
   <p:notesSz cx="6858000" cy="9144000"/>
@@ -200,7 +201,7 @@
           <a:p>
             <a:fld id="{67406EAE-9ED8-4493-8307-E0CBB87D5314}" type="datetimeFigureOut">
               <a:rPr lang="ko-KR" altLang="en-US" smtClean="0"/>
-              <a:t>2021-10-29</a:t>
+              <a:t>2021-11-23</a:t>
             </a:fld>
             <a:endParaRPr lang="ko-KR" altLang="en-US"/>
           </a:p>
@@ -614,7 +615,7 @@
           <a:p>
             <a:fld id="{7E1FD04A-7A57-4ABB-A4D2-40192FED31D2}" type="datetimeFigureOut">
               <a:rPr lang="ko-KR" altLang="en-US" smtClean="0"/>
-              <a:t>2021-10-29</a:t>
+              <a:t>2021-11-23</a:t>
             </a:fld>
             <a:endParaRPr lang="ko-KR" altLang="en-US"/>
           </a:p>
@@ -812,7 +813,7 @@
           <a:p>
             <a:fld id="{7E1FD04A-7A57-4ABB-A4D2-40192FED31D2}" type="datetimeFigureOut">
               <a:rPr lang="ko-KR" altLang="en-US" smtClean="0"/>
-              <a:t>2021-10-29</a:t>
+              <a:t>2021-11-23</a:t>
             </a:fld>
             <a:endParaRPr lang="ko-KR" altLang="en-US"/>
           </a:p>
@@ -1020,7 +1021,7 @@
           <a:p>
             <a:fld id="{7E1FD04A-7A57-4ABB-A4D2-40192FED31D2}" type="datetimeFigureOut">
               <a:rPr lang="ko-KR" altLang="en-US" smtClean="0"/>
-              <a:t>2021-10-29</a:t>
+              <a:t>2021-11-23</a:t>
             </a:fld>
             <a:endParaRPr lang="ko-KR" altLang="en-US"/>
           </a:p>
@@ -1218,7 +1219,7 @@
           <a:p>
             <a:fld id="{7E1FD04A-7A57-4ABB-A4D2-40192FED31D2}" type="datetimeFigureOut">
               <a:rPr lang="ko-KR" altLang="en-US" smtClean="0"/>
-              <a:t>2021-10-29</a:t>
+              <a:t>2021-11-23</a:t>
             </a:fld>
             <a:endParaRPr lang="ko-KR" altLang="en-US"/>
           </a:p>
@@ -1493,7 +1494,7 @@
           <a:p>
             <a:fld id="{7E1FD04A-7A57-4ABB-A4D2-40192FED31D2}" type="datetimeFigureOut">
               <a:rPr lang="ko-KR" altLang="en-US" smtClean="0"/>
-              <a:t>2021-10-29</a:t>
+              <a:t>2021-11-23</a:t>
             </a:fld>
             <a:endParaRPr lang="ko-KR" altLang="en-US"/>
           </a:p>
@@ -1758,7 +1759,7 @@
           <a:p>
             <a:fld id="{7E1FD04A-7A57-4ABB-A4D2-40192FED31D2}" type="datetimeFigureOut">
               <a:rPr lang="ko-KR" altLang="en-US" smtClean="0"/>
-              <a:t>2021-10-29</a:t>
+              <a:t>2021-11-23</a:t>
             </a:fld>
             <a:endParaRPr lang="ko-KR" altLang="en-US"/>
           </a:p>
@@ -2170,7 +2171,7 @@
           <a:p>
             <a:fld id="{7E1FD04A-7A57-4ABB-A4D2-40192FED31D2}" type="datetimeFigureOut">
               <a:rPr lang="ko-KR" altLang="en-US" smtClean="0"/>
-              <a:t>2021-10-29</a:t>
+              <a:t>2021-11-23</a:t>
             </a:fld>
             <a:endParaRPr lang="ko-KR" altLang="en-US"/>
           </a:p>
@@ -2311,7 +2312,7 @@
           <a:p>
             <a:fld id="{7E1FD04A-7A57-4ABB-A4D2-40192FED31D2}" type="datetimeFigureOut">
               <a:rPr lang="ko-KR" altLang="en-US" smtClean="0"/>
-              <a:t>2021-10-29</a:t>
+              <a:t>2021-11-23</a:t>
             </a:fld>
             <a:endParaRPr lang="ko-KR" altLang="en-US"/>
           </a:p>
@@ -2424,7 +2425,7 @@
           <a:p>
             <a:fld id="{7E1FD04A-7A57-4ABB-A4D2-40192FED31D2}" type="datetimeFigureOut">
               <a:rPr lang="ko-KR" altLang="en-US" smtClean="0"/>
-              <a:t>2021-10-29</a:t>
+              <a:t>2021-11-23</a:t>
             </a:fld>
             <a:endParaRPr lang="ko-KR" altLang="en-US"/>
           </a:p>
@@ -2735,7 +2736,7 @@
           <a:p>
             <a:fld id="{7E1FD04A-7A57-4ABB-A4D2-40192FED31D2}" type="datetimeFigureOut">
               <a:rPr lang="ko-KR" altLang="en-US" smtClean="0"/>
-              <a:t>2021-10-29</a:t>
+              <a:t>2021-11-23</a:t>
             </a:fld>
             <a:endParaRPr lang="ko-KR" altLang="en-US"/>
           </a:p>
@@ -3023,7 +3024,7 @@
           <a:p>
             <a:fld id="{7E1FD04A-7A57-4ABB-A4D2-40192FED31D2}" type="datetimeFigureOut">
               <a:rPr lang="ko-KR" altLang="en-US" smtClean="0"/>
-              <a:t>2021-10-29</a:t>
+              <a:t>2021-11-23</a:t>
             </a:fld>
             <a:endParaRPr lang="ko-KR" altLang="en-US"/>
           </a:p>
@@ -3264,7 +3265,7 @@
           <a:p>
             <a:fld id="{7E1FD04A-7A57-4ABB-A4D2-40192FED31D2}" type="datetimeFigureOut">
               <a:rPr lang="ko-KR" altLang="en-US" smtClean="0"/>
-              <a:t>2021-10-29</a:t>
+              <a:t>2021-11-23</a:t>
             </a:fld>
             <a:endParaRPr lang="ko-KR" altLang="en-US"/>
           </a:p>
@@ -4153,7 +4154,7 @@
           <a:p>
             <a:r>
               <a:rPr lang="en-US" altLang="ko-KR" sz="1100" dirty="0"/>
-              <a:t>Google Developers Social Club </a:t>
+              <a:t>Google Developers Student Club </a:t>
             </a:r>
             <a:r>
               <a:rPr lang="ko-KR" altLang="en-US" sz="1100" dirty="0"/>
@@ -4261,7 +4262,7 @@
           <a:p>
             <a:r>
               <a:rPr lang="ko-KR" altLang="en-US" sz="1100" dirty="0"/>
-              <a:t>대학 연합 동아리 </a:t>
+              <a:t>대학 연합 개발동아리 </a:t>
             </a:r>
             <a:r>
               <a:rPr lang="en-US" altLang="ko-KR" sz="1100" dirty="0"/>
@@ -4273,7 +4274,7 @@
             </a:r>
             <a:r>
               <a:rPr lang="en-US" altLang="ko-KR" sz="1100" dirty="0"/>
-              <a:t>Server Member(2021.08~)</a:t>
+              <a:t>Server Member(2021.08 ~ 2021.11)</a:t>
             </a:r>
             <a:endParaRPr lang="ko-KR" altLang="en-US" sz="1100" dirty="0"/>
           </a:p>
@@ -4673,7 +4674,7 @@
             </a:r>
             <a:r>
               <a:rPr lang="en-US" altLang="ko-KR" sz="1400" dirty="0"/>
-              <a:t>, MVC, </a:t>
+              <a:t>, </a:t>
             </a:r>
             <a:r>
               <a:rPr lang="en-US" altLang="ko-KR" sz="1400" dirty="0" err="1"/>
@@ -5041,7 +5042,7 @@
         </p:blipFill>
         <p:spPr>
           <a:xfrm>
-            <a:off x="392130" y="868306"/>
+            <a:off x="392130" y="773922"/>
             <a:ext cx="5004506" cy="1445557"/>
           </a:xfrm>
           <a:prstGeom prst="rect">
@@ -5063,7 +5064,7 @@
         </p:nvSpPr>
         <p:spPr>
           <a:xfrm>
-            <a:off x="6123918" y="471421"/>
+            <a:off x="6120113" y="379232"/>
             <a:ext cx="127155" cy="121059"/>
           </a:xfrm>
           <a:prstGeom prst="rect">
@@ -5098,8 +5099,8 @@
         </p:nvSpPr>
         <p:spPr>
           <a:xfrm>
-            <a:off x="6339071" y="347284"/>
-            <a:ext cx="2390775" cy="369332"/>
+            <a:off x="6335266" y="255095"/>
+            <a:ext cx="5241363" cy="369332"/>
           </a:xfrm>
           <a:prstGeom prst="rect">
             <a:avLst/>
@@ -5113,10 +5114,9 @@
           <a:lstStyle/>
           <a:p>
             <a:r>
-              <a:rPr lang="ko-KR" altLang="en-US" b="1" dirty="0"/>
-              <a:t>미들웨어 사용</a:t>
-            </a:r>
-            <a:endParaRPr lang="en-US" altLang="ko-KR" b="1" dirty="0"/>
+              <a:rPr lang="en-US" altLang="ko-KR" b="1" dirty="0"/>
+              <a:t>Validation</a:t>
+            </a:r>
           </a:p>
         </p:txBody>
       </p:sp>
@@ -5134,8 +5134,8 @@
         </p:nvSpPr>
         <p:spPr>
           <a:xfrm>
-            <a:off x="6251072" y="804878"/>
-            <a:ext cx="5766807" cy="2308324"/>
+            <a:off x="6247267" y="712689"/>
+            <a:ext cx="5766807" cy="2169825"/>
           </a:xfrm>
           <a:prstGeom prst="rect">
             <a:avLst/>
@@ -5149,34 +5149,14 @@
           <a:lstStyle/>
           <a:p>
             <a:r>
-              <a:rPr lang="ko-KR" altLang="en-US" sz="1200" dirty="0"/>
-              <a:t>해당 서비스의 </a:t>
+              <a:rPr lang="en-US" altLang="ko-KR" sz="1200" b="1" dirty="0"/>
+              <a:t>Http Header</a:t>
             </a:r>
             <a:r>
               <a:rPr lang="ko-KR" altLang="en-US" sz="1200" b="1" dirty="0"/>
-              <a:t>보안</a:t>
-            </a:r>
-            <a:r>
-              <a:rPr lang="ko-KR" altLang="en-US" sz="1200" dirty="0"/>
-              <a:t>을 위해 </a:t>
-            </a:r>
-            <a:r>
-              <a:rPr lang="ko-KR" altLang="en-US" sz="1200" b="1" dirty="0"/>
-              <a:t>미들웨어</a:t>
-            </a:r>
-            <a:r>
-              <a:rPr lang="ko-KR" altLang="en-US" sz="1200" dirty="0"/>
-              <a:t>를 이용하였습니다</a:t>
-            </a:r>
-            <a:r>
-              <a:rPr lang="en-US" altLang="ko-KR" sz="1200" dirty="0"/>
-              <a:t>.</a:t>
-            </a:r>
-            <a:r>
-              <a:rPr lang="ko-KR" altLang="en-US" sz="1200" dirty="0"/>
-              <a:t> </a:t>
-            </a:r>
-            <a:endParaRPr lang="en-US" altLang="ko-KR" sz="1200" dirty="0"/>
+              <a:t>와 미들웨어를 사용하여 유효성 검사</a:t>
+            </a:r>
+            <a:endParaRPr lang="en-US" altLang="ko-KR" sz="1200" b="1" dirty="0"/>
           </a:p>
           <a:p>
             <a:endParaRPr lang="en-US" altLang="ko-KR" sz="1200" dirty="0"/>
@@ -5186,39 +5166,39 @@
               <a:buAutoNum type="arabicPeriod"/>
             </a:pPr>
             <a:r>
-              <a:rPr lang="en-US" altLang="ko-KR" sz="1200" dirty="0"/>
+              <a:rPr lang="en-US" altLang="ko-KR" sz="1100" dirty="0"/>
               <a:t>HTTP header</a:t>
             </a:r>
             <a:r>
-              <a:rPr lang="ko-KR" altLang="en-US" sz="1200" dirty="0"/>
+              <a:rPr lang="ko-KR" altLang="en-US" sz="1100" dirty="0"/>
               <a:t>를 사용하여 클라이언트로부터 </a:t>
             </a:r>
             <a:r>
-              <a:rPr lang="en-US" altLang="ko-KR" sz="1200" dirty="0" err="1"/>
+              <a:rPr lang="en-US" altLang="ko-KR" sz="1100" dirty="0" err="1"/>
               <a:t>store_id</a:t>
             </a:r>
             <a:r>
-              <a:rPr lang="ko-KR" altLang="en-US" sz="1200" dirty="0"/>
+              <a:rPr lang="ko-KR" altLang="en-US" sz="1100" dirty="0"/>
               <a:t>와 </a:t>
             </a:r>
             <a:r>
-              <a:rPr lang="en-US" altLang="ko-KR" sz="1200" dirty="0"/>
+              <a:rPr lang="en-US" altLang="ko-KR" sz="1100" dirty="0"/>
               <a:t>JWT(</a:t>
             </a:r>
             <a:r>
-              <a:rPr lang="ko-KR" altLang="en-US" sz="1200" dirty="0"/>
+              <a:rPr lang="ko-KR" altLang="en-US" sz="1100" dirty="0"/>
               <a:t>토큰</a:t>
             </a:r>
             <a:r>
-              <a:rPr lang="en-US" altLang="ko-KR" sz="1200" dirty="0"/>
+              <a:rPr lang="en-US" altLang="ko-KR" sz="1100" dirty="0"/>
               <a:t>)</a:t>
             </a:r>
             <a:r>
-              <a:rPr lang="ko-KR" altLang="en-US" sz="1200" dirty="0"/>
+              <a:rPr lang="ko-KR" altLang="en-US" sz="1100" dirty="0"/>
               <a:t>을 받아옵니다</a:t>
             </a:r>
             <a:r>
-              <a:rPr lang="en-US" altLang="ko-KR" sz="1200" dirty="0"/>
+              <a:rPr lang="en-US" altLang="ko-KR" sz="1100" dirty="0"/>
               <a:t>.</a:t>
             </a:r>
           </a:p>
@@ -5226,78 +5206,78 @@
             <a:pPr marL="228600" indent="-228600">
               <a:buAutoNum type="arabicPeriod"/>
             </a:pPr>
-            <a:endParaRPr lang="en-US" altLang="ko-KR" sz="1200" dirty="0"/>
+            <a:endParaRPr lang="en-US" altLang="ko-KR" sz="1100" dirty="0"/>
           </a:p>
           <a:p>
             <a:pPr marL="228600" indent="-228600">
               <a:buAutoNum type="arabicPeriod"/>
             </a:pPr>
             <a:r>
-              <a:rPr lang="en-US" altLang="ko-KR" sz="1200" dirty="0"/>
+              <a:rPr lang="en-US" altLang="ko-KR" sz="1100" dirty="0"/>
               <a:t>JWT(</a:t>
             </a:r>
             <a:r>
-              <a:rPr lang="ko-KR" altLang="en-US" sz="1200" dirty="0"/>
+              <a:rPr lang="ko-KR" altLang="en-US" sz="1100" dirty="0"/>
               <a:t>토큰</a:t>
             </a:r>
             <a:r>
-              <a:rPr lang="en-US" altLang="ko-KR" sz="1200" dirty="0"/>
+              <a:rPr lang="en-US" altLang="ko-KR" sz="1100" dirty="0"/>
               <a:t>)</a:t>
             </a:r>
             <a:r>
-              <a:rPr lang="ko-KR" altLang="en-US" sz="1200" dirty="0"/>
+              <a:rPr lang="ko-KR" altLang="en-US" sz="1100" dirty="0"/>
               <a:t>에서 </a:t>
             </a:r>
             <a:r>
-              <a:rPr lang="en-US" altLang="ko-KR" sz="1200" dirty="0" err="1"/>
+              <a:rPr lang="en-US" altLang="ko-KR" sz="1100" dirty="0" err="1"/>
               <a:t>user_id</a:t>
             </a:r>
             <a:r>
-              <a:rPr lang="ko-KR" altLang="en-US" sz="1200" dirty="0"/>
+              <a:rPr lang="ko-KR" altLang="en-US" sz="1100" dirty="0"/>
               <a:t>를 추출하여 해당 </a:t>
             </a:r>
             <a:r>
-              <a:rPr lang="en-US" altLang="ko-KR" sz="1200" dirty="0"/>
+              <a:rPr lang="en-US" altLang="ko-KR" sz="1100" dirty="0"/>
               <a:t>user</a:t>
             </a:r>
             <a:r>
-              <a:rPr lang="ko-KR" altLang="en-US" sz="1200" dirty="0"/>
+              <a:rPr lang="ko-KR" altLang="en-US" sz="1100" dirty="0"/>
               <a:t>가 </a:t>
             </a:r>
             <a:r>
-              <a:rPr lang="en-US" altLang="ko-KR" sz="1200" dirty="0"/>
+              <a:rPr lang="en-US" altLang="ko-KR" sz="1100" dirty="0"/>
               <a:t>header</a:t>
             </a:r>
             <a:r>
-              <a:rPr lang="ko-KR" altLang="en-US" sz="1200" dirty="0"/>
+              <a:rPr lang="ko-KR" altLang="en-US" sz="1100" dirty="0"/>
               <a:t>에 들어있는 </a:t>
             </a:r>
             <a:r>
-              <a:rPr lang="en-US" altLang="ko-KR" sz="1200" dirty="0" err="1"/>
+              <a:rPr lang="en-US" altLang="ko-KR" sz="1100" dirty="0" err="1"/>
               <a:t>store_id</a:t>
             </a:r>
             <a:r>
-              <a:rPr lang="ko-KR" altLang="en-US" sz="1200" dirty="0"/>
+              <a:rPr lang="ko-KR" altLang="en-US" sz="1100" dirty="0"/>
               <a:t>를 </a:t>
             </a:r>
             <a:r>
-              <a:rPr lang="en-US" altLang="ko-KR" sz="1200" dirty="0"/>
+              <a:rPr lang="en-US" altLang="ko-KR" sz="1100" dirty="0"/>
               <a:t>pk</a:t>
             </a:r>
             <a:r>
-              <a:rPr lang="ko-KR" altLang="en-US" sz="1200" dirty="0"/>
+              <a:rPr lang="ko-KR" altLang="en-US" sz="1100" dirty="0"/>
               <a:t>값으로 갖는 </a:t>
             </a:r>
             <a:r>
-              <a:rPr lang="en-US" altLang="ko-KR" sz="1200" dirty="0"/>
+              <a:rPr lang="en-US" altLang="ko-KR" sz="1100" dirty="0"/>
               <a:t>store</a:t>
             </a:r>
             <a:r>
-              <a:rPr lang="ko-KR" altLang="en-US" sz="1200" dirty="0"/>
+              <a:rPr lang="ko-KR" altLang="en-US" sz="1100" dirty="0"/>
               <a:t>에 접근 권한이 있는지 확인합니다</a:t>
             </a:r>
             <a:r>
-              <a:rPr lang="en-US" altLang="ko-KR" sz="1200" dirty="0"/>
+              <a:rPr lang="en-US" altLang="ko-KR" sz="1100" dirty="0"/>
               <a:t>.</a:t>
             </a:r>
           </a:p>
@@ -5305,34 +5285,34 @@
             <a:pPr marL="228600" indent="-228600">
               <a:buAutoNum type="arabicPeriod"/>
             </a:pPr>
-            <a:endParaRPr lang="en-US" altLang="ko-KR" sz="1200" dirty="0"/>
+            <a:endParaRPr lang="en-US" altLang="ko-KR" sz="1100" dirty="0"/>
           </a:p>
           <a:p>
             <a:pPr marL="228600" indent="-228600">
               <a:buAutoNum type="arabicPeriod"/>
             </a:pPr>
             <a:r>
-              <a:rPr lang="ko-KR" altLang="en-US" sz="1200" dirty="0"/>
+              <a:rPr lang="ko-KR" altLang="en-US" sz="1100" dirty="0"/>
               <a:t>권한이 있다면 </a:t>
             </a:r>
             <a:r>
-              <a:rPr lang="en-US" altLang="ko-KR" sz="1200" dirty="0"/>
+              <a:rPr lang="en-US" altLang="ko-KR" sz="1100" dirty="0"/>
               <a:t>user</a:t>
             </a:r>
             <a:r>
-              <a:rPr lang="ko-KR" altLang="en-US" sz="1200" dirty="0"/>
+              <a:rPr lang="ko-KR" altLang="en-US" sz="1100" dirty="0"/>
               <a:t>는 해당 음식점의 메뉴 삭제</a:t>
             </a:r>
             <a:r>
-              <a:rPr lang="en-US" altLang="ko-KR" sz="1200" dirty="0"/>
+              <a:rPr lang="en-US" altLang="ko-KR" sz="1100" dirty="0"/>
               <a:t>, </a:t>
             </a:r>
             <a:r>
-              <a:rPr lang="ko-KR" altLang="en-US" sz="1200" dirty="0"/>
+              <a:rPr lang="ko-KR" altLang="en-US" sz="1100" dirty="0"/>
               <a:t>옵션 변경 등 음식점의 세부사항을 변경할 수 있습니다</a:t>
             </a:r>
             <a:r>
-              <a:rPr lang="en-US" altLang="ko-KR" sz="1200" dirty="0"/>
+              <a:rPr lang="en-US" altLang="ko-KR" sz="1100" dirty="0"/>
               <a:t>.</a:t>
             </a:r>
           </a:p>
@@ -5340,7 +5320,20 @@
             <a:pPr marL="228600" indent="-228600">
               <a:buAutoNum type="arabicPeriod"/>
             </a:pPr>
-            <a:endParaRPr lang="en-US" altLang="ko-KR" sz="1200" dirty="0"/>
+            <a:endParaRPr lang="en-US" altLang="ko-KR" sz="1100" dirty="0"/>
+          </a:p>
+          <a:p>
+            <a:pPr marL="228600" indent="-228600">
+              <a:buAutoNum type="arabicPeriod"/>
+            </a:pPr>
+            <a:r>
+              <a:rPr lang="ko-KR" altLang="en-US" sz="1100" dirty="0"/>
+              <a:t>권한이 없다면 해당 로직을 이용할 수 없습니다</a:t>
+            </a:r>
+            <a:r>
+              <a:rPr lang="en-US" altLang="ko-KR" sz="1100" dirty="0"/>
+              <a:t>.</a:t>
+            </a:r>
           </a:p>
           <a:p>
             <a:pPr marL="228600" indent="-228600">
@@ -7504,12 +7497,725 @@
           <a:chExt cx="0" cy="0"/>
         </a:xfrm>
       </p:grpSpPr>
+      <p:sp>
+        <p:nvSpPr>
+          <p:cNvPr id="4" name="TextBox 3">
+            <a:extLst>
+              <a:ext uri="{FF2B5EF4-FFF2-40B4-BE49-F238E27FC236}">
+                <a16:creationId xmlns:a16="http://schemas.microsoft.com/office/drawing/2014/main" id="{69FE91A0-2471-4BD7-9D1C-6ABE3C9F2579}"/>
+              </a:ext>
+            </a:extLst>
+          </p:cNvPr>
+          <p:cNvSpPr txBox="1"/>
+          <p:nvPr/>
+        </p:nvSpPr>
+        <p:spPr>
+          <a:xfrm>
+            <a:off x="622221" y="485773"/>
+            <a:ext cx="5614695" cy="707886"/>
+          </a:xfrm>
+          <a:prstGeom prst="rect">
+            <a:avLst/>
+          </a:prstGeom>
+          <a:noFill/>
+        </p:spPr>
+        <p:txBody>
+          <a:bodyPr wrap="square" rtlCol="0">
+            <a:spAutoFit/>
+          </a:bodyPr>
+          <a:lstStyle/>
+          <a:p>
+            <a:r>
+              <a:rPr lang="en-US" altLang="ko-KR" sz="4000" b="1" dirty="0">
+                <a:latin typeface="Arial" panose="020B0604020202020204" pitchFamily="34" charset="0"/>
+                <a:cs typeface="Arial" panose="020B0604020202020204" pitchFamily="34" charset="0"/>
+              </a:rPr>
+              <a:t>Personal</a:t>
+            </a:r>
+            <a:r>
+              <a:rPr lang="ko-KR" altLang="en-US" sz="4000" b="1" dirty="0">
+                <a:latin typeface="Arial" panose="020B0604020202020204" pitchFamily="34" charset="0"/>
+                <a:cs typeface="Arial" panose="020B0604020202020204" pitchFamily="34" charset="0"/>
+              </a:rPr>
+              <a:t> </a:t>
+            </a:r>
+            <a:r>
+              <a:rPr lang="en-US" altLang="ko-KR" sz="4000" b="1" dirty="0">
+                <a:latin typeface="Arial" panose="020B0604020202020204" pitchFamily="34" charset="0"/>
+                <a:cs typeface="Arial" panose="020B0604020202020204" pitchFamily="34" charset="0"/>
+              </a:rPr>
+              <a:t>Project</a:t>
+            </a:r>
+            <a:endParaRPr lang="ko-KR" altLang="en-US" sz="4000" b="1" dirty="0">
+              <a:latin typeface="Arial" panose="020B0604020202020204" pitchFamily="34" charset="0"/>
+              <a:cs typeface="Arial" panose="020B0604020202020204" pitchFamily="34" charset="0"/>
+            </a:endParaRPr>
+          </a:p>
+        </p:txBody>
+      </p:sp>
+      <p:sp>
+        <p:nvSpPr>
+          <p:cNvPr id="5" name="TextBox 4">
+            <a:extLst>
+              <a:ext uri="{FF2B5EF4-FFF2-40B4-BE49-F238E27FC236}">
+                <a16:creationId xmlns:a16="http://schemas.microsoft.com/office/drawing/2014/main" id="{462493EB-D5F6-4DB4-BB22-2ADD6AEAEA33}"/>
+              </a:ext>
+            </a:extLst>
+          </p:cNvPr>
+          <p:cNvSpPr txBox="1"/>
+          <p:nvPr/>
+        </p:nvSpPr>
+        <p:spPr>
+          <a:xfrm>
+            <a:off x="622221" y="1282966"/>
+            <a:ext cx="5024349" cy="430887"/>
+          </a:xfrm>
+          <a:prstGeom prst="rect">
+            <a:avLst/>
+          </a:prstGeom>
+          <a:noFill/>
+        </p:spPr>
+        <p:txBody>
+          <a:bodyPr wrap="square" rtlCol="0">
+            <a:spAutoFit/>
+          </a:bodyPr>
+          <a:lstStyle/>
+          <a:p>
+            <a:r>
+              <a:rPr lang="ko-KR" altLang="en-US" sz="2200" b="1" dirty="0"/>
+              <a:t>프로젝트 명 </a:t>
+            </a:r>
+            <a:r>
+              <a:rPr lang="en-US" altLang="ko-KR" sz="2200" b="1" dirty="0"/>
+              <a:t>: </a:t>
+            </a:r>
+            <a:r>
+              <a:rPr lang="ko-KR" altLang="en-US" sz="2200" b="1" dirty="0"/>
+              <a:t>숭실대학교 학식 알림이</a:t>
+            </a:r>
+          </a:p>
+        </p:txBody>
+      </p:sp>
+      <p:sp>
+        <p:nvSpPr>
+          <p:cNvPr id="7" name="object 6">
+            <a:extLst>
+              <a:ext uri="{FF2B5EF4-FFF2-40B4-BE49-F238E27FC236}">
+                <a16:creationId xmlns:a16="http://schemas.microsoft.com/office/drawing/2014/main" id="{05453229-C69C-46B4-B575-5C14E564D955}"/>
+              </a:ext>
+            </a:extLst>
+          </p:cNvPr>
+          <p:cNvSpPr/>
+          <p:nvPr/>
+        </p:nvSpPr>
+        <p:spPr>
+          <a:xfrm>
+            <a:off x="5977276" y="1596747"/>
+            <a:ext cx="127155" cy="121059"/>
+          </a:xfrm>
+          <a:prstGeom prst="rect">
+            <a:avLst/>
+          </a:prstGeom>
+          <a:blipFill>
+            <a:blip r:embed="rId2" cstate="print"/>
+            <a:stretch>
+              <a:fillRect/>
+            </a:stretch>
+          </a:blipFill>
+        </p:spPr>
+        <p:txBody>
+          <a:bodyPr wrap="square" lIns="0" tIns="0" rIns="0" bIns="0" rtlCol="0"/>
+          <a:lstStyle/>
+          <a:p>
+            <a:endParaRPr/>
+          </a:p>
+        </p:txBody>
+      </p:sp>
+      <p:sp>
+        <p:nvSpPr>
+          <p:cNvPr id="11" name="TextBox 10">
+            <a:extLst>
+              <a:ext uri="{FF2B5EF4-FFF2-40B4-BE49-F238E27FC236}">
+                <a16:creationId xmlns:a16="http://schemas.microsoft.com/office/drawing/2014/main" id="{48B76A10-35E7-4DC2-AF2A-FCBF83B159FB}"/>
+              </a:ext>
+            </a:extLst>
+          </p:cNvPr>
+          <p:cNvSpPr txBox="1"/>
+          <p:nvPr/>
+        </p:nvSpPr>
+        <p:spPr>
+          <a:xfrm>
+            <a:off x="6372837" y="1446654"/>
+            <a:ext cx="2390775" cy="369332"/>
+          </a:xfrm>
+          <a:prstGeom prst="rect">
+            <a:avLst/>
+          </a:prstGeom>
+          <a:noFill/>
+        </p:spPr>
+        <p:txBody>
+          <a:bodyPr wrap="square" rtlCol="0">
+            <a:spAutoFit/>
+          </a:bodyPr>
+          <a:lstStyle/>
+          <a:p>
+            <a:r>
+              <a:rPr lang="ko-KR" altLang="en-US" b="1" dirty="0"/>
+              <a:t>프로젝트 기간</a:t>
+            </a:r>
+            <a:endParaRPr lang="en-US" altLang="ko-KR" b="1" dirty="0"/>
+          </a:p>
+        </p:txBody>
+      </p:sp>
+      <p:sp>
+        <p:nvSpPr>
+          <p:cNvPr id="13" name="TextBox 12">
+            <a:extLst>
+              <a:ext uri="{FF2B5EF4-FFF2-40B4-BE49-F238E27FC236}">
+                <a16:creationId xmlns:a16="http://schemas.microsoft.com/office/drawing/2014/main" id="{E400076C-0F5F-4092-A177-2D82071AB988}"/>
+              </a:ext>
+            </a:extLst>
+          </p:cNvPr>
+          <p:cNvSpPr txBox="1"/>
+          <p:nvPr/>
+        </p:nvSpPr>
+        <p:spPr>
+          <a:xfrm>
+            <a:off x="6393668" y="1815986"/>
+            <a:ext cx="2349112" cy="307777"/>
+          </a:xfrm>
+          <a:prstGeom prst="rect">
+            <a:avLst/>
+          </a:prstGeom>
+          <a:noFill/>
+        </p:spPr>
+        <p:txBody>
+          <a:bodyPr wrap="square" rtlCol="0">
+            <a:spAutoFit/>
+          </a:bodyPr>
+          <a:lstStyle/>
+          <a:p>
+            <a:r>
+              <a:rPr lang="en-US" altLang="ko-KR" sz="1400" dirty="0"/>
+              <a:t>2021. 11 ~ </a:t>
+            </a:r>
+            <a:r>
+              <a:rPr lang="ko-KR" altLang="en-US" sz="1400" dirty="0"/>
+              <a:t>진행 중</a:t>
+            </a:r>
+          </a:p>
+        </p:txBody>
+      </p:sp>
+      <p:sp>
+        <p:nvSpPr>
+          <p:cNvPr id="17" name="object 6">
+            <a:extLst>
+              <a:ext uri="{FF2B5EF4-FFF2-40B4-BE49-F238E27FC236}">
+                <a16:creationId xmlns:a16="http://schemas.microsoft.com/office/drawing/2014/main" id="{3FFE767E-0F5C-46D1-9455-679FDE04FD44}"/>
+              </a:ext>
+            </a:extLst>
+          </p:cNvPr>
+          <p:cNvSpPr/>
+          <p:nvPr/>
+        </p:nvSpPr>
+        <p:spPr>
+          <a:xfrm>
+            <a:off x="5977275" y="2579082"/>
+            <a:ext cx="127155" cy="121059"/>
+          </a:xfrm>
+          <a:prstGeom prst="rect">
+            <a:avLst/>
+          </a:prstGeom>
+          <a:blipFill>
+            <a:blip r:embed="rId2" cstate="print"/>
+            <a:stretch>
+              <a:fillRect/>
+            </a:stretch>
+          </a:blipFill>
+        </p:spPr>
+        <p:txBody>
+          <a:bodyPr wrap="square" lIns="0" tIns="0" rIns="0" bIns="0" rtlCol="0"/>
+          <a:lstStyle/>
+          <a:p>
+            <a:endParaRPr/>
+          </a:p>
+        </p:txBody>
+      </p:sp>
+      <p:sp>
+        <p:nvSpPr>
+          <p:cNvPr id="18" name="TextBox 17">
+            <a:extLst>
+              <a:ext uri="{FF2B5EF4-FFF2-40B4-BE49-F238E27FC236}">
+                <a16:creationId xmlns:a16="http://schemas.microsoft.com/office/drawing/2014/main" id="{43A47425-E295-4884-955F-16710AF06B62}"/>
+              </a:ext>
+            </a:extLst>
+          </p:cNvPr>
+          <p:cNvSpPr txBox="1"/>
+          <p:nvPr/>
+        </p:nvSpPr>
+        <p:spPr>
+          <a:xfrm>
+            <a:off x="6372837" y="2378799"/>
+            <a:ext cx="2390775" cy="369332"/>
+          </a:xfrm>
+          <a:prstGeom prst="rect">
+            <a:avLst/>
+          </a:prstGeom>
+          <a:noFill/>
+        </p:spPr>
+        <p:txBody>
+          <a:bodyPr wrap="square" rtlCol="0">
+            <a:spAutoFit/>
+          </a:bodyPr>
+          <a:lstStyle/>
+          <a:p>
+            <a:r>
+              <a:rPr lang="ko-KR" altLang="en-US" b="1" dirty="0"/>
+              <a:t>기술 스택</a:t>
+            </a:r>
+            <a:endParaRPr lang="en-US" altLang="ko-KR" b="1" dirty="0"/>
+          </a:p>
+        </p:txBody>
+      </p:sp>
+      <p:sp>
+        <p:nvSpPr>
+          <p:cNvPr id="19" name="TextBox 18">
+            <a:extLst>
+              <a:ext uri="{FF2B5EF4-FFF2-40B4-BE49-F238E27FC236}">
+                <a16:creationId xmlns:a16="http://schemas.microsoft.com/office/drawing/2014/main" id="{F34D25C7-6AA2-459D-89DC-FE2876FCC063}"/>
+              </a:ext>
+            </a:extLst>
+          </p:cNvPr>
+          <p:cNvSpPr txBox="1"/>
+          <p:nvPr/>
+        </p:nvSpPr>
+        <p:spPr>
+          <a:xfrm>
+            <a:off x="6372837" y="2882987"/>
+            <a:ext cx="3892162" cy="307777"/>
+          </a:xfrm>
+          <a:prstGeom prst="rect">
+            <a:avLst/>
+          </a:prstGeom>
+          <a:noFill/>
+        </p:spPr>
+        <p:txBody>
+          <a:bodyPr wrap="square" rtlCol="0">
+            <a:spAutoFit/>
+          </a:bodyPr>
+          <a:lstStyle/>
+          <a:p>
+            <a:r>
+              <a:rPr lang="en-US" altLang="ko-KR" sz="1400" dirty="0"/>
+              <a:t>Java,</a:t>
+            </a:r>
+            <a:r>
+              <a:rPr lang="ko-KR" altLang="en-US" sz="1400" dirty="0"/>
+              <a:t> </a:t>
+            </a:r>
+            <a:r>
+              <a:rPr lang="en-US" altLang="ko-KR" sz="1400" dirty="0" err="1"/>
+              <a:t>SpringBoot</a:t>
+            </a:r>
+            <a:r>
+              <a:rPr lang="en-US" altLang="ko-KR" sz="1400" dirty="0"/>
+              <a:t>,</a:t>
+            </a:r>
+            <a:r>
+              <a:rPr lang="ko-KR" altLang="en-US" sz="1400" dirty="0"/>
+              <a:t> </a:t>
+            </a:r>
+            <a:r>
+              <a:rPr lang="en-US" altLang="ko-KR" sz="1400" dirty="0" err="1"/>
+              <a:t>Jsoup</a:t>
+            </a:r>
+            <a:r>
+              <a:rPr lang="en-US" altLang="ko-KR" sz="1400" dirty="0"/>
+              <a:t>, </a:t>
+            </a:r>
+            <a:r>
+              <a:rPr lang="ko-KR" altLang="en-US" sz="1400" dirty="0"/>
+              <a:t>카카오 </a:t>
+            </a:r>
+            <a:r>
+              <a:rPr lang="en-US" altLang="ko-KR" sz="1400" dirty="0" err="1"/>
+              <a:t>api</a:t>
+            </a:r>
+            <a:endParaRPr lang="ko-KR" altLang="en-US" sz="1400" dirty="0"/>
+          </a:p>
+        </p:txBody>
+      </p:sp>
+      <p:sp>
+        <p:nvSpPr>
+          <p:cNvPr id="20" name="object 6">
+            <a:extLst>
+              <a:ext uri="{FF2B5EF4-FFF2-40B4-BE49-F238E27FC236}">
+                <a16:creationId xmlns:a16="http://schemas.microsoft.com/office/drawing/2014/main" id="{439DEE50-AA2F-41D9-AE3A-503F35537DCF}"/>
+              </a:ext>
+            </a:extLst>
+          </p:cNvPr>
+          <p:cNvSpPr/>
+          <p:nvPr/>
+        </p:nvSpPr>
+        <p:spPr>
+          <a:xfrm>
+            <a:off x="5977274" y="3550930"/>
+            <a:ext cx="127155" cy="121059"/>
+          </a:xfrm>
+          <a:prstGeom prst="rect">
+            <a:avLst/>
+          </a:prstGeom>
+          <a:blipFill>
+            <a:blip r:embed="rId2" cstate="print"/>
+            <a:stretch>
+              <a:fillRect/>
+            </a:stretch>
+          </a:blipFill>
+        </p:spPr>
+        <p:txBody>
+          <a:bodyPr wrap="square" lIns="0" tIns="0" rIns="0" bIns="0" rtlCol="0"/>
+          <a:lstStyle/>
+          <a:p>
+            <a:endParaRPr/>
+          </a:p>
+        </p:txBody>
+      </p:sp>
+      <p:sp>
+        <p:nvSpPr>
+          <p:cNvPr id="21" name="TextBox 20">
+            <a:extLst>
+              <a:ext uri="{FF2B5EF4-FFF2-40B4-BE49-F238E27FC236}">
+                <a16:creationId xmlns:a16="http://schemas.microsoft.com/office/drawing/2014/main" id="{5C109568-ED4B-474C-B8FC-D8DF923E81CF}"/>
+              </a:ext>
+            </a:extLst>
+          </p:cNvPr>
+          <p:cNvSpPr txBox="1"/>
+          <p:nvPr/>
+        </p:nvSpPr>
+        <p:spPr>
+          <a:xfrm>
+            <a:off x="6393668" y="3388200"/>
+            <a:ext cx="2390775" cy="369332"/>
+          </a:xfrm>
+          <a:prstGeom prst="rect">
+            <a:avLst/>
+          </a:prstGeom>
+          <a:noFill/>
+        </p:spPr>
+        <p:txBody>
+          <a:bodyPr wrap="square" rtlCol="0">
+            <a:spAutoFit/>
+          </a:bodyPr>
+          <a:lstStyle/>
+          <a:p>
+            <a:r>
+              <a:rPr lang="ko-KR" altLang="en-US" b="1" dirty="0"/>
+              <a:t>프로젝트 개요</a:t>
+            </a:r>
+            <a:endParaRPr lang="en-US" altLang="ko-KR" b="1" dirty="0"/>
+          </a:p>
+        </p:txBody>
+      </p:sp>
+      <p:sp>
+        <p:nvSpPr>
+          <p:cNvPr id="22" name="TextBox 21">
+            <a:extLst>
+              <a:ext uri="{FF2B5EF4-FFF2-40B4-BE49-F238E27FC236}">
+                <a16:creationId xmlns:a16="http://schemas.microsoft.com/office/drawing/2014/main" id="{9EF88A96-EB2F-45F6-B26D-067646A3588B}"/>
+              </a:ext>
+            </a:extLst>
+          </p:cNvPr>
+          <p:cNvSpPr txBox="1"/>
+          <p:nvPr/>
+        </p:nvSpPr>
+        <p:spPr>
+          <a:xfrm>
+            <a:off x="6372837" y="3911107"/>
+            <a:ext cx="5766807" cy="1015663"/>
+          </a:xfrm>
+          <a:prstGeom prst="rect">
+            <a:avLst/>
+          </a:prstGeom>
+          <a:noFill/>
+        </p:spPr>
+        <p:txBody>
+          <a:bodyPr wrap="square" rtlCol="0">
+            <a:spAutoFit/>
+          </a:bodyPr>
+          <a:lstStyle/>
+          <a:p>
+            <a:r>
+              <a:rPr lang="ko-KR" altLang="en-US" sz="1200" dirty="0"/>
+              <a:t>웹 </a:t>
+            </a:r>
+            <a:r>
+              <a:rPr lang="ko-KR" altLang="en-US" sz="1200" dirty="0" err="1"/>
+              <a:t>크롤링을</a:t>
+            </a:r>
+            <a:r>
+              <a:rPr lang="ko-KR" altLang="en-US" sz="1200" dirty="0"/>
+              <a:t> 통해 학식메뉴를 보여주는 카카오톡 </a:t>
+            </a:r>
+            <a:r>
+              <a:rPr lang="ko-KR" altLang="en-US" sz="1200" dirty="0" err="1"/>
+              <a:t>챗봇입니다</a:t>
+            </a:r>
+            <a:r>
+              <a:rPr lang="en-US" altLang="ko-KR" sz="1200" dirty="0"/>
+              <a:t>.</a:t>
+            </a:r>
+          </a:p>
+          <a:p>
+            <a:endParaRPr lang="en-US" altLang="ko-KR" sz="1200" dirty="0"/>
+          </a:p>
+          <a:p>
+            <a:pPr marL="171450" indent="-171450">
+              <a:buFont typeface="Arial" panose="020B0604020202020204" pitchFamily="34" charset="0"/>
+              <a:buChar char="•"/>
+            </a:pPr>
+            <a:r>
+              <a:rPr lang="ko-KR" altLang="en-US" sz="1200" dirty="0"/>
+              <a:t>커피를 미리 결재하고 받아 갈 수 있는 원거리 결재 시스템을 개발 중에 있습니다</a:t>
+            </a:r>
+            <a:r>
+              <a:rPr lang="en-US" altLang="ko-KR" sz="1200" dirty="0"/>
+              <a:t>.</a:t>
+            </a:r>
+            <a:r>
+              <a:rPr lang="ko-KR" altLang="en-US" sz="1200" dirty="0"/>
+              <a:t> </a:t>
+            </a:r>
+            <a:endParaRPr lang="en-US" altLang="ko-KR" sz="1200" dirty="0"/>
+          </a:p>
+          <a:p>
+            <a:pPr marL="171450" indent="-171450">
+              <a:buFont typeface="Arial" panose="020B0604020202020204" pitchFamily="34" charset="0"/>
+              <a:buChar char="•"/>
+            </a:pPr>
+            <a:endParaRPr lang="en-US" altLang="ko-KR" sz="1200" dirty="0"/>
+          </a:p>
+        </p:txBody>
+      </p:sp>
+      <p:sp>
+        <p:nvSpPr>
+          <p:cNvPr id="23" name="object 6">
+            <a:extLst>
+              <a:ext uri="{FF2B5EF4-FFF2-40B4-BE49-F238E27FC236}">
+                <a16:creationId xmlns:a16="http://schemas.microsoft.com/office/drawing/2014/main" id="{B1AADEE6-DBEB-42E0-87F8-D260129E2BA8}"/>
+              </a:ext>
+            </a:extLst>
+          </p:cNvPr>
+          <p:cNvSpPr/>
+          <p:nvPr/>
+        </p:nvSpPr>
+        <p:spPr>
+          <a:xfrm>
+            <a:off x="5978052" y="5107643"/>
+            <a:ext cx="127155" cy="121059"/>
+          </a:xfrm>
+          <a:prstGeom prst="rect">
+            <a:avLst/>
+          </a:prstGeom>
+          <a:blipFill>
+            <a:blip r:embed="rId2" cstate="print"/>
+            <a:stretch>
+              <a:fillRect/>
+            </a:stretch>
+          </a:blipFill>
+        </p:spPr>
+        <p:txBody>
+          <a:bodyPr wrap="square" lIns="0" tIns="0" rIns="0" bIns="0" rtlCol="0"/>
+          <a:lstStyle/>
+          <a:p>
+            <a:endParaRPr/>
+          </a:p>
+        </p:txBody>
+      </p:sp>
+      <p:sp>
+        <p:nvSpPr>
+          <p:cNvPr id="24" name="TextBox 23">
+            <a:extLst>
+              <a:ext uri="{FF2B5EF4-FFF2-40B4-BE49-F238E27FC236}">
+                <a16:creationId xmlns:a16="http://schemas.microsoft.com/office/drawing/2014/main" id="{B6002A62-FFDD-4FC0-8B75-67D4CDA6615E}"/>
+              </a:ext>
+            </a:extLst>
+          </p:cNvPr>
+          <p:cNvSpPr txBox="1"/>
+          <p:nvPr/>
+        </p:nvSpPr>
+        <p:spPr>
+          <a:xfrm>
+            <a:off x="6372838" y="4983507"/>
+            <a:ext cx="2390775" cy="369332"/>
+          </a:xfrm>
+          <a:prstGeom prst="rect">
+            <a:avLst/>
+          </a:prstGeom>
+          <a:noFill/>
+        </p:spPr>
+        <p:txBody>
+          <a:bodyPr wrap="square" rtlCol="0">
+            <a:spAutoFit/>
+          </a:bodyPr>
+          <a:lstStyle/>
+          <a:p>
+            <a:r>
+              <a:rPr lang="ko-KR" altLang="en-US" b="1" dirty="0"/>
+              <a:t>나의 구현 내용</a:t>
+            </a:r>
+            <a:endParaRPr lang="en-US" altLang="ko-KR" b="1" dirty="0"/>
+          </a:p>
+        </p:txBody>
+      </p:sp>
+      <p:sp>
+        <p:nvSpPr>
+          <p:cNvPr id="25" name="TextBox 24">
+            <a:extLst>
+              <a:ext uri="{FF2B5EF4-FFF2-40B4-BE49-F238E27FC236}">
+                <a16:creationId xmlns:a16="http://schemas.microsoft.com/office/drawing/2014/main" id="{60A8802D-994C-46BB-8F06-E3B54DD130A8}"/>
+              </a:ext>
+            </a:extLst>
+          </p:cNvPr>
+          <p:cNvSpPr txBox="1"/>
+          <p:nvPr/>
+        </p:nvSpPr>
+        <p:spPr>
+          <a:xfrm>
+            <a:off x="6393668" y="5352839"/>
+            <a:ext cx="5766805" cy="1015663"/>
+          </a:xfrm>
+          <a:prstGeom prst="rect">
+            <a:avLst/>
+          </a:prstGeom>
+          <a:noFill/>
+        </p:spPr>
+        <p:txBody>
+          <a:bodyPr wrap="square" rtlCol="0">
+            <a:spAutoFit/>
+          </a:bodyPr>
+          <a:lstStyle/>
+          <a:p>
+            <a:r>
+              <a:rPr lang="ko-KR" altLang="en-US" sz="1200" dirty="0"/>
+              <a:t>⨀ </a:t>
+            </a:r>
+            <a:r>
+              <a:rPr lang="en-US" altLang="ko-KR" sz="1200" dirty="0" err="1"/>
+              <a:t>Jsoup</a:t>
+            </a:r>
+            <a:r>
+              <a:rPr lang="en-US" altLang="ko-KR" sz="1200" dirty="0"/>
+              <a:t> </a:t>
+            </a:r>
+            <a:r>
+              <a:rPr lang="ko-KR" altLang="en-US" sz="1200" dirty="0"/>
+              <a:t>라이브러리를 이용한 웹 </a:t>
+            </a:r>
+            <a:r>
+              <a:rPr lang="ko-KR" altLang="en-US" sz="1200" dirty="0" err="1"/>
+              <a:t>크롤링</a:t>
+            </a:r>
+            <a:endParaRPr lang="en-US" altLang="ko-KR" sz="1200" dirty="0"/>
+          </a:p>
+          <a:p>
+            <a:endParaRPr lang="en-US" altLang="ko-KR" sz="1200" dirty="0"/>
+          </a:p>
+          <a:p>
+            <a:r>
+              <a:rPr lang="ko-KR" altLang="en-US" sz="1200" dirty="0"/>
+              <a:t>⨀ 카카오 오픈 </a:t>
+            </a:r>
+            <a:r>
+              <a:rPr lang="ko-KR" altLang="en-US" sz="1200" dirty="0" err="1"/>
+              <a:t>빌더</a:t>
+            </a:r>
+            <a:r>
+              <a:rPr lang="ko-KR" altLang="en-US" sz="1200" dirty="0"/>
+              <a:t> </a:t>
+            </a:r>
+            <a:r>
+              <a:rPr lang="en-US" altLang="ko-KR" sz="1200" dirty="0"/>
+              <a:t>API </a:t>
+            </a:r>
+            <a:r>
+              <a:rPr lang="ko-KR" altLang="en-US" sz="1200" dirty="0"/>
+              <a:t>활용</a:t>
+            </a:r>
+            <a:endParaRPr lang="en-US" altLang="ko-KR" sz="1200" dirty="0"/>
+          </a:p>
+          <a:p>
+            <a:endParaRPr lang="en-US" altLang="ko-KR" sz="1200" dirty="0"/>
+          </a:p>
+          <a:p>
+            <a:r>
+              <a:rPr lang="ko-KR" altLang="en-US" sz="1200" dirty="0"/>
+              <a:t>⨀ 카카오 페이 </a:t>
+            </a:r>
+            <a:r>
+              <a:rPr lang="en-US" altLang="ko-KR" sz="1200" dirty="0"/>
+              <a:t>API </a:t>
+            </a:r>
+            <a:r>
+              <a:rPr lang="ko-KR" altLang="en-US" sz="1200" dirty="0"/>
+              <a:t>사용</a:t>
+            </a:r>
+          </a:p>
+        </p:txBody>
+      </p:sp>
+      <p:sp>
+        <p:nvSpPr>
+          <p:cNvPr id="14" name="TextBox 13">
+            <a:extLst>
+              <a:ext uri="{FF2B5EF4-FFF2-40B4-BE49-F238E27FC236}">
+                <a16:creationId xmlns:a16="http://schemas.microsoft.com/office/drawing/2014/main" id="{66396974-5F29-4DDB-986A-79F0CD091C64}"/>
+              </a:ext>
+            </a:extLst>
+          </p:cNvPr>
+          <p:cNvSpPr txBox="1"/>
+          <p:nvPr/>
+        </p:nvSpPr>
+        <p:spPr>
+          <a:xfrm>
+            <a:off x="681697" y="1798387"/>
+            <a:ext cx="4272402" cy="261610"/>
+          </a:xfrm>
+          <a:prstGeom prst="rect">
+            <a:avLst/>
+          </a:prstGeom>
+          <a:noFill/>
+        </p:spPr>
+        <p:txBody>
+          <a:bodyPr wrap="square" rtlCol="0">
+            <a:spAutoFit/>
+          </a:bodyPr>
+          <a:lstStyle/>
+          <a:p>
+            <a:r>
+              <a:rPr lang="ko-KR" altLang="en-US" sz="1100" dirty="0"/>
+              <a:t>약 </a:t>
+            </a:r>
+            <a:r>
+              <a:rPr lang="en-US" altLang="ko-KR" sz="1100" dirty="0"/>
+              <a:t>1700</a:t>
+            </a:r>
+            <a:r>
+              <a:rPr lang="ko-KR" altLang="en-US" sz="1100" dirty="0"/>
+              <a:t>명의 사용자를 보유하고 있는 학식 알림이 서비스입니다</a:t>
+            </a:r>
+            <a:r>
+              <a:rPr lang="en-US" altLang="ko-KR" sz="1050" dirty="0"/>
+              <a:t>.</a:t>
+            </a:r>
+            <a:endParaRPr lang="ko-KR" altLang="en-US" sz="1050" dirty="0"/>
+          </a:p>
+        </p:txBody>
+      </p:sp>
       <p:pic>
         <p:nvPicPr>
-          <p:cNvPr id="3" name="그림 2">
-            <a:extLst>
-              <a:ext uri="{FF2B5EF4-FFF2-40B4-BE49-F238E27FC236}">
-                <a16:creationId xmlns:a16="http://schemas.microsoft.com/office/drawing/2014/main" id="{C971CEF5-8310-4742-8AAB-1E9A5630DA68}"/>
+          <p:cNvPr id="29" name="그림 28">
+            <a:extLst>
+              <a:ext uri="{FF2B5EF4-FFF2-40B4-BE49-F238E27FC236}">
+                <a16:creationId xmlns:a16="http://schemas.microsoft.com/office/drawing/2014/main" id="{3671E2BC-29BF-438F-8399-C6F6C127AB1B}"/>
               </a:ext>
             </a:extLst>
           </p:cNvPr>
@@ -7519,7 +8225,7 @@
           <p:nvPr/>
         </p:nvPicPr>
         <p:blipFill>
-          <a:blip r:embed="rId2">
+          <a:blip r:embed="rId3">
             <a:extLst>
               <a:ext uri="{28A0092B-C50C-407E-A947-70E740481C1C}">
                 <a14:useLocalDpi xmlns:a14="http://schemas.microsoft.com/office/drawing/2010/main" val="0"/>
@@ -7532,20 +8238,86 @@
         </p:blipFill>
         <p:spPr>
           <a:xfrm>
-            <a:off x="499875" y="695130"/>
-            <a:ext cx="4961357" cy="4081163"/>
+            <a:off x="811219" y="2218431"/>
+            <a:ext cx="2319315" cy="3943579"/>
           </a:xfrm>
           <a:prstGeom prst="rect">
             <a:avLst/>
           </a:prstGeom>
         </p:spPr>
       </p:pic>
+      <p:pic>
+        <p:nvPicPr>
+          <p:cNvPr id="27" name="그림 26" descr="텍스트이(가) 표시된 사진&#10;&#10;자동 생성된 설명">
+            <a:extLst>
+              <a:ext uri="{FF2B5EF4-FFF2-40B4-BE49-F238E27FC236}">
+                <a16:creationId xmlns:a16="http://schemas.microsoft.com/office/drawing/2014/main" id="{1FD99E8D-FBF7-42FC-BA92-66C3E821A6A5}"/>
+              </a:ext>
+            </a:extLst>
+          </p:cNvPr>
+          <p:cNvPicPr>
+            <a:picLocks noChangeAspect="1"/>
+          </p:cNvPicPr>
+          <p:nvPr/>
+        </p:nvPicPr>
+        <p:blipFill>
+          <a:blip r:embed="rId4">
+            <a:extLst>
+              <a:ext uri="{28A0092B-C50C-407E-A947-70E740481C1C}">
+                <a14:useLocalDpi xmlns:a14="http://schemas.microsoft.com/office/drawing/2010/main" val="0"/>
+              </a:ext>
+            </a:extLst>
+          </a:blip>
+          <a:stretch>
+            <a:fillRect/>
+          </a:stretch>
+        </p:blipFill>
+        <p:spPr>
+          <a:xfrm>
+            <a:off x="3011208" y="2343835"/>
+            <a:ext cx="2048013" cy="3818175"/>
+          </a:xfrm>
+          <a:prstGeom prst="rect">
+            <a:avLst/>
+          </a:prstGeom>
+        </p:spPr>
+      </p:pic>
+    </p:spTree>
+    <p:extLst>
+      <p:ext uri="{BB962C8B-B14F-4D97-AF65-F5344CB8AC3E}">
+        <p14:creationId xmlns:p14="http://schemas.microsoft.com/office/powerpoint/2010/main" val="1111871008"/>
+      </p:ext>
+    </p:extLst>
+  </p:cSld>
+  <p:clrMapOvr>
+    <a:masterClrMapping/>
+  </p:clrMapOvr>
+</p:sld>
+</file>
+
+<file path=ppt/slides/slide5.xml><?xml version="1.0" encoding="utf-8"?>
+<p:sld xmlns:a="http://schemas.openxmlformats.org/drawingml/2006/main" xmlns:r="http://schemas.openxmlformats.org/officeDocument/2006/relationships" xmlns:p="http://schemas.openxmlformats.org/presentationml/2006/main">
+  <p:cSld>
+    <p:spTree>
+      <p:nvGrpSpPr>
+        <p:cNvPr id="1" name=""/>
+        <p:cNvGrpSpPr/>
+        <p:nvPr/>
+      </p:nvGrpSpPr>
+      <p:grpSpPr>
+        <a:xfrm>
+          <a:off x="0" y="0"/>
+          <a:ext cx="0" cy="0"/>
+          <a:chOff x="0" y="0"/>
+          <a:chExt cx="0" cy="0"/>
+        </a:xfrm>
+      </p:grpSpPr>
       <p:sp>
         <p:nvSpPr>
           <p:cNvPr id="4" name="object 6">
             <a:extLst>
               <a:ext uri="{FF2B5EF4-FFF2-40B4-BE49-F238E27FC236}">
-                <a16:creationId xmlns:a16="http://schemas.microsoft.com/office/drawing/2014/main" id="{B910C608-A825-434C-9E62-E3AD5EDECFD4}"/>
+                <a16:creationId xmlns:a16="http://schemas.microsoft.com/office/drawing/2014/main" id="{A545290D-3CA4-4FA2-95E8-9278EA4D17BD}"/>
               </a:ext>
             </a:extLst>
           </p:cNvPr>
@@ -7554,14 +8326,14 @@
         </p:nvSpPr>
         <p:spPr>
           <a:xfrm>
-            <a:off x="6298038" y="583125"/>
+            <a:off x="6019445" y="555401"/>
             <a:ext cx="127155" cy="121059"/>
           </a:xfrm>
           <a:prstGeom prst="rect">
             <a:avLst/>
           </a:prstGeom>
           <a:blipFill>
-            <a:blip r:embed="rId3" cstate="print"/>
+            <a:blip r:embed="rId2" cstate="print"/>
             <a:stretch>
               <a:fillRect/>
             </a:stretch>
@@ -7580,7 +8352,7 @@
           <p:cNvPr id="5" name="TextBox 4">
             <a:extLst>
               <a:ext uri="{FF2B5EF4-FFF2-40B4-BE49-F238E27FC236}">
-                <a16:creationId xmlns:a16="http://schemas.microsoft.com/office/drawing/2014/main" id="{82555120-997F-4AD0-A5A9-BD4445C88F08}"/>
+                <a16:creationId xmlns:a16="http://schemas.microsoft.com/office/drawing/2014/main" id="{8CC82E3D-6DE0-4E9E-84B2-A115D86CD670}"/>
               </a:ext>
             </a:extLst>
           </p:cNvPr>
@@ -7589,8 +8361,8 @@
         </p:nvSpPr>
         <p:spPr>
           <a:xfrm>
-            <a:off x="6513191" y="458988"/>
-            <a:ext cx="2390775" cy="369332"/>
+            <a:off x="6234598" y="431264"/>
+            <a:ext cx="5241363" cy="369332"/>
           </a:xfrm>
           <a:prstGeom prst="rect">
             <a:avLst/>
@@ -7604,14 +8376,22 @@
           <a:lstStyle/>
           <a:p>
             <a:r>
-              <a:rPr lang="en-US" altLang="ko-KR" b="1" dirty="0"/>
-              <a:t>ERD</a:t>
-            </a:r>
-            <a:r>
-              <a:rPr lang="ko-KR" altLang="en-US" b="1" dirty="0"/>
-              <a:t> </a:t>
-            </a:r>
-            <a:endParaRPr lang="en-US" altLang="ko-KR" b="1" dirty="0"/>
+              <a:rPr lang="en-US" altLang="ko-KR" sz="1800" b="1" dirty="0" err="1"/>
+              <a:t>Jsoup</a:t>
+            </a:r>
+            <a:r>
+              <a:rPr lang="en-US" altLang="ko-KR" sz="1800" b="1" dirty="0"/>
+              <a:t> Library</a:t>
+            </a:r>
+            <a:r>
+              <a:rPr lang="ko-KR" altLang="en-US" sz="1800" b="1" dirty="0"/>
+              <a:t>를 통한 웹 </a:t>
+            </a:r>
+            <a:r>
+              <a:rPr lang="ko-KR" altLang="en-US" sz="1800" b="1" dirty="0" err="1"/>
+              <a:t>크롤링</a:t>
+            </a:r>
+            <a:endParaRPr lang="en-US" altLang="ko-KR" sz="1800" b="1" dirty="0"/>
           </a:p>
         </p:txBody>
       </p:sp>
@@ -7620,7 +8400,7 @@
           <p:cNvPr id="6" name="TextBox 5">
             <a:extLst>
               <a:ext uri="{FF2B5EF4-FFF2-40B4-BE49-F238E27FC236}">
-                <a16:creationId xmlns:a16="http://schemas.microsoft.com/office/drawing/2014/main" id="{CE19B312-A440-4A62-8B70-D1174CBD415B}"/>
+                <a16:creationId xmlns:a16="http://schemas.microsoft.com/office/drawing/2014/main" id="{2F20D144-5A52-4928-B643-7010AFB681FA}"/>
               </a:ext>
             </a:extLst>
           </p:cNvPr>
@@ -7629,8 +8409,8 @@
         </p:nvSpPr>
         <p:spPr>
           <a:xfrm>
-            <a:off x="6425193" y="1067584"/>
-            <a:ext cx="5766807" cy="4893647"/>
+            <a:off x="6146599" y="888858"/>
+            <a:ext cx="5766807" cy="1938992"/>
           </a:xfrm>
           <a:prstGeom prst="rect">
             <a:avLst/>
@@ -7644,380 +8424,57 @@
           <a:lstStyle/>
           <a:p>
             <a:r>
+              <a:rPr lang="ko-KR" altLang="en-US" sz="1200" b="1" dirty="0"/>
+              <a:t>학식 데이터를 추출한 후</a:t>
+            </a:r>
+            <a:r>
+              <a:rPr lang="en-US" altLang="ko-KR" sz="1200" b="1" dirty="0"/>
+              <a:t>, Json</a:t>
+            </a:r>
+            <a:r>
+              <a:rPr lang="ko-KR" altLang="en-US" sz="1200" b="1" dirty="0"/>
+              <a:t>형식의 </a:t>
+            </a:r>
+            <a:r>
+              <a:rPr lang="en-US" altLang="ko-KR" sz="1200" b="1" dirty="0"/>
+              <a:t>response</a:t>
+            </a:r>
+            <a:r>
+              <a:rPr lang="ko-KR" altLang="en-US" sz="1200" b="1" dirty="0"/>
+              <a:t>를 제공하는 </a:t>
+            </a:r>
+            <a:r>
+              <a:rPr lang="en-US" altLang="ko-KR" sz="1200" b="1" dirty="0"/>
+              <a:t>API</a:t>
+            </a:r>
+            <a:r>
+              <a:rPr lang="ko-KR" altLang="en-US" sz="1200" b="1" dirty="0"/>
+              <a:t>입니다</a:t>
+            </a:r>
+            <a:r>
+              <a:rPr lang="en-US" altLang="ko-KR" sz="1200" b="1" dirty="0"/>
+              <a:t>.</a:t>
+            </a:r>
+          </a:p>
+          <a:p>
+            <a:endParaRPr lang="en-US" altLang="ko-KR" sz="1200" dirty="0"/>
+          </a:p>
+          <a:p>
+            <a:pPr marL="228600" indent="-228600">
+              <a:buAutoNum type="arabicPeriod"/>
+            </a:pPr>
+            <a:r>
               <a:rPr lang="en-US" altLang="ko-KR" sz="1200" dirty="0"/>
-              <a:t>1. </a:t>
-            </a:r>
-            <a:r>
-              <a:rPr lang="ko-KR" altLang="en-US" sz="1200" dirty="0" err="1"/>
-              <a:t>한명의</a:t>
+              <a:t>URL</a:t>
             </a:r>
             <a:r>
               <a:rPr lang="ko-KR" altLang="en-US" sz="1200" dirty="0"/>
-              <a:t> 유저는 많은 음식점을 가질 수 있습니다</a:t>
-            </a:r>
-            <a:endParaRPr lang="en-US" altLang="ko-KR" sz="1200" dirty="0"/>
-          </a:p>
-          <a:p>
-            <a:r>
-              <a:rPr lang="en-US" altLang="ko-KR" sz="1200" dirty="0"/>
-              <a:t> - User(1) : Store(N)</a:t>
-            </a:r>
-          </a:p>
-          <a:p>
-            <a:endParaRPr lang="en-US" altLang="ko-KR" sz="1200" dirty="0"/>
-          </a:p>
-          <a:p>
-            <a:r>
-              <a:rPr lang="en-US" altLang="ko-KR" sz="1200" dirty="0"/>
-              <a:t>2. </a:t>
-            </a:r>
-            <a:r>
-              <a:rPr lang="ko-KR" altLang="en-US" sz="1200" dirty="0"/>
-              <a:t>한 개의 음식점은 많은 메뉴를 가질 수 있습니다</a:t>
-            </a:r>
-            <a:endParaRPr lang="en-US" altLang="ko-KR" sz="1200" dirty="0"/>
-          </a:p>
-          <a:p>
-            <a:r>
-              <a:rPr lang="en-US" altLang="ko-KR" sz="1200" dirty="0"/>
-              <a:t> - Store(1) : menu(N)</a:t>
-            </a:r>
-          </a:p>
-          <a:p>
-            <a:endParaRPr lang="en-US" altLang="ko-KR" sz="1200" dirty="0"/>
-          </a:p>
-          <a:p>
-            <a:r>
-              <a:rPr lang="en-US" altLang="ko-KR" sz="1200" dirty="0"/>
-              <a:t>3. </a:t>
-            </a:r>
-            <a:r>
-              <a:rPr lang="ko-KR" altLang="en-US" sz="1200" dirty="0"/>
-              <a:t>메뉴는 카테고리</a:t>
-            </a:r>
-            <a:r>
-              <a:rPr lang="en-US" altLang="ko-KR" sz="1200" dirty="0"/>
-              <a:t>,</a:t>
-            </a:r>
-            <a:r>
-              <a:rPr lang="ko-KR" altLang="en-US" sz="1200" dirty="0"/>
-              <a:t> 옵션</a:t>
-            </a:r>
-            <a:r>
-              <a:rPr lang="en-US" altLang="ko-KR" sz="1200" dirty="0"/>
-              <a:t>, </a:t>
-            </a:r>
-            <a:r>
-              <a:rPr lang="ko-KR" altLang="en-US" sz="1200" dirty="0"/>
-              <a:t>이벤트 속성을 가지고 있습니다</a:t>
+              <a:t>을 통해 해당 사이트에 접근합니다</a:t>
             </a:r>
             <a:r>
               <a:rPr lang="en-US" altLang="ko-KR" sz="1200" dirty="0"/>
               <a:t>.</a:t>
             </a:r>
-          </a:p>
-          <a:p>
-            <a:r>
-              <a:rPr lang="en-US" altLang="ko-KR" sz="1200" dirty="0"/>
-              <a:t> - </a:t>
-            </a:r>
-            <a:r>
-              <a:rPr lang="ko-KR" altLang="en-US" sz="1200" dirty="0"/>
-              <a:t>카테고리 예시</a:t>
-            </a:r>
-            <a:r>
-              <a:rPr lang="en-US" altLang="ko-KR" sz="1200" dirty="0"/>
-              <a:t>)</a:t>
-            </a:r>
-            <a:r>
-              <a:rPr lang="ko-KR" altLang="en-US" sz="1200" dirty="0"/>
-              <a:t> 면</a:t>
-            </a:r>
-            <a:r>
-              <a:rPr lang="en-US" altLang="ko-KR" sz="1200" dirty="0"/>
-              <a:t>, </a:t>
-            </a:r>
-            <a:r>
-              <a:rPr lang="ko-KR" altLang="en-US" sz="1200" dirty="0"/>
-              <a:t>밥</a:t>
-            </a:r>
-            <a:r>
-              <a:rPr lang="en-US" altLang="ko-KR" sz="1200" dirty="0"/>
-              <a:t>, </a:t>
-            </a:r>
-            <a:r>
-              <a:rPr lang="ko-KR" altLang="en-US" sz="1200" dirty="0"/>
-              <a:t>요리</a:t>
-            </a:r>
-            <a:endParaRPr lang="en-US" altLang="ko-KR" sz="1200" dirty="0"/>
-          </a:p>
-          <a:p>
-            <a:r>
-              <a:rPr lang="en-US" altLang="ko-KR" sz="1200" dirty="0"/>
-              <a:t> - </a:t>
-            </a:r>
-            <a:r>
-              <a:rPr lang="ko-KR" altLang="en-US" sz="1200" dirty="0"/>
-              <a:t>옵션 예시</a:t>
-            </a:r>
-            <a:r>
-              <a:rPr lang="en-US" altLang="ko-KR" sz="1200" dirty="0"/>
-              <a:t>) </a:t>
-            </a:r>
-            <a:r>
-              <a:rPr lang="ko-KR" altLang="en-US" sz="1200" dirty="0"/>
-              <a:t>면 추가</a:t>
-            </a:r>
-            <a:r>
-              <a:rPr lang="en-US" altLang="ko-KR" sz="1200" dirty="0"/>
-              <a:t>, </a:t>
-            </a:r>
-            <a:r>
-              <a:rPr lang="ko-KR" altLang="en-US" sz="1200" dirty="0"/>
-              <a:t>양파 빼기 </a:t>
-            </a:r>
-            <a:endParaRPr lang="en-US" altLang="ko-KR" sz="1200" dirty="0"/>
-          </a:p>
-          <a:p>
-            <a:r>
-              <a:rPr lang="en-US" altLang="ko-KR" sz="1200" dirty="0"/>
-              <a:t> - </a:t>
-            </a:r>
-            <a:r>
-              <a:rPr lang="ko-KR" altLang="en-US" sz="1200" dirty="0"/>
-              <a:t>이벤트 예시</a:t>
-            </a:r>
-            <a:r>
-              <a:rPr lang="en-US" altLang="ko-KR" sz="1200" dirty="0"/>
-              <a:t>) </a:t>
-            </a:r>
-            <a:r>
-              <a:rPr lang="ko-KR" altLang="en-US" sz="1200" dirty="0"/>
-              <a:t>점심 할인</a:t>
-            </a:r>
-            <a:r>
-              <a:rPr lang="en-US" altLang="ko-KR" sz="1200" dirty="0"/>
-              <a:t>, 10</a:t>
-            </a:r>
-            <a:r>
-              <a:rPr lang="ko-KR" altLang="en-US" sz="1200" dirty="0"/>
-              <a:t>월 할인</a:t>
-            </a:r>
-            <a:endParaRPr lang="en-US" altLang="ko-KR" sz="1200" dirty="0"/>
-          </a:p>
-          <a:p>
-            <a:r>
-              <a:rPr lang="en-US" altLang="ko-KR" sz="1200" dirty="0"/>
-              <a:t> - Menu(N) : category(1) </a:t>
-            </a:r>
-          </a:p>
-          <a:p>
-            <a:r>
-              <a:rPr lang="en-US" altLang="ko-KR" sz="1200" dirty="0"/>
-              <a:t> - Menu(N) : option(N)</a:t>
-            </a:r>
-          </a:p>
-          <a:p>
-            <a:r>
-              <a:rPr lang="en-US" altLang="ko-KR" sz="1200" dirty="0"/>
-              <a:t> - Menu(N) : event(1)</a:t>
-            </a:r>
-          </a:p>
-          <a:p>
-            <a:endParaRPr lang="en-US" altLang="ko-KR" sz="1200" dirty="0"/>
-          </a:p>
-          <a:p>
-            <a:r>
-              <a:rPr lang="en-US" altLang="ko-KR" sz="1200" dirty="0"/>
-              <a:t>4. </a:t>
-            </a:r>
-            <a:r>
-              <a:rPr lang="ko-KR" altLang="en-US" sz="1200" dirty="0"/>
-              <a:t>옵션은 옵션 그룹과 옵션으로 나뉜다</a:t>
-            </a:r>
-            <a:endParaRPr lang="en-US" altLang="ko-KR" sz="1200" dirty="0"/>
-          </a:p>
-          <a:p>
-            <a:r>
-              <a:rPr lang="en-US" altLang="ko-KR" sz="1200" dirty="0"/>
-              <a:t> - </a:t>
-            </a:r>
-            <a:r>
-              <a:rPr lang="ko-KR" altLang="en-US" sz="1200" dirty="0"/>
-              <a:t>옵션 그룹 예시</a:t>
-            </a:r>
-            <a:r>
-              <a:rPr lang="en-US" altLang="ko-KR" sz="1200" dirty="0"/>
-              <a:t>) </a:t>
-            </a:r>
-            <a:r>
-              <a:rPr lang="ko-KR" altLang="en-US" sz="1200" dirty="0"/>
-              <a:t>양 변경</a:t>
-            </a:r>
-            <a:endParaRPr lang="en-US" altLang="ko-KR" sz="1200" dirty="0"/>
-          </a:p>
-          <a:p>
-            <a:r>
-              <a:rPr lang="en-US" altLang="ko-KR" sz="1200" dirty="0"/>
-              <a:t> - </a:t>
-            </a:r>
-            <a:r>
-              <a:rPr lang="ko-KR" altLang="en-US" sz="1200" dirty="0"/>
-              <a:t>옵션 예시</a:t>
-            </a:r>
-            <a:r>
-              <a:rPr lang="en-US" altLang="ko-KR" sz="1200" dirty="0"/>
-              <a:t>) </a:t>
-            </a:r>
-            <a:r>
-              <a:rPr lang="ko-KR" altLang="en-US" sz="1200" dirty="0"/>
-              <a:t>면 많이</a:t>
-            </a:r>
-            <a:r>
-              <a:rPr lang="en-US" altLang="ko-KR" sz="1200" dirty="0"/>
-              <a:t>, </a:t>
-            </a:r>
-            <a:r>
-              <a:rPr lang="ko-KR" altLang="en-US" sz="1200" dirty="0"/>
-              <a:t>면 적게</a:t>
-            </a:r>
-            <a:endParaRPr lang="en-US" altLang="ko-KR" sz="1200" dirty="0"/>
-          </a:p>
-          <a:p>
-            <a:endParaRPr lang="en-US" altLang="ko-KR" sz="1200" dirty="0"/>
-          </a:p>
-          <a:p>
-            <a:r>
-              <a:rPr lang="en-US" altLang="ko-KR" sz="1200" dirty="0"/>
-              <a:t>5. </a:t>
-            </a:r>
-            <a:r>
-              <a:rPr lang="ko-KR" altLang="en-US" sz="1200" dirty="0"/>
-              <a:t>이벤트는 이벤트 그룹과 이벤트 특징으로 나뉜다</a:t>
-            </a:r>
-            <a:endParaRPr lang="en-US" altLang="ko-KR" sz="1200" dirty="0"/>
-          </a:p>
-          <a:p>
-            <a:r>
-              <a:rPr lang="en-US" altLang="ko-KR" sz="1200" dirty="0"/>
-              <a:t> - </a:t>
-            </a:r>
-            <a:r>
-              <a:rPr lang="ko-KR" altLang="en-US" sz="1200" dirty="0"/>
-              <a:t>이벤트 그룹</a:t>
-            </a:r>
-            <a:r>
-              <a:rPr lang="en-US" altLang="ko-KR" sz="1200" dirty="0"/>
-              <a:t> </a:t>
-            </a:r>
-            <a:r>
-              <a:rPr lang="ko-KR" altLang="en-US" sz="1200" dirty="0"/>
-              <a:t>예시</a:t>
-            </a:r>
-            <a:r>
-              <a:rPr lang="en-US" altLang="ko-KR" sz="1200" dirty="0"/>
-              <a:t>) 10</a:t>
-            </a:r>
-            <a:r>
-              <a:rPr lang="ko-KR" altLang="en-US" sz="1200" dirty="0"/>
-              <a:t>월 할인</a:t>
-            </a:r>
-            <a:r>
-              <a:rPr lang="en-US" altLang="ko-KR" sz="1200" dirty="0"/>
-              <a:t>, </a:t>
-            </a:r>
-            <a:r>
-              <a:rPr lang="ko-KR" altLang="en-US" sz="1200" dirty="0"/>
-              <a:t>점심 할인</a:t>
-            </a:r>
-            <a:endParaRPr lang="en-US" altLang="ko-KR" sz="1200" dirty="0"/>
-          </a:p>
-          <a:p>
-            <a:r>
-              <a:rPr lang="en-US" altLang="ko-KR" sz="1200" dirty="0"/>
-              <a:t> - </a:t>
-            </a:r>
-            <a:r>
-              <a:rPr lang="ko-KR" altLang="en-US" sz="1200" dirty="0"/>
-              <a:t>이벤트 특징 예시</a:t>
-            </a:r>
-            <a:r>
-              <a:rPr lang="en-US" altLang="ko-KR" sz="1200" dirty="0"/>
-              <a:t>) 1000</a:t>
-            </a:r>
-            <a:r>
-              <a:rPr lang="ko-KR" altLang="en-US" sz="1200" dirty="0"/>
-              <a:t>원 할인</a:t>
-            </a:r>
-            <a:r>
-              <a:rPr lang="en-US" altLang="ko-KR" sz="1200" dirty="0"/>
-              <a:t>, </a:t>
-            </a:r>
-            <a:r>
-              <a:rPr lang="ko-KR" altLang="en-US" sz="1200" dirty="0"/>
-              <a:t>군만두 서비스</a:t>
-            </a:r>
-            <a:r>
-              <a:rPr lang="en-US" altLang="ko-KR" sz="1200" dirty="0"/>
-              <a:t>, </a:t>
-            </a:r>
-            <a:r>
-              <a:rPr lang="ko-KR" altLang="en-US" sz="1200" dirty="0"/>
-              <a:t>현금 할인</a:t>
-            </a:r>
-            <a:endParaRPr lang="en-US" altLang="ko-KR" sz="1200" dirty="0"/>
-          </a:p>
-          <a:p>
-            <a:endParaRPr lang="en-US" altLang="ko-KR" sz="1200" dirty="0"/>
-          </a:p>
-          <a:p>
-            <a:r>
-              <a:rPr lang="en-US" altLang="ko-KR" sz="1200" dirty="0"/>
-              <a:t>DB</a:t>
-            </a:r>
-            <a:r>
-              <a:rPr lang="ko-KR" altLang="en-US" sz="1200" dirty="0"/>
-              <a:t> 보완 필요 부분</a:t>
-            </a:r>
-            <a:endParaRPr lang="en-US" altLang="ko-KR" sz="1200" dirty="0"/>
-          </a:p>
-          <a:p>
-            <a:r>
-              <a:rPr lang="en-US" altLang="ko-KR" sz="1200" dirty="0"/>
-              <a:t> - N:N </a:t>
-            </a:r>
-            <a:r>
-              <a:rPr lang="ko-KR" altLang="en-US" sz="1200" dirty="0"/>
-              <a:t>관계를 사용하기 보다는 </a:t>
-            </a:r>
-            <a:r>
-              <a:rPr lang="en-US" altLang="ko-KR" sz="1200" dirty="0"/>
-              <a:t>N:1, 1:N</a:t>
-            </a:r>
-            <a:r>
-              <a:rPr lang="ko-KR" altLang="en-US" sz="1200" dirty="0"/>
-              <a:t>로 풀어서 사용</a:t>
-            </a:r>
-            <a:endParaRPr lang="en-US" altLang="ko-KR" sz="1200" dirty="0"/>
-          </a:p>
-          <a:p>
-            <a:r>
-              <a:rPr lang="en-US" altLang="ko-KR" sz="1200" dirty="0"/>
-              <a:t> - </a:t>
-            </a:r>
-            <a:r>
-              <a:rPr lang="ko-KR" altLang="en-US" sz="1200" dirty="0"/>
-              <a:t>한 개의 메뉴가 여러 개의 </a:t>
-            </a:r>
-            <a:r>
-              <a:rPr lang="en-US" altLang="ko-KR" sz="1200" dirty="0"/>
-              <a:t>category, event</a:t>
-            </a:r>
-            <a:r>
-              <a:rPr lang="ko-KR" altLang="en-US" sz="1200" dirty="0"/>
-              <a:t>를 가질 수 있음</a:t>
-            </a:r>
-            <a:endParaRPr lang="en-US" altLang="ko-KR" sz="1200" dirty="0"/>
           </a:p>
           <a:p>
             <a:pPr marL="228600" indent="-228600">
@@ -8025,12 +8482,160 @@
             </a:pPr>
             <a:endParaRPr lang="en-US" altLang="ko-KR" sz="1200" dirty="0"/>
           </a:p>
-        </p:txBody>
-      </p:sp>
+          <a:p>
+            <a:pPr marL="228600" indent="-228600">
+              <a:buAutoNum type="arabicPeriod" startAt="2"/>
+            </a:pPr>
+            <a:r>
+              <a:rPr lang="ko-KR" altLang="en-US" sz="1200" dirty="0"/>
+              <a:t>추출하고자 하는 데이터를 </a:t>
+            </a:r>
+            <a:r>
+              <a:rPr lang="en-US" altLang="ko-KR" sz="1200" dirty="0"/>
+              <a:t>html</a:t>
+            </a:r>
+            <a:r>
+              <a:rPr lang="ko-KR" altLang="en-US" sz="1200" dirty="0"/>
+              <a:t>코드에 맞게 설정합니다</a:t>
+            </a:r>
+            <a:r>
+              <a:rPr lang="en-US" altLang="ko-KR" sz="1200" dirty="0"/>
+              <a:t>.</a:t>
+            </a:r>
+          </a:p>
+          <a:p>
+            <a:pPr marL="228600" indent="-228600">
+              <a:buAutoNum type="arabicPeriod" startAt="2"/>
+            </a:pPr>
+            <a:endParaRPr lang="en-US" altLang="ko-KR" sz="1200" dirty="0"/>
+          </a:p>
+          <a:p>
+            <a:pPr marL="228600" indent="-228600">
+              <a:buAutoNum type="arabicPeriod" startAt="2"/>
+            </a:pPr>
+            <a:r>
+              <a:rPr lang="ko-KR" altLang="en-US" sz="1200" dirty="0"/>
+              <a:t>데이터를 추출한 후 카카오 </a:t>
+            </a:r>
+            <a:r>
+              <a:rPr lang="ko-KR" altLang="en-US" sz="1200" dirty="0" err="1"/>
+              <a:t>챗봇의</a:t>
+            </a:r>
+            <a:r>
+              <a:rPr lang="ko-KR" altLang="en-US" sz="1200" dirty="0"/>
+              <a:t> 형식에 맞는 </a:t>
+            </a:r>
+            <a:r>
+              <a:rPr lang="en-US" altLang="ko-KR" sz="1200" dirty="0"/>
+              <a:t>response</a:t>
+            </a:r>
+            <a:r>
+              <a:rPr lang="ko-KR" altLang="en-US" sz="1200" dirty="0"/>
+              <a:t>를 반환하는 </a:t>
+            </a:r>
+            <a:r>
+              <a:rPr lang="en-US" altLang="ko-KR" sz="1200" dirty="0"/>
+              <a:t>API</a:t>
+            </a:r>
+            <a:r>
+              <a:rPr lang="ko-KR" altLang="en-US" sz="1200" dirty="0"/>
+              <a:t>를 만들었습니다</a:t>
+            </a:r>
+            <a:r>
+              <a:rPr lang="en-US" altLang="ko-KR" sz="1200" dirty="0"/>
+              <a:t>.</a:t>
+            </a:r>
+          </a:p>
+          <a:p>
+            <a:pPr marL="228600" indent="-228600">
+              <a:buAutoNum type="arabicPeriod" startAt="2"/>
+            </a:pPr>
+            <a:endParaRPr lang="en-US" altLang="ko-KR" sz="1200" dirty="0"/>
+          </a:p>
+          <a:p>
+            <a:pPr marL="228600" indent="-228600">
+              <a:buAutoNum type="arabicPeriod" startAt="2"/>
+            </a:pPr>
+            <a:endParaRPr lang="en-US" altLang="ko-KR" sz="1200" dirty="0"/>
+          </a:p>
+        </p:txBody>
+      </p:sp>
+      <p:pic>
+        <p:nvPicPr>
+          <p:cNvPr id="53" name="그림 52">
+            <a:extLst>
+              <a:ext uri="{FF2B5EF4-FFF2-40B4-BE49-F238E27FC236}">
+                <a16:creationId xmlns:a16="http://schemas.microsoft.com/office/drawing/2014/main" id="{F6A7E07D-A067-401C-8FC8-D31E45FBD02C}"/>
+              </a:ext>
+            </a:extLst>
+          </p:cNvPr>
+          <p:cNvPicPr>
+            <a:picLocks noChangeAspect="1"/>
+          </p:cNvPicPr>
+          <p:nvPr/>
+        </p:nvPicPr>
+        <p:blipFill>
+          <a:blip r:embed="rId3">
+            <a:extLst>
+              <a:ext uri="{28A0092B-C50C-407E-A947-70E740481C1C}">
+                <a14:useLocalDpi xmlns:a14="http://schemas.microsoft.com/office/drawing/2010/main" val="0"/>
+              </a:ext>
+            </a:extLst>
+          </a:blip>
+          <a:stretch>
+            <a:fillRect/>
+          </a:stretch>
+        </p:blipFill>
+        <p:spPr>
+          <a:xfrm>
+            <a:off x="360727" y="374018"/>
+            <a:ext cx="2676088" cy="3174662"/>
+          </a:xfrm>
+          <a:prstGeom prst="rect">
+            <a:avLst/>
+          </a:prstGeom>
+        </p:spPr>
+      </p:pic>
+      <p:pic>
+        <p:nvPicPr>
+          <p:cNvPr id="56" name="그림 55" descr="텍스트이(가) 표시된 사진&#10;&#10;자동 생성된 설명">
+            <a:extLst>
+              <a:ext uri="{FF2B5EF4-FFF2-40B4-BE49-F238E27FC236}">
+                <a16:creationId xmlns:a16="http://schemas.microsoft.com/office/drawing/2014/main" id="{54995D68-913B-4BA6-A106-C9BC22B6DDF3}"/>
+              </a:ext>
+            </a:extLst>
+          </p:cNvPr>
+          <p:cNvPicPr>
+            <a:picLocks noChangeAspect="1"/>
+          </p:cNvPicPr>
+          <p:nvPr/>
+        </p:nvPicPr>
+        <p:blipFill>
+          <a:blip r:embed="rId4">
+            <a:extLst>
+              <a:ext uri="{28A0092B-C50C-407E-A947-70E740481C1C}">
+                <a14:useLocalDpi xmlns:a14="http://schemas.microsoft.com/office/drawing/2010/main" val="0"/>
+              </a:ext>
+            </a:extLst>
+          </a:blip>
+          <a:stretch>
+            <a:fillRect/>
+          </a:stretch>
+        </p:blipFill>
+        <p:spPr>
+          <a:xfrm>
+            <a:off x="3036814" y="374018"/>
+            <a:ext cx="2484533" cy="3174662"/>
+          </a:xfrm>
+          <a:prstGeom prst="rect">
+            <a:avLst/>
+          </a:prstGeom>
+        </p:spPr>
+      </p:pic>
     </p:spTree>
     <p:extLst>
       <p:ext uri="{BB962C8B-B14F-4D97-AF65-F5344CB8AC3E}">
-        <p14:creationId xmlns:p14="http://schemas.microsoft.com/office/powerpoint/2010/main" val="3064137752"/>
+        <p14:creationId xmlns:p14="http://schemas.microsoft.com/office/powerpoint/2010/main" val="3029532068"/>
       </p:ext>
     </p:extLst>
   </p:cSld>

--- a/오진호 포토폴리오.pptx
+++ b/오진호 포토폴리오.pptx
@@ -5,7 +5,7 @@
     <p:sldMasterId id="2147483648" r:id="rId1"/>
   </p:sldMasterIdLst>
   <p:notesMasterIdLst>
-    <p:notesMasterId r:id="rId7"/>
+    <p:notesMasterId r:id="rId9"/>
   </p:notesMasterIdLst>
   <p:sldIdLst>
     <p:sldId id="256" r:id="rId2"/>
@@ -13,6 +13,8 @@
     <p:sldId id="258" r:id="rId4"/>
     <p:sldId id="260" r:id="rId5"/>
     <p:sldId id="261" r:id="rId6"/>
+    <p:sldId id="263" r:id="rId7"/>
+    <p:sldId id="264" r:id="rId8"/>
   </p:sldIdLst>
   <p:sldSz cx="12192000" cy="6858000"/>
   <p:notesSz cx="6858000" cy="9144000"/>
@@ -201,7 +203,7 @@
           <a:p>
             <a:fld id="{67406EAE-9ED8-4493-8307-E0CBB87D5314}" type="datetimeFigureOut">
               <a:rPr lang="ko-KR" altLang="en-US" smtClean="0"/>
-              <a:t>2021-11-23</a:t>
+              <a:t>2021-11-27</a:t>
             </a:fld>
             <a:endParaRPr lang="ko-KR" altLang="en-US"/>
           </a:p>
@@ -615,7 +617,7 @@
           <a:p>
             <a:fld id="{7E1FD04A-7A57-4ABB-A4D2-40192FED31D2}" type="datetimeFigureOut">
               <a:rPr lang="ko-KR" altLang="en-US" smtClean="0"/>
-              <a:t>2021-11-23</a:t>
+              <a:t>2021-11-27</a:t>
             </a:fld>
             <a:endParaRPr lang="ko-KR" altLang="en-US"/>
           </a:p>
@@ -813,7 +815,7 @@
           <a:p>
             <a:fld id="{7E1FD04A-7A57-4ABB-A4D2-40192FED31D2}" type="datetimeFigureOut">
               <a:rPr lang="ko-KR" altLang="en-US" smtClean="0"/>
-              <a:t>2021-11-23</a:t>
+              <a:t>2021-11-27</a:t>
             </a:fld>
             <a:endParaRPr lang="ko-KR" altLang="en-US"/>
           </a:p>
@@ -1021,7 +1023,7 @@
           <a:p>
             <a:fld id="{7E1FD04A-7A57-4ABB-A4D2-40192FED31D2}" type="datetimeFigureOut">
               <a:rPr lang="ko-KR" altLang="en-US" smtClean="0"/>
-              <a:t>2021-11-23</a:t>
+              <a:t>2021-11-27</a:t>
             </a:fld>
             <a:endParaRPr lang="ko-KR" altLang="en-US"/>
           </a:p>
@@ -1219,7 +1221,7 @@
           <a:p>
             <a:fld id="{7E1FD04A-7A57-4ABB-A4D2-40192FED31D2}" type="datetimeFigureOut">
               <a:rPr lang="ko-KR" altLang="en-US" smtClean="0"/>
-              <a:t>2021-11-23</a:t>
+              <a:t>2021-11-27</a:t>
             </a:fld>
             <a:endParaRPr lang="ko-KR" altLang="en-US"/>
           </a:p>
@@ -1494,7 +1496,7 @@
           <a:p>
             <a:fld id="{7E1FD04A-7A57-4ABB-A4D2-40192FED31D2}" type="datetimeFigureOut">
               <a:rPr lang="ko-KR" altLang="en-US" smtClean="0"/>
-              <a:t>2021-11-23</a:t>
+              <a:t>2021-11-27</a:t>
             </a:fld>
             <a:endParaRPr lang="ko-KR" altLang="en-US"/>
           </a:p>
@@ -1759,7 +1761,7 @@
           <a:p>
             <a:fld id="{7E1FD04A-7A57-4ABB-A4D2-40192FED31D2}" type="datetimeFigureOut">
               <a:rPr lang="ko-KR" altLang="en-US" smtClean="0"/>
-              <a:t>2021-11-23</a:t>
+              <a:t>2021-11-27</a:t>
             </a:fld>
             <a:endParaRPr lang="ko-KR" altLang="en-US"/>
           </a:p>
@@ -2171,7 +2173,7 @@
           <a:p>
             <a:fld id="{7E1FD04A-7A57-4ABB-A4D2-40192FED31D2}" type="datetimeFigureOut">
               <a:rPr lang="ko-KR" altLang="en-US" smtClean="0"/>
-              <a:t>2021-11-23</a:t>
+              <a:t>2021-11-27</a:t>
             </a:fld>
             <a:endParaRPr lang="ko-KR" altLang="en-US"/>
           </a:p>
@@ -2312,7 +2314,7 @@
           <a:p>
             <a:fld id="{7E1FD04A-7A57-4ABB-A4D2-40192FED31D2}" type="datetimeFigureOut">
               <a:rPr lang="ko-KR" altLang="en-US" smtClean="0"/>
-              <a:t>2021-11-23</a:t>
+              <a:t>2021-11-27</a:t>
             </a:fld>
             <a:endParaRPr lang="ko-KR" altLang="en-US"/>
           </a:p>
@@ -2425,7 +2427,7 @@
           <a:p>
             <a:fld id="{7E1FD04A-7A57-4ABB-A4D2-40192FED31D2}" type="datetimeFigureOut">
               <a:rPr lang="ko-KR" altLang="en-US" smtClean="0"/>
-              <a:t>2021-11-23</a:t>
+              <a:t>2021-11-27</a:t>
             </a:fld>
             <a:endParaRPr lang="ko-KR" altLang="en-US"/>
           </a:p>
@@ -2736,7 +2738,7 @@
           <a:p>
             <a:fld id="{7E1FD04A-7A57-4ABB-A4D2-40192FED31D2}" type="datetimeFigureOut">
               <a:rPr lang="ko-KR" altLang="en-US" smtClean="0"/>
-              <a:t>2021-11-23</a:t>
+              <a:t>2021-11-27</a:t>
             </a:fld>
             <a:endParaRPr lang="ko-KR" altLang="en-US"/>
           </a:p>
@@ -3024,7 +3026,7 @@
           <a:p>
             <a:fld id="{7E1FD04A-7A57-4ABB-A4D2-40192FED31D2}" type="datetimeFigureOut">
               <a:rPr lang="ko-KR" altLang="en-US" smtClean="0"/>
-              <a:t>2021-11-23</a:t>
+              <a:t>2021-11-27</a:t>
             </a:fld>
             <a:endParaRPr lang="ko-KR" altLang="en-US"/>
           </a:p>
@@ -3265,7 +3267,7 @@
           <a:p>
             <a:fld id="{7E1FD04A-7A57-4ABB-A4D2-40192FED31D2}" type="datetimeFigureOut">
               <a:rPr lang="ko-KR" altLang="en-US" smtClean="0"/>
-              <a:t>2021-11-23</a:t>
+              <a:t>2021-11-27</a:t>
             </a:fld>
             <a:endParaRPr lang="ko-KR" altLang="en-US"/>
           </a:p>
@@ -8632,10 +8634,1076 @@
           </a:prstGeom>
         </p:spPr>
       </p:pic>
+      <p:sp>
+        <p:nvSpPr>
+          <p:cNvPr id="9" name="object 6">
+            <a:extLst>
+              <a:ext uri="{FF2B5EF4-FFF2-40B4-BE49-F238E27FC236}">
+                <a16:creationId xmlns:a16="http://schemas.microsoft.com/office/drawing/2014/main" id="{20C5B563-C6B2-4C9C-97DF-67A89993BD55}"/>
+              </a:ext>
+            </a:extLst>
+          </p:cNvPr>
+          <p:cNvSpPr/>
+          <p:nvPr/>
+        </p:nvSpPr>
+        <p:spPr>
+          <a:xfrm>
+            <a:off x="6019445" y="4170721"/>
+            <a:ext cx="127155" cy="121059"/>
+          </a:xfrm>
+          <a:prstGeom prst="rect">
+            <a:avLst/>
+          </a:prstGeom>
+          <a:blipFill>
+            <a:blip r:embed="rId2" cstate="print"/>
+            <a:stretch>
+              <a:fillRect/>
+            </a:stretch>
+          </a:blipFill>
+        </p:spPr>
+        <p:txBody>
+          <a:bodyPr wrap="square" lIns="0" tIns="0" rIns="0" bIns="0" rtlCol="0"/>
+          <a:lstStyle/>
+          <a:p>
+            <a:endParaRPr/>
+          </a:p>
+        </p:txBody>
+      </p:sp>
+      <p:sp>
+        <p:nvSpPr>
+          <p:cNvPr id="10" name="TextBox 9">
+            <a:extLst>
+              <a:ext uri="{FF2B5EF4-FFF2-40B4-BE49-F238E27FC236}">
+                <a16:creationId xmlns:a16="http://schemas.microsoft.com/office/drawing/2014/main" id="{6DD1D900-F4B9-408C-BBCA-7430E6C3E24C}"/>
+              </a:ext>
+            </a:extLst>
+          </p:cNvPr>
+          <p:cNvSpPr txBox="1"/>
+          <p:nvPr/>
+        </p:nvSpPr>
+        <p:spPr>
+          <a:xfrm>
+            <a:off x="6234598" y="4046584"/>
+            <a:ext cx="5241363" cy="369332"/>
+          </a:xfrm>
+          <a:prstGeom prst="rect">
+            <a:avLst/>
+          </a:prstGeom>
+          <a:noFill/>
+        </p:spPr>
+        <p:txBody>
+          <a:bodyPr wrap="square" rtlCol="0">
+            <a:spAutoFit/>
+          </a:bodyPr>
+          <a:lstStyle/>
+          <a:p>
+            <a:r>
+              <a:rPr lang="en-US" altLang="ko-KR" sz="1800" b="1" dirty="0"/>
+              <a:t>@Scheduled </a:t>
+            </a:r>
+            <a:r>
+              <a:rPr lang="ko-KR" altLang="en-US" sz="1800" b="1" dirty="0" err="1"/>
+              <a:t>어노테이션을</a:t>
+            </a:r>
+            <a:r>
+              <a:rPr lang="ko-KR" altLang="en-US" sz="1800" b="1" dirty="0"/>
+              <a:t> 통한 자동화</a:t>
+            </a:r>
+            <a:endParaRPr lang="en-US" altLang="ko-KR" sz="1800" b="1" dirty="0"/>
+          </a:p>
+        </p:txBody>
+      </p:sp>
+      <p:sp>
+        <p:nvSpPr>
+          <p:cNvPr id="11" name="TextBox 10">
+            <a:extLst>
+              <a:ext uri="{FF2B5EF4-FFF2-40B4-BE49-F238E27FC236}">
+                <a16:creationId xmlns:a16="http://schemas.microsoft.com/office/drawing/2014/main" id="{04A25905-51E5-40DF-9276-A01D5AE50313}"/>
+              </a:ext>
+            </a:extLst>
+          </p:cNvPr>
+          <p:cNvSpPr txBox="1"/>
+          <p:nvPr/>
+        </p:nvSpPr>
+        <p:spPr>
+          <a:xfrm>
+            <a:off x="6146599" y="4504178"/>
+            <a:ext cx="5766807" cy="2677656"/>
+          </a:xfrm>
+          <a:prstGeom prst="rect">
+            <a:avLst/>
+          </a:prstGeom>
+          <a:noFill/>
+        </p:spPr>
+        <p:txBody>
+          <a:bodyPr wrap="square" rtlCol="0">
+            <a:spAutoFit/>
+          </a:bodyPr>
+          <a:lstStyle/>
+          <a:p>
+            <a:endParaRPr lang="en-US" altLang="ko-KR" sz="1200" dirty="0"/>
+          </a:p>
+          <a:p>
+            <a:pPr marL="228600" indent="-228600">
+              <a:buAutoNum type="arabicPeriod"/>
+            </a:pPr>
+            <a:r>
+              <a:rPr lang="ko-KR" altLang="en-US" sz="1200" dirty="0"/>
+              <a:t>요청이 들어올 때마다 </a:t>
+            </a:r>
+            <a:r>
+              <a:rPr lang="ko-KR" altLang="en-US" sz="1200" dirty="0" err="1"/>
+              <a:t>크롤링을</a:t>
+            </a:r>
+            <a:r>
+              <a:rPr lang="ko-KR" altLang="en-US" sz="1200" dirty="0"/>
+              <a:t> 하기 때문에 성능이 느려짐</a:t>
+            </a:r>
+            <a:endParaRPr lang="en-US" altLang="ko-KR" sz="1200" dirty="0"/>
+          </a:p>
+          <a:p>
+            <a:pPr marL="228600" indent="-228600">
+              <a:buAutoNum type="arabicPeriod" startAt="2"/>
+            </a:pPr>
+            <a:endParaRPr lang="en-US" altLang="ko-KR" sz="1200" dirty="0"/>
+          </a:p>
+          <a:p>
+            <a:pPr marL="228600" indent="-228600">
+              <a:buAutoNum type="arabicPeriod" startAt="2"/>
+            </a:pPr>
+            <a:r>
+              <a:rPr lang="ko-KR" altLang="en-US" sz="1200" dirty="0"/>
+              <a:t>위의 문제를 해결하기 위해 </a:t>
+            </a:r>
+            <a:r>
+              <a:rPr lang="en-US" altLang="ko-KR" sz="1200" dirty="0"/>
+              <a:t>@Scheduled </a:t>
+            </a:r>
+            <a:r>
+              <a:rPr lang="ko-KR" altLang="en-US" sz="1200" dirty="0" err="1"/>
+              <a:t>어노테이션을</a:t>
+            </a:r>
+            <a:r>
+              <a:rPr lang="ko-KR" altLang="en-US" sz="1200" dirty="0"/>
+              <a:t> 사용하여 자동화 기능 추가</a:t>
+            </a:r>
+            <a:endParaRPr lang="en-US" altLang="ko-KR" sz="1200" dirty="0"/>
+          </a:p>
+          <a:p>
+            <a:pPr marL="228600" indent="-228600">
+              <a:buAutoNum type="arabicPeriod" startAt="2"/>
+            </a:pPr>
+            <a:endParaRPr lang="en-US" altLang="ko-KR" sz="1200" dirty="0"/>
+          </a:p>
+          <a:p>
+            <a:pPr marL="228600" indent="-228600">
+              <a:buAutoNum type="arabicPeriod" startAt="2"/>
+            </a:pPr>
+            <a:r>
+              <a:rPr lang="ko-KR" altLang="en-US" sz="1200" dirty="0"/>
+              <a:t>자정이 지나면 웹 </a:t>
+            </a:r>
+            <a:r>
+              <a:rPr lang="ko-KR" altLang="en-US" sz="1200" dirty="0" err="1"/>
+              <a:t>크롤링을</a:t>
+            </a:r>
+            <a:r>
+              <a:rPr lang="ko-KR" altLang="en-US" sz="1200" dirty="0"/>
+              <a:t> 시작하여 그 날의 학식 데이터를 데이터 베이스에 저장</a:t>
+            </a:r>
+            <a:r>
+              <a:rPr lang="en-US" altLang="ko-KR" sz="1200" dirty="0"/>
+              <a:t>.</a:t>
+            </a:r>
+          </a:p>
+          <a:p>
+            <a:pPr marL="228600" indent="-228600">
+              <a:buAutoNum type="arabicPeriod" startAt="2"/>
+            </a:pPr>
+            <a:endParaRPr lang="en-US" altLang="ko-KR" sz="1200" dirty="0"/>
+          </a:p>
+          <a:p>
+            <a:pPr marL="228600" indent="-228600">
+              <a:buAutoNum type="arabicPeriod" startAt="2"/>
+            </a:pPr>
+            <a:r>
+              <a:rPr lang="ko-KR" altLang="en-US" sz="1200" dirty="0"/>
+              <a:t>이후 학식 정보를 요청하는 </a:t>
+            </a:r>
+            <a:r>
+              <a:rPr lang="en-US" altLang="ko-KR" sz="1200" dirty="0"/>
+              <a:t>Request</a:t>
+            </a:r>
+            <a:r>
+              <a:rPr lang="ko-KR" altLang="en-US" sz="1200" dirty="0"/>
+              <a:t>가 들어오면 데이터 베이스에 저장된 데이터를 반환 함</a:t>
+            </a:r>
+            <a:endParaRPr lang="en-US" altLang="ko-KR" sz="1200" dirty="0"/>
+          </a:p>
+          <a:p>
+            <a:pPr marL="228600" indent="-228600">
+              <a:buAutoNum type="arabicPeriod" startAt="2"/>
+            </a:pPr>
+            <a:endParaRPr lang="en-US" altLang="ko-KR" sz="1200" dirty="0"/>
+          </a:p>
+          <a:p>
+            <a:pPr marL="228600" indent="-228600">
+              <a:buAutoNum type="arabicPeriod" startAt="2"/>
+            </a:pPr>
+            <a:endParaRPr lang="en-US" altLang="ko-KR" sz="1200" dirty="0"/>
+          </a:p>
+          <a:p>
+            <a:pPr marL="228600" indent="-228600">
+              <a:buAutoNum type="arabicPeriod" startAt="2"/>
+            </a:pPr>
+            <a:endParaRPr lang="en-US" altLang="ko-KR" sz="1200" dirty="0"/>
+          </a:p>
+        </p:txBody>
+      </p:sp>
+      <p:sp>
+        <p:nvSpPr>
+          <p:cNvPr id="7" name="화살표: 아래쪽 6">
+            <a:extLst>
+              <a:ext uri="{FF2B5EF4-FFF2-40B4-BE49-F238E27FC236}">
+                <a16:creationId xmlns:a16="http://schemas.microsoft.com/office/drawing/2014/main" id="{69C5AB92-84CF-418F-B96E-89C511E3C84D}"/>
+              </a:ext>
+            </a:extLst>
+          </p:cNvPr>
+          <p:cNvSpPr/>
+          <p:nvPr/>
+        </p:nvSpPr>
+        <p:spPr>
+          <a:xfrm>
+            <a:off x="7704557" y="2916111"/>
+            <a:ext cx="607633" cy="800482"/>
+          </a:xfrm>
+          <a:prstGeom prst="downArrow">
+            <a:avLst/>
+          </a:prstGeom>
+        </p:spPr>
+        <p:style>
+          <a:lnRef idx="2">
+            <a:schemeClr val="accent3">
+              <a:shade val="50000"/>
+            </a:schemeClr>
+          </a:lnRef>
+          <a:fillRef idx="1">
+            <a:schemeClr val="accent3"/>
+          </a:fillRef>
+          <a:effectRef idx="0">
+            <a:schemeClr val="accent3"/>
+          </a:effectRef>
+          <a:fontRef idx="minor">
+            <a:schemeClr val="lt1"/>
+          </a:fontRef>
+        </p:style>
+        <p:txBody>
+          <a:bodyPr rtlCol="0" anchor="ctr"/>
+          <a:lstStyle/>
+          <a:p>
+            <a:pPr algn="ctr"/>
+            <a:endParaRPr lang="ko-KR" altLang="en-US"/>
+          </a:p>
+        </p:txBody>
+      </p:sp>
+      <p:sp>
+        <p:nvSpPr>
+          <p:cNvPr id="8" name="TextBox 7">
+            <a:extLst>
+              <a:ext uri="{FF2B5EF4-FFF2-40B4-BE49-F238E27FC236}">
+                <a16:creationId xmlns:a16="http://schemas.microsoft.com/office/drawing/2014/main" id="{71ABCC52-15B2-4F21-BEB8-01D24DBC0BA9}"/>
+              </a:ext>
+            </a:extLst>
+          </p:cNvPr>
+          <p:cNvSpPr txBox="1"/>
+          <p:nvPr/>
+        </p:nvSpPr>
+        <p:spPr>
+          <a:xfrm>
+            <a:off x="8445965" y="3177852"/>
+            <a:ext cx="2957487" cy="276999"/>
+          </a:xfrm>
+          <a:prstGeom prst="rect">
+            <a:avLst/>
+          </a:prstGeom>
+          <a:noFill/>
+        </p:spPr>
+        <p:txBody>
+          <a:bodyPr wrap="square" rtlCol="0">
+            <a:spAutoFit/>
+          </a:bodyPr>
+          <a:lstStyle/>
+          <a:p>
+            <a:r>
+              <a:rPr lang="ko-KR" altLang="en-US" sz="1200" b="1" dirty="0"/>
+              <a:t>성능 개선을 위한 </a:t>
+            </a:r>
+            <a:r>
+              <a:rPr lang="en-US" altLang="ko-KR" sz="1200" b="1" dirty="0"/>
+              <a:t>Refactoring </a:t>
+            </a:r>
+            <a:r>
+              <a:rPr lang="ko-KR" altLang="en-US" sz="1200" b="1" dirty="0"/>
+              <a:t>진행 중</a:t>
+            </a:r>
+          </a:p>
+        </p:txBody>
+      </p:sp>
     </p:spTree>
     <p:extLst>
       <p:ext uri="{BB962C8B-B14F-4D97-AF65-F5344CB8AC3E}">
         <p14:creationId xmlns:p14="http://schemas.microsoft.com/office/powerpoint/2010/main" val="3029532068"/>
+      </p:ext>
+    </p:extLst>
+  </p:cSld>
+  <p:clrMapOvr>
+    <a:masterClrMapping/>
+  </p:clrMapOvr>
+</p:sld>
+</file>
+
+<file path=ppt/slides/slide6.xml><?xml version="1.0" encoding="utf-8"?>
+<p:sld xmlns:a="http://schemas.openxmlformats.org/drawingml/2006/main" xmlns:r="http://schemas.openxmlformats.org/officeDocument/2006/relationships" xmlns:p="http://schemas.openxmlformats.org/presentationml/2006/main">
+  <p:cSld>
+    <p:spTree>
+      <p:nvGrpSpPr>
+        <p:cNvPr id="1" name=""/>
+        <p:cNvGrpSpPr/>
+        <p:nvPr/>
+      </p:nvGrpSpPr>
+      <p:grpSpPr>
+        <a:xfrm>
+          <a:off x="0" y="0"/>
+          <a:ext cx="0" cy="0"/>
+          <a:chOff x="0" y="0"/>
+          <a:chExt cx="0" cy="0"/>
+        </a:xfrm>
+      </p:grpSpPr>
+      <p:sp>
+        <p:nvSpPr>
+          <p:cNvPr id="4" name="TextBox 3">
+            <a:extLst>
+              <a:ext uri="{FF2B5EF4-FFF2-40B4-BE49-F238E27FC236}">
+                <a16:creationId xmlns:a16="http://schemas.microsoft.com/office/drawing/2014/main" id="{69FE91A0-2471-4BD7-9D1C-6ABE3C9F2579}"/>
+              </a:ext>
+            </a:extLst>
+          </p:cNvPr>
+          <p:cNvSpPr txBox="1"/>
+          <p:nvPr/>
+        </p:nvSpPr>
+        <p:spPr>
+          <a:xfrm>
+            <a:off x="685798" y="542571"/>
+            <a:ext cx="5614695" cy="707886"/>
+          </a:xfrm>
+          <a:prstGeom prst="rect">
+            <a:avLst/>
+          </a:prstGeom>
+          <a:noFill/>
+        </p:spPr>
+        <p:txBody>
+          <a:bodyPr wrap="square" rtlCol="0">
+            <a:spAutoFit/>
+          </a:bodyPr>
+          <a:lstStyle/>
+          <a:p>
+            <a:r>
+              <a:rPr lang="ko-KR" altLang="en-US" sz="4000" b="1" dirty="0">
+                <a:latin typeface="Arial" panose="020B0604020202020204" pitchFamily="34" charset="0"/>
+                <a:cs typeface="Arial" panose="020B0604020202020204" pitchFamily="34" charset="0"/>
+              </a:rPr>
+              <a:t>개인 공부</a:t>
+            </a:r>
+          </a:p>
+        </p:txBody>
+      </p:sp>
+      <p:sp>
+        <p:nvSpPr>
+          <p:cNvPr id="5" name="TextBox 4">
+            <a:extLst>
+              <a:ext uri="{FF2B5EF4-FFF2-40B4-BE49-F238E27FC236}">
+                <a16:creationId xmlns:a16="http://schemas.microsoft.com/office/drawing/2014/main" id="{462493EB-D5F6-4DB4-BB22-2ADD6AEAEA33}"/>
+              </a:ext>
+            </a:extLst>
+          </p:cNvPr>
+          <p:cNvSpPr txBox="1"/>
+          <p:nvPr/>
+        </p:nvSpPr>
+        <p:spPr>
+          <a:xfrm>
+            <a:off x="685798" y="1321045"/>
+            <a:ext cx="5614695" cy="276999"/>
+          </a:xfrm>
+          <a:prstGeom prst="rect">
+            <a:avLst/>
+          </a:prstGeom>
+          <a:noFill/>
+        </p:spPr>
+        <p:txBody>
+          <a:bodyPr wrap="square" rtlCol="0">
+            <a:spAutoFit/>
+          </a:bodyPr>
+          <a:lstStyle/>
+          <a:p>
+            <a:r>
+              <a:rPr lang="ko-KR" altLang="en-US" sz="1200" b="1" dirty="0"/>
+              <a:t>실력 향상을 위해 자바</a:t>
+            </a:r>
+            <a:r>
+              <a:rPr lang="en-US" altLang="ko-KR" sz="1200" b="1" dirty="0"/>
+              <a:t>, </a:t>
+            </a:r>
+            <a:r>
+              <a:rPr lang="ko-KR" altLang="en-US" sz="1200" b="1" dirty="0"/>
+              <a:t>스프링 환경 및 </a:t>
+            </a:r>
+            <a:r>
+              <a:rPr lang="en-US" altLang="ko-KR" sz="1200" b="1" dirty="0"/>
+              <a:t>Infra </a:t>
+            </a:r>
+            <a:r>
+              <a:rPr lang="ko-KR" altLang="en-US" sz="1200" b="1" dirty="0"/>
+              <a:t>환경을 끊임 없이 공부합니다</a:t>
+            </a:r>
+            <a:r>
+              <a:rPr lang="en-US" altLang="ko-KR" sz="1200" b="1" dirty="0"/>
+              <a:t>.</a:t>
+            </a:r>
+            <a:endParaRPr lang="ko-KR" altLang="en-US" sz="1200" b="1" dirty="0"/>
+          </a:p>
+        </p:txBody>
+      </p:sp>
+      <p:sp>
+        <p:nvSpPr>
+          <p:cNvPr id="7" name="object 6">
+            <a:extLst>
+              <a:ext uri="{FF2B5EF4-FFF2-40B4-BE49-F238E27FC236}">
+                <a16:creationId xmlns:a16="http://schemas.microsoft.com/office/drawing/2014/main" id="{05453229-C69C-46B4-B575-5C14E564D955}"/>
+              </a:ext>
+            </a:extLst>
+          </p:cNvPr>
+          <p:cNvSpPr/>
+          <p:nvPr/>
+        </p:nvSpPr>
+        <p:spPr>
+          <a:xfrm>
+            <a:off x="6195607" y="2852160"/>
+            <a:ext cx="127155" cy="121059"/>
+          </a:xfrm>
+          <a:prstGeom prst="rect">
+            <a:avLst/>
+          </a:prstGeom>
+          <a:blipFill>
+            <a:blip r:embed="rId2" cstate="print"/>
+            <a:stretch>
+              <a:fillRect/>
+            </a:stretch>
+          </a:blipFill>
+        </p:spPr>
+        <p:txBody>
+          <a:bodyPr wrap="square" lIns="0" tIns="0" rIns="0" bIns="0" rtlCol="0"/>
+          <a:lstStyle/>
+          <a:p>
+            <a:endParaRPr/>
+          </a:p>
+        </p:txBody>
+      </p:sp>
+      <p:sp>
+        <p:nvSpPr>
+          <p:cNvPr id="11" name="TextBox 10">
+            <a:extLst>
+              <a:ext uri="{FF2B5EF4-FFF2-40B4-BE49-F238E27FC236}">
+                <a16:creationId xmlns:a16="http://schemas.microsoft.com/office/drawing/2014/main" id="{48B76A10-35E7-4DC2-AF2A-FCBF83B159FB}"/>
+              </a:ext>
+            </a:extLst>
+          </p:cNvPr>
+          <p:cNvSpPr txBox="1"/>
+          <p:nvPr/>
+        </p:nvSpPr>
+        <p:spPr>
+          <a:xfrm>
+            <a:off x="6691836" y="2702067"/>
+            <a:ext cx="4117155" cy="369332"/>
+          </a:xfrm>
+          <a:prstGeom prst="rect">
+            <a:avLst/>
+          </a:prstGeom>
+          <a:noFill/>
+        </p:spPr>
+        <p:txBody>
+          <a:bodyPr wrap="square" rtlCol="0">
+            <a:spAutoFit/>
+          </a:bodyPr>
+          <a:lstStyle/>
+          <a:p>
+            <a:r>
+              <a:rPr lang="ko-KR" altLang="en-US" b="1" dirty="0"/>
+              <a:t>김영한 강사님의 스프링 패키지</a:t>
+            </a:r>
+            <a:endParaRPr lang="en-US" altLang="ko-KR" b="1" dirty="0"/>
+          </a:p>
+        </p:txBody>
+      </p:sp>
+      <p:sp>
+        <p:nvSpPr>
+          <p:cNvPr id="13" name="TextBox 12">
+            <a:extLst>
+              <a:ext uri="{FF2B5EF4-FFF2-40B4-BE49-F238E27FC236}">
+                <a16:creationId xmlns:a16="http://schemas.microsoft.com/office/drawing/2014/main" id="{E400076C-0F5F-4092-A177-2D82071AB988}"/>
+              </a:ext>
+            </a:extLst>
+          </p:cNvPr>
+          <p:cNvSpPr txBox="1"/>
+          <p:nvPr/>
+        </p:nvSpPr>
+        <p:spPr>
+          <a:xfrm>
+            <a:off x="6712666" y="3165783"/>
+            <a:ext cx="4484309" cy="1323439"/>
+          </a:xfrm>
+          <a:prstGeom prst="rect">
+            <a:avLst/>
+          </a:prstGeom>
+          <a:noFill/>
+        </p:spPr>
+        <p:txBody>
+          <a:bodyPr wrap="square" rtlCol="0">
+            <a:spAutoFit/>
+          </a:bodyPr>
+          <a:lstStyle/>
+          <a:p>
+            <a:pPr marL="285750" indent="-285750">
+              <a:buFontTx/>
+              <a:buChar char="-"/>
+            </a:pPr>
+            <a:r>
+              <a:rPr lang="en-US" altLang="ko-KR" sz="1000" dirty="0" err="1"/>
+              <a:t>SpringMvc</a:t>
+            </a:r>
+            <a:endParaRPr lang="en-US" altLang="ko-KR" sz="1000" dirty="0"/>
+          </a:p>
+          <a:p>
+            <a:pPr marL="285750" indent="-285750">
+              <a:buFontTx/>
+              <a:buChar char="-"/>
+            </a:pPr>
+            <a:endParaRPr lang="en-US" altLang="ko-KR" sz="1000" dirty="0"/>
+          </a:p>
+          <a:p>
+            <a:pPr marL="285750" indent="-285750">
+              <a:buFontTx/>
+              <a:buChar char="-"/>
+            </a:pPr>
+            <a:r>
+              <a:rPr lang="en-US" altLang="ko-KR" sz="1000" dirty="0" err="1"/>
+              <a:t>SpringBoot</a:t>
+            </a:r>
+            <a:endParaRPr lang="en-US" altLang="ko-KR" sz="1000" dirty="0"/>
+          </a:p>
+          <a:p>
+            <a:pPr marL="285750" indent="-285750">
+              <a:buFontTx/>
+              <a:buChar char="-"/>
+            </a:pPr>
+            <a:endParaRPr lang="en-US" altLang="ko-KR" sz="1000" dirty="0"/>
+          </a:p>
+          <a:p>
+            <a:pPr marL="285750" indent="-285750">
+              <a:buFontTx/>
+              <a:buChar char="-"/>
+            </a:pPr>
+            <a:r>
+              <a:rPr lang="ko-KR" altLang="en-US" sz="1000" dirty="0"/>
+              <a:t>객체지향과 </a:t>
+            </a:r>
+            <a:r>
+              <a:rPr lang="ko-KR" altLang="en-US" sz="1000" dirty="0" err="1"/>
+              <a:t>다형성</a:t>
+            </a:r>
+            <a:endParaRPr lang="en-US" altLang="ko-KR" sz="1000" dirty="0"/>
+          </a:p>
+          <a:p>
+            <a:pPr marL="285750" indent="-285750">
+              <a:buFontTx/>
+              <a:buChar char="-"/>
+            </a:pPr>
+            <a:endParaRPr lang="en-US" altLang="ko-KR" sz="1000" dirty="0"/>
+          </a:p>
+          <a:p>
+            <a:pPr marL="285750" indent="-285750">
+              <a:buFontTx/>
+              <a:buChar char="-"/>
+            </a:pPr>
+            <a:r>
+              <a:rPr lang="en-US" altLang="ko-KR" sz="1000" dirty="0"/>
+              <a:t>JPA</a:t>
+            </a:r>
+            <a:r>
+              <a:rPr lang="ko-KR" altLang="en-US" sz="1000" dirty="0"/>
+              <a:t>  </a:t>
+            </a:r>
+            <a:endParaRPr lang="en-US" altLang="ko-KR" sz="1000" dirty="0"/>
+          </a:p>
+          <a:p>
+            <a:endParaRPr lang="en-US" altLang="ko-KR" sz="1000" dirty="0"/>
+          </a:p>
+        </p:txBody>
+      </p:sp>
+      <p:sp>
+        <p:nvSpPr>
+          <p:cNvPr id="23" name="object 6">
+            <a:extLst>
+              <a:ext uri="{FF2B5EF4-FFF2-40B4-BE49-F238E27FC236}">
+                <a16:creationId xmlns:a16="http://schemas.microsoft.com/office/drawing/2014/main" id="{B1AADEE6-DBEB-42E0-87F8-D260129E2BA8}"/>
+              </a:ext>
+            </a:extLst>
+          </p:cNvPr>
+          <p:cNvSpPr/>
+          <p:nvPr/>
+        </p:nvSpPr>
+        <p:spPr>
+          <a:xfrm>
+            <a:off x="6195607" y="4797715"/>
+            <a:ext cx="127155" cy="121059"/>
+          </a:xfrm>
+          <a:prstGeom prst="rect">
+            <a:avLst/>
+          </a:prstGeom>
+          <a:blipFill>
+            <a:blip r:embed="rId2" cstate="print"/>
+            <a:stretch>
+              <a:fillRect/>
+            </a:stretch>
+          </a:blipFill>
+        </p:spPr>
+        <p:txBody>
+          <a:bodyPr wrap="square" lIns="0" tIns="0" rIns="0" bIns="0" rtlCol="0"/>
+          <a:lstStyle/>
+          <a:p>
+            <a:endParaRPr/>
+          </a:p>
+        </p:txBody>
+      </p:sp>
+      <p:pic>
+        <p:nvPicPr>
+          <p:cNvPr id="9" name="그림 8">
+            <a:extLst>
+              <a:ext uri="{FF2B5EF4-FFF2-40B4-BE49-F238E27FC236}">
+                <a16:creationId xmlns:a16="http://schemas.microsoft.com/office/drawing/2014/main" id="{2923B83D-4E06-44E3-B289-51ECA55F8491}"/>
+              </a:ext>
+            </a:extLst>
+          </p:cNvPr>
+          <p:cNvPicPr>
+            <a:picLocks noChangeAspect="1"/>
+          </p:cNvPicPr>
+          <p:nvPr/>
+        </p:nvPicPr>
+        <p:blipFill>
+          <a:blip r:embed="rId3">
+            <a:extLst>
+              <a:ext uri="{28A0092B-C50C-407E-A947-70E740481C1C}">
+                <a14:useLocalDpi xmlns:a14="http://schemas.microsoft.com/office/drawing/2010/main" val="0"/>
+              </a:ext>
+            </a:extLst>
+          </a:blip>
+          <a:stretch>
+            <a:fillRect/>
+          </a:stretch>
+        </p:blipFill>
+        <p:spPr>
+          <a:xfrm>
+            <a:off x="1039804" y="2127176"/>
+            <a:ext cx="4117155" cy="4008025"/>
+          </a:xfrm>
+          <a:prstGeom prst="rect">
+            <a:avLst/>
+          </a:prstGeom>
+        </p:spPr>
+      </p:pic>
+      <p:sp>
+        <p:nvSpPr>
+          <p:cNvPr id="26" name="TextBox 25">
+            <a:extLst>
+              <a:ext uri="{FF2B5EF4-FFF2-40B4-BE49-F238E27FC236}">
+                <a16:creationId xmlns:a16="http://schemas.microsoft.com/office/drawing/2014/main" id="{94821F83-7506-43F5-903B-FB81433782B3}"/>
+              </a:ext>
+            </a:extLst>
+          </p:cNvPr>
+          <p:cNvSpPr txBox="1"/>
+          <p:nvPr/>
+        </p:nvSpPr>
+        <p:spPr>
+          <a:xfrm>
+            <a:off x="6712666" y="4710512"/>
+            <a:ext cx="4117155" cy="369332"/>
+          </a:xfrm>
+          <a:prstGeom prst="rect">
+            <a:avLst/>
+          </a:prstGeom>
+          <a:noFill/>
+        </p:spPr>
+        <p:txBody>
+          <a:bodyPr wrap="square" rtlCol="0">
+            <a:spAutoFit/>
+          </a:bodyPr>
+          <a:lstStyle/>
+          <a:p>
+            <a:r>
+              <a:rPr lang="en-US" altLang="ko-KR" b="1" dirty="0"/>
+              <a:t>AWS </a:t>
+            </a:r>
+            <a:r>
+              <a:rPr lang="ko-KR" altLang="en-US" b="1" dirty="0"/>
+              <a:t>및 </a:t>
+            </a:r>
+            <a:r>
+              <a:rPr lang="en-US" altLang="ko-KR" b="1" dirty="0"/>
+              <a:t>Infra</a:t>
+            </a:r>
+          </a:p>
+        </p:txBody>
+      </p:sp>
+      <p:sp>
+        <p:nvSpPr>
+          <p:cNvPr id="27" name="TextBox 26">
+            <a:extLst>
+              <a:ext uri="{FF2B5EF4-FFF2-40B4-BE49-F238E27FC236}">
+                <a16:creationId xmlns:a16="http://schemas.microsoft.com/office/drawing/2014/main" id="{D057D016-8C2B-4BD1-A52B-8B3E58B85D78}"/>
+              </a:ext>
+            </a:extLst>
+          </p:cNvPr>
+          <p:cNvSpPr txBox="1"/>
+          <p:nvPr/>
+        </p:nvSpPr>
+        <p:spPr>
+          <a:xfrm>
+            <a:off x="6733496" y="5132935"/>
+            <a:ext cx="4484309" cy="1785104"/>
+          </a:xfrm>
+          <a:prstGeom prst="rect">
+            <a:avLst/>
+          </a:prstGeom>
+          <a:noFill/>
+        </p:spPr>
+        <p:txBody>
+          <a:bodyPr wrap="square" rtlCol="0">
+            <a:spAutoFit/>
+          </a:bodyPr>
+          <a:lstStyle/>
+          <a:p>
+            <a:pPr marL="171450" indent="-171450">
+              <a:buFontTx/>
+              <a:buChar char="-"/>
+            </a:pPr>
+            <a:r>
+              <a:rPr lang="en-US" altLang="ko-KR" sz="1000" dirty="0"/>
+              <a:t>CloudFront</a:t>
+            </a:r>
+            <a:r>
+              <a:rPr lang="ko-KR" altLang="en-US" sz="1000" dirty="0"/>
+              <a:t>와 </a:t>
+            </a:r>
+            <a:r>
+              <a:rPr lang="en-US" altLang="ko-KR" sz="1000" dirty="0"/>
+              <a:t>S3</a:t>
+            </a:r>
+          </a:p>
+          <a:p>
+            <a:pPr marL="171450" indent="-171450">
+              <a:buFontTx/>
+              <a:buChar char="-"/>
+            </a:pPr>
+            <a:endParaRPr lang="en-US" altLang="ko-KR" sz="1000" dirty="0"/>
+          </a:p>
+          <a:p>
+            <a:pPr marL="171450" indent="-171450">
+              <a:buFontTx/>
+              <a:buChar char="-"/>
+            </a:pPr>
+            <a:r>
+              <a:rPr lang="en-US" altLang="ko-KR" sz="1000" dirty="0"/>
+              <a:t>EC2-LAMP-ELB</a:t>
+            </a:r>
+          </a:p>
+          <a:p>
+            <a:pPr marL="171450" indent="-171450">
+              <a:buFontTx/>
+              <a:buChar char="-"/>
+            </a:pPr>
+            <a:endParaRPr lang="en-US" altLang="ko-KR" sz="1000" dirty="0"/>
+          </a:p>
+          <a:p>
+            <a:pPr marL="171450" indent="-171450">
+              <a:buFontTx/>
+              <a:buChar char="-"/>
+            </a:pPr>
+            <a:r>
+              <a:rPr lang="en-US" altLang="ko-KR" sz="1000" dirty="0"/>
+              <a:t>VPC</a:t>
+            </a:r>
+            <a:r>
+              <a:rPr lang="ko-KR" altLang="en-US" sz="1000" dirty="0"/>
+              <a:t>와</a:t>
+            </a:r>
+            <a:r>
+              <a:rPr lang="en-US" altLang="ko-KR" sz="1000" dirty="0"/>
+              <a:t> Subnet</a:t>
+            </a:r>
+          </a:p>
+          <a:p>
+            <a:pPr marL="171450" indent="-171450">
+              <a:buFontTx/>
+              <a:buChar char="-"/>
+            </a:pPr>
+            <a:endParaRPr lang="en-US" altLang="ko-KR" sz="1000" dirty="0"/>
+          </a:p>
+          <a:p>
+            <a:pPr marL="171450" indent="-171450">
+              <a:buFontTx/>
+              <a:buChar char="-"/>
+            </a:pPr>
+            <a:r>
+              <a:rPr lang="en-US" altLang="ko-KR" sz="1000" dirty="0"/>
+              <a:t>RDS</a:t>
+            </a:r>
+            <a:r>
+              <a:rPr lang="ko-KR" altLang="en-US" sz="1000" dirty="0"/>
+              <a:t> </a:t>
+            </a:r>
+            <a:endParaRPr lang="en-US" altLang="ko-KR" sz="1000" dirty="0"/>
+          </a:p>
+          <a:p>
+            <a:pPr marL="171450" indent="-171450">
+              <a:buFontTx/>
+              <a:buChar char="-"/>
+            </a:pPr>
+            <a:endParaRPr lang="en-US" altLang="ko-KR" sz="1000" dirty="0"/>
+          </a:p>
+          <a:p>
+            <a:pPr marL="171450" indent="-171450">
+              <a:buFontTx/>
+              <a:buChar char="-"/>
+            </a:pPr>
+            <a:r>
+              <a:rPr lang="en-US" altLang="ko-KR" sz="1000" dirty="0"/>
+              <a:t>Auto Scaling</a:t>
+            </a:r>
+          </a:p>
+          <a:p>
+            <a:pPr marL="171450" indent="-171450">
+              <a:buFontTx/>
+              <a:buChar char="-"/>
+            </a:pPr>
+            <a:endParaRPr lang="en-US" altLang="ko-KR" sz="1000" dirty="0"/>
+          </a:p>
+          <a:p>
+            <a:pPr marL="171450" indent="-171450">
+              <a:buFontTx/>
+              <a:buChar char="-"/>
+            </a:pPr>
+            <a:endParaRPr lang="en-US" altLang="ko-KR" sz="1000" dirty="0"/>
+          </a:p>
+        </p:txBody>
+      </p:sp>
+      <p:sp>
+        <p:nvSpPr>
+          <p:cNvPr id="28" name="object 6">
+            <a:extLst>
+              <a:ext uri="{FF2B5EF4-FFF2-40B4-BE49-F238E27FC236}">
+                <a16:creationId xmlns:a16="http://schemas.microsoft.com/office/drawing/2014/main" id="{3DA4B013-A951-4261-B10F-168180895375}"/>
+              </a:ext>
+            </a:extLst>
+          </p:cNvPr>
+          <p:cNvSpPr/>
+          <p:nvPr/>
+        </p:nvSpPr>
+        <p:spPr>
+          <a:xfrm>
+            <a:off x="6195607" y="1818725"/>
+            <a:ext cx="127155" cy="121059"/>
+          </a:xfrm>
+          <a:prstGeom prst="rect">
+            <a:avLst/>
+          </a:prstGeom>
+          <a:blipFill>
+            <a:blip r:embed="rId2" cstate="print"/>
+            <a:stretch>
+              <a:fillRect/>
+            </a:stretch>
+          </a:blipFill>
+        </p:spPr>
+        <p:txBody>
+          <a:bodyPr wrap="square" lIns="0" tIns="0" rIns="0" bIns="0" rtlCol="0"/>
+          <a:lstStyle/>
+          <a:p>
+            <a:endParaRPr/>
+          </a:p>
+        </p:txBody>
+      </p:sp>
+      <p:sp>
+        <p:nvSpPr>
+          <p:cNvPr id="29" name="TextBox 28">
+            <a:extLst>
+              <a:ext uri="{FF2B5EF4-FFF2-40B4-BE49-F238E27FC236}">
+                <a16:creationId xmlns:a16="http://schemas.microsoft.com/office/drawing/2014/main" id="{657407BA-1ACA-454F-914F-3E1724A5B8F9}"/>
+              </a:ext>
+            </a:extLst>
+          </p:cNvPr>
+          <p:cNvSpPr txBox="1"/>
+          <p:nvPr/>
+        </p:nvSpPr>
+        <p:spPr>
+          <a:xfrm>
+            <a:off x="6691836" y="1668632"/>
+            <a:ext cx="4117155" cy="369332"/>
+          </a:xfrm>
+          <a:prstGeom prst="rect">
+            <a:avLst/>
+          </a:prstGeom>
+          <a:noFill/>
+        </p:spPr>
+        <p:txBody>
+          <a:bodyPr wrap="square" rtlCol="0">
+            <a:spAutoFit/>
+          </a:bodyPr>
+          <a:lstStyle/>
+          <a:p>
+            <a:r>
+              <a:rPr lang="en-US" altLang="ko-KR" b="1" dirty="0"/>
+              <a:t>Java</a:t>
+            </a:r>
+          </a:p>
+        </p:txBody>
+      </p:sp>
+      <p:sp>
+        <p:nvSpPr>
+          <p:cNvPr id="30" name="TextBox 29">
+            <a:extLst>
+              <a:ext uri="{FF2B5EF4-FFF2-40B4-BE49-F238E27FC236}">
+                <a16:creationId xmlns:a16="http://schemas.microsoft.com/office/drawing/2014/main" id="{8C81F5B3-909E-422D-95B1-0ADF4ADB51CA}"/>
+              </a:ext>
+            </a:extLst>
+          </p:cNvPr>
+          <p:cNvSpPr txBox="1"/>
+          <p:nvPr/>
+        </p:nvSpPr>
+        <p:spPr>
+          <a:xfrm>
+            <a:off x="6712666" y="2132348"/>
+            <a:ext cx="4484309" cy="400110"/>
+          </a:xfrm>
+          <a:prstGeom prst="rect">
+            <a:avLst/>
+          </a:prstGeom>
+          <a:noFill/>
+        </p:spPr>
+        <p:txBody>
+          <a:bodyPr wrap="square" rtlCol="0">
+            <a:spAutoFit/>
+          </a:bodyPr>
+          <a:lstStyle/>
+          <a:p>
+            <a:pPr marL="285750" indent="-285750">
+              <a:buFontTx/>
+              <a:buChar char="-"/>
+            </a:pPr>
+            <a:r>
+              <a:rPr lang="ko-KR" altLang="en-US" sz="1000" dirty="0"/>
+              <a:t>이것이 자바다</a:t>
+            </a:r>
+            <a:endParaRPr lang="en-US" altLang="ko-KR" sz="1000" dirty="0"/>
+          </a:p>
+          <a:p>
+            <a:endParaRPr lang="en-US" altLang="ko-KR" sz="1000" dirty="0"/>
+          </a:p>
+        </p:txBody>
+      </p:sp>
+    </p:spTree>
+    <p:extLst>
+      <p:ext uri="{BB962C8B-B14F-4D97-AF65-F5344CB8AC3E}">
+        <p14:creationId xmlns:p14="http://schemas.microsoft.com/office/powerpoint/2010/main" val="3576967821"/>
+      </p:ext>
+    </p:extLst>
+  </p:cSld>
+  <p:clrMapOvr>
+    <a:masterClrMapping/>
+  </p:clrMapOvr>
+</p:sld>
+</file>
+
+<file path=ppt/slides/slide7.xml><?xml version="1.0" encoding="utf-8"?>
+<p:sld xmlns:a="http://schemas.openxmlformats.org/drawingml/2006/main" xmlns:r="http://schemas.openxmlformats.org/officeDocument/2006/relationships" xmlns:p="http://schemas.openxmlformats.org/presentationml/2006/main">
+  <p:cSld>
+    <p:spTree>
+      <p:nvGrpSpPr>
+        <p:cNvPr id="1" name=""/>
+        <p:cNvGrpSpPr/>
+        <p:nvPr/>
+      </p:nvGrpSpPr>
+      <p:grpSpPr>
+        <a:xfrm>
+          <a:off x="0" y="0"/>
+          <a:ext cx="0" cy="0"/>
+          <a:chOff x="0" y="0"/>
+          <a:chExt cx="0" cy="0"/>
+        </a:xfrm>
+      </p:grpSpPr>
+      <p:sp>
+        <p:nvSpPr>
+          <p:cNvPr id="2" name="TextBox 1">
+            <a:extLst>
+              <a:ext uri="{FF2B5EF4-FFF2-40B4-BE49-F238E27FC236}">
+                <a16:creationId xmlns:a16="http://schemas.microsoft.com/office/drawing/2014/main" id="{DB51EC9B-D497-4C9F-B8FA-189FD38F8E51}"/>
+              </a:ext>
+            </a:extLst>
+          </p:cNvPr>
+          <p:cNvSpPr txBox="1"/>
+          <p:nvPr/>
+        </p:nvSpPr>
+        <p:spPr>
+          <a:xfrm>
+            <a:off x="2276167" y="2625213"/>
+            <a:ext cx="7639665" cy="646331"/>
+          </a:xfrm>
+          <a:prstGeom prst="rect">
+            <a:avLst/>
+          </a:prstGeom>
+          <a:noFill/>
+        </p:spPr>
+        <p:txBody>
+          <a:bodyPr wrap="square" rtlCol="0">
+            <a:spAutoFit/>
+          </a:bodyPr>
+          <a:lstStyle/>
+          <a:p>
+            <a:pPr algn="ctr"/>
+            <a:r>
+              <a:rPr lang="ko-KR" altLang="en-US" dirty="0"/>
+              <a:t>성장할 수 있는 곳이라면 무엇이든 할 준비가 되어있습니다</a:t>
+            </a:r>
+            <a:r>
+              <a:rPr lang="en-US" altLang="ko-KR" dirty="0"/>
+              <a:t>. </a:t>
+            </a:r>
+          </a:p>
+          <a:p>
+            <a:pPr algn="ctr"/>
+            <a:r>
+              <a:rPr lang="ko-KR" altLang="en-US" dirty="0"/>
+              <a:t>믿고 맡겨 주신다면 절대 실망시키지 않겠습니다</a:t>
+            </a:r>
+            <a:r>
+              <a:rPr lang="en-US" altLang="ko-KR" dirty="0"/>
+              <a:t>.</a:t>
+            </a:r>
+            <a:endParaRPr lang="ko-KR" altLang="en-US" dirty="0"/>
+          </a:p>
+        </p:txBody>
+      </p:sp>
+    </p:spTree>
+    <p:extLst>
+      <p:ext uri="{BB962C8B-B14F-4D97-AF65-F5344CB8AC3E}">
+        <p14:creationId xmlns:p14="http://schemas.microsoft.com/office/powerpoint/2010/main" val="2382003927"/>
       </p:ext>
     </p:extLst>
   </p:cSld>

--- a/오진호 포토폴리오.pptx
+++ b/오진호 포토폴리오.pptx
@@ -5,7 +5,7 @@
     <p:sldMasterId id="2147483648" r:id="rId1"/>
   </p:sldMasterIdLst>
   <p:notesMasterIdLst>
-    <p:notesMasterId r:id="rId9"/>
+    <p:notesMasterId r:id="rId8"/>
   </p:notesMasterIdLst>
   <p:sldIdLst>
     <p:sldId id="256" r:id="rId2"/>
@@ -13,8 +13,7 @@
     <p:sldId id="258" r:id="rId4"/>
     <p:sldId id="260" r:id="rId5"/>
     <p:sldId id="261" r:id="rId6"/>
-    <p:sldId id="263" r:id="rId7"/>
-    <p:sldId id="264" r:id="rId8"/>
+    <p:sldId id="264" r:id="rId7"/>
   </p:sldIdLst>
   <p:sldSz cx="12192000" cy="6858000"/>
   <p:notesSz cx="6858000" cy="9144000"/>
@@ -203,7 +202,7 @@
           <a:p>
             <a:fld id="{67406EAE-9ED8-4493-8307-E0CBB87D5314}" type="datetimeFigureOut">
               <a:rPr lang="ko-KR" altLang="en-US" smtClean="0"/>
-              <a:t>2021-11-27</a:t>
+              <a:t>2021-12-06</a:t>
             </a:fld>
             <a:endParaRPr lang="ko-KR" altLang="en-US"/>
           </a:p>
@@ -617,7 +616,7 @@
           <a:p>
             <a:fld id="{7E1FD04A-7A57-4ABB-A4D2-40192FED31D2}" type="datetimeFigureOut">
               <a:rPr lang="ko-KR" altLang="en-US" smtClean="0"/>
-              <a:t>2021-11-27</a:t>
+              <a:t>2021-12-06</a:t>
             </a:fld>
             <a:endParaRPr lang="ko-KR" altLang="en-US"/>
           </a:p>
@@ -815,7 +814,7 @@
           <a:p>
             <a:fld id="{7E1FD04A-7A57-4ABB-A4D2-40192FED31D2}" type="datetimeFigureOut">
               <a:rPr lang="ko-KR" altLang="en-US" smtClean="0"/>
-              <a:t>2021-11-27</a:t>
+              <a:t>2021-12-06</a:t>
             </a:fld>
             <a:endParaRPr lang="ko-KR" altLang="en-US"/>
           </a:p>
@@ -1023,7 +1022,7 @@
           <a:p>
             <a:fld id="{7E1FD04A-7A57-4ABB-A4D2-40192FED31D2}" type="datetimeFigureOut">
               <a:rPr lang="ko-KR" altLang="en-US" smtClean="0"/>
-              <a:t>2021-11-27</a:t>
+              <a:t>2021-12-06</a:t>
             </a:fld>
             <a:endParaRPr lang="ko-KR" altLang="en-US"/>
           </a:p>
@@ -1221,7 +1220,7 @@
           <a:p>
             <a:fld id="{7E1FD04A-7A57-4ABB-A4D2-40192FED31D2}" type="datetimeFigureOut">
               <a:rPr lang="ko-KR" altLang="en-US" smtClean="0"/>
-              <a:t>2021-11-27</a:t>
+              <a:t>2021-12-06</a:t>
             </a:fld>
             <a:endParaRPr lang="ko-KR" altLang="en-US"/>
           </a:p>
@@ -1496,7 +1495,7 @@
           <a:p>
             <a:fld id="{7E1FD04A-7A57-4ABB-A4D2-40192FED31D2}" type="datetimeFigureOut">
               <a:rPr lang="ko-KR" altLang="en-US" smtClean="0"/>
-              <a:t>2021-11-27</a:t>
+              <a:t>2021-12-06</a:t>
             </a:fld>
             <a:endParaRPr lang="ko-KR" altLang="en-US"/>
           </a:p>
@@ -1761,7 +1760,7 @@
           <a:p>
             <a:fld id="{7E1FD04A-7A57-4ABB-A4D2-40192FED31D2}" type="datetimeFigureOut">
               <a:rPr lang="ko-KR" altLang="en-US" smtClean="0"/>
-              <a:t>2021-11-27</a:t>
+              <a:t>2021-12-06</a:t>
             </a:fld>
             <a:endParaRPr lang="ko-KR" altLang="en-US"/>
           </a:p>
@@ -2173,7 +2172,7 @@
           <a:p>
             <a:fld id="{7E1FD04A-7A57-4ABB-A4D2-40192FED31D2}" type="datetimeFigureOut">
               <a:rPr lang="ko-KR" altLang="en-US" smtClean="0"/>
-              <a:t>2021-11-27</a:t>
+              <a:t>2021-12-06</a:t>
             </a:fld>
             <a:endParaRPr lang="ko-KR" altLang="en-US"/>
           </a:p>
@@ -2314,7 +2313,7 @@
           <a:p>
             <a:fld id="{7E1FD04A-7A57-4ABB-A4D2-40192FED31D2}" type="datetimeFigureOut">
               <a:rPr lang="ko-KR" altLang="en-US" smtClean="0"/>
-              <a:t>2021-11-27</a:t>
+              <a:t>2021-12-06</a:t>
             </a:fld>
             <a:endParaRPr lang="ko-KR" altLang="en-US"/>
           </a:p>
@@ -2427,7 +2426,7 @@
           <a:p>
             <a:fld id="{7E1FD04A-7A57-4ABB-A4D2-40192FED31D2}" type="datetimeFigureOut">
               <a:rPr lang="ko-KR" altLang="en-US" smtClean="0"/>
-              <a:t>2021-11-27</a:t>
+              <a:t>2021-12-06</a:t>
             </a:fld>
             <a:endParaRPr lang="ko-KR" altLang="en-US"/>
           </a:p>
@@ -2738,7 +2737,7 @@
           <a:p>
             <a:fld id="{7E1FD04A-7A57-4ABB-A4D2-40192FED31D2}" type="datetimeFigureOut">
               <a:rPr lang="ko-KR" altLang="en-US" smtClean="0"/>
-              <a:t>2021-11-27</a:t>
+              <a:t>2021-12-06</a:t>
             </a:fld>
             <a:endParaRPr lang="ko-KR" altLang="en-US"/>
           </a:p>
@@ -3026,7 +3025,7 @@
           <a:p>
             <a:fld id="{7E1FD04A-7A57-4ABB-A4D2-40192FED31D2}" type="datetimeFigureOut">
               <a:rPr lang="ko-KR" altLang="en-US" smtClean="0"/>
-              <a:t>2021-11-27</a:t>
+              <a:t>2021-12-06</a:t>
             </a:fld>
             <a:endParaRPr lang="ko-KR" altLang="en-US"/>
           </a:p>
@@ -3267,7 +3266,7 @@
           <a:p>
             <a:fld id="{7E1FD04A-7A57-4ABB-A4D2-40192FED31D2}" type="datetimeFigureOut">
               <a:rPr lang="ko-KR" altLang="en-US" smtClean="0"/>
-              <a:t>2021-11-27</a:t>
+              <a:t>2021-12-06</a:t>
             </a:fld>
             <a:endParaRPr lang="ko-KR" altLang="en-US"/>
           </a:p>
@@ -7861,7 +7860,7 @@
         </p:nvSpPr>
         <p:spPr>
           <a:xfrm>
-            <a:off x="5977274" y="3550930"/>
+            <a:off x="5977274" y="3579805"/>
             <a:ext cx="127155" cy="121059"/>
           </a:xfrm>
           <a:prstGeom prst="rect">
@@ -7896,7 +7895,7 @@
         </p:nvSpPr>
         <p:spPr>
           <a:xfrm>
-            <a:off x="6393668" y="3388200"/>
+            <a:off x="6393668" y="3417075"/>
             <a:ext cx="2390775" cy="369332"/>
           </a:xfrm>
           <a:prstGeom prst="rect">
@@ -7932,7 +7931,7 @@
         </p:nvSpPr>
         <p:spPr>
           <a:xfrm>
-            <a:off x="6372837" y="3911107"/>
+            <a:off x="6372837" y="3939982"/>
             <a:ext cx="5766807" cy="1015663"/>
           </a:xfrm>
           <a:prstGeom prst="rect">
@@ -8012,7 +8011,7 @@
         </p:nvSpPr>
         <p:spPr>
           <a:xfrm>
-            <a:off x="5978052" y="5107643"/>
+            <a:off x="5978052" y="5203896"/>
             <a:ext cx="127155" cy="121059"/>
           </a:xfrm>
           <a:prstGeom prst="rect">
@@ -8047,7 +8046,7 @@
         </p:nvSpPr>
         <p:spPr>
           <a:xfrm>
-            <a:off x="6372838" y="4983507"/>
+            <a:off x="6372838" y="5079760"/>
             <a:ext cx="2390775" cy="369332"/>
           </a:xfrm>
           <a:prstGeom prst="rect">
@@ -8083,7 +8082,7 @@
         </p:nvSpPr>
         <p:spPr>
           <a:xfrm>
-            <a:off x="6393668" y="5352839"/>
+            <a:off x="6393668" y="5449092"/>
             <a:ext cx="5766805" cy="1015663"/>
           </a:xfrm>
           <a:prstGeom prst="rect">
@@ -8963,675 +8962,6 @@
 </file>
 
 <file path=ppt/slides/slide6.xml><?xml version="1.0" encoding="utf-8"?>
-<p:sld xmlns:a="http://schemas.openxmlformats.org/drawingml/2006/main" xmlns:r="http://schemas.openxmlformats.org/officeDocument/2006/relationships" xmlns:p="http://schemas.openxmlformats.org/presentationml/2006/main">
-  <p:cSld>
-    <p:spTree>
-      <p:nvGrpSpPr>
-        <p:cNvPr id="1" name=""/>
-        <p:cNvGrpSpPr/>
-        <p:nvPr/>
-      </p:nvGrpSpPr>
-      <p:grpSpPr>
-        <a:xfrm>
-          <a:off x="0" y="0"/>
-          <a:ext cx="0" cy="0"/>
-          <a:chOff x="0" y="0"/>
-          <a:chExt cx="0" cy="0"/>
-        </a:xfrm>
-      </p:grpSpPr>
-      <p:sp>
-        <p:nvSpPr>
-          <p:cNvPr id="4" name="TextBox 3">
-            <a:extLst>
-              <a:ext uri="{FF2B5EF4-FFF2-40B4-BE49-F238E27FC236}">
-                <a16:creationId xmlns:a16="http://schemas.microsoft.com/office/drawing/2014/main" id="{69FE91A0-2471-4BD7-9D1C-6ABE3C9F2579}"/>
-              </a:ext>
-            </a:extLst>
-          </p:cNvPr>
-          <p:cNvSpPr txBox="1"/>
-          <p:nvPr/>
-        </p:nvSpPr>
-        <p:spPr>
-          <a:xfrm>
-            <a:off x="685798" y="542571"/>
-            <a:ext cx="5614695" cy="707886"/>
-          </a:xfrm>
-          <a:prstGeom prst="rect">
-            <a:avLst/>
-          </a:prstGeom>
-          <a:noFill/>
-        </p:spPr>
-        <p:txBody>
-          <a:bodyPr wrap="square" rtlCol="0">
-            <a:spAutoFit/>
-          </a:bodyPr>
-          <a:lstStyle/>
-          <a:p>
-            <a:r>
-              <a:rPr lang="ko-KR" altLang="en-US" sz="4000" b="1" dirty="0">
-                <a:latin typeface="Arial" panose="020B0604020202020204" pitchFamily="34" charset="0"/>
-                <a:cs typeface="Arial" panose="020B0604020202020204" pitchFamily="34" charset="0"/>
-              </a:rPr>
-              <a:t>개인 공부</a:t>
-            </a:r>
-          </a:p>
-        </p:txBody>
-      </p:sp>
-      <p:sp>
-        <p:nvSpPr>
-          <p:cNvPr id="5" name="TextBox 4">
-            <a:extLst>
-              <a:ext uri="{FF2B5EF4-FFF2-40B4-BE49-F238E27FC236}">
-                <a16:creationId xmlns:a16="http://schemas.microsoft.com/office/drawing/2014/main" id="{462493EB-D5F6-4DB4-BB22-2ADD6AEAEA33}"/>
-              </a:ext>
-            </a:extLst>
-          </p:cNvPr>
-          <p:cNvSpPr txBox="1"/>
-          <p:nvPr/>
-        </p:nvSpPr>
-        <p:spPr>
-          <a:xfrm>
-            <a:off x="685798" y="1321045"/>
-            <a:ext cx="5614695" cy="276999"/>
-          </a:xfrm>
-          <a:prstGeom prst="rect">
-            <a:avLst/>
-          </a:prstGeom>
-          <a:noFill/>
-        </p:spPr>
-        <p:txBody>
-          <a:bodyPr wrap="square" rtlCol="0">
-            <a:spAutoFit/>
-          </a:bodyPr>
-          <a:lstStyle/>
-          <a:p>
-            <a:r>
-              <a:rPr lang="ko-KR" altLang="en-US" sz="1200" b="1" dirty="0"/>
-              <a:t>실력 향상을 위해 자바</a:t>
-            </a:r>
-            <a:r>
-              <a:rPr lang="en-US" altLang="ko-KR" sz="1200" b="1" dirty="0"/>
-              <a:t>, </a:t>
-            </a:r>
-            <a:r>
-              <a:rPr lang="ko-KR" altLang="en-US" sz="1200" b="1" dirty="0"/>
-              <a:t>스프링 환경 및 </a:t>
-            </a:r>
-            <a:r>
-              <a:rPr lang="en-US" altLang="ko-KR" sz="1200" b="1" dirty="0"/>
-              <a:t>Infra </a:t>
-            </a:r>
-            <a:r>
-              <a:rPr lang="ko-KR" altLang="en-US" sz="1200" b="1" dirty="0"/>
-              <a:t>환경을 끊임 없이 공부합니다</a:t>
-            </a:r>
-            <a:r>
-              <a:rPr lang="en-US" altLang="ko-KR" sz="1200" b="1" dirty="0"/>
-              <a:t>.</a:t>
-            </a:r>
-            <a:endParaRPr lang="ko-KR" altLang="en-US" sz="1200" b="1" dirty="0"/>
-          </a:p>
-        </p:txBody>
-      </p:sp>
-      <p:sp>
-        <p:nvSpPr>
-          <p:cNvPr id="7" name="object 6">
-            <a:extLst>
-              <a:ext uri="{FF2B5EF4-FFF2-40B4-BE49-F238E27FC236}">
-                <a16:creationId xmlns:a16="http://schemas.microsoft.com/office/drawing/2014/main" id="{05453229-C69C-46B4-B575-5C14E564D955}"/>
-              </a:ext>
-            </a:extLst>
-          </p:cNvPr>
-          <p:cNvSpPr/>
-          <p:nvPr/>
-        </p:nvSpPr>
-        <p:spPr>
-          <a:xfrm>
-            <a:off x="6195607" y="2852160"/>
-            <a:ext cx="127155" cy="121059"/>
-          </a:xfrm>
-          <a:prstGeom prst="rect">
-            <a:avLst/>
-          </a:prstGeom>
-          <a:blipFill>
-            <a:blip r:embed="rId2" cstate="print"/>
-            <a:stretch>
-              <a:fillRect/>
-            </a:stretch>
-          </a:blipFill>
-        </p:spPr>
-        <p:txBody>
-          <a:bodyPr wrap="square" lIns="0" tIns="0" rIns="0" bIns="0" rtlCol="0"/>
-          <a:lstStyle/>
-          <a:p>
-            <a:endParaRPr/>
-          </a:p>
-        </p:txBody>
-      </p:sp>
-      <p:sp>
-        <p:nvSpPr>
-          <p:cNvPr id="11" name="TextBox 10">
-            <a:extLst>
-              <a:ext uri="{FF2B5EF4-FFF2-40B4-BE49-F238E27FC236}">
-                <a16:creationId xmlns:a16="http://schemas.microsoft.com/office/drawing/2014/main" id="{48B76A10-35E7-4DC2-AF2A-FCBF83B159FB}"/>
-              </a:ext>
-            </a:extLst>
-          </p:cNvPr>
-          <p:cNvSpPr txBox="1"/>
-          <p:nvPr/>
-        </p:nvSpPr>
-        <p:spPr>
-          <a:xfrm>
-            <a:off x="6691836" y="2702067"/>
-            <a:ext cx="4117155" cy="369332"/>
-          </a:xfrm>
-          <a:prstGeom prst="rect">
-            <a:avLst/>
-          </a:prstGeom>
-          <a:noFill/>
-        </p:spPr>
-        <p:txBody>
-          <a:bodyPr wrap="square" rtlCol="0">
-            <a:spAutoFit/>
-          </a:bodyPr>
-          <a:lstStyle/>
-          <a:p>
-            <a:r>
-              <a:rPr lang="ko-KR" altLang="en-US" b="1" dirty="0"/>
-              <a:t>김영한 강사님의 스프링 패키지</a:t>
-            </a:r>
-            <a:endParaRPr lang="en-US" altLang="ko-KR" b="1" dirty="0"/>
-          </a:p>
-        </p:txBody>
-      </p:sp>
-      <p:sp>
-        <p:nvSpPr>
-          <p:cNvPr id="13" name="TextBox 12">
-            <a:extLst>
-              <a:ext uri="{FF2B5EF4-FFF2-40B4-BE49-F238E27FC236}">
-                <a16:creationId xmlns:a16="http://schemas.microsoft.com/office/drawing/2014/main" id="{E400076C-0F5F-4092-A177-2D82071AB988}"/>
-              </a:ext>
-            </a:extLst>
-          </p:cNvPr>
-          <p:cNvSpPr txBox="1"/>
-          <p:nvPr/>
-        </p:nvSpPr>
-        <p:spPr>
-          <a:xfrm>
-            <a:off x="6712666" y="3165783"/>
-            <a:ext cx="4484309" cy="1323439"/>
-          </a:xfrm>
-          <a:prstGeom prst="rect">
-            <a:avLst/>
-          </a:prstGeom>
-          <a:noFill/>
-        </p:spPr>
-        <p:txBody>
-          <a:bodyPr wrap="square" rtlCol="0">
-            <a:spAutoFit/>
-          </a:bodyPr>
-          <a:lstStyle/>
-          <a:p>
-            <a:pPr marL="285750" indent="-285750">
-              <a:buFontTx/>
-              <a:buChar char="-"/>
-            </a:pPr>
-            <a:r>
-              <a:rPr lang="en-US" altLang="ko-KR" sz="1000" dirty="0" err="1"/>
-              <a:t>SpringMvc</a:t>
-            </a:r>
-            <a:endParaRPr lang="en-US" altLang="ko-KR" sz="1000" dirty="0"/>
-          </a:p>
-          <a:p>
-            <a:pPr marL="285750" indent="-285750">
-              <a:buFontTx/>
-              <a:buChar char="-"/>
-            </a:pPr>
-            <a:endParaRPr lang="en-US" altLang="ko-KR" sz="1000" dirty="0"/>
-          </a:p>
-          <a:p>
-            <a:pPr marL="285750" indent="-285750">
-              <a:buFontTx/>
-              <a:buChar char="-"/>
-            </a:pPr>
-            <a:r>
-              <a:rPr lang="en-US" altLang="ko-KR" sz="1000" dirty="0" err="1"/>
-              <a:t>SpringBoot</a:t>
-            </a:r>
-            <a:endParaRPr lang="en-US" altLang="ko-KR" sz="1000" dirty="0"/>
-          </a:p>
-          <a:p>
-            <a:pPr marL="285750" indent="-285750">
-              <a:buFontTx/>
-              <a:buChar char="-"/>
-            </a:pPr>
-            <a:endParaRPr lang="en-US" altLang="ko-KR" sz="1000" dirty="0"/>
-          </a:p>
-          <a:p>
-            <a:pPr marL="285750" indent="-285750">
-              <a:buFontTx/>
-              <a:buChar char="-"/>
-            </a:pPr>
-            <a:r>
-              <a:rPr lang="ko-KR" altLang="en-US" sz="1000" dirty="0"/>
-              <a:t>객체지향과 </a:t>
-            </a:r>
-            <a:r>
-              <a:rPr lang="ko-KR" altLang="en-US" sz="1000" dirty="0" err="1"/>
-              <a:t>다형성</a:t>
-            </a:r>
-            <a:endParaRPr lang="en-US" altLang="ko-KR" sz="1000" dirty="0"/>
-          </a:p>
-          <a:p>
-            <a:pPr marL="285750" indent="-285750">
-              <a:buFontTx/>
-              <a:buChar char="-"/>
-            </a:pPr>
-            <a:endParaRPr lang="en-US" altLang="ko-KR" sz="1000" dirty="0"/>
-          </a:p>
-          <a:p>
-            <a:pPr marL="285750" indent="-285750">
-              <a:buFontTx/>
-              <a:buChar char="-"/>
-            </a:pPr>
-            <a:r>
-              <a:rPr lang="en-US" altLang="ko-KR" sz="1000" dirty="0"/>
-              <a:t>JPA</a:t>
-            </a:r>
-            <a:r>
-              <a:rPr lang="ko-KR" altLang="en-US" sz="1000" dirty="0"/>
-              <a:t>  </a:t>
-            </a:r>
-            <a:endParaRPr lang="en-US" altLang="ko-KR" sz="1000" dirty="0"/>
-          </a:p>
-          <a:p>
-            <a:endParaRPr lang="en-US" altLang="ko-KR" sz="1000" dirty="0"/>
-          </a:p>
-        </p:txBody>
-      </p:sp>
-      <p:sp>
-        <p:nvSpPr>
-          <p:cNvPr id="23" name="object 6">
-            <a:extLst>
-              <a:ext uri="{FF2B5EF4-FFF2-40B4-BE49-F238E27FC236}">
-                <a16:creationId xmlns:a16="http://schemas.microsoft.com/office/drawing/2014/main" id="{B1AADEE6-DBEB-42E0-87F8-D260129E2BA8}"/>
-              </a:ext>
-            </a:extLst>
-          </p:cNvPr>
-          <p:cNvSpPr/>
-          <p:nvPr/>
-        </p:nvSpPr>
-        <p:spPr>
-          <a:xfrm>
-            <a:off x="6195607" y="4797715"/>
-            <a:ext cx="127155" cy="121059"/>
-          </a:xfrm>
-          <a:prstGeom prst="rect">
-            <a:avLst/>
-          </a:prstGeom>
-          <a:blipFill>
-            <a:blip r:embed="rId2" cstate="print"/>
-            <a:stretch>
-              <a:fillRect/>
-            </a:stretch>
-          </a:blipFill>
-        </p:spPr>
-        <p:txBody>
-          <a:bodyPr wrap="square" lIns="0" tIns="0" rIns="0" bIns="0" rtlCol="0"/>
-          <a:lstStyle/>
-          <a:p>
-            <a:endParaRPr/>
-          </a:p>
-        </p:txBody>
-      </p:sp>
-      <p:pic>
-        <p:nvPicPr>
-          <p:cNvPr id="9" name="그림 8">
-            <a:extLst>
-              <a:ext uri="{FF2B5EF4-FFF2-40B4-BE49-F238E27FC236}">
-                <a16:creationId xmlns:a16="http://schemas.microsoft.com/office/drawing/2014/main" id="{2923B83D-4E06-44E3-B289-51ECA55F8491}"/>
-              </a:ext>
-            </a:extLst>
-          </p:cNvPr>
-          <p:cNvPicPr>
-            <a:picLocks noChangeAspect="1"/>
-          </p:cNvPicPr>
-          <p:nvPr/>
-        </p:nvPicPr>
-        <p:blipFill>
-          <a:blip r:embed="rId3">
-            <a:extLst>
-              <a:ext uri="{28A0092B-C50C-407E-A947-70E740481C1C}">
-                <a14:useLocalDpi xmlns:a14="http://schemas.microsoft.com/office/drawing/2010/main" val="0"/>
-              </a:ext>
-            </a:extLst>
-          </a:blip>
-          <a:stretch>
-            <a:fillRect/>
-          </a:stretch>
-        </p:blipFill>
-        <p:spPr>
-          <a:xfrm>
-            <a:off x="1039804" y="2127176"/>
-            <a:ext cx="4117155" cy="4008025"/>
-          </a:xfrm>
-          <a:prstGeom prst="rect">
-            <a:avLst/>
-          </a:prstGeom>
-        </p:spPr>
-      </p:pic>
-      <p:sp>
-        <p:nvSpPr>
-          <p:cNvPr id="26" name="TextBox 25">
-            <a:extLst>
-              <a:ext uri="{FF2B5EF4-FFF2-40B4-BE49-F238E27FC236}">
-                <a16:creationId xmlns:a16="http://schemas.microsoft.com/office/drawing/2014/main" id="{94821F83-7506-43F5-903B-FB81433782B3}"/>
-              </a:ext>
-            </a:extLst>
-          </p:cNvPr>
-          <p:cNvSpPr txBox="1"/>
-          <p:nvPr/>
-        </p:nvSpPr>
-        <p:spPr>
-          <a:xfrm>
-            <a:off x="6712666" y="4710512"/>
-            <a:ext cx="4117155" cy="369332"/>
-          </a:xfrm>
-          <a:prstGeom prst="rect">
-            <a:avLst/>
-          </a:prstGeom>
-          <a:noFill/>
-        </p:spPr>
-        <p:txBody>
-          <a:bodyPr wrap="square" rtlCol="0">
-            <a:spAutoFit/>
-          </a:bodyPr>
-          <a:lstStyle/>
-          <a:p>
-            <a:r>
-              <a:rPr lang="en-US" altLang="ko-KR" b="1" dirty="0"/>
-              <a:t>AWS </a:t>
-            </a:r>
-            <a:r>
-              <a:rPr lang="ko-KR" altLang="en-US" b="1" dirty="0"/>
-              <a:t>및 </a:t>
-            </a:r>
-            <a:r>
-              <a:rPr lang="en-US" altLang="ko-KR" b="1" dirty="0"/>
-              <a:t>Infra</a:t>
-            </a:r>
-          </a:p>
-        </p:txBody>
-      </p:sp>
-      <p:sp>
-        <p:nvSpPr>
-          <p:cNvPr id="27" name="TextBox 26">
-            <a:extLst>
-              <a:ext uri="{FF2B5EF4-FFF2-40B4-BE49-F238E27FC236}">
-                <a16:creationId xmlns:a16="http://schemas.microsoft.com/office/drawing/2014/main" id="{D057D016-8C2B-4BD1-A52B-8B3E58B85D78}"/>
-              </a:ext>
-            </a:extLst>
-          </p:cNvPr>
-          <p:cNvSpPr txBox="1"/>
-          <p:nvPr/>
-        </p:nvSpPr>
-        <p:spPr>
-          <a:xfrm>
-            <a:off x="6733496" y="5132935"/>
-            <a:ext cx="4484309" cy="1785104"/>
-          </a:xfrm>
-          <a:prstGeom prst="rect">
-            <a:avLst/>
-          </a:prstGeom>
-          <a:noFill/>
-        </p:spPr>
-        <p:txBody>
-          <a:bodyPr wrap="square" rtlCol="0">
-            <a:spAutoFit/>
-          </a:bodyPr>
-          <a:lstStyle/>
-          <a:p>
-            <a:pPr marL="171450" indent="-171450">
-              <a:buFontTx/>
-              <a:buChar char="-"/>
-            </a:pPr>
-            <a:r>
-              <a:rPr lang="en-US" altLang="ko-KR" sz="1000" dirty="0"/>
-              <a:t>CloudFront</a:t>
-            </a:r>
-            <a:r>
-              <a:rPr lang="ko-KR" altLang="en-US" sz="1000" dirty="0"/>
-              <a:t>와 </a:t>
-            </a:r>
-            <a:r>
-              <a:rPr lang="en-US" altLang="ko-KR" sz="1000" dirty="0"/>
-              <a:t>S3</a:t>
-            </a:r>
-          </a:p>
-          <a:p>
-            <a:pPr marL="171450" indent="-171450">
-              <a:buFontTx/>
-              <a:buChar char="-"/>
-            </a:pPr>
-            <a:endParaRPr lang="en-US" altLang="ko-KR" sz="1000" dirty="0"/>
-          </a:p>
-          <a:p>
-            <a:pPr marL="171450" indent="-171450">
-              <a:buFontTx/>
-              <a:buChar char="-"/>
-            </a:pPr>
-            <a:r>
-              <a:rPr lang="en-US" altLang="ko-KR" sz="1000" dirty="0"/>
-              <a:t>EC2-LAMP-ELB</a:t>
-            </a:r>
-          </a:p>
-          <a:p>
-            <a:pPr marL="171450" indent="-171450">
-              <a:buFontTx/>
-              <a:buChar char="-"/>
-            </a:pPr>
-            <a:endParaRPr lang="en-US" altLang="ko-KR" sz="1000" dirty="0"/>
-          </a:p>
-          <a:p>
-            <a:pPr marL="171450" indent="-171450">
-              <a:buFontTx/>
-              <a:buChar char="-"/>
-            </a:pPr>
-            <a:r>
-              <a:rPr lang="en-US" altLang="ko-KR" sz="1000" dirty="0"/>
-              <a:t>VPC</a:t>
-            </a:r>
-            <a:r>
-              <a:rPr lang="ko-KR" altLang="en-US" sz="1000" dirty="0"/>
-              <a:t>와</a:t>
-            </a:r>
-            <a:r>
-              <a:rPr lang="en-US" altLang="ko-KR" sz="1000" dirty="0"/>
-              <a:t> Subnet</a:t>
-            </a:r>
-          </a:p>
-          <a:p>
-            <a:pPr marL="171450" indent="-171450">
-              <a:buFontTx/>
-              <a:buChar char="-"/>
-            </a:pPr>
-            <a:endParaRPr lang="en-US" altLang="ko-KR" sz="1000" dirty="0"/>
-          </a:p>
-          <a:p>
-            <a:pPr marL="171450" indent="-171450">
-              <a:buFontTx/>
-              <a:buChar char="-"/>
-            </a:pPr>
-            <a:r>
-              <a:rPr lang="en-US" altLang="ko-KR" sz="1000" dirty="0"/>
-              <a:t>RDS</a:t>
-            </a:r>
-            <a:r>
-              <a:rPr lang="ko-KR" altLang="en-US" sz="1000" dirty="0"/>
-              <a:t> </a:t>
-            </a:r>
-            <a:endParaRPr lang="en-US" altLang="ko-KR" sz="1000" dirty="0"/>
-          </a:p>
-          <a:p>
-            <a:pPr marL="171450" indent="-171450">
-              <a:buFontTx/>
-              <a:buChar char="-"/>
-            </a:pPr>
-            <a:endParaRPr lang="en-US" altLang="ko-KR" sz="1000" dirty="0"/>
-          </a:p>
-          <a:p>
-            <a:pPr marL="171450" indent="-171450">
-              <a:buFontTx/>
-              <a:buChar char="-"/>
-            </a:pPr>
-            <a:r>
-              <a:rPr lang="en-US" altLang="ko-KR" sz="1000" dirty="0"/>
-              <a:t>Auto Scaling</a:t>
-            </a:r>
-          </a:p>
-          <a:p>
-            <a:pPr marL="171450" indent="-171450">
-              <a:buFontTx/>
-              <a:buChar char="-"/>
-            </a:pPr>
-            <a:endParaRPr lang="en-US" altLang="ko-KR" sz="1000" dirty="0"/>
-          </a:p>
-          <a:p>
-            <a:pPr marL="171450" indent="-171450">
-              <a:buFontTx/>
-              <a:buChar char="-"/>
-            </a:pPr>
-            <a:endParaRPr lang="en-US" altLang="ko-KR" sz="1000" dirty="0"/>
-          </a:p>
-        </p:txBody>
-      </p:sp>
-      <p:sp>
-        <p:nvSpPr>
-          <p:cNvPr id="28" name="object 6">
-            <a:extLst>
-              <a:ext uri="{FF2B5EF4-FFF2-40B4-BE49-F238E27FC236}">
-                <a16:creationId xmlns:a16="http://schemas.microsoft.com/office/drawing/2014/main" id="{3DA4B013-A951-4261-B10F-168180895375}"/>
-              </a:ext>
-            </a:extLst>
-          </p:cNvPr>
-          <p:cNvSpPr/>
-          <p:nvPr/>
-        </p:nvSpPr>
-        <p:spPr>
-          <a:xfrm>
-            <a:off x="6195607" y="1818725"/>
-            <a:ext cx="127155" cy="121059"/>
-          </a:xfrm>
-          <a:prstGeom prst="rect">
-            <a:avLst/>
-          </a:prstGeom>
-          <a:blipFill>
-            <a:blip r:embed="rId2" cstate="print"/>
-            <a:stretch>
-              <a:fillRect/>
-            </a:stretch>
-          </a:blipFill>
-        </p:spPr>
-        <p:txBody>
-          <a:bodyPr wrap="square" lIns="0" tIns="0" rIns="0" bIns="0" rtlCol="0"/>
-          <a:lstStyle/>
-          <a:p>
-            <a:endParaRPr/>
-          </a:p>
-        </p:txBody>
-      </p:sp>
-      <p:sp>
-        <p:nvSpPr>
-          <p:cNvPr id="29" name="TextBox 28">
-            <a:extLst>
-              <a:ext uri="{FF2B5EF4-FFF2-40B4-BE49-F238E27FC236}">
-                <a16:creationId xmlns:a16="http://schemas.microsoft.com/office/drawing/2014/main" id="{657407BA-1ACA-454F-914F-3E1724A5B8F9}"/>
-              </a:ext>
-            </a:extLst>
-          </p:cNvPr>
-          <p:cNvSpPr txBox="1"/>
-          <p:nvPr/>
-        </p:nvSpPr>
-        <p:spPr>
-          <a:xfrm>
-            <a:off x="6691836" y="1668632"/>
-            <a:ext cx="4117155" cy="369332"/>
-          </a:xfrm>
-          <a:prstGeom prst="rect">
-            <a:avLst/>
-          </a:prstGeom>
-          <a:noFill/>
-        </p:spPr>
-        <p:txBody>
-          <a:bodyPr wrap="square" rtlCol="0">
-            <a:spAutoFit/>
-          </a:bodyPr>
-          <a:lstStyle/>
-          <a:p>
-            <a:r>
-              <a:rPr lang="en-US" altLang="ko-KR" b="1" dirty="0"/>
-              <a:t>Java</a:t>
-            </a:r>
-          </a:p>
-        </p:txBody>
-      </p:sp>
-      <p:sp>
-        <p:nvSpPr>
-          <p:cNvPr id="30" name="TextBox 29">
-            <a:extLst>
-              <a:ext uri="{FF2B5EF4-FFF2-40B4-BE49-F238E27FC236}">
-                <a16:creationId xmlns:a16="http://schemas.microsoft.com/office/drawing/2014/main" id="{8C81F5B3-909E-422D-95B1-0ADF4ADB51CA}"/>
-              </a:ext>
-            </a:extLst>
-          </p:cNvPr>
-          <p:cNvSpPr txBox="1"/>
-          <p:nvPr/>
-        </p:nvSpPr>
-        <p:spPr>
-          <a:xfrm>
-            <a:off x="6712666" y="2132348"/>
-            <a:ext cx="4484309" cy="400110"/>
-          </a:xfrm>
-          <a:prstGeom prst="rect">
-            <a:avLst/>
-          </a:prstGeom>
-          <a:noFill/>
-        </p:spPr>
-        <p:txBody>
-          <a:bodyPr wrap="square" rtlCol="0">
-            <a:spAutoFit/>
-          </a:bodyPr>
-          <a:lstStyle/>
-          <a:p>
-            <a:pPr marL="285750" indent="-285750">
-              <a:buFontTx/>
-              <a:buChar char="-"/>
-            </a:pPr>
-            <a:r>
-              <a:rPr lang="ko-KR" altLang="en-US" sz="1000" dirty="0"/>
-              <a:t>이것이 자바다</a:t>
-            </a:r>
-            <a:endParaRPr lang="en-US" altLang="ko-KR" sz="1000" dirty="0"/>
-          </a:p>
-          <a:p>
-            <a:endParaRPr lang="en-US" altLang="ko-KR" sz="1000" dirty="0"/>
-          </a:p>
-        </p:txBody>
-      </p:sp>
-    </p:spTree>
-    <p:extLst>
-      <p:ext uri="{BB962C8B-B14F-4D97-AF65-F5344CB8AC3E}">
-        <p14:creationId xmlns:p14="http://schemas.microsoft.com/office/powerpoint/2010/main" val="3576967821"/>
-      </p:ext>
-    </p:extLst>
-  </p:cSld>
-  <p:clrMapOvr>
-    <a:masterClrMapping/>
-  </p:clrMapOvr>
-</p:sld>
-</file>
-
-<file path=ppt/slides/slide7.xml><?xml version="1.0" encoding="utf-8"?>
 <p:sld xmlns:a="http://schemas.openxmlformats.org/drawingml/2006/main" xmlns:r="http://schemas.openxmlformats.org/officeDocument/2006/relationships" xmlns:p="http://schemas.openxmlformats.org/presentationml/2006/main">
   <p:cSld>
     <p:spTree>

--- a/오진호 포토폴리오.pptx
+++ b/오진호 포토폴리오.pptx
@@ -5,7 +5,7 @@
     <p:sldMasterId id="2147483648" r:id="rId1"/>
   </p:sldMasterIdLst>
   <p:notesMasterIdLst>
-    <p:notesMasterId r:id="rId8"/>
+    <p:notesMasterId r:id="rId10"/>
   </p:notesMasterIdLst>
   <p:sldIdLst>
     <p:sldId id="256" r:id="rId2"/>
@@ -13,7 +13,9 @@
     <p:sldId id="258" r:id="rId4"/>
     <p:sldId id="260" r:id="rId5"/>
     <p:sldId id="261" r:id="rId6"/>
-    <p:sldId id="264" r:id="rId7"/>
+    <p:sldId id="265" r:id="rId7"/>
+    <p:sldId id="266" r:id="rId8"/>
+    <p:sldId id="264" r:id="rId9"/>
   </p:sldIdLst>
   <p:sldSz cx="12192000" cy="6858000"/>
   <p:notesSz cx="6858000" cy="9144000"/>
@@ -3847,7 +3849,7 @@
         </p:nvSpPr>
         <p:spPr>
           <a:xfrm>
-            <a:off x="5783580" y="979170"/>
+            <a:off x="5783580" y="864324"/>
             <a:ext cx="2735580" cy="523220"/>
           </a:xfrm>
           <a:prstGeom prst="rect">
@@ -3863,25 +3865,49 @@
           <a:p>
             <a:r>
               <a:rPr lang="en-US" altLang="ko-KR" sz="2800" dirty="0">
+                <a:solidFill>
+                  <a:srgbClr val="00B050"/>
+                </a:solidFill>
                 <a:latin typeface="Arial Rounded MT Bold" panose="020F0704030504030204" pitchFamily="34" charset="0"/>
               </a:rPr>
-              <a:t>Hello</a:t>
-            </a:r>
-            <a:r>
-              <a:rPr lang="ko-KR" altLang="en-US" sz="2800" dirty="0">
-                <a:latin typeface="Arial Rounded MT Bold" panose="020F0704030504030204" pitchFamily="34" charset="0"/>
-              </a:rPr>
-              <a:t> </a:t>
+              <a:t>Be</a:t>
             </a:r>
             <a:r>
               <a:rPr lang="en-US" altLang="ko-KR" sz="2800" dirty="0">
                 <a:latin typeface="Arial Rounded MT Bold" panose="020F0704030504030204" pitchFamily="34" charset="0"/>
               </a:rPr>
-              <a:t>World</a:t>
-            </a:r>
-            <a:endParaRPr lang="ko-KR" altLang="en-US" sz="2800" dirty="0">
-              <a:latin typeface="Arial Rounded MT Bold" panose="020F0704030504030204" pitchFamily="34" charset="0"/>
-            </a:endParaRPr>
+              <a:t>st </a:t>
+            </a:r>
+            <a:r>
+              <a:rPr lang="en-US" altLang="ko-KR" sz="2800" dirty="0">
+                <a:solidFill>
+                  <a:srgbClr val="00B050"/>
+                </a:solidFill>
+                <a:latin typeface="Arial Rounded MT Bold" panose="020F0704030504030204" pitchFamily="34" charset="0"/>
+              </a:rPr>
+              <a:t>P</a:t>
+            </a:r>
+            <a:r>
+              <a:rPr lang="en-US" altLang="ko-KR" sz="2800" dirty="0">
+                <a:latin typeface="Arial Rounded MT Bold" panose="020F0704030504030204" pitchFamily="34" charset="0"/>
+              </a:rPr>
+              <a:t>ract</a:t>
+            </a:r>
+            <a:r>
+              <a:rPr lang="en-US" altLang="ko-KR" sz="2800" dirty="0">
+                <a:solidFill>
+                  <a:srgbClr val="00B050"/>
+                </a:solidFill>
+                <a:latin typeface="Arial Rounded MT Bold" panose="020F0704030504030204" pitchFamily="34" charset="0"/>
+              </a:rPr>
+              <a:t>i</a:t>
+            </a:r>
+            <a:r>
+              <a:rPr lang="en-US" altLang="ko-KR" sz="2800" dirty="0">
+                <a:latin typeface="Arial Rounded MT Bold" panose="020F0704030504030204" pitchFamily="34" charset="0"/>
+              </a:rPr>
+              <a:t>ce</a:t>
+            </a:r>
           </a:p>
         </p:txBody>
       </p:sp>
@@ -4036,7 +4062,7 @@
         </p:nvSpPr>
         <p:spPr>
           <a:xfrm>
-            <a:off x="5783580" y="1753717"/>
+            <a:off x="5783580" y="1452700"/>
             <a:ext cx="4317952" cy="646331"/>
           </a:xfrm>
           <a:prstGeom prst="rect">
@@ -8727,7 +8753,7 @@
         <p:spPr>
           <a:xfrm>
             <a:off x="6146599" y="4504178"/>
-            <a:ext cx="5766807" cy="2677656"/>
+            <a:ext cx="5766807" cy="2492990"/>
           </a:xfrm>
           <a:prstGeom prst="rect">
             <a:avLst/>
@@ -8743,22 +8769,31 @@
             <a:endParaRPr lang="en-US" altLang="ko-KR" sz="1200" dirty="0"/>
           </a:p>
           <a:p>
-            <a:pPr marL="228600" indent="-228600">
-              <a:buAutoNum type="arabicPeriod"/>
-            </a:pPr>
-            <a:r>
-              <a:rPr lang="ko-KR" altLang="en-US" sz="1200" dirty="0"/>
+            <a:r>
+              <a:rPr lang="en-US" altLang="ko-KR" sz="1200" b="1" dirty="0"/>
+              <a:t>&lt;</a:t>
+            </a:r>
+            <a:r>
+              <a:rPr lang="ko-KR" altLang="en-US" sz="1200" b="1" dirty="0"/>
+              <a:t>문제 발생</a:t>
+            </a:r>
+            <a:r>
+              <a:rPr lang="en-US" altLang="ko-KR" sz="1200" b="1" dirty="0"/>
+              <a:t>&gt; </a:t>
+            </a:r>
+            <a:r>
+              <a:rPr lang="ko-KR" altLang="en-US" sz="1200" b="1" dirty="0"/>
               <a:t>요청이 들어올 때마다 </a:t>
             </a:r>
             <a:r>
-              <a:rPr lang="ko-KR" altLang="en-US" sz="1200" dirty="0" err="1"/>
+              <a:rPr lang="ko-KR" altLang="en-US" sz="1200" b="1" dirty="0" err="1"/>
               <a:t>크롤링을</a:t>
             </a:r>
             <a:r>
-              <a:rPr lang="ko-KR" altLang="en-US" sz="1200" dirty="0"/>
-              <a:t> 하기 때문에 성능이 느려짐</a:t>
-            </a:r>
-            <a:endParaRPr lang="en-US" altLang="ko-KR" sz="1200" dirty="0"/>
+              <a:rPr lang="ko-KR" altLang="en-US" sz="1200" b="1" dirty="0"/>
+              <a:t> 하기 때문에 속도가 느림</a:t>
+            </a:r>
+            <a:endParaRPr lang="en-US" altLang="ko-KR" sz="1200" b="1" dirty="0"/>
           </a:p>
           <a:p>
             <a:pPr marL="228600" indent="-228600">
@@ -8767,9 +8802,10 @@
             <a:endParaRPr lang="en-US" altLang="ko-KR" sz="1200" dirty="0"/>
           </a:p>
           <a:p>
-            <a:pPr marL="228600" indent="-228600">
-              <a:buAutoNum type="arabicPeriod" startAt="2"/>
-            </a:pPr>
+            <a:r>
+              <a:rPr lang="en-US" altLang="ko-KR" sz="1200" dirty="0"/>
+              <a:t>1. </a:t>
+            </a:r>
             <a:r>
               <a:rPr lang="ko-KR" altLang="en-US" sz="1200" dirty="0"/>
               <a:t>위의 문제를 해결하기 위해 </a:t>
@@ -8795,20 +8831,13 @@
             <a:endParaRPr lang="en-US" altLang="ko-KR" sz="1200" dirty="0"/>
           </a:p>
           <a:p>
-            <a:pPr marL="228600" indent="-228600">
-              <a:buAutoNum type="arabicPeriod" startAt="2"/>
-            </a:pPr>
+            <a:r>
+              <a:rPr lang="en-US" altLang="ko-KR" sz="1200" dirty="0"/>
+              <a:t>2. </a:t>
+            </a:r>
             <a:r>
               <a:rPr lang="ko-KR" altLang="en-US" sz="1200" dirty="0"/>
-              <a:t>자정이 지나면 웹 </a:t>
-            </a:r>
-            <a:r>
-              <a:rPr lang="ko-KR" altLang="en-US" sz="1200" dirty="0" err="1"/>
-              <a:t>크롤링을</a:t>
-            </a:r>
-            <a:r>
-              <a:rPr lang="ko-KR" altLang="en-US" sz="1200" dirty="0"/>
-              <a:t> 시작하여 그 날의 학식 데이터를 데이터 베이스에 저장</a:t>
+              <a:t>자정이 지나면 자동으로 그 날의 학식 데이터를 데이터 베이스에 저장</a:t>
             </a:r>
             <a:r>
               <a:rPr lang="en-US" altLang="ko-KR" sz="1200" dirty="0"/>
@@ -8822,9 +8851,10 @@
             <a:endParaRPr lang="en-US" altLang="ko-KR" sz="1200" dirty="0"/>
           </a:p>
           <a:p>
-            <a:pPr marL="228600" indent="-228600">
-              <a:buAutoNum type="arabicPeriod" startAt="2"/>
-            </a:pPr>
+            <a:r>
+              <a:rPr lang="en-US" altLang="ko-KR" sz="1200" dirty="0"/>
+              <a:t>3. </a:t>
+            </a:r>
             <a:r>
               <a:rPr lang="ko-KR" altLang="en-US" sz="1200" dirty="0"/>
               <a:t>이후 학식 정보를 요청하는 </a:t>
@@ -8835,7 +8865,7 @@
             </a:r>
             <a:r>
               <a:rPr lang="ko-KR" altLang="en-US" sz="1200" dirty="0"/>
-              <a:t>가 들어오면 데이터 베이스에 저장된 데이터를 반환 함</a:t>
+              <a:t>가 들어오면 데이터 베이스에 저장된 정보를 반환 함</a:t>
             </a:r>
             <a:endParaRPr lang="en-US" altLang="ko-KR" sz="1200" dirty="0"/>
           </a:p>
@@ -8920,7 +8950,7 @@
         <p:spPr>
           <a:xfrm>
             <a:off x="8445965" y="3177852"/>
-            <a:ext cx="2957487" cy="276999"/>
+            <a:ext cx="2957487" cy="307777"/>
           </a:xfrm>
           <a:prstGeom prst="rect">
             <a:avLst/>
@@ -8934,8 +8964,16 @@
           <a:lstStyle/>
           <a:p>
             <a:r>
+              <a:rPr lang="ko-KR" altLang="en-US" sz="1400" b="1" dirty="0">
+                <a:solidFill>
+                  <a:srgbClr val="002060"/>
+                </a:solidFill>
+              </a:rPr>
+              <a:t>성능 개선</a:t>
+            </a:r>
+            <a:r>
               <a:rPr lang="ko-KR" altLang="en-US" sz="1200" b="1" dirty="0"/>
-              <a:t>성능 개선을 위한 </a:t>
+              <a:t>을 위한 </a:t>
             </a:r>
             <a:r>
               <a:rPr lang="en-US" altLang="ko-KR" sz="1200" b="1" dirty="0"/>
@@ -8962,6 +9000,1386 @@
 </file>
 
 <file path=ppt/slides/slide6.xml><?xml version="1.0" encoding="utf-8"?>
+<p:sld xmlns:a="http://schemas.openxmlformats.org/drawingml/2006/main" xmlns:r="http://schemas.openxmlformats.org/officeDocument/2006/relationships" xmlns:p="http://schemas.openxmlformats.org/presentationml/2006/main">
+  <p:cSld>
+    <p:spTree>
+      <p:nvGrpSpPr>
+        <p:cNvPr id="1" name=""/>
+        <p:cNvGrpSpPr/>
+        <p:nvPr/>
+      </p:nvGrpSpPr>
+      <p:grpSpPr>
+        <a:xfrm>
+          <a:off x="0" y="0"/>
+          <a:ext cx="0" cy="0"/>
+          <a:chOff x="0" y="0"/>
+          <a:chExt cx="0" cy="0"/>
+        </a:xfrm>
+      </p:grpSpPr>
+      <p:sp>
+        <p:nvSpPr>
+          <p:cNvPr id="4" name="TextBox 3">
+            <a:extLst>
+              <a:ext uri="{FF2B5EF4-FFF2-40B4-BE49-F238E27FC236}">
+                <a16:creationId xmlns:a16="http://schemas.microsoft.com/office/drawing/2014/main" id="{69FE91A0-2471-4BD7-9D1C-6ABE3C9F2579}"/>
+              </a:ext>
+            </a:extLst>
+          </p:cNvPr>
+          <p:cNvSpPr txBox="1"/>
+          <p:nvPr/>
+        </p:nvSpPr>
+        <p:spPr>
+          <a:xfrm>
+            <a:off x="622221" y="485773"/>
+            <a:ext cx="5614695" cy="707886"/>
+          </a:xfrm>
+          <a:prstGeom prst="rect">
+            <a:avLst/>
+          </a:prstGeom>
+          <a:noFill/>
+        </p:spPr>
+        <p:txBody>
+          <a:bodyPr wrap="square" rtlCol="0">
+            <a:spAutoFit/>
+          </a:bodyPr>
+          <a:lstStyle/>
+          <a:p>
+            <a:r>
+              <a:rPr lang="ko-KR" altLang="en-US" sz="4000" b="1" dirty="0">
+                <a:latin typeface="Arial" panose="020B0604020202020204" pitchFamily="34" charset="0"/>
+                <a:cs typeface="Arial" panose="020B0604020202020204" pitchFamily="34" charset="0"/>
+              </a:rPr>
+              <a:t>수업 프로젝트</a:t>
+            </a:r>
+          </a:p>
+        </p:txBody>
+      </p:sp>
+      <p:sp>
+        <p:nvSpPr>
+          <p:cNvPr id="5" name="TextBox 4">
+            <a:extLst>
+              <a:ext uri="{FF2B5EF4-FFF2-40B4-BE49-F238E27FC236}">
+                <a16:creationId xmlns:a16="http://schemas.microsoft.com/office/drawing/2014/main" id="{462493EB-D5F6-4DB4-BB22-2ADD6AEAEA33}"/>
+              </a:ext>
+            </a:extLst>
+          </p:cNvPr>
+          <p:cNvSpPr txBox="1"/>
+          <p:nvPr/>
+        </p:nvSpPr>
+        <p:spPr>
+          <a:xfrm>
+            <a:off x="622221" y="1282966"/>
+            <a:ext cx="10199577" cy="430887"/>
+          </a:xfrm>
+          <a:prstGeom prst="rect">
+            <a:avLst/>
+          </a:prstGeom>
+          <a:noFill/>
+        </p:spPr>
+        <p:txBody>
+          <a:bodyPr wrap="square" rtlCol="0">
+            <a:spAutoFit/>
+          </a:bodyPr>
+          <a:lstStyle/>
+          <a:p>
+            <a:r>
+              <a:rPr lang="ko-KR" altLang="en-US" sz="2200" b="1" dirty="0"/>
+              <a:t>프로젝트 명 </a:t>
+            </a:r>
+            <a:r>
+              <a:rPr lang="en-US" altLang="ko-KR" sz="2200" b="1" dirty="0"/>
+              <a:t>: </a:t>
+            </a:r>
+            <a:r>
+              <a:rPr lang="ko-KR" altLang="en-US" sz="2200" b="1" dirty="0"/>
+              <a:t>세상 소리</a:t>
+            </a:r>
+            <a:r>
+              <a:rPr lang="en-US" altLang="ko-KR" sz="2200" b="1" dirty="0"/>
+              <a:t>(</a:t>
+            </a:r>
+            <a:r>
+              <a:rPr lang="ko-KR" altLang="en-US" sz="2200" b="1" dirty="0" err="1"/>
+              <a:t>저시력자와</a:t>
+            </a:r>
+            <a:r>
+              <a:rPr lang="ko-KR" altLang="en-US" sz="2200" b="1" dirty="0"/>
+              <a:t> 시각 장애인을 위한 뉴스 제공 서비스</a:t>
+            </a:r>
+            <a:r>
+              <a:rPr lang="en-US" altLang="ko-KR" sz="2200" b="1" dirty="0"/>
+              <a:t>)</a:t>
+            </a:r>
+            <a:endParaRPr lang="ko-KR" altLang="en-US" sz="2200" b="1" dirty="0"/>
+          </a:p>
+        </p:txBody>
+      </p:sp>
+      <p:sp>
+        <p:nvSpPr>
+          <p:cNvPr id="7" name="object 6">
+            <a:extLst>
+              <a:ext uri="{FF2B5EF4-FFF2-40B4-BE49-F238E27FC236}">
+                <a16:creationId xmlns:a16="http://schemas.microsoft.com/office/drawing/2014/main" id="{05453229-C69C-46B4-B575-5C14E564D955}"/>
+              </a:ext>
+            </a:extLst>
+          </p:cNvPr>
+          <p:cNvSpPr/>
+          <p:nvPr/>
+        </p:nvSpPr>
+        <p:spPr>
+          <a:xfrm>
+            <a:off x="5977276" y="2040273"/>
+            <a:ext cx="127155" cy="121059"/>
+          </a:xfrm>
+          <a:prstGeom prst="rect">
+            <a:avLst/>
+          </a:prstGeom>
+          <a:blipFill>
+            <a:blip r:embed="rId2" cstate="print"/>
+            <a:stretch>
+              <a:fillRect/>
+            </a:stretch>
+          </a:blipFill>
+        </p:spPr>
+        <p:txBody>
+          <a:bodyPr wrap="square" lIns="0" tIns="0" rIns="0" bIns="0" rtlCol="0"/>
+          <a:lstStyle/>
+          <a:p>
+            <a:endParaRPr/>
+          </a:p>
+        </p:txBody>
+      </p:sp>
+      <p:sp>
+        <p:nvSpPr>
+          <p:cNvPr id="11" name="TextBox 10">
+            <a:extLst>
+              <a:ext uri="{FF2B5EF4-FFF2-40B4-BE49-F238E27FC236}">
+                <a16:creationId xmlns:a16="http://schemas.microsoft.com/office/drawing/2014/main" id="{48B76A10-35E7-4DC2-AF2A-FCBF83B159FB}"/>
+              </a:ext>
+            </a:extLst>
+          </p:cNvPr>
+          <p:cNvSpPr txBox="1"/>
+          <p:nvPr/>
+        </p:nvSpPr>
+        <p:spPr>
+          <a:xfrm>
+            <a:off x="6372837" y="1890180"/>
+            <a:ext cx="2390775" cy="369332"/>
+          </a:xfrm>
+          <a:prstGeom prst="rect">
+            <a:avLst/>
+          </a:prstGeom>
+          <a:noFill/>
+        </p:spPr>
+        <p:txBody>
+          <a:bodyPr wrap="square" rtlCol="0">
+            <a:spAutoFit/>
+          </a:bodyPr>
+          <a:lstStyle/>
+          <a:p>
+            <a:r>
+              <a:rPr lang="ko-KR" altLang="en-US" b="1" dirty="0"/>
+              <a:t>프로젝트 기간</a:t>
+            </a:r>
+            <a:endParaRPr lang="en-US" altLang="ko-KR" b="1" dirty="0"/>
+          </a:p>
+        </p:txBody>
+      </p:sp>
+      <p:sp>
+        <p:nvSpPr>
+          <p:cNvPr id="13" name="TextBox 12">
+            <a:extLst>
+              <a:ext uri="{FF2B5EF4-FFF2-40B4-BE49-F238E27FC236}">
+                <a16:creationId xmlns:a16="http://schemas.microsoft.com/office/drawing/2014/main" id="{E400076C-0F5F-4092-A177-2D82071AB988}"/>
+              </a:ext>
+            </a:extLst>
+          </p:cNvPr>
+          <p:cNvSpPr txBox="1"/>
+          <p:nvPr/>
+        </p:nvSpPr>
+        <p:spPr>
+          <a:xfrm>
+            <a:off x="6393668" y="2259512"/>
+            <a:ext cx="2349112" cy="307777"/>
+          </a:xfrm>
+          <a:prstGeom prst="rect">
+            <a:avLst/>
+          </a:prstGeom>
+          <a:noFill/>
+        </p:spPr>
+        <p:txBody>
+          <a:bodyPr wrap="square" rtlCol="0">
+            <a:spAutoFit/>
+          </a:bodyPr>
+          <a:lstStyle/>
+          <a:p>
+            <a:r>
+              <a:rPr lang="en-US" altLang="ko-KR" sz="1400" dirty="0"/>
+              <a:t>2021. 09 ~ 2021.12</a:t>
+            </a:r>
+            <a:endParaRPr lang="ko-KR" altLang="en-US" sz="1400" dirty="0"/>
+          </a:p>
+        </p:txBody>
+      </p:sp>
+      <p:sp>
+        <p:nvSpPr>
+          <p:cNvPr id="17" name="object 6">
+            <a:extLst>
+              <a:ext uri="{FF2B5EF4-FFF2-40B4-BE49-F238E27FC236}">
+                <a16:creationId xmlns:a16="http://schemas.microsoft.com/office/drawing/2014/main" id="{3FFE767E-0F5C-46D1-9455-679FDE04FD44}"/>
+              </a:ext>
+            </a:extLst>
+          </p:cNvPr>
+          <p:cNvSpPr/>
+          <p:nvPr/>
+        </p:nvSpPr>
+        <p:spPr>
+          <a:xfrm>
+            <a:off x="5977275" y="2889475"/>
+            <a:ext cx="127155" cy="121059"/>
+          </a:xfrm>
+          <a:prstGeom prst="rect">
+            <a:avLst/>
+          </a:prstGeom>
+          <a:blipFill>
+            <a:blip r:embed="rId2" cstate="print"/>
+            <a:stretch>
+              <a:fillRect/>
+            </a:stretch>
+          </a:blipFill>
+        </p:spPr>
+        <p:txBody>
+          <a:bodyPr wrap="square" lIns="0" tIns="0" rIns="0" bIns="0" rtlCol="0"/>
+          <a:lstStyle/>
+          <a:p>
+            <a:endParaRPr/>
+          </a:p>
+        </p:txBody>
+      </p:sp>
+      <p:sp>
+        <p:nvSpPr>
+          <p:cNvPr id="18" name="TextBox 17">
+            <a:extLst>
+              <a:ext uri="{FF2B5EF4-FFF2-40B4-BE49-F238E27FC236}">
+                <a16:creationId xmlns:a16="http://schemas.microsoft.com/office/drawing/2014/main" id="{43A47425-E295-4884-955F-16710AF06B62}"/>
+              </a:ext>
+            </a:extLst>
+          </p:cNvPr>
+          <p:cNvSpPr txBox="1"/>
+          <p:nvPr/>
+        </p:nvSpPr>
+        <p:spPr>
+          <a:xfrm>
+            <a:off x="6372837" y="2764693"/>
+            <a:ext cx="2390775" cy="369332"/>
+          </a:xfrm>
+          <a:prstGeom prst="rect">
+            <a:avLst/>
+          </a:prstGeom>
+          <a:noFill/>
+        </p:spPr>
+        <p:txBody>
+          <a:bodyPr wrap="square" rtlCol="0">
+            <a:spAutoFit/>
+          </a:bodyPr>
+          <a:lstStyle/>
+          <a:p>
+            <a:r>
+              <a:rPr lang="ko-KR" altLang="en-US" b="1" dirty="0"/>
+              <a:t>기술 스택</a:t>
+            </a:r>
+            <a:endParaRPr lang="en-US" altLang="ko-KR" b="1" dirty="0"/>
+          </a:p>
+        </p:txBody>
+      </p:sp>
+      <p:sp>
+        <p:nvSpPr>
+          <p:cNvPr id="19" name="TextBox 18">
+            <a:extLst>
+              <a:ext uri="{FF2B5EF4-FFF2-40B4-BE49-F238E27FC236}">
+                <a16:creationId xmlns:a16="http://schemas.microsoft.com/office/drawing/2014/main" id="{F34D25C7-6AA2-459D-89DC-FE2876FCC063}"/>
+              </a:ext>
+            </a:extLst>
+          </p:cNvPr>
+          <p:cNvSpPr txBox="1"/>
+          <p:nvPr/>
+        </p:nvSpPr>
+        <p:spPr>
+          <a:xfrm>
+            <a:off x="6393667" y="3168601"/>
+            <a:ext cx="5468365" cy="307777"/>
+          </a:xfrm>
+          <a:prstGeom prst="rect">
+            <a:avLst/>
+          </a:prstGeom>
+          <a:noFill/>
+        </p:spPr>
+        <p:txBody>
+          <a:bodyPr wrap="square" rtlCol="0">
+            <a:spAutoFit/>
+          </a:bodyPr>
+          <a:lstStyle/>
+          <a:p>
+            <a:r>
+              <a:rPr lang="en-US" altLang="ko-KR" sz="1400" dirty="0"/>
+              <a:t>Java,</a:t>
+            </a:r>
+            <a:r>
+              <a:rPr lang="ko-KR" altLang="en-US" sz="1400" dirty="0"/>
+              <a:t> </a:t>
+            </a:r>
+            <a:r>
+              <a:rPr lang="en-US" altLang="ko-KR" sz="1400" dirty="0" err="1"/>
+              <a:t>SpringBoot</a:t>
+            </a:r>
+            <a:r>
+              <a:rPr lang="en-US" altLang="ko-KR" sz="1400" dirty="0"/>
+              <a:t>,</a:t>
+            </a:r>
+            <a:r>
+              <a:rPr lang="ko-KR" altLang="en-US" sz="1400" dirty="0"/>
+              <a:t> </a:t>
+            </a:r>
+            <a:r>
+              <a:rPr lang="en-US" altLang="ko-KR" sz="1400" dirty="0" err="1"/>
+              <a:t>Jsoup</a:t>
+            </a:r>
+            <a:r>
+              <a:rPr lang="en-US" altLang="ko-KR" sz="1400" dirty="0"/>
+              <a:t>, TTS </a:t>
+            </a:r>
+            <a:r>
+              <a:rPr lang="ko-KR" altLang="en-US" sz="1400" dirty="0"/>
+              <a:t>라이브러리</a:t>
+            </a:r>
+            <a:r>
+              <a:rPr lang="en-US" altLang="ko-KR" sz="1400" dirty="0"/>
+              <a:t>, </a:t>
+            </a:r>
+            <a:r>
+              <a:rPr lang="en-US" altLang="ko-KR" sz="1400" dirty="0" err="1"/>
+              <a:t>JsonObject</a:t>
+            </a:r>
+            <a:r>
+              <a:rPr lang="en-US" altLang="ko-KR" sz="1400" dirty="0"/>
+              <a:t> </a:t>
+            </a:r>
+            <a:r>
+              <a:rPr lang="ko-KR" altLang="en-US" sz="1400" dirty="0"/>
+              <a:t>라이브러리</a:t>
+            </a:r>
+          </a:p>
+        </p:txBody>
+      </p:sp>
+      <p:sp>
+        <p:nvSpPr>
+          <p:cNvPr id="20" name="object 6">
+            <a:extLst>
+              <a:ext uri="{FF2B5EF4-FFF2-40B4-BE49-F238E27FC236}">
+                <a16:creationId xmlns:a16="http://schemas.microsoft.com/office/drawing/2014/main" id="{439DEE50-AA2F-41D9-AE3A-503F35537DCF}"/>
+              </a:ext>
+            </a:extLst>
+          </p:cNvPr>
+          <p:cNvSpPr/>
+          <p:nvPr/>
+        </p:nvSpPr>
+        <p:spPr>
+          <a:xfrm>
+            <a:off x="5977274" y="3772752"/>
+            <a:ext cx="127155" cy="121059"/>
+          </a:xfrm>
+          <a:prstGeom prst="rect">
+            <a:avLst/>
+          </a:prstGeom>
+          <a:blipFill>
+            <a:blip r:embed="rId2" cstate="print"/>
+            <a:stretch>
+              <a:fillRect/>
+            </a:stretch>
+          </a:blipFill>
+        </p:spPr>
+        <p:txBody>
+          <a:bodyPr wrap="square" lIns="0" tIns="0" rIns="0" bIns="0" rtlCol="0"/>
+          <a:lstStyle/>
+          <a:p>
+            <a:endParaRPr/>
+          </a:p>
+        </p:txBody>
+      </p:sp>
+      <p:sp>
+        <p:nvSpPr>
+          <p:cNvPr id="21" name="TextBox 20">
+            <a:extLst>
+              <a:ext uri="{FF2B5EF4-FFF2-40B4-BE49-F238E27FC236}">
+                <a16:creationId xmlns:a16="http://schemas.microsoft.com/office/drawing/2014/main" id="{5C109568-ED4B-474C-B8FC-D8DF923E81CF}"/>
+              </a:ext>
+            </a:extLst>
+          </p:cNvPr>
+          <p:cNvSpPr txBox="1"/>
+          <p:nvPr/>
+        </p:nvSpPr>
+        <p:spPr>
+          <a:xfrm>
+            <a:off x="6393668" y="3618411"/>
+            <a:ext cx="2390775" cy="369332"/>
+          </a:xfrm>
+          <a:prstGeom prst="rect">
+            <a:avLst/>
+          </a:prstGeom>
+          <a:noFill/>
+        </p:spPr>
+        <p:txBody>
+          <a:bodyPr wrap="square" rtlCol="0">
+            <a:spAutoFit/>
+          </a:bodyPr>
+          <a:lstStyle/>
+          <a:p>
+            <a:r>
+              <a:rPr lang="ko-KR" altLang="en-US" b="1" dirty="0"/>
+              <a:t>프로젝트 개요</a:t>
+            </a:r>
+            <a:endParaRPr lang="en-US" altLang="ko-KR" b="1" dirty="0"/>
+          </a:p>
+        </p:txBody>
+      </p:sp>
+      <p:sp>
+        <p:nvSpPr>
+          <p:cNvPr id="22" name="TextBox 21">
+            <a:extLst>
+              <a:ext uri="{FF2B5EF4-FFF2-40B4-BE49-F238E27FC236}">
+                <a16:creationId xmlns:a16="http://schemas.microsoft.com/office/drawing/2014/main" id="{9EF88A96-EB2F-45F6-B26D-067646A3588B}"/>
+              </a:ext>
+            </a:extLst>
+          </p:cNvPr>
+          <p:cNvSpPr txBox="1"/>
+          <p:nvPr/>
+        </p:nvSpPr>
+        <p:spPr>
+          <a:xfrm>
+            <a:off x="6372836" y="4002801"/>
+            <a:ext cx="5316243" cy="1200329"/>
+          </a:xfrm>
+          <a:prstGeom prst="rect">
+            <a:avLst/>
+          </a:prstGeom>
+          <a:noFill/>
+        </p:spPr>
+        <p:txBody>
+          <a:bodyPr wrap="square" rtlCol="0">
+            <a:spAutoFit/>
+          </a:bodyPr>
+          <a:lstStyle/>
+          <a:p>
+            <a:r>
+              <a:rPr lang="ko-KR" altLang="en-US" sz="1200" dirty="0" err="1"/>
+              <a:t>저시력자와</a:t>
+            </a:r>
+            <a:r>
+              <a:rPr lang="ko-KR" altLang="en-US" sz="1200" dirty="0"/>
+              <a:t> 시각 장애인을 위해 뉴스 서비스를 제공하는 서비스입니다</a:t>
+            </a:r>
+            <a:r>
+              <a:rPr lang="en-US" altLang="ko-KR" sz="1200" dirty="0"/>
+              <a:t>.</a:t>
+            </a:r>
+          </a:p>
+          <a:p>
+            <a:endParaRPr lang="en-US" altLang="ko-KR" sz="1200" dirty="0"/>
+          </a:p>
+          <a:p>
+            <a:pPr marL="228600" indent="-228600">
+              <a:buAutoNum type="arabicPeriod"/>
+            </a:pPr>
+            <a:r>
+              <a:rPr lang="ko-KR" altLang="en-US" sz="1200" dirty="0"/>
+              <a:t>뉴스를 음성으로 출력해주는 기능을 구현하였습니다</a:t>
+            </a:r>
+            <a:r>
+              <a:rPr lang="en-US" altLang="ko-KR" sz="1200" dirty="0"/>
+              <a:t>.</a:t>
+            </a:r>
+          </a:p>
+          <a:p>
+            <a:pPr marL="228600" indent="-228600">
+              <a:buAutoNum type="arabicPeriod"/>
+            </a:pPr>
+            <a:endParaRPr lang="en-US" altLang="ko-KR" sz="1200" dirty="0"/>
+          </a:p>
+          <a:p>
+            <a:pPr marL="228600" indent="-228600">
+              <a:buAutoNum type="arabicPeriod"/>
+            </a:pPr>
+            <a:r>
+              <a:rPr lang="ko-KR" altLang="en-US" sz="1200" dirty="0"/>
+              <a:t>뉴스 내용을 점자로 변환한 후 </a:t>
+            </a:r>
+            <a:r>
+              <a:rPr lang="en-US" altLang="ko-KR" sz="1200" dirty="0"/>
+              <a:t>Json</a:t>
+            </a:r>
+            <a:r>
+              <a:rPr lang="ko-KR" altLang="en-US" sz="1200" dirty="0"/>
+              <a:t>형태의 파일로 제공합니다</a:t>
+            </a:r>
+            <a:r>
+              <a:rPr lang="en-US" altLang="ko-KR" sz="1200" dirty="0"/>
+              <a:t>.</a:t>
+            </a:r>
+            <a:r>
+              <a:rPr lang="ko-KR" altLang="en-US" sz="1200" dirty="0"/>
+              <a:t> </a:t>
+            </a:r>
+            <a:endParaRPr lang="en-US" altLang="ko-KR" sz="1200" dirty="0"/>
+          </a:p>
+          <a:p>
+            <a:pPr marL="171450" indent="-171450">
+              <a:buFont typeface="Arial" panose="020B0604020202020204" pitchFamily="34" charset="0"/>
+              <a:buChar char="•"/>
+            </a:pPr>
+            <a:endParaRPr lang="en-US" altLang="ko-KR" sz="1200" dirty="0"/>
+          </a:p>
+        </p:txBody>
+      </p:sp>
+      <p:sp>
+        <p:nvSpPr>
+          <p:cNvPr id="23" name="object 6">
+            <a:extLst>
+              <a:ext uri="{FF2B5EF4-FFF2-40B4-BE49-F238E27FC236}">
+                <a16:creationId xmlns:a16="http://schemas.microsoft.com/office/drawing/2014/main" id="{B1AADEE6-DBEB-42E0-87F8-D260129E2BA8}"/>
+              </a:ext>
+            </a:extLst>
+          </p:cNvPr>
+          <p:cNvSpPr/>
+          <p:nvPr/>
+        </p:nvSpPr>
+        <p:spPr>
+          <a:xfrm>
+            <a:off x="5978052" y="5341056"/>
+            <a:ext cx="127155" cy="121059"/>
+          </a:xfrm>
+          <a:prstGeom prst="rect">
+            <a:avLst/>
+          </a:prstGeom>
+          <a:blipFill>
+            <a:blip r:embed="rId2" cstate="print"/>
+            <a:stretch>
+              <a:fillRect/>
+            </a:stretch>
+          </a:blipFill>
+        </p:spPr>
+        <p:txBody>
+          <a:bodyPr wrap="square" lIns="0" tIns="0" rIns="0" bIns="0" rtlCol="0"/>
+          <a:lstStyle/>
+          <a:p>
+            <a:endParaRPr/>
+          </a:p>
+        </p:txBody>
+      </p:sp>
+      <p:sp>
+        <p:nvSpPr>
+          <p:cNvPr id="24" name="TextBox 23">
+            <a:extLst>
+              <a:ext uri="{FF2B5EF4-FFF2-40B4-BE49-F238E27FC236}">
+                <a16:creationId xmlns:a16="http://schemas.microsoft.com/office/drawing/2014/main" id="{B6002A62-FFDD-4FC0-8B75-67D4CDA6615E}"/>
+              </a:ext>
+            </a:extLst>
+          </p:cNvPr>
+          <p:cNvSpPr txBox="1"/>
+          <p:nvPr/>
+        </p:nvSpPr>
+        <p:spPr>
+          <a:xfrm>
+            <a:off x="6372838" y="5216920"/>
+            <a:ext cx="2390775" cy="369332"/>
+          </a:xfrm>
+          <a:prstGeom prst="rect">
+            <a:avLst/>
+          </a:prstGeom>
+          <a:noFill/>
+        </p:spPr>
+        <p:txBody>
+          <a:bodyPr wrap="square" rtlCol="0">
+            <a:spAutoFit/>
+          </a:bodyPr>
+          <a:lstStyle/>
+          <a:p>
+            <a:r>
+              <a:rPr lang="ko-KR" altLang="en-US" b="1" dirty="0"/>
+              <a:t>나의 구현 내용</a:t>
+            </a:r>
+            <a:endParaRPr lang="en-US" altLang="ko-KR" b="1" dirty="0"/>
+          </a:p>
+        </p:txBody>
+      </p:sp>
+      <p:sp>
+        <p:nvSpPr>
+          <p:cNvPr id="25" name="TextBox 24">
+            <a:extLst>
+              <a:ext uri="{FF2B5EF4-FFF2-40B4-BE49-F238E27FC236}">
+                <a16:creationId xmlns:a16="http://schemas.microsoft.com/office/drawing/2014/main" id="{60A8802D-994C-46BB-8F06-E3B54DD130A8}"/>
+              </a:ext>
+            </a:extLst>
+          </p:cNvPr>
+          <p:cNvSpPr txBox="1"/>
+          <p:nvPr/>
+        </p:nvSpPr>
+        <p:spPr>
+          <a:xfrm>
+            <a:off x="6393667" y="5654832"/>
+            <a:ext cx="4670573" cy="1015663"/>
+          </a:xfrm>
+          <a:prstGeom prst="rect">
+            <a:avLst/>
+          </a:prstGeom>
+          <a:noFill/>
+        </p:spPr>
+        <p:txBody>
+          <a:bodyPr wrap="square" rtlCol="0">
+            <a:spAutoFit/>
+          </a:bodyPr>
+          <a:lstStyle/>
+          <a:p>
+            <a:r>
+              <a:rPr lang="ko-KR" altLang="en-US" sz="1200" dirty="0"/>
+              <a:t>⨀ </a:t>
+            </a:r>
+            <a:r>
+              <a:rPr lang="en-US" altLang="ko-KR" sz="1200" dirty="0" err="1"/>
+              <a:t>Jsoup</a:t>
+            </a:r>
+            <a:r>
+              <a:rPr lang="en-US" altLang="ko-KR" sz="1200" dirty="0"/>
+              <a:t> </a:t>
+            </a:r>
+            <a:r>
+              <a:rPr lang="ko-KR" altLang="en-US" sz="1200" dirty="0"/>
+              <a:t>라이브러리를 이용한 웹 </a:t>
+            </a:r>
+            <a:r>
+              <a:rPr lang="ko-KR" altLang="en-US" sz="1200" dirty="0" err="1"/>
+              <a:t>크롤링</a:t>
+            </a:r>
+            <a:endParaRPr lang="en-US" altLang="ko-KR" sz="1200" dirty="0"/>
+          </a:p>
+          <a:p>
+            <a:endParaRPr lang="en-US" altLang="ko-KR" sz="1200" dirty="0"/>
+          </a:p>
+          <a:p>
+            <a:r>
+              <a:rPr lang="ko-KR" altLang="en-US" sz="1200" dirty="0"/>
+              <a:t>⨀ </a:t>
+            </a:r>
+            <a:r>
+              <a:rPr lang="en-US" altLang="ko-KR" sz="1200" dirty="0"/>
+              <a:t>TTS </a:t>
+            </a:r>
+            <a:r>
+              <a:rPr lang="ko-KR" altLang="en-US" sz="1200" dirty="0"/>
+              <a:t>라이브러리를 통해 뉴스 내용을 음성 파일로 변경 및 저장</a:t>
+            </a:r>
+            <a:endParaRPr lang="en-US" altLang="ko-KR" sz="1200" dirty="0"/>
+          </a:p>
+          <a:p>
+            <a:endParaRPr lang="en-US" altLang="ko-KR" sz="1200" dirty="0"/>
+          </a:p>
+          <a:p>
+            <a:r>
+              <a:rPr lang="ko-KR" altLang="en-US" sz="1200" dirty="0"/>
+              <a:t>⨀ 뉴스 본문을 점자로 변환한 후 </a:t>
+            </a:r>
+            <a:r>
+              <a:rPr lang="en-US" altLang="ko-KR" sz="1200" dirty="0"/>
+              <a:t>Json</a:t>
+            </a:r>
+            <a:r>
+              <a:rPr lang="ko-KR" altLang="en-US" sz="1200" dirty="0"/>
+              <a:t>형태로 저장 </a:t>
+            </a:r>
+          </a:p>
+        </p:txBody>
+      </p:sp>
+      <p:pic>
+        <p:nvPicPr>
+          <p:cNvPr id="3" name="그림 2" descr="텍스트이(가) 표시된 사진&#10;&#10;자동 생성된 설명">
+            <a:extLst>
+              <a:ext uri="{FF2B5EF4-FFF2-40B4-BE49-F238E27FC236}">
+                <a16:creationId xmlns:a16="http://schemas.microsoft.com/office/drawing/2014/main" id="{B26878E0-79CA-488B-9669-81429086CBBD}"/>
+              </a:ext>
+            </a:extLst>
+          </p:cNvPr>
+          <p:cNvPicPr>
+            <a:picLocks noChangeAspect="1"/>
+          </p:cNvPicPr>
+          <p:nvPr/>
+        </p:nvPicPr>
+        <p:blipFill>
+          <a:blip r:embed="rId3">
+            <a:extLst>
+              <a:ext uri="{28A0092B-C50C-407E-A947-70E740481C1C}">
+                <a14:useLocalDpi xmlns:a14="http://schemas.microsoft.com/office/drawing/2010/main" val="0"/>
+              </a:ext>
+            </a:extLst>
+          </a:blip>
+          <a:stretch>
+            <a:fillRect/>
+          </a:stretch>
+        </p:blipFill>
+        <p:spPr>
+          <a:xfrm>
+            <a:off x="899856" y="2102233"/>
+            <a:ext cx="4454554" cy="2666673"/>
+          </a:xfrm>
+          <a:prstGeom prst="rect">
+            <a:avLst/>
+          </a:prstGeom>
+        </p:spPr>
+      </p:pic>
+      <p:pic>
+        <p:nvPicPr>
+          <p:cNvPr id="10" name="그림 9" descr="텍스트, 클립아트, 스크린샷이(가) 표시된 사진&#10;&#10;자동 생성된 설명">
+            <a:extLst>
+              <a:ext uri="{FF2B5EF4-FFF2-40B4-BE49-F238E27FC236}">
+                <a16:creationId xmlns:a16="http://schemas.microsoft.com/office/drawing/2014/main" id="{0371FB54-97D3-491F-972A-447EA7E9DDF2}"/>
+              </a:ext>
+            </a:extLst>
+          </p:cNvPr>
+          <p:cNvPicPr>
+            <a:picLocks noChangeAspect="1"/>
+          </p:cNvPicPr>
+          <p:nvPr/>
+        </p:nvPicPr>
+        <p:blipFill>
+          <a:blip r:embed="rId4">
+            <a:extLst>
+              <a:ext uri="{28A0092B-C50C-407E-A947-70E740481C1C}">
+                <a14:useLocalDpi xmlns:a14="http://schemas.microsoft.com/office/drawing/2010/main" val="0"/>
+              </a:ext>
+            </a:extLst>
+          </a:blip>
+          <a:stretch>
+            <a:fillRect/>
+          </a:stretch>
+        </p:blipFill>
+        <p:spPr>
+          <a:xfrm>
+            <a:off x="899856" y="4711473"/>
+            <a:ext cx="4454554" cy="1739661"/>
+          </a:xfrm>
+          <a:prstGeom prst="rect">
+            <a:avLst/>
+          </a:prstGeom>
+        </p:spPr>
+      </p:pic>
+    </p:spTree>
+    <p:extLst>
+      <p:ext uri="{BB962C8B-B14F-4D97-AF65-F5344CB8AC3E}">
+        <p14:creationId xmlns:p14="http://schemas.microsoft.com/office/powerpoint/2010/main" val="1247076964"/>
+      </p:ext>
+    </p:extLst>
+  </p:cSld>
+  <p:clrMapOvr>
+    <a:masterClrMapping/>
+  </p:clrMapOvr>
+</p:sld>
+</file>
+
+<file path=ppt/slides/slide7.xml><?xml version="1.0" encoding="utf-8"?>
+<p:sld xmlns:a="http://schemas.openxmlformats.org/drawingml/2006/main" xmlns:r="http://schemas.openxmlformats.org/officeDocument/2006/relationships" xmlns:p="http://schemas.openxmlformats.org/presentationml/2006/main">
+  <p:cSld>
+    <p:spTree>
+      <p:nvGrpSpPr>
+        <p:cNvPr id="1" name=""/>
+        <p:cNvGrpSpPr/>
+        <p:nvPr/>
+      </p:nvGrpSpPr>
+      <p:grpSpPr>
+        <a:xfrm>
+          <a:off x="0" y="0"/>
+          <a:ext cx="0" cy="0"/>
+          <a:chOff x="0" y="0"/>
+          <a:chExt cx="0" cy="0"/>
+        </a:xfrm>
+      </p:grpSpPr>
+      <p:sp>
+        <p:nvSpPr>
+          <p:cNvPr id="4" name="object 6">
+            <a:extLst>
+              <a:ext uri="{FF2B5EF4-FFF2-40B4-BE49-F238E27FC236}">
+                <a16:creationId xmlns:a16="http://schemas.microsoft.com/office/drawing/2014/main" id="{A545290D-3CA4-4FA2-95E8-9278EA4D17BD}"/>
+              </a:ext>
+            </a:extLst>
+          </p:cNvPr>
+          <p:cNvSpPr/>
+          <p:nvPr/>
+        </p:nvSpPr>
+        <p:spPr>
+          <a:xfrm>
+            <a:off x="6019445" y="701789"/>
+            <a:ext cx="127155" cy="121059"/>
+          </a:xfrm>
+          <a:prstGeom prst="rect">
+            <a:avLst/>
+          </a:prstGeom>
+          <a:blipFill>
+            <a:blip r:embed="rId2" cstate="print"/>
+            <a:stretch>
+              <a:fillRect/>
+            </a:stretch>
+          </a:blipFill>
+        </p:spPr>
+        <p:txBody>
+          <a:bodyPr wrap="square" lIns="0" tIns="0" rIns="0" bIns="0" rtlCol="0"/>
+          <a:lstStyle/>
+          <a:p>
+            <a:endParaRPr/>
+          </a:p>
+        </p:txBody>
+      </p:sp>
+      <p:sp>
+        <p:nvSpPr>
+          <p:cNvPr id="5" name="TextBox 4">
+            <a:extLst>
+              <a:ext uri="{FF2B5EF4-FFF2-40B4-BE49-F238E27FC236}">
+                <a16:creationId xmlns:a16="http://schemas.microsoft.com/office/drawing/2014/main" id="{8CC82E3D-6DE0-4E9E-84B2-A115D86CD670}"/>
+              </a:ext>
+            </a:extLst>
+          </p:cNvPr>
+          <p:cNvSpPr txBox="1"/>
+          <p:nvPr/>
+        </p:nvSpPr>
+        <p:spPr>
+          <a:xfrm>
+            <a:off x="6234598" y="577652"/>
+            <a:ext cx="5766807" cy="369332"/>
+          </a:xfrm>
+          <a:prstGeom prst="rect">
+            <a:avLst/>
+          </a:prstGeom>
+          <a:noFill/>
+        </p:spPr>
+        <p:txBody>
+          <a:bodyPr wrap="square" rtlCol="0">
+            <a:spAutoFit/>
+          </a:bodyPr>
+          <a:lstStyle/>
+          <a:p>
+            <a:r>
+              <a:rPr lang="ko-KR" altLang="en-US" sz="1800" b="1" dirty="0"/>
+              <a:t>웹 </a:t>
+            </a:r>
+            <a:r>
+              <a:rPr lang="ko-KR" altLang="en-US" sz="1800" b="1" dirty="0" err="1"/>
+              <a:t>크롤링</a:t>
+            </a:r>
+            <a:r>
+              <a:rPr lang="ko-KR" altLang="en-US" sz="1800" b="1" dirty="0"/>
+              <a:t> 및 음성 파일로 변환</a:t>
+            </a:r>
+            <a:endParaRPr lang="en-US" altLang="ko-KR" sz="1800" b="1" dirty="0"/>
+          </a:p>
+        </p:txBody>
+      </p:sp>
+      <p:sp>
+        <p:nvSpPr>
+          <p:cNvPr id="6" name="TextBox 5">
+            <a:extLst>
+              <a:ext uri="{FF2B5EF4-FFF2-40B4-BE49-F238E27FC236}">
+                <a16:creationId xmlns:a16="http://schemas.microsoft.com/office/drawing/2014/main" id="{2F20D144-5A52-4928-B643-7010AFB681FA}"/>
+              </a:ext>
+            </a:extLst>
+          </p:cNvPr>
+          <p:cNvSpPr txBox="1"/>
+          <p:nvPr/>
+        </p:nvSpPr>
+        <p:spPr>
+          <a:xfrm>
+            <a:off x="6146599" y="1035246"/>
+            <a:ext cx="5766807" cy="1569660"/>
+          </a:xfrm>
+          <a:prstGeom prst="rect">
+            <a:avLst/>
+          </a:prstGeom>
+          <a:noFill/>
+        </p:spPr>
+        <p:txBody>
+          <a:bodyPr wrap="square" rtlCol="0">
+            <a:spAutoFit/>
+          </a:bodyPr>
+          <a:lstStyle/>
+          <a:p>
+            <a:r>
+              <a:rPr lang="ko-KR" altLang="en-US" sz="1200" b="1" dirty="0"/>
+              <a:t>뉴스 내용을 음성 파일로 읽어주는 기능을 구현합니다</a:t>
+            </a:r>
+            <a:endParaRPr lang="en-US" altLang="ko-KR" sz="1200" b="1" dirty="0"/>
+          </a:p>
+          <a:p>
+            <a:endParaRPr lang="en-US" altLang="ko-KR" sz="1200" dirty="0"/>
+          </a:p>
+          <a:p>
+            <a:pPr marL="228600" indent="-228600">
+              <a:buAutoNum type="arabicPeriod"/>
+            </a:pPr>
+            <a:r>
+              <a:rPr lang="en-US" altLang="ko-KR" sz="1200" dirty="0"/>
+              <a:t>@Scheduled </a:t>
+            </a:r>
+            <a:r>
+              <a:rPr lang="ko-KR" altLang="en-US" sz="1200" dirty="0" err="1"/>
+              <a:t>어노테이션을</a:t>
+            </a:r>
+            <a:r>
+              <a:rPr lang="ko-KR" altLang="en-US" sz="1200" dirty="0"/>
+              <a:t> 통해 </a:t>
+            </a:r>
+            <a:r>
+              <a:rPr lang="en-US" altLang="ko-KR" sz="1200" dirty="0"/>
+              <a:t>1</a:t>
+            </a:r>
+            <a:r>
+              <a:rPr lang="ko-KR" altLang="en-US" sz="1200" dirty="0"/>
+              <a:t>시간마다 뉴스 내용을 갱신합니다</a:t>
+            </a:r>
+            <a:r>
+              <a:rPr lang="en-US" altLang="ko-KR" sz="1200" dirty="0"/>
+              <a:t>.</a:t>
+            </a:r>
+          </a:p>
+          <a:p>
+            <a:pPr marL="228600" indent="-228600">
+              <a:buAutoNum type="arabicPeriod" startAt="2"/>
+            </a:pPr>
+            <a:endParaRPr lang="en-US" altLang="ko-KR" sz="1200" dirty="0"/>
+          </a:p>
+          <a:p>
+            <a:pPr marL="228600" indent="-228600">
+              <a:buAutoNum type="arabicPeriod" startAt="2"/>
+            </a:pPr>
+            <a:r>
+              <a:rPr lang="en-US" altLang="ko-KR" sz="1200" dirty="0" err="1"/>
+              <a:t>Jsoup</a:t>
+            </a:r>
+            <a:r>
+              <a:rPr lang="en-US" altLang="ko-KR" sz="1200" dirty="0"/>
+              <a:t> </a:t>
+            </a:r>
+            <a:r>
+              <a:rPr lang="ko-KR" altLang="en-US" sz="1200" dirty="0"/>
+              <a:t>라이브러리를 통해 뉴스 데이터를 가져옵니다</a:t>
+            </a:r>
+            <a:r>
+              <a:rPr lang="en-US" altLang="ko-KR" sz="1200" dirty="0"/>
+              <a:t>.</a:t>
+            </a:r>
+          </a:p>
+          <a:p>
+            <a:pPr marL="228600" indent="-228600">
+              <a:buAutoNum type="arabicPeriod" startAt="2"/>
+            </a:pPr>
+            <a:endParaRPr lang="en-US" altLang="ko-KR" sz="1200" dirty="0"/>
+          </a:p>
+          <a:p>
+            <a:pPr marL="228600" indent="-228600">
+              <a:buAutoNum type="arabicPeriod" startAt="2"/>
+            </a:pPr>
+            <a:r>
+              <a:rPr lang="en-US" altLang="ko-KR" sz="1200" dirty="0"/>
+              <a:t>TTS </a:t>
+            </a:r>
+            <a:r>
+              <a:rPr lang="ko-KR" altLang="en-US" sz="1200" dirty="0"/>
+              <a:t>라이브러리를 통해 해당 데이터를 음성 파일로 변경 한 후 저장합니다</a:t>
+            </a:r>
+            <a:r>
+              <a:rPr lang="en-US" altLang="ko-KR" sz="1200" dirty="0"/>
+              <a:t>.</a:t>
+            </a:r>
+          </a:p>
+          <a:p>
+            <a:pPr marL="228600" indent="-228600">
+              <a:buAutoNum type="arabicPeriod" startAt="2"/>
+            </a:pPr>
+            <a:endParaRPr lang="en-US" altLang="ko-KR" sz="1200" dirty="0"/>
+          </a:p>
+        </p:txBody>
+      </p:sp>
+      <p:sp>
+        <p:nvSpPr>
+          <p:cNvPr id="9" name="object 6">
+            <a:extLst>
+              <a:ext uri="{FF2B5EF4-FFF2-40B4-BE49-F238E27FC236}">
+                <a16:creationId xmlns:a16="http://schemas.microsoft.com/office/drawing/2014/main" id="{20C5B563-C6B2-4C9C-97DF-67A89993BD55}"/>
+              </a:ext>
+            </a:extLst>
+          </p:cNvPr>
+          <p:cNvSpPr/>
+          <p:nvPr/>
+        </p:nvSpPr>
+        <p:spPr>
+          <a:xfrm>
+            <a:off x="6019445" y="2885597"/>
+            <a:ext cx="127155" cy="112339"/>
+          </a:xfrm>
+          <a:prstGeom prst="rect">
+            <a:avLst/>
+          </a:prstGeom>
+          <a:blipFill>
+            <a:blip r:embed="rId2" cstate="print"/>
+            <a:stretch>
+              <a:fillRect/>
+            </a:stretch>
+          </a:blipFill>
+        </p:spPr>
+        <p:txBody>
+          <a:bodyPr wrap="square" lIns="0" tIns="0" rIns="0" bIns="0" rtlCol="0"/>
+          <a:lstStyle/>
+          <a:p>
+            <a:endParaRPr/>
+          </a:p>
+        </p:txBody>
+      </p:sp>
+      <p:sp>
+        <p:nvSpPr>
+          <p:cNvPr id="10" name="TextBox 9">
+            <a:extLst>
+              <a:ext uri="{FF2B5EF4-FFF2-40B4-BE49-F238E27FC236}">
+                <a16:creationId xmlns:a16="http://schemas.microsoft.com/office/drawing/2014/main" id="{6DD1D900-F4B9-408C-BBCA-7430E6C3E24C}"/>
+              </a:ext>
+            </a:extLst>
+          </p:cNvPr>
+          <p:cNvSpPr txBox="1"/>
+          <p:nvPr/>
+        </p:nvSpPr>
+        <p:spPr>
+          <a:xfrm>
+            <a:off x="6234598" y="2761460"/>
+            <a:ext cx="5241363" cy="369332"/>
+          </a:xfrm>
+          <a:prstGeom prst="rect">
+            <a:avLst/>
+          </a:prstGeom>
+          <a:noFill/>
+        </p:spPr>
+        <p:txBody>
+          <a:bodyPr wrap="square" rtlCol="0">
+            <a:spAutoFit/>
+          </a:bodyPr>
+          <a:lstStyle/>
+          <a:p>
+            <a:r>
+              <a:rPr lang="ko-KR" altLang="en-US" sz="1800" b="1" dirty="0"/>
+              <a:t>점자 변환 및 </a:t>
+            </a:r>
+            <a:r>
+              <a:rPr lang="en-US" altLang="ko-KR" sz="1800" b="1" dirty="0"/>
+              <a:t>Json </a:t>
+            </a:r>
+            <a:r>
+              <a:rPr lang="ko-KR" altLang="en-US" b="1" dirty="0"/>
+              <a:t>형식의</a:t>
+            </a:r>
+            <a:r>
+              <a:rPr lang="ko-KR" altLang="en-US" sz="1800" b="1" dirty="0"/>
+              <a:t> 파일로 변환</a:t>
+            </a:r>
+            <a:endParaRPr lang="en-US" altLang="ko-KR" sz="1800" b="1" dirty="0"/>
+          </a:p>
+        </p:txBody>
+      </p:sp>
+      <p:sp>
+        <p:nvSpPr>
+          <p:cNvPr id="11" name="TextBox 10">
+            <a:extLst>
+              <a:ext uri="{FF2B5EF4-FFF2-40B4-BE49-F238E27FC236}">
+                <a16:creationId xmlns:a16="http://schemas.microsoft.com/office/drawing/2014/main" id="{04A25905-51E5-40DF-9276-A01D5AE50313}"/>
+              </a:ext>
+            </a:extLst>
+          </p:cNvPr>
+          <p:cNvSpPr txBox="1"/>
+          <p:nvPr/>
+        </p:nvSpPr>
+        <p:spPr>
+          <a:xfrm>
+            <a:off x="6146599" y="3219054"/>
+            <a:ext cx="5766807" cy="3231654"/>
+          </a:xfrm>
+          <a:prstGeom prst="rect">
+            <a:avLst/>
+          </a:prstGeom>
+          <a:noFill/>
+        </p:spPr>
+        <p:txBody>
+          <a:bodyPr wrap="square" rtlCol="0">
+            <a:spAutoFit/>
+          </a:bodyPr>
+          <a:lstStyle/>
+          <a:p>
+            <a:r>
+              <a:rPr lang="ko-KR" altLang="en-US" sz="1200" b="1" dirty="0"/>
+              <a:t>점자 프린팅을 위해 뉴스 내용을 점자로 변환한 후 그 내용을 </a:t>
+            </a:r>
+            <a:r>
+              <a:rPr lang="en-US" altLang="ko-KR" sz="1200" b="1" dirty="0"/>
+              <a:t>Json</a:t>
+            </a:r>
+            <a:r>
+              <a:rPr lang="ko-KR" altLang="en-US" sz="1200" b="1" dirty="0"/>
+              <a:t>형태의 파일로 제공합니다</a:t>
+            </a:r>
+            <a:r>
+              <a:rPr lang="en-US" altLang="ko-KR" sz="1200" b="1" dirty="0"/>
+              <a:t>.</a:t>
+            </a:r>
+          </a:p>
+          <a:p>
+            <a:endParaRPr lang="en-US" altLang="ko-KR" sz="1200" b="1" dirty="0"/>
+          </a:p>
+          <a:p>
+            <a:pPr marL="228600" indent="-228600">
+              <a:buAutoNum type="arabicPeriod"/>
+            </a:pPr>
+            <a:r>
+              <a:rPr lang="en-US" altLang="ko-KR" sz="1200" dirty="0" err="1"/>
+              <a:t>Jsoup</a:t>
+            </a:r>
+            <a:r>
+              <a:rPr lang="ko-KR" altLang="en-US" sz="1200" dirty="0"/>
+              <a:t> 라이브러리를 통해 뉴스 데이터를 가져옵니다</a:t>
+            </a:r>
+            <a:r>
+              <a:rPr lang="en-US" altLang="ko-KR" sz="1200" dirty="0"/>
+              <a:t>.</a:t>
+            </a:r>
+          </a:p>
+          <a:p>
+            <a:pPr marL="228600" indent="-228600">
+              <a:buAutoNum type="arabicPeriod"/>
+            </a:pPr>
+            <a:endParaRPr lang="en-US" altLang="ko-KR" sz="1200" dirty="0"/>
+          </a:p>
+          <a:p>
+            <a:pPr marL="228600" indent="-228600">
+              <a:buAutoNum type="arabicPeriod"/>
+            </a:pPr>
+            <a:r>
+              <a:rPr lang="ko-KR" altLang="en-US" sz="1200" dirty="0"/>
+              <a:t>모든 글자를 자</a:t>
+            </a:r>
+            <a:r>
+              <a:rPr lang="en-US" altLang="ko-KR" sz="1200" dirty="0"/>
+              <a:t>,</a:t>
+            </a:r>
+            <a:r>
+              <a:rPr lang="ko-KR" altLang="en-US" sz="1200" dirty="0"/>
+              <a:t>모음으로 분리합니다</a:t>
+            </a:r>
+            <a:r>
+              <a:rPr lang="en-US" altLang="ko-KR" sz="1200" dirty="0"/>
+              <a:t>.   ex) </a:t>
+            </a:r>
+            <a:r>
+              <a:rPr lang="ko-KR" altLang="en-US" sz="1200" dirty="0"/>
+              <a:t>가</a:t>
+            </a:r>
+            <a:r>
+              <a:rPr lang="en-US" altLang="ko-KR" sz="1200" dirty="0"/>
+              <a:t>-&gt; ‘</a:t>
+            </a:r>
+            <a:r>
+              <a:rPr lang="ko-KR" altLang="en-US" sz="1200" dirty="0" err="1"/>
+              <a:t>ㄱ</a:t>
+            </a:r>
+            <a:r>
+              <a:rPr lang="en-US" altLang="ko-KR" sz="1200" dirty="0"/>
+              <a:t>’+’</a:t>
+            </a:r>
+            <a:r>
+              <a:rPr lang="ko-KR" altLang="en-US" sz="1200" dirty="0" err="1"/>
+              <a:t>ㅏ</a:t>
+            </a:r>
+            <a:r>
+              <a:rPr lang="en-US" altLang="ko-KR" sz="1200" dirty="0"/>
+              <a:t>’</a:t>
+            </a:r>
+          </a:p>
+          <a:p>
+            <a:pPr marL="228600" indent="-228600">
+              <a:buAutoNum type="arabicPeriod"/>
+            </a:pPr>
+            <a:endParaRPr lang="en-US" altLang="ko-KR" sz="1200" dirty="0"/>
+          </a:p>
+          <a:p>
+            <a:pPr marL="228600" indent="-228600">
+              <a:buAutoNum type="arabicPeriod"/>
+            </a:pPr>
+            <a:r>
+              <a:rPr lang="ko-KR" altLang="en-US" sz="1200" dirty="0"/>
+              <a:t>분리 된 글자들을 연결리스트에 저장합니다</a:t>
+            </a:r>
+            <a:r>
+              <a:rPr lang="en-US" altLang="ko-KR" sz="1200" dirty="0"/>
+              <a:t>.</a:t>
+            </a:r>
+          </a:p>
+          <a:p>
+            <a:pPr marL="228600" indent="-228600">
+              <a:buAutoNum type="arabicPeriod"/>
+            </a:pPr>
+            <a:endParaRPr lang="en-US" altLang="ko-KR" sz="1200" dirty="0"/>
+          </a:p>
+          <a:p>
+            <a:pPr marL="228600" indent="-228600">
+              <a:buAutoNum type="arabicPeriod"/>
+            </a:pPr>
+            <a:r>
+              <a:rPr lang="ko-KR" altLang="en-US" sz="1200" dirty="0"/>
+              <a:t>연결리스트 안의 모든 글자들을 점자로 변환합니다</a:t>
+            </a:r>
+            <a:r>
+              <a:rPr lang="en-US" altLang="ko-KR" sz="1200" dirty="0"/>
+              <a:t>(</a:t>
+            </a:r>
+            <a:r>
+              <a:rPr lang="ko-KR" altLang="en-US" sz="1200" dirty="0"/>
+              <a:t>이 부분은 하드코딩으로 구현하였습니다</a:t>
+            </a:r>
+            <a:r>
+              <a:rPr lang="en-US" altLang="ko-KR" sz="1200" dirty="0"/>
+              <a:t>.)</a:t>
+            </a:r>
+          </a:p>
+          <a:p>
+            <a:pPr marL="228600" indent="-228600">
+              <a:buAutoNum type="arabicPeriod"/>
+            </a:pPr>
+            <a:endParaRPr lang="en-US" altLang="ko-KR" sz="1200" dirty="0"/>
+          </a:p>
+          <a:p>
+            <a:pPr marL="228600" indent="-228600">
+              <a:buAutoNum type="arabicPeriod"/>
+            </a:pPr>
+            <a:r>
+              <a:rPr lang="en-US" altLang="ko-KR" sz="1200" dirty="0" err="1"/>
+              <a:t>JsonObject</a:t>
+            </a:r>
+            <a:r>
+              <a:rPr lang="en-US" altLang="ko-KR" sz="1200" dirty="0"/>
+              <a:t> </a:t>
+            </a:r>
+            <a:r>
+              <a:rPr lang="ko-KR" altLang="en-US" sz="1200" dirty="0"/>
+              <a:t>라이브러리를 이용해 정해진 형식의 </a:t>
+            </a:r>
+            <a:r>
+              <a:rPr lang="en-US" altLang="ko-KR" sz="1200" dirty="0"/>
+              <a:t>Json</a:t>
+            </a:r>
+            <a:r>
+              <a:rPr lang="ko-KR" altLang="en-US" sz="1200" dirty="0"/>
+              <a:t>파일로 저장합니다</a:t>
+            </a:r>
+            <a:r>
+              <a:rPr lang="en-US" altLang="ko-KR" sz="1200" dirty="0"/>
+              <a:t>.</a:t>
+            </a:r>
+          </a:p>
+          <a:p>
+            <a:pPr marL="228600" indent="-228600">
+              <a:buAutoNum type="arabicPeriod"/>
+            </a:pPr>
+            <a:endParaRPr lang="en-US" altLang="ko-KR" sz="1200" dirty="0"/>
+          </a:p>
+          <a:p>
+            <a:pPr marL="228600" indent="-228600">
+              <a:buAutoNum type="arabicPeriod"/>
+            </a:pPr>
+            <a:r>
+              <a:rPr lang="en-US" altLang="ko-KR" sz="1200" dirty="0"/>
+              <a:t>Json </a:t>
+            </a:r>
+            <a:r>
+              <a:rPr lang="ko-KR" altLang="en-US" sz="1200" dirty="0"/>
+              <a:t>파일을 통해 점자 데이터를 포함한 한글로 된 기사 제목과 내용</a:t>
+            </a:r>
+            <a:r>
+              <a:rPr lang="en-US" altLang="ko-KR" sz="1200" dirty="0"/>
+              <a:t>, </a:t>
+            </a:r>
+            <a:r>
+              <a:rPr lang="ko-KR" altLang="en-US" sz="1200" dirty="0"/>
+              <a:t>기사 </a:t>
+            </a:r>
+            <a:r>
+              <a:rPr lang="en-US" altLang="ko-KR" sz="1200" dirty="0"/>
+              <a:t>URL </a:t>
+            </a:r>
+            <a:r>
+              <a:rPr lang="ko-KR" altLang="en-US" sz="1200" dirty="0"/>
+              <a:t>등을 제공합니다</a:t>
+            </a:r>
+            <a:r>
+              <a:rPr lang="en-US" altLang="ko-KR" sz="1200" dirty="0"/>
+              <a:t>.</a:t>
+            </a:r>
+          </a:p>
+          <a:p>
+            <a:pPr marL="228600" indent="-228600">
+              <a:buAutoNum type="arabicPeriod"/>
+            </a:pPr>
+            <a:endParaRPr lang="en-US" altLang="ko-KR" sz="1200" dirty="0"/>
+          </a:p>
+        </p:txBody>
+      </p:sp>
+      <p:pic>
+        <p:nvPicPr>
+          <p:cNvPr id="3" name="그림 2">
+            <a:extLst>
+              <a:ext uri="{FF2B5EF4-FFF2-40B4-BE49-F238E27FC236}">
+                <a16:creationId xmlns:a16="http://schemas.microsoft.com/office/drawing/2014/main" id="{73180081-2131-4AD4-AAC6-BDEA10746C22}"/>
+              </a:ext>
+            </a:extLst>
+          </p:cNvPr>
+          <p:cNvPicPr>
+            <a:picLocks noChangeAspect="1"/>
+          </p:cNvPicPr>
+          <p:nvPr/>
+        </p:nvPicPr>
+        <p:blipFill>
+          <a:blip r:embed="rId3">
+            <a:extLst>
+              <a:ext uri="{28A0092B-C50C-407E-A947-70E740481C1C}">
+                <a14:useLocalDpi xmlns:a14="http://schemas.microsoft.com/office/drawing/2010/main" val="0"/>
+              </a:ext>
+            </a:extLst>
+          </a:blip>
+          <a:stretch>
+            <a:fillRect/>
+          </a:stretch>
+        </p:blipFill>
+        <p:spPr>
+          <a:xfrm>
+            <a:off x="639446" y="3576800"/>
+            <a:ext cx="5164846" cy="2043996"/>
+          </a:xfrm>
+          <a:prstGeom prst="rect">
+            <a:avLst/>
+          </a:prstGeom>
+        </p:spPr>
+      </p:pic>
+    </p:spTree>
+    <p:extLst>
+      <p:ext uri="{BB962C8B-B14F-4D97-AF65-F5344CB8AC3E}">
+        <p14:creationId xmlns:p14="http://schemas.microsoft.com/office/powerpoint/2010/main" val="731176639"/>
+      </p:ext>
+    </p:extLst>
+  </p:cSld>
+  <p:clrMapOvr>
+    <a:masterClrMapping/>
+  </p:clrMapOvr>
+</p:sld>
+</file>
+
+<file path=ppt/slides/slide8.xml><?xml version="1.0" encoding="utf-8"?>
 <p:sld xmlns:a="http://schemas.openxmlformats.org/drawingml/2006/main" xmlns:r="http://schemas.openxmlformats.org/officeDocument/2006/relationships" xmlns:p="http://schemas.openxmlformats.org/presentationml/2006/main">
   <p:cSld>
     <p:spTree>

--- a/오진호 포토폴리오.pptx
+++ b/오진호 포토폴리오.pptx
@@ -5,7 +5,7 @@
     <p:sldMasterId id="2147483648" r:id="rId1"/>
   </p:sldMasterIdLst>
   <p:notesMasterIdLst>
-    <p:notesMasterId r:id="rId10"/>
+    <p:notesMasterId r:id="rId11"/>
   </p:notesMasterIdLst>
   <p:sldIdLst>
     <p:sldId id="256" r:id="rId2"/>
@@ -15,7 +15,8 @@
     <p:sldId id="261" r:id="rId6"/>
     <p:sldId id="265" r:id="rId7"/>
     <p:sldId id="266" r:id="rId8"/>
-    <p:sldId id="264" r:id="rId9"/>
+    <p:sldId id="267" r:id="rId9"/>
+    <p:sldId id="264" r:id="rId10"/>
   </p:sldIdLst>
   <p:sldSz cx="12192000" cy="6858000"/>
   <p:notesSz cx="6858000" cy="9144000"/>
@@ -204,7 +205,7 @@
           <a:p>
             <a:fld id="{67406EAE-9ED8-4493-8307-E0CBB87D5314}" type="datetimeFigureOut">
               <a:rPr lang="ko-KR" altLang="en-US" smtClean="0"/>
-              <a:t>2021-12-06</a:t>
+              <a:t>2021-12-07</a:t>
             </a:fld>
             <a:endParaRPr lang="ko-KR" altLang="en-US"/>
           </a:p>
@@ -618,7 +619,7 @@
           <a:p>
             <a:fld id="{7E1FD04A-7A57-4ABB-A4D2-40192FED31D2}" type="datetimeFigureOut">
               <a:rPr lang="ko-KR" altLang="en-US" smtClean="0"/>
-              <a:t>2021-12-06</a:t>
+              <a:t>2021-12-07</a:t>
             </a:fld>
             <a:endParaRPr lang="ko-KR" altLang="en-US"/>
           </a:p>
@@ -816,7 +817,7 @@
           <a:p>
             <a:fld id="{7E1FD04A-7A57-4ABB-A4D2-40192FED31D2}" type="datetimeFigureOut">
               <a:rPr lang="ko-KR" altLang="en-US" smtClean="0"/>
-              <a:t>2021-12-06</a:t>
+              <a:t>2021-12-07</a:t>
             </a:fld>
             <a:endParaRPr lang="ko-KR" altLang="en-US"/>
           </a:p>
@@ -1024,7 +1025,7 @@
           <a:p>
             <a:fld id="{7E1FD04A-7A57-4ABB-A4D2-40192FED31D2}" type="datetimeFigureOut">
               <a:rPr lang="ko-KR" altLang="en-US" smtClean="0"/>
-              <a:t>2021-12-06</a:t>
+              <a:t>2021-12-07</a:t>
             </a:fld>
             <a:endParaRPr lang="ko-KR" altLang="en-US"/>
           </a:p>
@@ -1222,7 +1223,7 @@
           <a:p>
             <a:fld id="{7E1FD04A-7A57-4ABB-A4D2-40192FED31D2}" type="datetimeFigureOut">
               <a:rPr lang="ko-KR" altLang="en-US" smtClean="0"/>
-              <a:t>2021-12-06</a:t>
+              <a:t>2021-12-07</a:t>
             </a:fld>
             <a:endParaRPr lang="ko-KR" altLang="en-US"/>
           </a:p>
@@ -1497,7 +1498,7 @@
           <a:p>
             <a:fld id="{7E1FD04A-7A57-4ABB-A4D2-40192FED31D2}" type="datetimeFigureOut">
               <a:rPr lang="ko-KR" altLang="en-US" smtClean="0"/>
-              <a:t>2021-12-06</a:t>
+              <a:t>2021-12-07</a:t>
             </a:fld>
             <a:endParaRPr lang="ko-KR" altLang="en-US"/>
           </a:p>
@@ -1762,7 +1763,7 @@
           <a:p>
             <a:fld id="{7E1FD04A-7A57-4ABB-A4D2-40192FED31D2}" type="datetimeFigureOut">
               <a:rPr lang="ko-KR" altLang="en-US" smtClean="0"/>
-              <a:t>2021-12-06</a:t>
+              <a:t>2021-12-07</a:t>
             </a:fld>
             <a:endParaRPr lang="ko-KR" altLang="en-US"/>
           </a:p>
@@ -2174,7 +2175,7 @@
           <a:p>
             <a:fld id="{7E1FD04A-7A57-4ABB-A4D2-40192FED31D2}" type="datetimeFigureOut">
               <a:rPr lang="ko-KR" altLang="en-US" smtClean="0"/>
-              <a:t>2021-12-06</a:t>
+              <a:t>2021-12-07</a:t>
             </a:fld>
             <a:endParaRPr lang="ko-KR" altLang="en-US"/>
           </a:p>
@@ -2315,7 +2316,7 @@
           <a:p>
             <a:fld id="{7E1FD04A-7A57-4ABB-A4D2-40192FED31D2}" type="datetimeFigureOut">
               <a:rPr lang="ko-KR" altLang="en-US" smtClean="0"/>
-              <a:t>2021-12-06</a:t>
+              <a:t>2021-12-07</a:t>
             </a:fld>
             <a:endParaRPr lang="ko-KR" altLang="en-US"/>
           </a:p>
@@ -2428,7 +2429,7 @@
           <a:p>
             <a:fld id="{7E1FD04A-7A57-4ABB-A4D2-40192FED31D2}" type="datetimeFigureOut">
               <a:rPr lang="ko-KR" altLang="en-US" smtClean="0"/>
-              <a:t>2021-12-06</a:t>
+              <a:t>2021-12-07</a:t>
             </a:fld>
             <a:endParaRPr lang="ko-KR" altLang="en-US"/>
           </a:p>
@@ -2739,7 +2740,7 @@
           <a:p>
             <a:fld id="{7E1FD04A-7A57-4ABB-A4D2-40192FED31D2}" type="datetimeFigureOut">
               <a:rPr lang="ko-KR" altLang="en-US" smtClean="0"/>
-              <a:t>2021-12-06</a:t>
+              <a:t>2021-12-07</a:t>
             </a:fld>
             <a:endParaRPr lang="ko-KR" altLang="en-US"/>
           </a:p>
@@ -3027,7 +3028,7 @@
           <a:p>
             <a:fld id="{7E1FD04A-7A57-4ABB-A4D2-40192FED31D2}" type="datetimeFigureOut">
               <a:rPr lang="ko-KR" altLang="en-US" smtClean="0"/>
-              <a:t>2021-12-06</a:t>
+              <a:t>2021-12-07</a:t>
             </a:fld>
             <a:endParaRPr lang="ko-KR" altLang="en-US"/>
           </a:p>
@@ -3268,7 +3269,7 @@
           <a:p>
             <a:fld id="{7E1FD04A-7A57-4ABB-A4D2-40192FED31D2}" type="datetimeFigureOut">
               <a:rPr lang="ko-KR" altLang="en-US" smtClean="0"/>
-              <a:t>2021-12-06</a:t>
+              <a:t>2021-12-07</a:t>
             </a:fld>
             <a:endParaRPr lang="ko-KR" altLang="en-US"/>
           </a:p>
@@ -4830,7 +4831,7 @@
             </a:r>
             <a:r>
               <a:rPr lang="ko-KR" altLang="en-US" sz="1200" dirty="0"/>
-              <a:t>코드를 통해 음식을 주문하면 가게 사장님이 카운터에서 주문한 음식을 바로 확인할 수 있는 아이템입니다</a:t>
+              <a:t>코드를 통해 음식을 주문하면 가게 사장님이 카운터에서 주문한 음식을 바로 확인할 수 있는 서비스입니다</a:t>
             </a:r>
             <a:r>
               <a:rPr lang="en-US" altLang="ko-KR" sz="1200" dirty="0"/>
@@ -5293,7 +5294,7 @@
             </a:r>
             <a:r>
               <a:rPr lang="ko-KR" altLang="en-US" sz="1100" dirty="0"/>
-              <a:t>값으로 갖는 </a:t>
+              <a:t>로 갖는 </a:t>
             </a:r>
             <a:r>
               <a:rPr lang="en-US" altLang="ko-KR" sz="1100" dirty="0"/>
@@ -5384,7 +5385,7 @@
         </p:nvSpPr>
         <p:spPr>
           <a:xfrm>
-            <a:off x="6339071" y="3521231"/>
+            <a:off x="6313896" y="3790821"/>
             <a:ext cx="2390775" cy="369332"/>
           </a:xfrm>
           <a:prstGeom prst="rect">
@@ -5424,8 +5425,8 @@
         </p:nvSpPr>
         <p:spPr>
           <a:xfrm>
-            <a:off x="6339071" y="4016733"/>
-            <a:ext cx="5766807" cy="2192908"/>
+            <a:off x="6313896" y="4286323"/>
+            <a:ext cx="5766807" cy="1892826"/>
           </a:xfrm>
           <a:prstGeom prst="rect">
             <a:avLst/>
@@ -5490,47 +5491,15 @@
             </a:r>
             <a:r>
               <a:rPr lang="en-US" altLang="ko-KR" sz="1200" dirty="0"/>
-              <a:t>‘Refresh token</a:t>
+              <a:t>Refresh token</a:t>
             </a:r>
             <a:r>
               <a:rPr lang="ko-KR" altLang="en-US" sz="1200" dirty="0"/>
-              <a:t>의 </a:t>
+              <a:t>을 반환합니다</a:t>
             </a:r>
             <a:r>
               <a:rPr lang="en-US" altLang="ko-KR" sz="1200" dirty="0"/>
-              <a:t>index’ </a:t>
-            </a:r>
-            <a:r>
-              <a:rPr lang="ko-KR" altLang="en-US" sz="1200" dirty="0"/>
-              <a:t>값을 반환합니다</a:t>
-            </a:r>
-            <a:r>
-              <a:rPr lang="en-US" altLang="ko-KR" sz="1200" dirty="0"/>
-              <a:t>. Index</a:t>
-            </a:r>
-            <a:r>
-              <a:rPr lang="ko-KR" altLang="en-US" sz="1200" dirty="0"/>
-              <a:t>값은 각 </a:t>
-            </a:r>
-            <a:r>
-              <a:rPr lang="en-US" altLang="ko-KR" sz="1200" dirty="0"/>
-              <a:t>Refresh token</a:t>
-            </a:r>
-            <a:r>
-              <a:rPr lang="ko-KR" altLang="en-US" sz="1200" dirty="0"/>
-              <a:t>의 </a:t>
-            </a:r>
-            <a:r>
-              <a:rPr lang="en-US" altLang="ko-KR" sz="1200" dirty="0"/>
-              <a:t>pk</a:t>
-            </a:r>
-            <a:r>
-              <a:rPr lang="ko-KR" altLang="en-US" sz="1200" dirty="0"/>
-              <a:t>입니다</a:t>
-            </a:r>
-            <a:r>
-              <a:rPr lang="en-US" altLang="ko-KR" sz="1200" dirty="0"/>
-              <a:t>.</a:t>
+              <a:t>. </a:t>
             </a:r>
           </a:p>
           <a:p>
@@ -5549,15 +5518,7 @@
             </a:r>
             <a:r>
               <a:rPr lang="ko-KR" altLang="en-US" sz="1200" dirty="0"/>
-              <a:t>의 유효성 검사는 크게 </a:t>
-            </a:r>
-            <a:r>
-              <a:rPr lang="en-US" altLang="ko-KR" sz="1200" dirty="0"/>
-              <a:t>2</a:t>
-            </a:r>
-            <a:r>
-              <a:rPr lang="ko-KR" altLang="en-US" sz="1200" dirty="0"/>
-              <a:t>가지입니다</a:t>
+              <a:t>의 유효성 검사는 토큰의 유효시간을 확인합니다</a:t>
             </a:r>
             <a:r>
               <a:rPr lang="en-US" altLang="ko-KR" sz="1200" dirty="0"/>
@@ -5565,78 +5526,36 @@
             </a:r>
           </a:p>
           <a:p>
+            <a:pPr marL="228600" indent="-228600">
+              <a:buAutoNum type="arabicPeriod"/>
+            </a:pPr>
+            <a:endParaRPr lang="en-US" altLang="ko-KR" sz="1200" dirty="0"/>
+          </a:p>
+          <a:p>
+            <a:pPr marL="228600" indent="-228600">
+              <a:buAutoNum type="arabicPeriod"/>
+            </a:pPr>
+            <a:r>
+              <a:rPr lang="ko-KR" altLang="en-US" sz="1200" dirty="0"/>
+              <a:t>로그아웃을 하면 </a:t>
+            </a:r>
+            <a:r>
+              <a:rPr lang="en-US" altLang="ko-KR" sz="1200" dirty="0"/>
+              <a:t>Refresh Token</a:t>
+            </a:r>
+            <a:r>
+              <a:rPr lang="ko-KR" altLang="en-US" sz="1200" dirty="0"/>
+              <a:t>을 무효화 시킵니다</a:t>
+            </a:r>
+            <a:r>
+              <a:rPr lang="en-US" altLang="ko-KR" sz="1200" dirty="0"/>
+              <a:t>.</a:t>
+            </a:r>
+          </a:p>
+          <a:p>
             <a:r>
               <a:rPr lang="en-US" altLang="ko-KR" sz="900" dirty="0"/>
               <a:t> </a:t>
-            </a:r>
-          </a:p>
-          <a:p>
-            <a:r>
-              <a:rPr lang="en-US" altLang="ko-KR" sz="1050" dirty="0"/>
-              <a:t>  1) refresh</a:t>
-            </a:r>
-            <a:r>
-              <a:rPr lang="ko-KR" altLang="en-US" sz="1050" dirty="0"/>
-              <a:t> </a:t>
-            </a:r>
-            <a:r>
-              <a:rPr lang="en-US" altLang="ko-KR" sz="1050" dirty="0"/>
-              <a:t>token</a:t>
-            </a:r>
-            <a:r>
-              <a:rPr lang="ko-KR" altLang="en-US" sz="1050" dirty="0"/>
-              <a:t>의 유효시간 확인</a:t>
-            </a:r>
-            <a:endParaRPr lang="en-US" altLang="ko-KR" sz="1050" dirty="0"/>
-          </a:p>
-          <a:p>
-            <a:r>
-              <a:rPr lang="en-US" altLang="ko-KR" sz="1050" dirty="0"/>
-              <a:t>  2) access token</a:t>
-            </a:r>
-            <a:r>
-              <a:rPr lang="ko-KR" altLang="en-US" sz="1050" dirty="0"/>
-              <a:t>에 저장되어 있는 </a:t>
-            </a:r>
-            <a:r>
-              <a:rPr lang="en-US" altLang="ko-KR" sz="1050" dirty="0" err="1"/>
-              <a:t>user_id</a:t>
-            </a:r>
-            <a:r>
-              <a:rPr lang="en-US" altLang="ko-KR" sz="1050" dirty="0"/>
-              <a:t> </a:t>
-            </a:r>
-            <a:r>
-              <a:rPr lang="ko-KR" altLang="en-US" sz="1050" dirty="0"/>
-              <a:t>와 </a:t>
-            </a:r>
-            <a:r>
-              <a:rPr lang="en-US" altLang="ko-KR" sz="1050" dirty="0"/>
-              <a:t>refresh</a:t>
-            </a:r>
-            <a:r>
-              <a:rPr lang="ko-KR" altLang="en-US" sz="1050" dirty="0"/>
-              <a:t> </a:t>
-            </a:r>
-            <a:r>
-              <a:rPr lang="en-US" altLang="ko-KR" sz="1050" dirty="0"/>
-              <a:t>token</a:t>
-            </a:r>
-            <a:r>
-              <a:rPr lang="ko-KR" altLang="en-US" sz="1050" dirty="0"/>
-              <a:t>에 저장되어 있는 </a:t>
-            </a:r>
-            <a:r>
-              <a:rPr lang="en-US" altLang="ko-KR" sz="1050" dirty="0" err="1"/>
-              <a:t>user_id</a:t>
-            </a:r>
-            <a:r>
-              <a:rPr lang="ko-KR" altLang="en-US" sz="1050" dirty="0"/>
-              <a:t>의 일치 여부</a:t>
-            </a:r>
-            <a:r>
-              <a:rPr lang="en-US" altLang="ko-KR" sz="1050" dirty="0"/>
-              <a:t>   </a:t>
             </a:r>
           </a:p>
           <a:p>
@@ -5867,7 +5786,7 @@
         </p:nvCxnSpPr>
         <p:spPr>
           <a:xfrm>
-            <a:off x="1499678" y="5462244"/>
+            <a:off x="1499678" y="5415052"/>
             <a:ext cx="1843592" cy="0"/>
           </a:xfrm>
           <a:prstGeom prst="straightConnector1">
@@ -6029,8 +5948,8 @@
         </p:nvSpPr>
         <p:spPr>
           <a:xfrm>
-            <a:off x="1049571" y="3615005"/>
-            <a:ext cx="2765478" cy="215444"/>
+            <a:off x="1231156" y="3621227"/>
+            <a:ext cx="1865911" cy="215444"/>
           </a:xfrm>
           <a:prstGeom prst="rect">
             <a:avLst/>
@@ -6053,7 +5972,7 @@
             </a:r>
             <a:r>
               <a:rPr lang="en-US" altLang="ko-KR" sz="800" dirty="0"/>
-              <a:t>‘Refresh token index’ </a:t>
+              <a:t>Refresh token </a:t>
             </a:r>
             <a:r>
               <a:rPr lang="ko-KR" altLang="en-US" sz="800" dirty="0"/>
@@ -6158,8 +6077,8 @@
         </p:nvSpPr>
         <p:spPr>
           <a:xfrm>
-            <a:off x="1354844" y="5246800"/>
-            <a:ext cx="2574736" cy="215444"/>
+            <a:off x="1874340" y="5200300"/>
+            <a:ext cx="1138875" cy="215444"/>
           </a:xfrm>
           <a:prstGeom prst="rect">
             <a:avLst/>
@@ -6174,23 +6093,7 @@
           <a:p>
             <a:r>
               <a:rPr lang="en-US" altLang="ko-KR" sz="800" dirty="0"/>
-              <a:t>Access</a:t>
-            </a:r>
-            <a:r>
-              <a:rPr lang="ko-KR" altLang="en-US" sz="800" dirty="0"/>
-              <a:t> </a:t>
-            </a:r>
-            <a:r>
-              <a:rPr lang="en-US" altLang="ko-KR" sz="800" dirty="0"/>
-              <a:t>token</a:t>
-            </a:r>
-            <a:r>
-              <a:rPr lang="ko-KR" altLang="en-US" sz="800" dirty="0"/>
-              <a:t>과 </a:t>
-            </a:r>
-            <a:r>
-              <a:rPr lang="en-US" altLang="ko-KR" sz="800" dirty="0"/>
-              <a:t>Refresh Token index</a:t>
+              <a:t>Refresh Token</a:t>
             </a:r>
             <a:r>
               <a:rPr lang="ko-KR" altLang="en-US" sz="800" dirty="0"/>
@@ -6213,7 +6116,7 @@
         </p:nvSpPr>
         <p:spPr>
           <a:xfrm>
-            <a:off x="1408125" y="6492246"/>
+            <a:off x="1548635" y="6485326"/>
             <a:ext cx="2323835" cy="215444"/>
           </a:xfrm>
           <a:prstGeom prst="rect">
@@ -6237,7 +6140,7 @@
             </a:r>
             <a:r>
               <a:rPr lang="en-US" altLang="ko-KR" sz="800" dirty="0"/>
-              <a:t>Refresh token index</a:t>
+              <a:t>Refresh token</a:t>
             </a:r>
             <a:r>
               <a:rPr lang="ko-KR" altLang="en-US" sz="800" dirty="0"/>
@@ -6326,7 +6229,7 @@
         </p:nvCxnSpPr>
         <p:spPr>
           <a:xfrm>
-            <a:off x="3487857" y="5619087"/>
+            <a:off x="3487857" y="5536501"/>
             <a:ext cx="1904318" cy="0"/>
           </a:xfrm>
           <a:prstGeom prst="straightConnector1">
@@ -6365,7 +6268,7 @@
         </p:nvSpPr>
         <p:spPr>
           <a:xfrm>
-            <a:off x="3242693" y="5416300"/>
+            <a:off x="3242693" y="5333714"/>
             <a:ext cx="2304650" cy="215444"/>
           </a:xfrm>
           <a:prstGeom prst="rect">
@@ -6386,27 +6289,15 @@
                   <a:schemeClr val="tx1"/>
                 </a:solidFill>
               </a:rPr>
-              <a:t>Index</a:t>
-            </a:r>
-            <a:r>
-              <a:rPr lang="ko-KR" altLang="en-US" sz="800" dirty="0">
-                <a:solidFill>
-                  <a:schemeClr val="tx1"/>
-                </a:solidFill>
-              </a:rPr>
-              <a:t>를 이용하여 </a:t>
-            </a:r>
-            <a:r>
-              <a:rPr lang="en-US" altLang="ko-KR" sz="800" dirty="0">
-                <a:solidFill>
-                  <a:schemeClr val="tx1"/>
-                </a:solidFill>
-              </a:rPr>
-              <a:t>Refresh token </a:t>
+              <a:t>Refresh token ‘select </a:t>
             </a:r>
             <a:r>
               <a:rPr lang="ko-KR" altLang="en-US" sz="800" dirty="0"/>
               <a:t>요청</a:t>
+            </a:r>
+            <a:r>
+              <a:rPr lang="en-US" altLang="ko-KR" sz="800" dirty="0"/>
+              <a:t>’</a:t>
             </a:r>
             <a:endParaRPr lang="ko-KR" altLang="en-US" sz="800" dirty="0">
               <a:solidFill>
@@ -7081,8 +6972,8 @@
         </p:nvCxnSpPr>
         <p:spPr>
           <a:xfrm flipH="1">
-            <a:off x="3506468" y="5840946"/>
-            <a:ext cx="1830980" cy="0"/>
+            <a:off x="3494670" y="5876340"/>
+            <a:ext cx="1897505" cy="0"/>
           </a:xfrm>
           <a:prstGeom prst="straightConnector1">
             <a:avLst/>
@@ -7120,8 +7011,8 @@
         </p:nvSpPr>
         <p:spPr>
           <a:xfrm>
-            <a:off x="3948183" y="5661119"/>
-            <a:ext cx="2094861" cy="215444"/>
+            <a:off x="3750034" y="5579208"/>
+            <a:ext cx="1572693" cy="338554"/>
           </a:xfrm>
           <a:prstGeom prst="rect">
             <a:avLst/>
@@ -7134,6 +7025,15 @@
           </a:bodyPr>
           <a:lstStyle/>
           <a:p>
+            <a:pPr algn="ctr"/>
+            <a:r>
+              <a:rPr lang="ko-KR" altLang="en-US" sz="800" dirty="0"/>
+              <a:t>로그아웃이 되어 있지 않다면 </a:t>
+            </a:r>
+            <a:endParaRPr lang="en-US" altLang="ko-KR" sz="800" dirty="0"/>
+          </a:p>
+          <a:p>
+            <a:pPr algn="ctr"/>
             <a:r>
               <a:rPr lang="en-US" altLang="ko-KR" sz="800" dirty="0"/>
               <a:t>Refresh token </a:t>
@@ -7159,7 +7059,7 @@
         </p:nvSpPr>
         <p:spPr>
           <a:xfrm>
-            <a:off x="6120358" y="3620446"/>
+            <a:off x="6095183" y="3890036"/>
             <a:ext cx="127155" cy="121059"/>
           </a:xfrm>
           <a:prstGeom prst="rect">
@@ -7637,7 +7537,7 @@
         </p:nvSpPr>
         <p:spPr>
           <a:xfrm>
-            <a:off x="5977276" y="1596747"/>
+            <a:off x="5977276" y="1166095"/>
             <a:ext cx="127155" cy="121059"/>
           </a:xfrm>
           <a:prstGeom prst="rect">
@@ -7672,7 +7572,7 @@
         </p:nvSpPr>
         <p:spPr>
           <a:xfrm>
-            <a:off x="6372837" y="1446654"/>
+            <a:off x="6372837" y="1016002"/>
             <a:ext cx="2390775" cy="369332"/>
           </a:xfrm>
           <a:prstGeom prst="rect">
@@ -7708,7 +7608,7 @@
         </p:nvSpPr>
         <p:spPr>
           <a:xfrm>
-            <a:off x="6393668" y="1815986"/>
+            <a:off x="6393668" y="1385334"/>
             <a:ext cx="2349112" cy="307777"/>
           </a:xfrm>
           <a:prstGeom prst="rect">
@@ -7747,7 +7647,7 @@
         </p:nvSpPr>
         <p:spPr>
           <a:xfrm>
-            <a:off x="5977275" y="2579082"/>
+            <a:off x="5977275" y="2148430"/>
             <a:ext cx="127155" cy="121059"/>
           </a:xfrm>
           <a:prstGeom prst="rect">
@@ -7782,7 +7682,7 @@
         </p:nvSpPr>
         <p:spPr>
           <a:xfrm>
-            <a:off x="6372837" y="2378799"/>
+            <a:off x="6372837" y="1948147"/>
             <a:ext cx="2390775" cy="369332"/>
           </a:xfrm>
           <a:prstGeom prst="rect">
@@ -7818,7 +7718,7 @@
         </p:nvSpPr>
         <p:spPr>
           <a:xfrm>
-            <a:off x="6372837" y="2882987"/>
+            <a:off x="6372837" y="2387446"/>
             <a:ext cx="3892162" cy="307777"/>
           </a:xfrm>
           <a:prstGeom prst="rect">
@@ -7865,8 +7765,8 @@
               <a:t>카카오 </a:t>
             </a:r>
             <a:r>
-              <a:rPr lang="en-US" altLang="ko-KR" sz="1400" dirty="0" err="1"/>
-              <a:t>api</a:t>
+              <a:rPr lang="en-US" altLang="ko-KR" sz="1400" dirty="0"/>
+              <a:t>API</a:t>
             </a:r>
             <a:endParaRPr lang="ko-KR" altLang="en-US" sz="1400" dirty="0"/>
           </a:p>
@@ -7886,7 +7786,7 @@
         </p:nvSpPr>
         <p:spPr>
           <a:xfrm>
-            <a:off x="5977274" y="3579805"/>
+            <a:off x="5977274" y="3125557"/>
             <a:ext cx="127155" cy="121059"/>
           </a:xfrm>
           <a:prstGeom prst="rect">
@@ -7921,7 +7821,7 @@
         </p:nvSpPr>
         <p:spPr>
           <a:xfrm>
-            <a:off x="6393668" y="3417075"/>
+            <a:off x="6393668" y="2962827"/>
             <a:ext cx="2390775" cy="369332"/>
           </a:xfrm>
           <a:prstGeom prst="rect">
@@ -7957,8 +7857,8 @@
         </p:nvSpPr>
         <p:spPr>
           <a:xfrm>
-            <a:off x="6372837" y="3939982"/>
-            <a:ext cx="5766807" cy="1015663"/>
+            <a:off x="6372837" y="3350057"/>
+            <a:ext cx="5766807" cy="1569660"/>
           </a:xfrm>
           <a:prstGeom prst="rect">
             <a:avLst/>
@@ -7972,6 +7872,10 @@
           <a:lstStyle/>
           <a:p>
             <a:r>
+              <a:rPr lang="en-US" altLang="ko-KR" sz="1200" dirty="0"/>
+              <a:t>1. </a:t>
+            </a:r>
+            <a:r>
               <a:rPr lang="ko-KR" altLang="en-US" sz="1200" dirty="0"/>
               <a:t>웹 </a:t>
             </a:r>
@@ -7990,6 +7894,48 @@
             <a:r>
               <a:rPr lang="en-US" altLang="ko-KR" sz="1200" dirty="0"/>
               <a:t>.</a:t>
+            </a:r>
+          </a:p>
+          <a:p>
+            <a:endParaRPr lang="en-US" altLang="ko-KR" sz="1200" dirty="0"/>
+          </a:p>
+          <a:p>
+            <a:r>
+              <a:rPr lang="en-US" altLang="ko-KR" sz="1200" dirty="0"/>
+              <a:t>2. </a:t>
+            </a:r>
+            <a:r>
+              <a:rPr lang="ko-KR" altLang="en-US" sz="1200" dirty="0"/>
+              <a:t>자동화를 통해 성능을 개선하였습니다</a:t>
+            </a:r>
+            <a:r>
+              <a:rPr lang="en-US" altLang="ko-KR" sz="1200" dirty="0"/>
+              <a:t>.</a:t>
+            </a:r>
+          </a:p>
+          <a:p>
+            <a:endParaRPr lang="en-US" altLang="ko-KR" sz="1200" dirty="0"/>
+          </a:p>
+          <a:p>
+            <a:r>
+              <a:rPr lang="en-US" altLang="ko-KR" sz="1200" dirty="0"/>
+              <a:t>3. </a:t>
+            </a:r>
+            <a:r>
+              <a:rPr lang="ko-KR" altLang="en-US" sz="1200" dirty="0"/>
+              <a:t>서비스 기획 </a:t>
+            </a:r>
+            <a:r>
+              <a:rPr lang="en-US" altLang="ko-KR" sz="1200" dirty="0"/>
+              <a:t>~ </a:t>
+            </a:r>
+            <a:r>
+              <a:rPr lang="ko-KR" altLang="en-US" sz="1200" dirty="0"/>
+              <a:t>배포까지의 모든 프로세스에 참여하였습니다</a:t>
+            </a:r>
+            <a:r>
+              <a:rPr lang="en-US" altLang="ko-KR" sz="1200" dirty="0"/>
+              <a:t>. </a:t>
             </a:r>
           </a:p>
           <a:p>
@@ -8014,13 +7960,6 @@
             </a:r>
             <a:endParaRPr lang="en-US" altLang="ko-KR" sz="1200" dirty="0"/>
           </a:p>
-          <a:p>
-            <a:pPr marL="171450" indent="-171450">
-              <a:buFont typeface="Arial" panose="020B0604020202020204" pitchFamily="34" charset="0"/>
-              <a:buChar char="•"/>
-            </a:pPr>
-            <a:endParaRPr lang="en-US" altLang="ko-KR" sz="1200" dirty="0"/>
-          </a:p>
         </p:txBody>
       </p:sp>
       <p:sp>
@@ -8037,7 +7976,7 @@
         </p:nvSpPr>
         <p:spPr>
           <a:xfrm>
-            <a:off x="5978052" y="5203896"/>
+            <a:off x="5978052" y="5133108"/>
             <a:ext cx="127155" cy="121059"/>
           </a:xfrm>
           <a:prstGeom prst="rect">
@@ -8072,7 +8011,7 @@
         </p:nvSpPr>
         <p:spPr>
           <a:xfrm>
-            <a:off x="6372838" y="5079760"/>
+            <a:off x="6372838" y="5008972"/>
             <a:ext cx="2390775" cy="369332"/>
           </a:xfrm>
           <a:prstGeom prst="rect">
@@ -8108,8 +8047,8 @@
         </p:nvSpPr>
         <p:spPr>
           <a:xfrm>
-            <a:off x="6393668" y="5449092"/>
-            <a:ext cx="5766805" cy="1015663"/>
+            <a:off x="6393669" y="5407799"/>
+            <a:ext cx="3039400" cy="1569660"/>
           </a:xfrm>
           <a:prstGeom prst="rect">
             <a:avLst/>
@@ -8150,6 +8089,16 @@
           <a:p>
             <a:r>
               <a:rPr lang="ko-KR" altLang="en-US" sz="1200" dirty="0"/>
+              <a:t>⨀ 자동화를 통한 성능 개선</a:t>
+            </a:r>
+            <a:endParaRPr lang="en-US" altLang="ko-KR" sz="1200" dirty="0"/>
+          </a:p>
+          <a:p>
+            <a:endParaRPr lang="en-US" altLang="ko-KR" sz="1200" dirty="0"/>
+          </a:p>
+          <a:p>
+            <a:r>
+              <a:rPr lang="ko-KR" altLang="en-US" sz="1200" dirty="0"/>
               <a:t>⨀ 카카오 오픈 </a:t>
             </a:r>
             <a:r>
@@ -8176,16 +8125,20 @@
           <a:p>
             <a:r>
               <a:rPr lang="ko-KR" altLang="en-US" sz="1200" dirty="0"/>
-              <a:t>⨀ 카카오 페이 </a:t>
+              <a:t>⨀ </a:t>
             </a:r>
             <a:r>
               <a:rPr lang="en-US" altLang="ko-KR" sz="1200" dirty="0"/>
-              <a:t>API </a:t>
+              <a:t>Git Fork, Git-Flow </a:t>
             </a:r>
             <a:r>
               <a:rPr lang="ko-KR" altLang="en-US" sz="1200" dirty="0"/>
-              <a:t>사용</a:t>
-            </a:r>
+              <a:t>적용</a:t>
+            </a:r>
+            <a:endParaRPr lang="en-US" altLang="ko-KR" sz="1200" dirty="0"/>
+          </a:p>
+          <a:p>
+            <a:endParaRPr lang="ko-KR" altLang="en-US" sz="1200" dirty="0"/>
           </a:p>
         </p:txBody>
       </p:sp>
@@ -8437,7 +8390,7 @@
         <p:spPr>
           <a:xfrm>
             <a:off x="6146599" y="888858"/>
-            <a:ext cx="5766807" cy="1938992"/>
+            <a:ext cx="5766807" cy="1754326"/>
           </a:xfrm>
           <a:prstGeom prst="rect">
             <a:avLst/>
@@ -8546,7 +8499,15 @@
             </a:r>
             <a:r>
               <a:rPr lang="ko-KR" altLang="en-US" sz="1200" dirty="0" err="1"/>
-              <a:t>챗봇의</a:t>
+              <a:t>챗봇</a:t>
+            </a:r>
+            <a:r>
+              <a:rPr lang="ko-KR" altLang="en-US" sz="1200" dirty="0"/>
+              <a:t> </a:t>
+            </a:r>
+            <a:r>
+              <a:rPr lang="en-US" altLang="ko-KR" sz="1200" dirty="0"/>
+              <a:t>API</a:t>
             </a:r>
             <a:r>
               <a:rPr lang="ko-KR" altLang="en-US" sz="1200" dirty="0"/>
@@ -8554,30 +8515,16 @@
             </a:r>
             <a:r>
               <a:rPr lang="en-US" altLang="ko-KR" sz="1200" dirty="0"/>
-              <a:t>response</a:t>
+              <a:t>‘JSON Response’</a:t>
             </a:r>
             <a:r>
               <a:rPr lang="ko-KR" altLang="en-US" sz="1200" dirty="0"/>
-              <a:t>를 반환하는 </a:t>
-            </a:r>
-            <a:r>
-              <a:rPr lang="en-US" altLang="ko-KR" sz="1200" dirty="0"/>
-              <a:t>API</a:t>
-            </a:r>
-            <a:r>
-              <a:rPr lang="ko-KR" altLang="en-US" sz="1200" dirty="0"/>
-              <a:t>를 만들었습니다</a:t>
+              <a:t>를 반환합니다</a:t>
             </a:r>
             <a:r>
               <a:rPr lang="en-US" altLang="ko-KR" sz="1200" dirty="0"/>
               <a:t>.</a:t>
             </a:r>
-          </a:p>
-          <a:p>
-            <a:pPr marL="228600" indent="-228600">
-              <a:buAutoNum type="arabicPeriod" startAt="2"/>
-            </a:pPr>
-            <a:endParaRPr lang="en-US" altLang="ko-KR" sz="1200" dirty="0"/>
           </a:p>
           <a:p>
             <a:pPr marL="228600" indent="-228600">
@@ -8673,7 +8620,7 @@
         </p:nvSpPr>
         <p:spPr>
           <a:xfrm>
-            <a:off x="6019445" y="4170721"/>
+            <a:off x="6019445" y="3952453"/>
             <a:ext cx="127155" cy="121059"/>
           </a:xfrm>
           <a:prstGeom prst="rect">
@@ -8708,7 +8655,7 @@
         </p:nvSpPr>
         <p:spPr>
           <a:xfrm>
-            <a:off x="6234598" y="4046584"/>
+            <a:off x="6234598" y="3828316"/>
             <a:ext cx="5241363" cy="369332"/>
           </a:xfrm>
           <a:prstGeom prst="rect">
@@ -8752,8 +8699,8 @@
         </p:nvSpPr>
         <p:spPr>
           <a:xfrm>
-            <a:off x="6146599" y="4504178"/>
-            <a:ext cx="5766807" cy="2492990"/>
+            <a:off x="6146599" y="4294668"/>
+            <a:ext cx="5766807" cy="2923877"/>
           </a:xfrm>
           <a:prstGeom prst="rect">
             <a:avLst/>
@@ -8766,20 +8713,13 @@
           </a:bodyPr>
           <a:lstStyle/>
           <a:p>
-            <a:endParaRPr lang="en-US" altLang="ko-KR" sz="1200" dirty="0"/>
-          </a:p>
-          <a:p>
+            <a:r>
+              <a:rPr lang="ko-KR" altLang="en-US" sz="1200" b="1" dirty="0"/>
+              <a:t>문제가 되는 부분</a:t>
+            </a:r>
             <a:r>
               <a:rPr lang="en-US" altLang="ko-KR" sz="1200" b="1" dirty="0"/>
-              <a:t>&lt;</a:t>
-            </a:r>
-            <a:r>
-              <a:rPr lang="ko-KR" altLang="en-US" sz="1200" b="1" dirty="0"/>
-              <a:t>문제 발생</a:t>
-            </a:r>
-            <a:r>
-              <a:rPr lang="en-US" altLang="ko-KR" sz="1200" b="1" dirty="0"/>
-              <a:t>&gt; </a:t>
+              <a:t>: </a:t>
             </a:r>
             <a:r>
               <a:rPr lang="ko-KR" altLang="en-US" sz="1200" b="1" dirty="0"/>
@@ -8794,6 +8734,76 @@
               <a:t> 하기 때문에 속도가 느림</a:t>
             </a:r>
             <a:endParaRPr lang="en-US" altLang="ko-KR" sz="1200" b="1" dirty="0"/>
+          </a:p>
+          <a:p>
+            <a:endParaRPr lang="en-US" altLang="ko-KR" sz="1200" dirty="0"/>
+          </a:p>
+          <a:p>
+            <a:endParaRPr lang="en-US" altLang="ko-KR" sz="1200" dirty="0"/>
+          </a:p>
+          <a:p>
+            <a:r>
+              <a:rPr lang="en-US" altLang="ko-KR" sz="1400" b="1" dirty="0">
+                <a:solidFill>
+                  <a:schemeClr val="accent1">
+                    <a:lumMod val="75000"/>
+                  </a:schemeClr>
+                </a:solidFill>
+              </a:rPr>
+              <a:t>&lt;</a:t>
+            </a:r>
+            <a:r>
+              <a:rPr lang="ko-KR" altLang="en-US" sz="1400" b="1" dirty="0">
+                <a:solidFill>
+                  <a:schemeClr val="accent1">
+                    <a:lumMod val="75000"/>
+                  </a:schemeClr>
+                </a:solidFill>
+              </a:rPr>
+              <a:t>해결 방안</a:t>
+            </a:r>
+            <a:r>
+              <a:rPr lang="en-US" altLang="ko-KR" sz="1400" b="1" dirty="0">
+                <a:solidFill>
+                  <a:schemeClr val="accent1">
+                    <a:lumMod val="75000"/>
+                  </a:schemeClr>
+                </a:solidFill>
+              </a:rPr>
+              <a:t>&gt;</a:t>
+            </a:r>
+          </a:p>
+          <a:p>
+            <a:endParaRPr lang="en-US" altLang="ko-KR" sz="1400" b="1" dirty="0">
+              <a:solidFill>
+                <a:schemeClr val="accent1">
+                  <a:lumMod val="75000"/>
+                </a:schemeClr>
+              </a:solidFill>
+            </a:endParaRPr>
+          </a:p>
+          <a:p>
+            <a:r>
+              <a:rPr lang="en-US" altLang="ko-KR" sz="1200" dirty="0"/>
+              <a:t>1. </a:t>
+            </a:r>
+            <a:r>
+              <a:rPr lang="ko-KR" altLang="en-US" sz="1200" dirty="0"/>
+              <a:t>위의 문제를 해결하기 위해 </a:t>
+            </a:r>
+            <a:r>
+              <a:rPr lang="en-US" altLang="ko-KR" sz="1200" dirty="0"/>
+              <a:t>@Scheduled </a:t>
+            </a:r>
+            <a:r>
+              <a:rPr lang="ko-KR" altLang="en-US" sz="1200" dirty="0" err="1"/>
+              <a:t>어노테이션을</a:t>
+            </a:r>
+            <a:r>
+              <a:rPr lang="ko-KR" altLang="en-US" sz="1200" dirty="0"/>
+              <a:t> 사용하여 자동화 기능 추가</a:t>
+            </a:r>
+            <a:endParaRPr lang="en-US" altLang="ko-KR" sz="1200" dirty="0"/>
           </a:p>
           <a:p>
             <a:pPr marL="228600" indent="-228600">
@@ -8804,25 +8814,16 @@
           <a:p>
             <a:r>
               <a:rPr lang="en-US" altLang="ko-KR" sz="1200" dirty="0"/>
-              <a:t>1. </a:t>
+              <a:t>2. </a:t>
             </a:r>
             <a:r>
               <a:rPr lang="ko-KR" altLang="en-US" sz="1200" dirty="0"/>
-              <a:t>위의 문제를 해결하기 위해 </a:t>
+              <a:t>자정이 지나면 자동으로 그 날의 학식 데이터를 데이터 베이스에 저장</a:t>
             </a:r>
             <a:r>
               <a:rPr lang="en-US" altLang="ko-KR" sz="1200" dirty="0"/>
-              <a:t>@Scheduled </a:t>
-            </a:r>
-            <a:r>
-              <a:rPr lang="ko-KR" altLang="en-US" sz="1200" dirty="0" err="1"/>
-              <a:t>어노테이션을</a:t>
-            </a:r>
-            <a:r>
-              <a:rPr lang="ko-KR" altLang="en-US" sz="1200" dirty="0"/>
-              <a:t> 사용하여 자동화 기능 추가</a:t>
-            </a:r>
-            <a:endParaRPr lang="en-US" altLang="ko-KR" sz="1200" dirty="0"/>
+              <a:t>.</a:t>
+            </a:r>
           </a:p>
           <a:p>
             <a:pPr marL="228600" indent="-228600">
@@ -8833,16 +8834,21 @@
           <a:p>
             <a:r>
               <a:rPr lang="en-US" altLang="ko-KR" sz="1200" dirty="0"/>
-              <a:t>2. </a:t>
+              <a:t>3. </a:t>
             </a:r>
             <a:r>
               <a:rPr lang="ko-KR" altLang="en-US" sz="1200" dirty="0"/>
-              <a:t>자정이 지나면 자동으로 그 날의 학식 데이터를 데이터 베이스에 저장</a:t>
+              <a:t>이후 학식 정보를 요청하는 </a:t>
             </a:r>
             <a:r>
               <a:rPr lang="en-US" altLang="ko-KR" sz="1200" dirty="0"/>
-              <a:t>.</a:t>
-            </a:r>
+              <a:t>Request</a:t>
+            </a:r>
+            <a:r>
+              <a:rPr lang="ko-KR" altLang="en-US" sz="1200" dirty="0"/>
+              <a:t>가 들어오면 데이터 베이스에 저장해 놓은 데이터를 반환 함</a:t>
+            </a:r>
+            <a:endParaRPr lang="en-US" altLang="ko-KR" sz="1200" dirty="0"/>
           </a:p>
           <a:p>
             <a:pPr marL="228600" indent="-228600">
@@ -8851,25 +8857,6 @@
             <a:endParaRPr lang="en-US" altLang="ko-KR" sz="1200" dirty="0"/>
           </a:p>
           <a:p>
-            <a:r>
-              <a:rPr lang="en-US" altLang="ko-KR" sz="1200" dirty="0"/>
-              <a:t>3. </a:t>
-            </a:r>
-            <a:r>
-              <a:rPr lang="ko-KR" altLang="en-US" sz="1200" dirty="0"/>
-              <a:t>이후 학식 정보를 요청하는 </a:t>
-            </a:r>
-            <a:r>
-              <a:rPr lang="en-US" altLang="ko-KR" sz="1200" dirty="0"/>
-              <a:t>Request</a:t>
-            </a:r>
-            <a:r>
-              <a:rPr lang="ko-KR" altLang="en-US" sz="1200" dirty="0"/>
-              <a:t>가 들어오면 데이터 베이스에 저장된 정보를 반환 함</a:t>
-            </a:r>
-            <a:endParaRPr lang="en-US" altLang="ko-KR" sz="1200" dirty="0"/>
-          </a:p>
-          <a:p>
             <a:pPr marL="228600" indent="-228600">
               <a:buAutoNum type="arabicPeriod" startAt="2"/>
             </a:pPr>
@@ -8881,12 +8868,6 @@
             </a:pPr>
             <a:endParaRPr lang="en-US" altLang="ko-KR" sz="1200" dirty="0"/>
           </a:p>
-          <a:p>
-            <a:pPr marL="228600" indent="-228600">
-              <a:buAutoNum type="arabicPeriod" startAt="2"/>
-            </a:pPr>
-            <a:endParaRPr lang="en-US" altLang="ko-KR" sz="1200" dirty="0"/>
-          </a:p>
         </p:txBody>
       </p:sp>
       <p:sp>
@@ -8903,7 +8884,7 @@
         </p:nvSpPr>
         <p:spPr>
           <a:xfrm>
-            <a:off x="7704557" y="2916111"/>
+            <a:off x="7704557" y="2792227"/>
             <a:ext cx="607633" cy="800482"/>
           </a:xfrm>
           <a:prstGeom prst="downArrow">
@@ -8949,8 +8930,8 @@
         </p:nvSpPr>
         <p:spPr>
           <a:xfrm>
-            <a:off x="8445965" y="3177852"/>
-            <a:ext cx="2957487" cy="307777"/>
+            <a:off x="8569851" y="2997339"/>
+            <a:ext cx="2461942" cy="307777"/>
           </a:xfrm>
           <a:prstGeom prst="rect">
             <a:avLst/>
@@ -8977,12 +8958,9 @@
             </a:r>
             <a:r>
               <a:rPr lang="en-US" altLang="ko-KR" sz="1200" b="1" dirty="0"/>
-              <a:t>Refactoring </a:t>
-            </a:r>
-            <a:r>
-              <a:rPr lang="ko-KR" altLang="en-US" sz="1200" b="1" dirty="0"/>
-              <a:t>진행 중</a:t>
-            </a:r>
+              <a:t>Refactoring</a:t>
+            </a:r>
+            <a:endParaRPr lang="ko-KR" altLang="en-US" sz="1200" b="1" dirty="0"/>
           </a:p>
         </p:txBody>
       </p:sp>
@@ -9476,7 +9454,7 @@
             </a:r>
             <a:r>
               <a:rPr lang="ko-KR" altLang="en-US" sz="1200" dirty="0"/>
-              <a:t> 시각 장애인을 위해 뉴스 서비스를 제공하는 서비스입니다</a:t>
+              <a:t> 시각 장애인을 위해 뉴스를 제공하는 서비스입니다</a:t>
             </a:r>
             <a:r>
               <a:rPr lang="en-US" altLang="ko-KR" sz="1200" dirty="0"/>
@@ -9693,7 +9671,7 @@
             </a:r>
             <a:r>
               <a:rPr lang="ko-KR" altLang="en-US" sz="1200" dirty="0"/>
-              <a:t>형태로 저장 </a:t>
+              <a:t>형식으로 저장 </a:t>
             </a:r>
           </a:p>
         </p:txBody>
@@ -9909,9 +9887,12 @@
           <a:p>
             <a:r>
               <a:rPr lang="ko-KR" altLang="en-US" sz="1200" b="1" dirty="0"/>
-              <a:t>뉴스 내용을 음성 파일로 읽어주는 기능을 구현합니다</a:t>
-            </a:r>
-            <a:endParaRPr lang="en-US" altLang="ko-KR" sz="1200" b="1" dirty="0"/>
+              <a:t>뉴스 내용을 음성 파일로 저장하는 기능입니다</a:t>
+            </a:r>
+            <a:r>
+              <a:rPr lang="en-US" altLang="ko-KR" sz="1200" b="1" dirty="0"/>
+              <a:t>.</a:t>
+            </a:r>
           </a:p>
           <a:p>
             <a:endParaRPr lang="en-US" altLang="ko-KR" sz="1200" dirty="0"/>
@@ -9934,11 +9915,11 @@
             </a:r>
             <a:r>
               <a:rPr lang="en-US" altLang="ko-KR" sz="1200" dirty="0"/>
-              <a:t>1</a:t>
+              <a:t>59</a:t>
             </a:r>
             <a:r>
               <a:rPr lang="ko-KR" altLang="en-US" sz="1200" dirty="0"/>
-              <a:t>시간마다 뉴스 내용을 갱신합니다</a:t>
+              <a:t>분마다 뉴스 내용을 갱신합니다</a:t>
             </a:r>
             <a:r>
               <a:rPr lang="en-US" altLang="ko-KR" sz="1200" dirty="0"/>
@@ -10017,7 +9998,7 @@
         </p:nvSpPr>
         <p:spPr>
           <a:xfrm>
-            <a:off x="6019445" y="2885597"/>
+            <a:off x="6019445" y="3092069"/>
             <a:ext cx="127155" cy="112339"/>
           </a:xfrm>
           <a:prstGeom prst="rect">
@@ -10052,7 +10033,7 @@
         </p:nvSpPr>
         <p:spPr>
           <a:xfrm>
-            <a:off x="6234598" y="2761460"/>
+            <a:off x="6234598" y="2967932"/>
             <a:ext cx="5241363" cy="369332"/>
           </a:xfrm>
           <a:prstGeom prst="rect">
@@ -10080,7 +10061,11 @@
             </a:r>
             <a:r>
               <a:rPr lang="ko-KR" altLang="en-US" sz="1800" b="1" dirty="0"/>
-              <a:t> 파일로 변환</a:t>
+              <a:t> 파일로 </a:t>
+            </a:r>
+            <a:r>
+              <a:rPr lang="ko-KR" altLang="en-US" b="1" dirty="0"/>
+              <a:t>저장</a:t>
             </a:r>
             <a:endParaRPr lang="en-US" altLang="ko-KR" sz="1800" b="1" dirty="0"/>
           </a:p>
@@ -10100,7 +10085,7 @@
         </p:nvSpPr>
         <p:spPr>
           <a:xfrm>
-            <a:off x="6146599" y="3219054"/>
+            <a:off x="6146599" y="3425526"/>
             <a:ext cx="5766807" cy="3231654"/>
           </a:xfrm>
           <a:prstGeom prst="rect">
@@ -10179,7 +10164,7 @@
             </a:r>
             <a:r>
               <a:rPr lang="ko-KR" altLang="en-US" sz="1200" dirty="0"/>
-              <a:t>가</a:t>
+              <a:t>진 </a:t>
             </a:r>
             <a:r>
               <a:rPr lang="en-US" altLang="ko-KR" sz="1200" dirty="0"/>
@@ -10187,11 +10172,43 @@
             </a:r>
             <a:r>
               <a:rPr lang="ko-KR" altLang="en-US" sz="1200" dirty="0" err="1"/>
+              <a:t>ㅈ</a:t>
+            </a:r>
+            <a:r>
+              <a:rPr lang="en-US" altLang="ko-KR" sz="1200" dirty="0"/>
+              <a:t>’, ’</a:t>
+            </a:r>
+            <a:r>
+              <a:rPr lang="ko-KR" altLang="en-US" sz="1200" dirty="0" err="1"/>
+              <a:t>ㅣ</a:t>
+            </a:r>
+            <a:r>
+              <a:rPr lang="en-US" altLang="ko-KR" sz="1200" dirty="0"/>
+              <a:t>’, ’</a:t>
+            </a:r>
+            <a:r>
+              <a:rPr lang="ko-KR" altLang="en-US" sz="1200" dirty="0"/>
+              <a:t>ㄴ</a:t>
+            </a:r>
+            <a:r>
+              <a:rPr lang="en-US" altLang="ko-KR" sz="1200" dirty="0"/>
+              <a:t>‘   </a:t>
+            </a:r>
+            <a:r>
+              <a:rPr lang="ko-KR" altLang="en-US" sz="1200" dirty="0"/>
+              <a:t>가 </a:t>
+            </a:r>
+            <a:r>
+              <a:rPr lang="en-US" altLang="ko-KR" sz="1200" dirty="0"/>
+              <a:t>-&gt; ‘</a:t>
+            </a:r>
+            <a:r>
+              <a:rPr lang="ko-KR" altLang="en-US" sz="1200" dirty="0" err="1"/>
               <a:t>ㄱ</a:t>
             </a:r>
             <a:r>
               <a:rPr lang="en-US" altLang="ko-KR" sz="1200" dirty="0"/>
-              <a:t>’+’</a:t>
+              <a:t>’,’</a:t>
             </a:r>
             <a:r>
               <a:rPr lang="ko-KR" altLang="en-US" sz="1200" dirty="0" err="1"/>
@@ -10358,8 +10375,116 @@
         </p:blipFill>
         <p:spPr>
           <a:xfrm>
-            <a:off x="639446" y="3576800"/>
+            <a:off x="639446" y="3883565"/>
             <a:ext cx="5164846" cy="2043996"/>
+          </a:xfrm>
+          <a:prstGeom prst="rect">
+            <a:avLst/>
+          </a:prstGeom>
+        </p:spPr>
+      </p:pic>
+      <p:pic>
+        <p:nvPicPr>
+          <p:cNvPr id="7" name="그림 6" descr="텍스트이(가) 표시된 사진&#10;&#10;자동 생성된 설명">
+            <a:extLst>
+              <a:ext uri="{FF2B5EF4-FFF2-40B4-BE49-F238E27FC236}">
+                <a16:creationId xmlns:a16="http://schemas.microsoft.com/office/drawing/2014/main" id="{D2FC6C61-BBA3-455E-8D68-C96E46F1C0CE}"/>
+              </a:ext>
+            </a:extLst>
+          </p:cNvPr>
+          <p:cNvPicPr>
+            <a:picLocks noChangeAspect="1"/>
+          </p:cNvPicPr>
+          <p:nvPr/>
+        </p:nvPicPr>
+        <p:blipFill>
+          <a:blip r:embed="rId4">
+            <a:extLst>
+              <a:ext uri="{28A0092B-C50C-407E-A947-70E740481C1C}">
+                <a14:useLocalDpi xmlns:a14="http://schemas.microsoft.com/office/drawing/2010/main" val="0"/>
+              </a:ext>
+            </a:extLst>
+          </a:blip>
+          <a:stretch>
+            <a:fillRect/>
+          </a:stretch>
+        </p:blipFill>
+        <p:spPr>
+          <a:xfrm>
+            <a:off x="639446" y="269504"/>
+            <a:ext cx="3620449" cy="667056"/>
+          </a:xfrm>
+          <a:prstGeom prst="rect">
+            <a:avLst/>
+          </a:prstGeom>
+        </p:spPr>
+      </p:pic>
+      <p:pic>
+        <p:nvPicPr>
+          <p:cNvPr id="12" name="그림 11">
+            <a:extLst>
+              <a:ext uri="{FF2B5EF4-FFF2-40B4-BE49-F238E27FC236}">
+                <a16:creationId xmlns:a16="http://schemas.microsoft.com/office/drawing/2014/main" id="{E2F117BA-29F2-49AC-BC8F-D5A2FD7589FF}"/>
+              </a:ext>
+            </a:extLst>
+          </p:cNvPr>
+          <p:cNvPicPr>
+            <a:picLocks noChangeAspect="1"/>
+          </p:cNvPicPr>
+          <p:nvPr/>
+        </p:nvPicPr>
+        <p:blipFill>
+          <a:blip r:embed="rId5">
+            <a:extLst>
+              <a:ext uri="{28A0092B-C50C-407E-A947-70E740481C1C}">
+                <a14:useLocalDpi xmlns:a14="http://schemas.microsoft.com/office/drawing/2010/main" val="0"/>
+              </a:ext>
+            </a:extLst>
+          </a:blip>
+          <a:stretch>
+            <a:fillRect/>
+          </a:stretch>
+        </p:blipFill>
+        <p:spPr>
+          <a:xfrm>
+            <a:off x="639446" y="1989863"/>
+            <a:ext cx="3780094" cy="1351321"/>
+          </a:xfrm>
+          <a:prstGeom prst="rect">
+            <a:avLst/>
+          </a:prstGeom>
+        </p:spPr>
+      </p:pic>
+      <p:pic>
+        <p:nvPicPr>
+          <p:cNvPr id="14" name="그림 13" descr="텍스트이(가) 표시된 사진&#10;&#10;자동 생성된 설명">
+            <a:extLst>
+              <a:ext uri="{FF2B5EF4-FFF2-40B4-BE49-F238E27FC236}">
+                <a16:creationId xmlns:a16="http://schemas.microsoft.com/office/drawing/2014/main" id="{393855A3-0DCD-4A77-B0DA-5642484835F7}"/>
+              </a:ext>
+            </a:extLst>
+          </p:cNvPr>
+          <p:cNvPicPr>
+            <a:picLocks noChangeAspect="1"/>
+          </p:cNvPicPr>
+          <p:nvPr/>
+        </p:nvPicPr>
+        <p:blipFill>
+          <a:blip r:embed="rId6">
+            <a:extLst>
+              <a:ext uri="{28A0092B-C50C-407E-A947-70E740481C1C}">
+                <a14:useLocalDpi xmlns:a14="http://schemas.microsoft.com/office/drawing/2010/main" val="0"/>
+              </a:ext>
+            </a:extLst>
+          </a:blip>
+          <a:stretch>
+            <a:fillRect/>
+          </a:stretch>
+        </p:blipFill>
+        <p:spPr>
+          <a:xfrm>
+            <a:off x="639446" y="1173661"/>
+            <a:ext cx="3620450" cy="782800"/>
           </a:xfrm>
           <a:prstGeom prst="rect">
             <a:avLst/>
@@ -10380,6 +10505,224 @@
 </file>
 
 <file path=ppt/slides/slide8.xml><?xml version="1.0" encoding="utf-8"?>
+<p:sld xmlns:a="http://schemas.openxmlformats.org/drawingml/2006/main" xmlns:r="http://schemas.openxmlformats.org/officeDocument/2006/relationships" xmlns:p="http://schemas.openxmlformats.org/presentationml/2006/main">
+  <p:cSld>
+    <p:spTree>
+      <p:nvGrpSpPr>
+        <p:cNvPr id="1" name=""/>
+        <p:cNvGrpSpPr/>
+        <p:nvPr/>
+      </p:nvGrpSpPr>
+      <p:grpSpPr>
+        <a:xfrm>
+          <a:off x="0" y="0"/>
+          <a:ext cx="0" cy="0"/>
+          <a:chOff x="0" y="0"/>
+          <a:chExt cx="0" cy="0"/>
+        </a:xfrm>
+      </p:grpSpPr>
+      <p:sp>
+        <p:nvSpPr>
+          <p:cNvPr id="4" name="object 6">
+            <a:extLst>
+              <a:ext uri="{FF2B5EF4-FFF2-40B4-BE49-F238E27FC236}">
+                <a16:creationId xmlns:a16="http://schemas.microsoft.com/office/drawing/2014/main" id="{A545290D-3CA4-4FA2-95E8-9278EA4D17BD}"/>
+              </a:ext>
+            </a:extLst>
+          </p:cNvPr>
+          <p:cNvSpPr/>
+          <p:nvPr/>
+        </p:nvSpPr>
+        <p:spPr>
+          <a:xfrm>
+            <a:off x="6019445" y="701789"/>
+            <a:ext cx="127155" cy="121059"/>
+          </a:xfrm>
+          <a:prstGeom prst="rect">
+            <a:avLst/>
+          </a:prstGeom>
+          <a:blipFill>
+            <a:blip r:embed="rId2" cstate="print"/>
+            <a:stretch>
+              <a:fillRect/>
+            </a:stretch>
+          </a:blipFill>
+        </p:spPr>
+        <p:txBody>
+          <a:bodyPr wrap="square" lIns="0" tIns="0" rIns="0" bIns="0" rtlCol="0"/>
+          <a:lstStyle/>
+          <a:p>
+            <a:endParaRPr/>
+          </a:p>
+        </p:txBody>
+      </p:sp>
+      <p:sp>
+        <p:nvSpPr>
+          <p:cNvPr id="5" name="TextBox 4">
+            <a:extLst>
+              <a:ext uri="{FF2B5EF4-FFF2-40B4-BE49-F238E27FC236}">
+                <a16:creationId xmlns:a16="http://schemas.microsoft.com/office/drawing/2014/main" id="{8CC82E3D-6DE0-4E9E-84B2-A115D86CD670}"/>
+              </a:ext>
+            </a:extLst>
+          </p:cNvPr>
+          <p:cNvSpPr txBox="1"/>
+          <p:nvPr/>
+        </p:nvSpPr>
+        <p:spPr>
+          <a:xfrm>
+            <a:off x="6234598" y="577652"/>
+            <a:ext cx="5766807" cy="369332"/>
+          </a:xfrm>
+          <a:prstGeom prst="rect">
+            <a:avLst/>
+          </a:prstGeom>
+          <a:noFill/>
+        </p:spPr>
+        <p:txBody>
+          <a:bodyPr wrap="square" rtlCol="0">
+            <a:spAutoFit/>
+          </a:bodyPr>
+          <a:lstStyle/>
+          <a:p>
+            <a:r>
+              <a:rPr lang="ko-KR" altLang="en-US" sz="1800" b="1" dirty="0" err="1"/>
+              <a:t>리팩토링</a:t>
+            </a:r>
+            <a:r>
+              <a:rPr lang="ko-KR" altLang="en-US" sz="1800" b="1" dirty="0"/>
+              <a:t> 예정</a:t>
+            </a:r>
+            <a:endParaRPr lang="en-US" altLang="ko-KR" sz="1800" b="1" dirty="0"/>
+          </a:p>
+        </p:txBody>
+      </p:sp>
+      <p:sp>
+        <p:nvSpPr>
+          <p:cNvPr id="6" name="TextBox 5">
+            <a:extLst>
+              <a:ext uri="{FF2B5EF4-FFF2-40B4-BE49-F238E27FC236}">
+                <a16:creationId xmlns:a16="http://schemas.microsoft.com/office/drawing/2014/main" id="{2F20D144-5A52-4928-B643-7010AFB681FA}"/>
+              </a:ext>
+            </a:extLst>
+          </p:cNvPr>
+          <p:cNvSpPr txBox="1"/>
+          <p:nvPr/>
+        </p:nvSpPr>
+        <p:spPr>
+          <a:xfrm>
+            <a:off x="6019445" y="1035246"/>
+            <a:ext cx="5766807" cy="1384995"/>
+          </a:xfrm>
+          <a:prstGeom prst="rect">
+            <a:avLst/>
+          </a:prstGeom>
+          <a:noFill/>
+        </p:spPr>
+        <p:txBody>
+          <a:bodyPr wrap="square" rtlCol="0">
+            <a:spAutoFit/>
+          </a:bodyPr>
+          <a:lstStyle/>
+          <a:p>
+            <a:r>
+              <a:rPr lang="en-US" altLang="ko-KR" sz="1200" dirty="0"/>
+              <a:t> </a:t>
+            </a:r>
+            <a:r>
+              <a:rPr lang="ko-KR" altLang="en-US" sz="1200" dirty="0"/>
+              <a:t>세상 소리 프로젝트는 수업 시간에 처음 만난 학우분들과 진행한 프로젝트 입니다</a:t>
+            </a:r>
+            <a:r>
+              <a:rPr lang="en-US" altLang="ko-KR" sz="1200" dirty="0"/>
+              <a:t>.</a:t>
+            </a:r>
+          </a:p>
+          <a:p>
+            <a:endParaRPr lang="en-US" altLang="ko-KR" sz="1200" dirty="0"/>
+          </a:p>
+          <a:p>
+            <a:r>
+              <a:rPr lang="en-US" altLang="ko-KR" sz="1200" dirty="0"/>
+              <a:t> </a:t>
+            </a:r>
+            <a:r>
+              <a:rPr lang="ko-KR" altLang="en-US" sz="1200" dirty="0"/>
+              <a:t>객체지향에 익숙하지 않은 학우들도 있었기에 </a:t>
+            </a:r>
+            <a:r>
+              <a:rPr lang="ko-KR" altLang="en-US" sz="1200" b="1" dirty="0"/>
+              <a:t>절차 지향적</a:t>
+            </a:r>
+            <a:r>
+              <a:rPr lang="ko-KR" altLang="en-US" sz="1200" dirty="0"/>
+              <a:t>으로 코드가 작성 되었습니다</a:t>
+            </a:r>
+            <a:r>
+              <a:rPr lang="en-US" altLang="ko-KR" sz="1200" dirty="0"/>
+              <a:t>.</a:t>
+            </a:r>
+          </a:p>
+          <a:p>
+            <a:endParaRPr lang="en-US" altLang="ko-KR" sz="1200" dirty="0"/>
+          </a:p>
+          <a:p>
+            <a:r>
+              <a:rPr lang="ko-KR" altLang="en-US" sz="1200" dirty="0"/>
+              <a:t> </a:t>
+            </a:r>
+            <a:r>
+              <a:rPr lang="en-US" altLang="ko-KR" sz="1200" dirty="0"/>
+              <a:t>12</a:t>
+            </a:r>
+            <a:r>
+              <a:rPr lang="ko-KR" altLang="en-US" sz="1200" dirty="0"/>
+              <a:t>월 이후 </a:t>
+            </a:r>
+            <a:r>
+              <a:rPr lang="ko-KR" altLang="en-US" sz="1200" b="1" dirty="0"/>
+              <a:t>객체 지향적인 </a:t>
+            </a:r>
+            <a:r>
+              <a:rPr lang="ko-KR" altLang="en-US" sz="1200" b="1" dirty="0" err="1"/>
+              <a:t>아키텍쳐</a:t>
+            </a:r>
+            <a:r>
+              <a:rPr lang="ko-KR" altLang="en-US" sz="1200" dirty="0" err="1"/>
+              <a:t>로</a:t>
+            </a:r>
+            <a:r>
+              <a:rPr lang="ko-KR" altLang="en-US" sz="1200" b="1" dirty="0"/>
+              <a:t> </a:t>
+            </a:r>
+            <a:r>
+              <a:rPr lang="ko-KR" altLang="en-US" sz="1200" dirty="0" err="1"/>
+              <a:t>리팩토링할</a:t>
+            </a:r>
+            <a:r>
+              <a:rPr lang="ko-KR" altLang="en-US" sz="1200" dirty="0"/>
+              <a:t> 계획입니다</a:t>
+            </a:r>
+            <a:r>
+              <a:rPr lang="en-US" altLang="ko-KR" sz="1200" dirty="0"/>
+              <a:t>.</a:t>
+            </a:r>
+          </a:p>
+        </p:txBody>
+      </p:sp>
+    </p:spTree>
+    <p:extLst>
+      <p:ext uri="{BB962C8B-B14F-4D97-AF65-F5344CB8AC3E}">
+        <p14:creationId xmlns:p14="http://schemas.microsoft.com/office/powerpoint/2010/main" val="1013031677"/>
+      </p:ext>
+    </p:extLst>
+  </p:cSld>
+  <p:clrMapOvr>
+    <a:masterClrMapping/>
+  </p:clrMapOvr>
+</p:sld>
+</file>
+
+<file path=ppt/slides/slide9.xml><?xml version="1.0" encoding="utf-8"?>
 <p:sld xmlns:a="http://schemas.openxmlformats.org/drawingml/2006/main" xmlns:r="http://schemas.openxmlformats.org/officeDocument/2006/relationships" xmlns:p="http://schemas.openxmlformats.org/presentationml/2006/main">
   <p:cSld>
     <p:spTree>

--- a/오진호 포토폴리오.pptx
+++ b/오진호 포토폴리오.pptx
@@ -3971,8 +3971,8 @@
         </p:nvSpPr>
         <p:spPr>
           <a:xfrm>
-            <a:off x="9537025" y="6069568"/>
-            <a:ext cx="2654975" cy="430887"/>
+            <a:off x="9024425" y="5857193"/>
+            <a:ext cx="3167576" cy="938719"/>
           </a:xfrm>
           <a:prstGeom prst="rect">
             <a:avLst/>
@@ -4004,8 +4004,39 @@
             </a:r>
             <a:r>
               <a:rPr lang="en-US" altLang="ko-KR" sz="1100" dirty="0"/>
-              <a:t>: https://github.com/ohjinhokor</a:t>
-            </a:r>
+              <a:t>: </a:t>
+            </a:r>
+            <a:r>
+              <a:rPr lang="en-US" altLang="ko-KR" sz="1100" dirty="0">
+                <a:hlinkClick r:id="rId4"/>
+              </a:rPr>
+              <a:t>https://github.com/ohjinhokor</a:t>
+            </a:r>
+            <a:endParaRPr lang="en-US" altLang="ko-KR" sz="1100" dirty="0"/>
+          </a:p>
+          <a:p>
+            <a:endParaRPr lang="en-US" altLang="ko-KR" sz="1100" dirty="0"/>
+          </a:p>
+          <a:p>
+            <a:r>
+              <a:rPr lang="ko-KR" altLang="en-US" sz="1100" dirty="0"/>
+              <a:t>기술 스택 </a:t>
+            </a:r>
+            <a:r>
+              <a:rPr lang="en-US" altLang="ko-KR" sz="1100" dirty="0"/>
+              <a:t>: Java, Spring, </a:t>
+            </a:r>
+            <a:r>
+              <a:rPr lang="en-US" altLang="ko-KR" sz="1100" dirty="0" err="1"/>
+              <a:t>Springboot</a:t>
+            </a:r>
+            <a:r>
+              <a:rPr lang="en-US" altLang="ko-KR" sz="1100" dirty="0"/>
+              <a:t>, MVC, JPA</a:t>
+            </a:r>
+            <a:endParaRPr lang="ko-KR" altLang="en-US" sz="1100" dirty="0"/>
+          </a:p>
+          <a:p>
             <a:endParaRPr lang="ko-KR" altLang="en-US" sz="1100" dirty="0"/>
           </a:p>
         </p:txBody>
@@ -10753,8 +10784,8 @@
         </p:nvSpPr>
         <p:spPr>
           <a:xfrm>
-            <a:off x="2276167" y="2625213"/>
-            <a:ext cx="7639665" cy="646331"/>
+            <a:off x="7700750" y="2135270"/>
+            <a:ext cx="4525789" cy="1754326"/>
           </a:xfrm>
           <a:prstGeom prst="rect">
             <a:avLst/>
@@ -10767,27 +10798,708 @@
           </a:bodyPr>
           <a:lstStyle/>
           <a:p>
-            <a:pPr algn="ctr"/>
-            <a:r>
-              <a:rPr lang="ko-KR" altLang="en-US" dirty="0"/>
-              <a:t>성장할 수 있는 곳이라면 무엇이든 할 준비가 되어있습니다</a:t>
+            <a:r>
+              <a:rPr lang="en-US" altLang="ko-KR" sz="1200" dirty="0"/>
+              <a:t>To. </a:t>
+            </a:r>
+            <a:r>
+              <a:rPr lang="ko-KR" altLang="en-US" sz="1200" dirty="0"/>
+              <a:t>스타트업</a:t>
+            </a:r>
+            <a:endParaRPr lang="en-US" altLang="ko-KR" sz="1200" dirty="0"/>
+          </a:p>
+          <a:p>
+            <a:endParaRPr lang="en-US" altLang="ko-KR" sz="1200" dirty="0"/>
+          </a:p>
+          <a:p>
+            <a:endParaRPr lang="en-US" altLang="ko-KR" sz="1200" dirty="0"/>
+          </a:p>
+          <a:p>
+            <a:r>
+              <a:rPr lang="en-US" altLang="ko-KR" sz="1200" dirty="0"/>
+              <a:t>PPT</a:t>
+            </a:r>
+            <a:r>
+              <a:rPr lang="ko-KR" altLang="en-US" sz="1200" dirty="0"/>
+              <a:t>에 있는 프로젝트에서는 </a:t>
+            </a:r>
+            <a:r>
+              <a:rPr lang="en-US" altLang="ko-KR" sz="1200" dirty="0"/>
+              <a:t>JPA</a:t>
+            </a:r>
+            <a:r>
+              <a:rPr lang="ko-KR" altLang="en-US" sz="1200" dirty="0"/>
+              <a:t>를 사용하지 않았지만</a:t>
+            </a:r>
+            <a:r>
+              <a:rPr lang="en-US" altLang="ko-KR" sz="1200" dirty="0"/>
+              <a:t>, </a:t>
+            </a:r>
+            <a:r>
+              <a:rPr lang="ko-KR" altLang="en-US" sz="1200" dirty="0"/>
+              <a:t>외부 활동과 개인 공부를 통해 꾸준히 </a:t>
+            </a:r>
+            <a:r>
+              <a:rPr lang="en-US" altLang="ko-KR" sz="1200" dirty="0"/>
+              <a:t>Spring</a:t>
+            </a:r>
+            <a:r>
+              <a:rPr lang="ko-KR" altLang="en-US" sz="1200" dirty="0"/>
+              <a:t>과 </a:t>
+            </a:r>
+            <a:r>
+              <a:rPr lang="en-US" altLang="ko-KR" sz="1200" dirty="0"/>
+              <a:t>JPA</a:t>
+            </a:r>
+            <a:r>
+              <a:rPr lang="ko-KR" altLang="en-US" sz="1200" dirty="0"/>
+              <a:t>를 학습하고 있습니다</a:t>
+            </a:r>
+            <a:r>
+              <a:rPr lang="en-US" altLang="ko-KR" sz="1200" dirty="0"/>
+              <a:t>.</a:t>
+            </a:r>
+          </a:p>
+          <a:p>
+            <a:endParaRPr lang="en-US" altLang="ko-KR" sz="1200" dirty="0"/>
+          </a:p>
+          <a:p>
+            <a:r>
+              <a:rPr lang="en-US" altLang="ko-KR" sz="1200" dirty="0"/>
+              <a:t>Pagination,</a:t>
+            </a:r>
+            <a:r>
+              <a:rPr lang="ko-KR" altLang="en-US" sz="1200" dirty="0"/>
+              <a:t> 기본 </a:t>
+            </a:r>
+            <a:r>
+              <a:rPr lang="en-US" altLang="ko-KR" sz="1200" dirty="0"/>
+              <a:t>CRUD,</a:t>
+            </a:r>
+            <a:r>
+              <a:rPr lang="ko-KR" altLang="en-US" sz="1200" dirty="0"/>
+              <a:t> 테스트코드</a:t>
+            </a:r>
+            <a:r>
+              <a:rPr lang="en-US" altLang="ko-KR" sz="1200" dirty="0"/>
+              <a:t>, Validation, </a:t>
+            </a:r>
+            <a:r>
+              <a:rPr lang="ko-KR" altLang="en-US" sz="1200" dirty="0"/>
+              <a:t>예외처리 등의 과제를 </a:t>
+            </a:r>
+            <a:r>
+              <a:rPr lang="en-US" altLang="ko-KR" sz="1200" dirty="0"/>
+              <a:t>Spring, JPA, Junit</a:t>
+            </a:r>
+            <a:r>
+              <a:rPr lang="ko-KR" altLang="en-US" sz="1200" dirty="0"/>
+              <a:t>을 통해 수행했습니다</a:t>
+            </a:r>
+            <a:r>
+              <a:rPr lang="en-US" altLang="ko-KR" sz="1200" dirty="0"/>
+              <a:t>.</a:t>
+            </a:r>
+          </a:p>
+        </p:txBody>
+      </p:sp>
+      <p:pic>
+        <p:nvPicPr>
+          <p:cNvPr id="4" name="그림 3" descr="텍스트이(가) 표시된 사진&#10;&#10;자동 생성된 설명">
+            <a:extLst>
+              <a:ext uri="{FF2B5EF4-FFF2-40B4-BE49-F238E27FC236}">
+                <a16:creationId xmlns:a16="http://schemas.microsoft.com/office/drawing/2014/main" id="{AA8C0361-B87C-4823-AE08-B692377F2972}"/>
+              </a:ext>
+            </a:extLst>
+          </p:cNvPr>
+          <p:cNvPicPr>
+            <a:picLocks noChangeAspect="1"/>
+          </p:cNvPicPr>
+          <p:nvPr/>
+        </p:nvPicPr>
+        <p:blipFill>
+          <a:blip r:embed="rId2">
+            <a:extLst>
+              <a:ext uri="{28A0092B-C50C-407E-A947-70E740481C1C}">
+                <a14:useLocalDpi xmlns:a14="http://schemas.microsoft.com/office/drawing/2010/main" val="0"/>
+              </a:ext>
+            </a:extLst>
+          </a:blip>
+          <a:stretch>
+            <a:fillRect/>
+          </a:stretch>
+        </p:blipFill>
+        <p:spPr>
+          <a:xfrm>
+            <a:off x="333404" y="1200995"/>
+            <a:ext cx="2105225" cy="4019667"/>
+          </a:xfrm>
+          <a:prstGeom prst="rect">
+            <a:avLst/>
+          </a:prstGeom>
+        </p:spPr>
+      </p:pic>
+      <p:pic>
+        <p:nvPicPr>
+          <p:cNvPr id="6" name="그림 5">
+            <a:extLst>
+              <a:ext uri="{FF2B5EF4-FFF2-40B4-BE49-F238E27FC236}">
+                <a16:creationId xmlns:a16="http://schemas.microsoft.com/office/drawing/2014/main" id="{03A286C2-7D87-4850-8DD1-F2615D623E2F}"/>
+              </a:ext>
+            </a:extLst>
+          </p:cNvPr>
+          <p:cNvPicPr>
+            <a:picLocks noChangeAspect="1"/>
+          </p:cNvPicPr>
+          <p:nvPr/>
+        </p:nvPicPr>
+        <p:blipFill>
+          <a:blip r:embed="rId3">
+            <a:extLst>
+              <a:ext uri="{28A0092B-C50C-407E-A947-70E740481C1C}">
+                <a14:useLocalDpi xmlns:a14="http://schemas.microsoft.com/office/drawing/2010/main" val="0"/>
+              </a:ext>
+            </a:extLst>
+          </a:blip>
+          <a:stretch>
+            <a:fillRect/>
+          </a:stretch>
+        </p:blipFill>
+        <p:spPr>
+          <a:xfrm>
+            <a:off x="3772223" y="5403147"/>
+            <a:ext cx="1151565" cy="1129769"/>
+          </a:xfrm>
+          <a:prstGeom prst="rect">
+            <a:avLst/>
+          </a:prstGeom>
+        </p:spPr>
+      </p:pic>
+      <p:pic>
+        <p:nvPicPr>
+          <p:cNvPr id="8" name="그림 7">
+            <a:extLst>
+              <a:ext uri="{FF2B5EF4-FFF2-40B4-BE49-F238E27FC236}">
+                <a16:creationId xmlns:a16="http://schemas.microsoft.com/office/drawing/2014/main" id="{2C0667FC-2D28-4D7B-91F6-2D1D782CC4CF}"/>
+              </a:ext>
+            </a:extLst>
+          </p:cNvPr>
+          <p:cNvPicPr>
+            <a:picLocks noChangeAspect="1"/>
+          </p:cNvPicPr>
+          <p:nvPr/>
+        </p:nvPicPr>
+        <p:blipFill>
+          <a:blip r:embed="rId4">
+            <a:extLst>
+              <a:ext uri="{28A0092B-C50C-407E-A947-70E740481C1C}">
+                <a14:useLocalDpi xmlns:a14="http://schemas.microsoft.com/office/drawing/2010/main" val="0"/>
+              </a:ext>
+            </a:extLst>
+          </a:blip>
+          <a:stretch>
+            <a:fillRect/>
+          </a:stretch>
+        </p:blipFill>
+        <p:spPr>
+          <a:xfrm>
+            <a:off x="330647" y="5414332"/>
+            <a:ext cx="1078938" cy="1098980"/>
+          </a:xfrm>
+          <a:prstGeom prst="rect">
+            <a:avLst/>
+          </a:prstGeom>
+        </p:spPr>
+      </p:pic>
+      <p:pic>
+        <p:nvPicPr>
+          <p:cNvPr id="10" name="그림 9" descr="텍스트이(가) 표시된 사진&#10;&#10;자동 생성된 설명">
+            <a:extLst>
+              <a:ext uri="{FF2B5EF4-FFF2-40B4-BE49-F238E27FC236}">
+                <a16:creationId xmlns:a16="http://schemas.microsoft.com/office/drawing/2014/main" id="{8EFBDC47-EC56-4F0C-97EA-C38FCF662156}"/>
+              </a:ext>
+            </a:extLst>
+          </p:cNvPr>
+          <p:cNvPicPr>
+            <a:picLocks noChangeAspect="1"/>
+          </p:cNvPicPr>
+          <p:nvPr/>
+        </p:nvPicPr>
+        <p:blipFill>
+          <a:blip r:embed="rId5">
+            <a:extLst>
+              <a:ext uri="{28A0092B-C50C-407E-A947-70E740481C1C}">
+                <a14:useLocalDpi xmlns:a14="http://schemas.microsoft.com/office/drawing/2010/main" val="0"/>
+              </a:ext>
+            </a:extLst>
+          </a:blip>
+          <a:stretch>
+            <a:fillRect/>
+          </a:stretch>
+        </p:blipFill>
+        <p:spPr>
+          <a:xfrm>
+            <a:off x="1377899" y="5414331"/>
+            <a:ext cx="1229405" cy="1098980"/>
+          </a:xfrm>
+          <a:prstGeom prst="rect">
+            <a:avLst/>
+          </a:prstGeom>
+        </p:spPr>
+      </p:pic>
+      <p:pic>
+        <p:nvPicPr>
+          <p:cNvPr id="12" name="그림 11">
+            <a:extLst>
+              <a:ext uri="{FF2B5EF4-FFF2-40B4-BE49-F238E27FC236}">
+                <a16:creationId xmlns:a16="http://schemas.microsoft.com/office/drawing/2014/main" id="{23E5D048-78A0-4757-B361-0E3E4A49E8FB}"/>
+              </a:ext>
+            </a:extLst>
+          </p:cNvPr>
+          <p:cNvPicPr>
+            <a:picLocks noChangeAspect="1"/>
+          </p:cNvPicPr>
+          <p:nvPr/>
+        </p:nvPicPr>
+        <p:blipFill>
+          <a:blip r:embed="rId6">
+            <a:extLst>
+              <a:ext uri="{28A0092B-C50C-407E-A947-70E740481C1C}">
+                <a14:useLocalDpi xmlns:a14="http://schemas.microsoft.com/office/drawing/2010/main" val="0"/>
+              </a:ext>
+            </a:extLst>
+          </a:blip>
+          <a:stretch>
+            <a:fillRect/>
+          </a:stretch>
+        </p:blipFill>
+        <p:spPr>
+          <a:xfrm>
+            <a:off x="6126240" y="5459806"/>
+            <a:ext cx="1152006" cy="1040252"/>
+          </a:xfrm>
+          <a:prstGeom prst="rect">
+            <a:avLst/>
+          </a:prstGeom>
+        </p:spPr>
+      </p:pic>
+      <p:pic>
+        <p:nvPicPr>
+          <p:cNvPr id="14" name="그림 13">
+            <a:extLst>
+              <a:ext uri="{FF2B5EF4-FFF2-40B4-BE49-F238E27FC236}">
+                <a16:creationId xmlns:a16="http://schemas.microsoft.com/office/drawing/2014/main" id="{ACB9C867-3CD4-490E-82DF-16567F38F06C}"/>
+              </a:ext>
+            </a:extLst>
+          </p:cNvPr>
+          <p:cNvPicPr>
+            <a:picLocks noChangeAspect="1"/>
+          </p:cNvPicPr>
+          <p:nvPr/>
+        </p:nvPicPr>
+        <p:blipFill>
+          <a:blip r:embed="rId7">
+            <a:extLst>
+              <a:ext uri="{28A0092B-C50C-407E-A947-70E740481C1C}">
+                <a14:useLocalDpi xmlns:a14="http://schemas.microsoft.com/office/drawing/2010/main" val="0"/>
+              </a:ext>
+            </a:extLst>
+          </a:blip>
+          <a:stretch>
+            <a:fillRect/>
+          </a:stretch>
+        </p:blipFill>
+        <p:spPr>
+          <a:xfrm>
+            <a:off x="4956448" y="5416399"/>
+            <a:ext cx="1152006" cy="1129769"/>
+          </a:xfrm>
+          <a:prstGeom prst="rect">
+            <a:avLst/>
+          </a:prstGeom>
+        </p:spPr>
+      </p:pic>
+      <p:pic>
+        <p:nvPicPr>
+          <p:cNvPr id="16" name="그림 15">
+            <a:extLst>
+              <a:ext uri="{FF2B5EF4-FFF2-40B4-BE49-F238E27FC236}">
+                <a16:creationId xmlns:a16="http://schemas.microsoft.com/office/drawing/2014/main" id="{F764E354-B5F5-4F46-910E-648CD765D806}"/>
+              </a:ext>
+            </a:extLst>
+          </p:cNvPr>
+          <p:cNvPicPr>
+            <a:picLocks noChangeAspect="1"/>
+          </p:cNvPicPr>
+          <p:nvPr/>
+        </p:nvPicPr>
+        <p:blipFill>
+          <a:blip r:embed="rId8">
+            <a:extLst>
+              <a:ext uri="{28A0092B-C50C-407E-A947-70E740481C1C}">
+                <a14:useLocalDpi xmlns:a14="http://schemas.microsoft.com/office/drawing/2010/main" val="0"/>
+              </a:ext>
+            </a:extLst>
+          </a:blip>
+          <a:stretch>
+            <a:fillRect/>
+          </a:stretch>
+        </p:blipFill>
+        <p:spPr>
+          <a:xfrm>
+            <a:off x="2627030" y="5414330"/>
+            <a:ext cx="1078938" cy="1098980"/>
+          </a:xfrm>
+          <a:prstGeom prst="rect">
+            <a:avLst/>
+          </a:prstGeom>
+        </p:spPr>
+      </p:pic>
+      <p:sp>
+        <p:nvSpPr>
+          <p:cNvPr id="17" name="TextBox 16">
+            <a:extLst>
+              <a:ext uri="{FF2B5EF4-FFF2-40B4-BE49-F238E27FC236}">
+                <a16:creationId xmlns:a16="http://schemas.microsoft.com/office/drawing/2014/main" id="{72795709-9F0F-47E0-8BEF-13B80E58638C}"/>
+              </a:ext>
+            </a:extLst>
+          </p:cNvPr>
+          <p:cNvSpPr txBox="1"/>
+          <p:nvPr/>
+        </p:nvSpPr>
+        <p:spPr>
+          <a:xfrm>
+            <a:off x="7449357" y="5092474"/>
+            <a:ext cx="4525789" cy="1569660"/>
+          </a:xfrm>
+          <a:prstGeom prst="rect">
+            <a:avLst/>
+          </a:prstGeom>
+          <a:noFill/>
+        </p:spPr>
+        <p:txBody>
+          <a:bodyPr wrap="square" rtlCol="0">
+            <a:spAutoFit/>
+          </a:bodyPr>
+          <a:lstStyle/>
+          <a:p>
+            <a:endParaRPr lang="en-US" altLang="ko-KR" sz="1200" dirty="0"/>
+          </a:p>
+          <a:p>
+            <a:r>
+              <a:rPr lang="ko-KR" altLang="en-US" sz="1200" dirty="0"/>
+              <a:t>성숙한 </a:t>
+            </a:r>
+            <a:r>
+              <a:rPr lang="ko-KR" altLang="en-US" sz="1200" dirty="0" err="1"/>
+              <a:t>백엔드</a:t>
+            </a:r>
+            <a:r>
+              <a:rPr lang="ko-KR" altLang="en-US" sz="1200" dirty="0"/>
+              <a:t> 개발을 위해 네트워크 지식과 </a:t>
+            </a:r>
+            <a:r>
+              <a:rPr lang="en-US" altLang="ko-KR" sz="1200" dirty="0"/>
+              <a:t>Infra </a:t>
+            </a:r>
+            <a:r>
+              <a:rPr lang="ko-KR" altLang="en-US" sz="1200" dirty="0"/>
+              <a:t>지식도 함께 학습하고 있습니다</a:t>
+            </a:r>
+            <a:r>
+              <a:rPr lang="en-US" altLang="ko-KR" sz="1200" dirty="0"/>
+              <a:t>.</a:t>
+            </a:r>
+          </a:p>
+          <a:p>
+            <a:endParaRPr lang="en-US" altLang="ko-KR" sz="1200" dirty="0"/>
+          </a:p>
+          <a:p>
+            <a:r>
+              <a:rPr lang="en-US" altLang="ko-KR" sz="1200" dirty="0"/>
+              <a:t>EC2,</a:t>
+            </a:r>
+            <a:r>
+              <a:rPr lang="ko-KR" altLang="en-US" sz="1200" dirty="0"/>
+              <a:t> </a:t>
+            </a:r>
+            <a:r>
+              <a:rPr lang="en-US" altLang="ko-KR" sz="1200" dirty="0"/>
+              <a:t>S3, RDS</a:t>
+            </a:r>
+            <a:r>
+              <a:rPr lang="ko-KR" altLang="en-US" sz="1200" dirty="0"/>
+              <a:t>를 이용하여 배포를 진행한 경험이 있으며</a:t>
+            </a:r>
+            <a:r>
+              <a:rPr lang="en-US" altLang="ko-KR" sz="1200" dirty="0"/>
+              <a:t>, </a:t>
+            </a:r>
+          </a:p>
+          <a:p>
+            <a:r>
+              <a:rPr lang="ko-KR" altLang="en-US" sz="1200" dirty="0"/>
+              <a:t>강의와 스터디를 통해 </a:t>
+            </a:r>
+            <a:r>
+              <a:rPr lang="en-US" altLang="ko-KR" sz="1200" dirty="0"/>
+              <a:t>ELB, VPC </a:t>
+            </a:r>
+            <a:r>
+              <a:rPr lang="ko-KR" altLang="en-US" sz="1200" dirty="0"/>
+              <a:t>및 </a:t>
+            </a:r>
+            <a:r>
+              <a:rPr lang="en-US" altLang="ko-KR" sz="1200" dirty="0"/>
+              <a:t>Subnet, Auto Scaling</a:t>
+            </a:r>
+            <a:r>
+              <a:rPr lang="ko-KR" altLang="en-US" sz="1200" dirty="0"/>
+              <a:t>등 </a:t>
+            </a:r>
+            <a:r>
+              <a:rPr lang="en-US" altLang="ko-KR" sz="1200" dirty="0"/>
+              <a:t>AWS</a:t>
+            </a:r>
+            <a:r>
+              <a:rPr lang="ko-KR" altLang="en-US" sz="1200" dirty="0"/>
+              <a:t>의 기능을 학습하였습니다</a:t>
+            </a:r>
+            <a:r>
+              <a:rPr lang="en-US" altLang="ko-KR" sz="1200" dirty="0"/>
+              <a:t>.</a:t>
+            </a:r>
+          </a:p>
+          <a:p>
+            <a:endParaRPr lang="en-US" altLang="ko-KR" sz="1200" dirty="0"/>
+          </a:p>
+        </p:txBody>
+      </p:sp>
+      <p:pic>
+        <p:nvPicPr>
+          <p:cNvPr id="19" name="그림 18" descr="텍스트이(가) 표시된 사진&#10;&#10;자동 생성된 설명">
+            <a:extLst>
+              <a:ext uri="{FF2B5EF4-FFF2-40B4-BE49-F238E27FC236}">
+                <a16:creationId xmlns:a16="http://schemas.microsoft.com/office/drawing/2014/main" id="{75F76C79-09EB-40E5-B5F0-377D51C4CB14}"/>
+              </a:ext>
+            </a:extLst>
+          </p:cNvPr>
+          <p:cNvPicPr>
+            <a:picLocks noChangeAspect="1"/>
+          </p:cNvPicPr>
+          <p:nvPr/>
+        </p:nvPicPr>
+        <p:blipFill>
+          <a:blip r:embed="rId9">
+            <a:extLst>
+              <a:ext uri="{28A0092B-C50C-407E-A947-70E740481C1C}">
+                <a14:useLocalDpi xmlns:a14="http://schemas.microsoft.com/office/drawing/2010/main" val="0"/>
+              </a:ext>
+            </a:extLst>
+          </a:blip>
+          <a:stretch>
+            <a:fillRect/>
+          </a:stretch>
+        </p:blipFill>
+        <p:spPr>
+          <a:xfrm>
+            <a:off x="2572530" y="1200993"/>
+            <a:ext cx="2351258" cy="4019667"/>
+          </a:xfrm>
+          <a:prstGeom prst="rect">
+            <a:avLst/>
+          </a:prstGeom>
+        </p:spPr>
+      </p:pic>
+      <p:pic>
+        <p:nvPicPr>
+          <p:cNvPr id="21" name="그림 20" descr="텍스트이(가) 표시된 사진&#10;&#10;자동 생성된 설명">
+            <a:extLst>
+              <a:ext uri="{FF2B5EF4-FFF2-40B4-BE49-F238E27FC236}">
+                <a16:creationId xmlns:a16="http://schemas.microsoft.com/office/drawing/2014/main" id="{730407ED-4FFA-401A-BC62-1AC3406D2E39}"/>
+              </a:ext>
+            </a:extLst>
+          </p:cNvPr>
+          <p:cNvPicPr>
+            <a:picLocks noChangeAspect="1"/>
+          </p:cNvPicPr>
+          <p:nvPr/>
+        </p:nvPicPr>
+        <p:blipFill>
+          <a:blip r:embed="rId10">
+            <a:extLst>
+              <a:ext uri="{28A0092B-C50C-407E-A947-70E740481C1C}">
+                <a14:useLocalDpi xmlns:a14="http://schemas.microsoft.com/office/drawing/2010/main" val="0"/>
+              </a:ext>
+            </a:extLst>
+          </a:blip>
+          <a:stretch>
+            <a:fillRect/>
+          </a:stretch>
+        </p:blipFill>
+        <p:spPr>
+          <a:xfrm>
+            <a:off x="5025508" y="1200996"/>
+            <a:ext cx="2351258" cy="4019666"/>
+          </a:xfrm>
+          <a:prstGeom prst="rect">
+            <a:avLst/>
+          </a:prstGeom>
+        </p:spPr>
+      </p:pic>
+      <p:sp>
+        <p:nvSpPr>
+          <p:cNvPr id="22" name="TextBox 21">
+            <a:extLst>
+              <a:ext uri="{FF2B5EF4-FFF2-40B4-BE49-F238E27FC236}">
+                <a16:creationId xmlns:a16="http://schemas.microsoft.com/office/drawing/2014/main" id="{960EFEF0-35E8-4582-9ED6-7921DEC19CDD}"/>
+              </a:ext>
+            </a:extLst>
+          </p:cNvPr>
+          <p:cNvSpPr txBox="1"/>
+          <p:nvPr/>
+        </p:nvSpPr>
+        <p:spPr>
+          <a:xfrm>
+            <a:off x="1108655" y="825311"/>
+            <a:ext cx="808217" cy="369332"/>
+          </a:xfrm>
+          <a:prstGeom prst="rect">
+            <a:avLst/>
+          </a:prstGeom>
+          <a:noFill/>
+        </p:spPr>
+        <p:txBody>
+          <a:bodyPr wrap="square" rtlCol="0">
+            <a:spAutoFit/>
+          </a:bodyPr>
+          <a:lstStyle/>
+          <a:p>
+            <a:r>
+              <a:rPr lang="en-US" altLang="ko-KR" sz="1200" dirty="0"/>
+              <a:t>Junit</a:t>
             </a:r>
             <a:r>
               <a:rPr lang="en-US" altLang="ko-KR" dirty="0"/>
-              <a:t>. </a:t>
-            </a:r>
-          </a:p>
-          <a:p>
-            <a:pPr algn="ctr"/>
-            <a:r>
-              <a:rPr lang="ko-KR" altLang="en-US" dirty="0"/>
-              <a:t>믿고 맡겨 주신다면 절대 실망시키지 않겠습니다</a:t>
+              <a:t> </a:t>
+            </a:r>
+            <a:endParaRPr lang="ko-KR" altLang="en-US" dirty="0"/>
+          </a:p>
+        </p:txBody>
+      </p:sp>
+      <p:sp>
+        <p:nvSpPr>
+          <p:cNvPr id="23" name="TextBox 22">
+            <a:extLst>
+              <a:ext uri="{FF2B5EF4-FFF2-40B4-BE49-F238E27FC236}">
+                <a16:creationId xmlns:a16="http://schemas.microsoft.com/office/drawing/2014/main" id="{CE8E3120-2920-44DA-9E8F-857FBE8F6E83}"/>
+              </a:ext>
+            </a:extLst>
+          </p:cNvPr>
+          <p:cNvSpPr txBox="1"/>
+          <p:nvPr/>
+        </p:nvSpPr>
+        <p:spPr>
+          <a:xfrm>
+            <a:off x="3502488" y="794730"/>
+            <a:ext cx="539469" cy="369332"/>
+          </a:xfrm>
+          <a:prstGeom prst="rect">
+            <a:avLst/>
+          </a:prstGeom>
+          <a:noFill/>
+        </p:spPr>
+        <p:txBody>
+          <a:bodyPr wrap="square" rtlCol="0">
+            <a:spAutoFit/>
+          </a:bodyPr>
+          <a:lstStyle/>
+          <a:p>
+            <a:r>
+              <a:rPr lang="en-US" altLang="ko-KR" sz="1200" dirty="0"/>
+              <a:t>JPA</a:t>
             </a:r>
             <a:r>
               <a:rPr lang="en-US" altLang="ko-KR" dirty="0"/>
-              <a:t>.</a:t>
+              <a:t> </a:t>
             </a:r>
             <a:endParaRPr lang="ko-KR" altLang="en-US" dirty="0"/>
+          </a:p>
+        </p:txBody>
+      </p:sp>
+      <p:sp>
+        <p:nvSpPr>
+          <p:cNvPr id="25" name="TextBox 24">
+            <a:extLst>
+              <a:ext uri="{FF2B5EF4-FFF2-40B4-BE49-F238E27FC236}">
+                <a16:creationId xmlns:a16="http://schemas.microsoft.com/office/drawing/2014/main" id="{874E7AFE-A260-43E2-A358-E345781E2CE8}"/>
+              </a:ext>
+            </a:extLst>
+          </p:cNvPr>
+          <p:cNvSpPr txBox="1"/>
+          <p:nvPr/>
+        </p:nvSpPr>
+        <p:spPr>
+          <a:xfrm>
+            <a:off x="5814945" y="794730"/>
+            <a:ext cx="972100" cy="369332"/>
+          </a:xfrm>
+          <a:prstGeom prst="rect">
+            <a:avLst/>
+          </a:prstGeom>
+          <a:noFill/>
+        </p:spPr>
+        <p:txBody>
+          <a:bodyPr wrap="square" rtlCol="0">
+            <a:spAutoFit/>
+          </a:bodyPr>
+          <a:lstStyle/>
+          <a:p>
+            <a:r>
+              <a:rPr lang="ko-KR" altLang="en-US" sz="1200" dirty="0"/>
+              <a:t>예외 처리</a:t>
+            </a:r>
+            <a:r>
+              <a:rPr lang="en-US" altLang="ko-KR" dirty="0"/>
+              <a:t> </a:t>
+            </a:r>
+            <a:endParaRPr lang="ko-KR" altLang="en-US" dirty="0"/>
+          </a:p>
+        </p:txBody>
+      </p:sp>
+      <p:sp>
+        <p:nvSpPr>
+          <p:cNvPr id="26" name="TextBox 25">
+            <a:extLst>
+              <a:ext uri="{FF2B5EF4-FFF2-40B4-BE49-F238E27FC236}">
+                <a16:creationId xmlns:a16="http://schemas.microsoft.com/office/drawing/2014/main" id="{5B9505CD-71D2-4D6D-A13A-2DDE704E3F8C}"/>
+              </a:ext>
+            </a:extLst>
+          </p:cNvPr>
+          <p:cNvSpPr txBox="1"/>
+          <p:nvPr/>
+        </p:nvSpPr>
+        <p:spPr>
+          <a:xfrm>
+            <a:off x="265159" y="158098"/>
+            <a:ext cx="5614695" cy="707886"/>
+          </a:xfrm>
+          <a:prstGeom prst="rect">
+            <a:avLst/>
+          </a:prstGeom>
+          <a:noFill/>
+        </p:spPr>
+        <p:txBody>
+          <a:bodyPr wrap="square" rtlCol="0">
+            <a:spAutoFit/>
+          </a:bodyPr>
+          <a:lstStyle/>
+          <a:p>
+            <a:r>
+              <a:rPr lang="ko-KR" altLang="en-US" sz="4000" b="1" dirty="0"/>
+              <a:t>개인 공부</a:t>
+            </a:r>
+            <a:endParaRPr lang="en-US" altLang="ko-KR" sz="4000" b="1" dirty="0"/>
           </a:p>
         </p:txBody>
       </p:sp>

--- a/오진호 포토폴리오.pptx
+++ b/오진호 포토폴리오.pptx
@@ -10784,7 +10784,7 @@
         </p:nvSpPr>
         <p:spPr>
           <a:xfrm>
-            <a:off x="7700750" y="2135270"/>
+            <a:off x="7510666" y="2333663"/>
             <a:ext cx="4525789" cy="1754326"/>
           </a:xfrm>
           <a:prstGeom prst="rect">
@@ -11169,7 +11169,7 @@
         </p:nvSpPr>
         <p:spPr>
           <a:xfrm>
-            <a:off x="7449357" y="5092474"/>
+            <a:off x="7510667" y="5121971"/>
             <a:ext cx="4525789" cy="1569660"/>
           </a:xfrm>
           <a:prstGeom prst="rect">

--- a/오진호 포토폴리오.pptx
+++ b/오진호 포토폴리오.pptx
@@ -205,7 +205,7 @@
           <a:p>
             <a:fld id="{67406EAE-9ED8-4493-8307-E0CBB87D5314}" type="datetimeFigureOut">
               <a:rPr lang="ko-KR" altLang="en-US" smtClean="0"/>
-              <a:t>2021-12-07</a:t>
+              <a:t>2021-12-16</a:t>
             </a:fld>
             <a:endParaRPr lang="ko-KR" altLang="en-US"/>
           </a:p>
@@ -619,7 +619,7 @@
           <a:p>
             <a:fld id="{7E1FD04A-7A57-4ABB-A4D2-40192FED31D2}" type="datetimeFigureOut">
               <a:rPr lang="ko-KR" altLang="en-US" smtClean="0"/>
-              <a:t>2021-12-07</a:t>
+              <a:t>2021-12-16</a:t>
             </a:fld>
             <a:endParaRPr lang="ko-KR" altLang="en-US"/>
           </a:p>
@@ -817,7 +817,7 @@
           <a:p>
             <a:fld id="{7E1FD04A-7A57-4ABB-A4D2-40192FED31D2}" type="datetimeFigureOut">
               <a:rPr lang="ko-KR" altLang="en-US" smtClean="0"/>
-              <a:t>2021-12-07</a:t>
+              <a:t>2021-12-16</a:t>
             </a:fld>
             <a:endParaRPr lang="ko-KR" altLang="en-US"/>
           </a:p>
@@ -1025,7 +1025,7 @@
           <a:p>
             <a:fld id="{7E1FD04A-7A57-4ABB-A4D2-40192FED31D2}" type="datetimeFigureOut">
               <a:rPr lang="ko-KR" altLang="en-US" smtClean="0"/>
-              <a:t>2021-12-07</a:t>
+              <a:t>2021-12-16</a:t>
             </a:fld>
             <a:endParaRPr lang="ko-KR" altLang="en-US"/>
           </a:p>
@@ -1223,7 +1223,7 @@
           <a:p>
             <a:fld id="{7E1FD04A-7A57-4ABB-A4D2-40192FED31D2}" type="datetimeFigureOut">
               <a:rPr lang="ko-KR" altLang="en-US" smtClean="0"/>
-              <a:t>2021-12-07</a:t>
+              <a:t>2021-12-16</a:t>
             </a:fld>
             <a:endParaRPr lang="ko-KR" altLang="en-US"/>
           </a:p>
@@ -1498,7 +1498,7 @@
           <a:p>
             <a:fld id="{7E1FD04A-7A57-4ABB-A4D2-40192FED31D2}" type="datetimeFigureOut">
               <a:rPr lang="ko-KR" altLang="en-US" smtClean="0"/>
-              <a:t>2021-12-07</a:t>
+              <a:t>2021-12-16</a:t>
             </a:fld>
             <a:endParaRPr lang="ko-KR" altLang="en-US"/>
           </a:p>
@@ -1763,7 +1763,7 @@
           <a:p>
             <a:fld id="{7E1FD04A-7A57-4ABB-A4D2-40192FED31D2}" type="datetimeFigureOut">
               <a:rPr lang="ko-KR" altLang="en-US" smtClean="0"/>
-              <a:t>2021-12-07</a:t>
+              <a:t>2021-12-16</a:t>
             </a:fld>
             <a:endParaRPr lang="ko-KR" altLang="en-US"/>
           </a:p>
@@ -2175,7 +2175,7 @@
           <a:p>
             <a:fld id="{7E1FD04A-7A57-4ABB-A4D2-40192FED31D2}" type="datetimeFigureOut">
               <a:rPr lang="ko-KR" altLang="en-US" smtClean="0"/>
-              <a:t>2021-12-07</a:t>
+              <a:t>2021-12-16</a:t>
             </a:fld>
             <a:endParaRPr lang="ko-KR" altLang="en-US"/>
           </a:p>
@@ -2316,7 +2316,7 @@
           <a:p>
             <a:fld id="{7E1FD04A-7A57-4ABB-A4D2-40192FED31D2}" type="datetimeFigureOut">
               <a:rPr lang="ko-KR" altLang="en-US" smtClean="0"/>
-              <a:t>2021-12-07</a:t>
+              <a:t>2021-12-16</a:t>
             </a:fld>
             <a:endParaRPr lang="ko-KR" altLang="en-US"/>
           </a:p>
@@ -2429,7 +2429,7 @@
           <a:p>
             <a:fld id="{7E1FD04A-7A57-4ABB-A4D2-40192FED31D2}" type="datetimeFigureOut">
               <a:rPr lang="ko-KR" altLang="en-US" smtClean="0"/>
-              <a:t>2021-12-07</a:t>
+              <a:t>2021-12-16</a:t>
             </a:fld>
             <a:endParaRPr lang="ko-KR" altLang="en-US"/>
           </a:p>
@@ -2740,7 +2740,7 @@
           <a:p>
             <a:fld id="{7E1FD04A-7A57-4ABB-A4D2-40192FED31D2}" type="datetimeFigureOut">
               <a:rPr lang="ko-KR" altLang="en-US" smtClean="0"/>
-              <a:t>2021-12-07</a:t>
+              <a:t>2021-12-16</a:t>
             </a:fld>
             <a:endParaRPr lang="ko-KR" altLang="en-US"/>
           </a:p>
@@ -3028,7 +3028,7 @@
           <a:p>
             <a:fld id="{7E1FD04A-7A57-4ABB-A4D2-40192FED31D2}" type="datetimeFigureOut">
               <a:rPr lang="ko-KR" altLang="en-US" smtClean="0"/>
-              <a:t>2021-12-07</a:t>
+              <a:t>2021-12-16</a:t>
             </a:fld>
             <a:endParaRPr lang="ko-KR" altLang="en-US"/>
           </a:p>
@@ -3269,7 +3269,7 @@
           <a:p>
             <a:fld id="{7E1FD04A-7A57-4ABB-A4D2-40192FED31D2}" type="datetimeFigureOut">
               <a:rPr lang="ko-KR" altLang="en-US" smtClean="0"/>
-              <a:t>2021-12-07</a:t>
+              <a:t>2021-12-16</a:t>
             </a:fld>
             <a:endParaRPr lang="ko-KR" altLang="en-US"/>
           </a:p>
@@ -3971,8 +3971,8 @@
         </p:nvSpPr>
         <p:spPr>
           <a:xfrm>
-            <a:off x="9024425" y="5857193"/>
-            <a:ext cx="3167576" cy="938719"/>
+            <a:off x="8797490" y="5857194"/>
+            <a:ext cx="3394510" cy="769441"/>
           </a:xfrm>
           <a:prstGeom prst="rect">
             <a:avLst/>
@@ -3985,6 +3985,29 @@
           </a:bodyPr>
           <a:lstStyle/>
           <a:p>
+            <a:r>
+              <a:rPr lang="ko-KR" altLang="en-US" sz="1100" b="1" dirty="0"/>
+              <a:t>기술 스택 </a:t>
+            </a:r>
+            <a:r>
+              <a:rPr lang="en-US" altLang="ko-KR" sz="1100" b="1" dirty="0"/>
+              <a:t>: Java, Spring, </a:t>
+            </a:r>
+            <a:r>
+              <a:rPr lang="en-US" altLang="ko-KR" sz="1100" b="1" dirty="0" err="1"/>
+              <a:t>Springboot</a:t>
+            </a:r>
+            <a:r>
+              <a:rPr lang="en-US" altLang="ko-KR" sz="1100" b="1" dirty="0"/>
+              <a:t>, MVC, JPA</a:t>
+            </a:r>
+            <a:endParaRPr lang="en-US" altLang="ko-KR" sz="1100" dirty="0"/>
+          </a:p>
+          <a:p>
+            <a:endParaRPr lang="en-US" altLang="ko-KR" sz="1100" dirty="0"/>
+          </a:p>
+          <a:p>
+            <a:pPr algn="r"/>
             <a:r>
               <a:rPr lang="en-US" altLang="ko-KR" sz="1100" dirty="0"/>
               <a:t>Email: </a:t>
@@ -3998,6 +4021,7 @@
             <a:endParaRPr lang="en-US" altLang="ko-KR" sz="1100" dirty="0"/>
           </a:p>
           <a:p>
+            <a:pPr algn="r"/>
             <a:r>
               <a:rPr lang="en-US" altLang="ko-KR" sz="1100" dirty="0" err="1"/>
               <a:t>Github</a:t>
@@ -4013,31 +4037,6 @@
               <a:t>https://github.com/ohjinhokor</a:t>
             </a:r>
             <a:endParaRPr lang="en-US" altLang="ko-KR" sz="1100" dirty="0"/>
-          </a:p>
-          <a:p>
-            <a:endParaRPr lang="en-US" altLang="ko-KR" sz="1100" dirty="0"/>
-          </a:p>
-          <a:p>
-            <a:r>
-              <a:rPr lang="ko-KR" altLang="en-US" sz="1100" dirty="0"/>
-              <a:t>기술 스택 </a:t>
-            </a:r>
-            <a:r>
-              <a:rPr lang="en-US" altLang="ko-KR" sz="1100" dirty="0"/>
-              <a:t>: Java, Spring, </a:t>
-            </a:r>
-            <a:r>
-              <a:rPr lang="en-US" altLang="ko-KR" sz="1100" dirty="0" err="1"/>
-              <a:t>Springboot</a:t>
-            </a:r>
-            <a:r>
-              <a:rPr lang="en-US" altLang="ko-KR" sz="1100" dirty="0"/>
-              <a:t>, MVC, JPA</a:t>
-            </a:r>
-            <a:endParaRPr lang="ko-KR" altLang="en-US" sz="1100" dirty="0"/>
-          </a:p>
-          <a:p>
-            <a:endParaRPr lang="ko-KR" altLang="en-US" sz="1100" dirty="0"/>
           </a:p>
         </p:txBody>
       </p:sp>
@@ -8259,10 +8258,10 @@
       </p:pic>
       <p:pic>
         <p:nvPicPr>
-          <p:cNvPr id="27" name="그림 26" descr="텍스트이(가) 표시된 사진&#10;&#10;자동 생성된 설명">
-            <a:extLst>
-              <a:ext uri="{FF2B5EF4-FFF2-40B4-BE49-F238E27FC236}">
-                <a16:creationId xmlns:a16="http://schemas.microsoft.com/office/drawing/2014/main" id="{1FD99E8D-FBF7-42FC-BA92-66C3E821A6A5}"/>
+          <p:cNvPr id="3" name="그림 2" descr="텍스트이(가) 표시된 사진&#10;&#10;자동 생성된 설명">
+            <a:extLst>
+              <a:ext uri="{FF2B5EF4-FFF2-40B4-BE49-F238E27FC236}">
+                <a16:creationId xmlns:a16="http://schemas.microsoft.com/office/drawing/2014/main" id="{D2204507-3F39-437E-BB11-2FE8FBEFBB8C}"/>
               </a:ext>
             </a:extLst>
           </p:cNvPr>
@@ -8285,8 +8284,8 @@
         </p:blipFill>
         <p:spPr>
           <a:xfrm>
-            <a:off x="3011208" y="2343835"/>
-            <a:ext cx="2048013" cy="3818175"/>
+            <a:off x="3071598" y="2402297"/>
+            <a:ext cx="2172928" cy="3759713"/>
           </a:xfrm>
           <a:prstGeom prst="rect">
             <a:avLst/>
@@ -10837,7 +10836,7 @@
             </a:r>
             <a:r>
               <a:rPr lang="ko-KR" altLang="en-US" sz="1200" dirty="0"/>
-              <a:t>외부 활동과 개인 공부를 통해 꾸준히 </a:t>
+              <a:t>개발 커뮤니티 과제와 개인 공부를 통해 꾸준히 </a:t>
             </a:r>
             <a:r>
               <a:rPr lang="en-US" altLang="ko-KR" sz="1200" dirty="0"/>

--- a/오진호 포토폴리오.pptx
+++ b/오진호 포토폴리오.pptx
@@ -8744,8 +8744,12 @@
           <a:lstStyle/>
           <a:p>
             <a:r>
+              <a:rPr lang="ko-KR" altLang="en-US" sz="1200" b="1"/>
+              <a:t>문제가 되었던 </a:t>
+            </a:r>
+            <a:r>
               <a:rPr lang="ko-KR" altLang="en-US" sz="1200" b="1" dirty="0"/>
-              <a:t>문제가 되는 부분</a:t>
+              <a:t>부분</a:t>
             </a:r>
             <a:r>
               <a:rPr lang="en-US" altLang="ko-KR" sz="1200" b="1" dirty="0"/>

--- a/오진호 포토폴리오.pptx
+++ b/오진호 포토폴리오.pptx
@@ -205,7 +205,7 @@
           <a:p>
             <a:fld id="{67406EAE-9ED8-4493-8307-E0CBB87D5314}" type="datetimeFigureOut">
               <a:rPr lang="ko-KR" altLang="en-US" smtClean="0"/>
-              <a:t>2021-12-16</a:t>
+              <a:t>2021-12-18</a:t>
             </a:fld>
             <a:endParaRPr lang="ko-KR" altLang="en-US"/>
           </a:p>
@@ -619,7 +619,7 @@
           <a:p>
             <a:fld id="{7E1FD04A-7A57-4ABB-A4D2-40192FED31D2}" type="datetimeFigureOut">
               <a:rPr lang="ko-KR" altLang="en-US" smtClean="0"/>
-              <a:t>2021-12-16</a:t>
+              <a:t>2021-12-18</a:t>
             </a:fld>
             <a:endParaRPr lang="ko-KR" altLang="en-US"/>
           </a:p>
@@ -817,7 +817,7 @@
           <a:p>
             <a:fld id="{7E1FD04A-7A57-4ABB-A4D2-40192FED31D2}" type="datetimeFigureOut">
               <a:rPr lang="ko-KR" altLang="en-US" smtClean="0"/>
-              <a:t>2021-12-16</a:t>
+              <a:t>2021-12-18</a:t>
             </a:fld>
             <a:endParaRPr lang="ko-KR" altLang="en-US"/>
           </a:p>
@@ -1025,7 +1025,7 @@
           <a:p>
             <a:fld id="{7E1FD04A-7A57-4ABB-A4D2-40192FED31D2}" type="datetimeFigureOut">
               <a:rPr lang="ko-KR" altLang="en-US" smtClean="0"/>
-              <a:t>2021-12-16</a:t>
+              <a:t>2021-12-18</a:t>
             </a:fld>
             <a:endParaRPr lang="ko-KR" altLang="en-US"/>
           </a:p>
@@ -1223,7 +1223,7 @@
           <a:p>
             <a:fld id="{7E1FD04A-7A57-4ABB-A4D2-40192FED31D2}" type="datetimeFigureOut">
               <a:rPr lang="ko-KR" altLang="en-US" smtClean="0"/>
-              <a:t>2021-12-16</a:t>
+              <a:t>2021-12-18</a:t>
             </a:fld>
             <a:endParaRPr lang="ko-KR" altLang="en-US"/>
           </a:p>
@@ -1498,7 +1498,7 @@
           <a:p>
             <a:fld id="{7E1FD04A-7A57-4ABB-A4D2-40192FED31D2}" type="datetimeFigureOut">
               <a:rPr lang="ko-KR" altLang="en-US" smtClean="0"/>
-              <a:t>2021-12-16</a:t>
+              <a:t>2021-12-18</a:t>
             </a:fld>
             <a:endParaRPr lang="ko-KR" altLang="en-US"/>
           </a:p>
@@ -1763,7 +1763,7 @@
           <a:p>
             <a:fld id="{7E1FD04A-7A57-4ABB-A4D2-40192FED31D2}" type="datetimeFigureOut">
               <a:rPr lang="ko-KR" altLang="en-US" smtClean="0"/>
-              <a:t>2021-12-16</a:t>
+              <a:t>2021-12-18</a:t>
             </a:fld>
             <a:endParaRPr lang="ko-KR" altLang="en-US"/>
           </a:p>
@@ -2175,7 +2175,7 @@
           <a:p>
             <a:fld id="{7E1FD04A-7A57-4ABB-A4D2-40192FED31D2}" type="datetimeFigureOut">
               <a:rPr lang="ko-KR" altLang="en-US" smtClean="0"/>
-              <a:t>2021-12-16</a:t>
+              <a:t>2021-12-18</a:t>
             </a:fld>
             <a:endParaRPr lang="ko-KR" altLang="en-US"/>
           </a:p>
@@ -2316,7 +2316,7 @@
           <a:p>
             <a:fld id="{7E1FD04A-7A57-4ABB-A4D2-40192FED31D2}" type="datetimeFigureOut">
               <a:rPr lang="ko-KR" altLang="en-US" smtClean="0"/>
-              <a:t>2021-12-16</a:t>
+              <a:t>2021-12-18</a:t>
             </a:fld>
             <a:endParaRPr lang="ko-KR" altLang="en-US"/>
           </a:p>
@@ -2429,7 +2429,7 @@
           <a:p>
             <a:fld id="{7E1FD04A-7A57-4ABB-A4D2-40192FED31D2}" type="datetimeFigureOut">
               <a:rPr lang="ko-KR" altLang="en-US" smtClean="0"/>
-              <a:t>2021-12-16</a:t>
+              <a:t>2021-12-18</a:t>
             </a:fld>
             <a:endParaRPr lang="ko-KR" altLang="en-US"/>
           </a:p>
@@ -2740,7 +2740,7 @@
           <a:p>
             <a:fld id="{7E1FD04A-7A57-4ABB-A4D2-40192FED31D2}" type="datetimeFigureOut">
               <a:rPr lang="ko-KR" altLang="en-US" smtClean="0"/>
-              <a:t>2021-12-16</a:t>
+              <a:t>2021-12-18</a:t>
             </a:fld>
             <a:endParaRPr lang="ko-KR" altLang="en-US"/>
           </a:p>
@@ -3028,7 +3028,7 @@
           <a:p>
             <a:fld id="{7E1FD04A-7A57-4ABB-A4D2-40192FED31D2}" type="datetimeFigureOut">
               <a:rPr lang="ko-KR" altLang="en-US" smtClean="0"/>
-              <a:t>2021-12-16</a:t>
+              <a:t>2021-12-18</a:t>
             </a:fld>
             <a:endParaRPr lang="ko-KR" altLang="en-US"/>
           </a:p>
@@ -3269,7 +3269,7 @@
           <a:p>
             <a:fld id="{7E1FD04A-7A57-4ABB-A4D2-40192FED31D2}" type="datetimeFigureOut">
               <a:rPr lang="ko-KR" altLang="en-US" smtClean="0"/>
-              <a:t>2021-12-16</a:t>
+              <a:t>2021-12-18</a:t>
             </a:fld>
             <a:endParaRPr lang="ko-KR" altLang="en-US"/>
           </a:p>
@@ -8077,8 +8077,8 @@
         </p:nvSpPr>
         <p:spPr>
           <a:xfrm>
-            <a:off x="6393669" y="5407799"/>
-            <a:ext cx="3039400" cy="1569660"/>
+            <a:off x="6393669" y="5508467"/>
+            <a:ext cx="3039400" cy="1200329"/>
           </a:xfrm>
           <a:prstGeom prst="rect">
             <a:avLst/>
@@ -8152,24 +8152,6 @@
           <a:p>
             <a:endParaRPr lang="en-US" altLang="ko-KR" sz="1200" dirty="0"/>
           </a:p>
-          <a:p>
-            <a:r>
-              <a:rPr lang="ko-KR" altLang="en-US" sz="1200" dirty="0"/>
-              <a:t>⨀ </a:t>
-            </a:r>
-            <a:r>
-              <a:rPr lang="en-US" altLang="ko-KR" sz="1200" dirty="0"/>
-              <a:t>Git Fork, Git-Flow </a:t>
-            </a:r>
-            <a:r>
-              <a:rPr lang="ko-KR" altLang="en-US" sz="1200" dirty="0"/>
-              <a:t>적용</a:t>
-            </a:r>
-            <a:endParaRPr lang="en-US" altLang="ko-KR" sz="1200" dirty="0"/>
-          </a:p>
-          <a:p>
-            <a:endParaRPr lang="ko-KR" altLang="en-US" sz="1200" dirty="0"/>
-          </a:p>
         </p:txBody>
       </p:sp>
       <p:sp>
@@ -8206,7 +8188,7 @@
             </a:r>
             <a:r>
               <a:rPr lang="en-US" altLang="ko-KR" sz="1100" dirty="0"/>
-              <a:t>1700</a:t>
+              <a:t>1900</a:t>
             </a:r>
             <a:r>
               <a:rPr lang="ko-KR" altLang="en-US" sz="1100" dirty="0"/>
@@ -8222,10 +8204,10 @@
       </p:sp>
       <p:pic>
         <p:nvPicPr>
-          <p:cNvPr id="29" name="그림 28">
-            <a:extLst>
-              <a:ext uri="{FF2B5EF4-FFF2-40B4-BE49-F238E27FC236}">
-                <a16:creationId xmlns:a16="http://schemas.microsoft.com/office/drawing/2014/main" id="{3671E2BC-29BF-438F-8399-C6F6C127AB1B}"/>
+          <p:cNvPr id="3" name="그림 2" descr="텍스트이(가) 표시된 사진&#10;&#10;자동 생성된 설명">
+            <a:extLst>
+              <a:ext uri="{FF2B5EF4-FFF2-40B4-BE49-F238E27FC236}">
+                <a16:creationId xmlns:a16="http://schemas.microsoft.com/office/drawing/2014/main" id="{D2204507-3F39-437E-BB11-2FE8FBEFBB8C}"/>
               </a:ext>
             </a:extLst>
           </p:cNvPr>
@@ -8248,8 +8230,8 @@
         </p:blipFill>
         <p:spPr>
           <a:xfrm>
-            <a:off x="811219" y="2218431"/>
-            <a:ext cx="2319315" cy="3943579"/>
+            <a:off x="3071598" y="2402297"/>
+            <a:ext cx="2172928" cy="3759713"/>
           </a:xfrm>
           <a:prstGeom prst="rect">
             <a:avLst/>
@@ -8258,10 +8240,10 @@
       </p:pic>
       <p:pic>
         <p:nvPicPr>
-          <p:cNvPr id="3" name="그림 2" descr="텍스트이(가) 표시된 사진&#10;&#10;자동 생성된 설명">
-            <a:extLst>
-              <a:ext uri="{FF2B5EF4-FFF2-40B4-BE49-F238E27FC236}">
-                <a16:creationId xmlns:a16="http://schemas.microsoft.com/office/drawing/2014/main" id="{D2204507-3F39-437E-BB11-2FE8FBEFBB8C}"/>
+          <p:cNvPr id="6" name="그림 5" descr="텍스트이(가) 표시된 사진&#10;&#10;자동 생성된 설명">
+            <a:extLst>
+              <a:ext uri="{FF2B5EF4-FFF2-40B4-BE49-F238E27FC236}">
+                <a16:creationId xmlns:a16="http://schemas.microsoft.com/office/drawing/2014/main" id="{CC4ED2A3-ECC2-4ACA-BE35-A6F0BB98346A}"/>
               </a:ext>
             </a:extLst>
           </p:cNvPr>
@@ -8284,8 +8266,8 @@
         </p:blipFill>
         <p:spPr>
           <a:xfrm>
-            <a:off x="3071598" y="2402297"/>
-            <a:ext cx="2172928" cy="3759713"/>
+            <a:off x="782612" y="2269488"/>
+            <a:ext cx="2279686" cy="3892521"/>
           </a:xfrm>
           <a:prstGeom prst="rect">
             <a:avLst/>
@@ -10971,7 +10953,7 @@
         <p:spPr>
           <a:xfrm>
             <a:off x="3772223" y="5403147"/>
-            <a:ext cx="1151565" cy="1129769"/>
+            <a:ext cx="1151565" cy="1096911"/>
           </a:xfrm>
           <a:prstGeom prst="rect">
             <a:avLst/>
@@ -11086,12 +11068,132 @@
           </a:prstGeom>
         </p:spPr>
       </p:pic>
+      <p:sp>
+        <p:nvSpPr>
+          <p:cNvPr id="17" name="TextBox 16">
+            <a:extLst>
+              <a:ext uri="{FF2B5EF4-FFF2-40B4-BE49-F238E27FC236}">
+                <a16:creationId xmlns:a16="http://schemas.microsoft.com/office/drawing/2014/main" id="{72795709-9F0F-47E0-8BEF-13B80E58638C}"/>
+              </a:ext>
+            </a:extLst>
+          </p:cNvPr>
+          <p:cNvSpPr txBox="1"/>
+          <p:nvPr/>
+        </p:nvSpPr>
+        <p:spPr>
+          <a:xfrm>
+            <a:off x="7510667" y="5121971"/>
+            <a:ext cx="4525789" cy="1569660"/>
+          </a:xfrm>
+          <a:prstGeom prst="rect">
+            <a:avLst/>
+          </a:prstGeom>
+          <a:noFill/>
+        </p:spPr>
+        <p:txBody>
+          <a:bodyPr wrap="square" rtlCol="0">
+            <a:spAutoFit/>
+          </a:bodyPr>
+          <a:lstStyle/>
+          <a:p>
+            <a:endParaRPr lang="en-US" altLang="ko-KR" sz="1200" dirty="0"/>
+          </a:p>
+          <a:p>
+            <a:r>
+              <a:rPr lang="ko-KR" altLang="en-US" sz="1200" dirty="0"/>
+              <a:t>성숙한 </a:t>
+            </a:r>
+            <a:r>
+              <a:rPr lang="ko-KR" altLang="en-US" sz="1200" dirty="0" err="1"/>
+              <a:t>백엔드</a:t>
+            </a:r>
+            <a:r>
+              <a:rPr lang="ko-KR" altLang="en-US" sz="1200" dirty="0"/>
+              <a:t> 개발을 위해 네트워크 지식과 </a:t>
+            </a:r>
+            <a:r>
+              <a:rPr lang="en-US" altLang="ko-KR" sz="1200" dirty="0"/>
+              <a:t>Infra </a:t>
+            </a:r>
+            <a:r>
+              <a:rPr lang="ko-KR" altLang="en-US" sz="1200" dirty="0"/>
+              <a:t>지식도 함께 학습하고 있습니다</a:t>
+            </a:r>
+            <a:r>
+              <a:rPr lang="en-US" altLang="ko-KR" sz="1200" dirty="0"/>
+              <a:t>.</a:t>
+            </a:r>
+          </a:p>
+          <a:p>
+            <a:endParaRPr lang="en-US" altLang="ko-KR" sz="1200" dirty="0"/>
+          </a:p>
+          <a:p>
+            <a:r>
+              <a:rPr lang="en-US" altLang="ko-KR" sz="1200" dirty="0"/>
+              <a:t>EC2,</a:t>
+            </a:r>
+            <a:r>
+              <a:rPr lang="ko-KR" altLang="en-US" sz="1200" dirty="0"/>
+              <a:t> </a:t>
+            </a:r>
+            <a:r>
+              <a:rPr lang="en-US" altLang="ko-KR" sz="1200" dirty="0"/>
+              <a:t>S3, RDS</a:t>
+            </a:r>
+            <a:r>
+              <a:rPr lang="ko-KR" altLang="en-US" sz="1200" dirty="0"/>
+              <a:t>를 이용하여 배포를 진행한 경험이 있으며</a:t>
+            </a:r>
+            <a:r>
+              <a:rPr lang="en-US" altLang="ko-KR" sz="1200" dirty="0"/>
+              <a:t>, </a:t>
+            </a:r>
+          </a:p>
+          <a:p>
+            <a:r>
+              <a:rPr lang="ko-KR" altLang="en-US" sz="1200" dirty="0"/>
+              <a:t>강의와 스터디를 통해 </a:t>
+            </a:r>
+            <a:r>
+              <a:rPr lang="en-US" altLang="ko-KR" sz="1200" dirty="0"/>
+              <a:t>ELB, VPC </a:t>
+            </a:r>
+            <a:r>
+              <a:rPr lang="ko-KR" altLang="en-US" sz="1200" dirty="0"/>
+              <a:t>및 </a:t>
+            </a:r>
+            <a:r>
+              <a:rPr lang="en-US" altLang="ko-KR" sz="1200" dirty="0"/>
+              <a:t>Subnet, Auto Scaling</a:t>
+            </a:r>
+            <a:r>
+              <a:rPr lang="ko-KR" altLang="en-US" sz="1200" dirty="0"/>
+              <a:t>등 </a:t>
+            </a:r>
+            <a:r>
+              <a:rPr lang="en-US" altLang="ko-KR" sz="1200" dirty="0"/>
+              <a:t>AWS</a:t>
+            </a:r>
+            <a:r>
+              <a:rPr lang="ko-KR" altLang="en-US" sz="1200" dirty="0"/>
+              <a:t>의 기능을 학습하였습니다</a:t>
+            </a:r>
+            <a:r>
+              <a:rPr lang="en-US" altLang="ko-KR" sz="1200" dirty="0"/>
+              <a:t>.</a:t>
+            </a:r>
+          </a:p>
+          <a:p>
+            <a:endParaRPr lang="en-US" altLang="ko-KR" sz="1200" dirty="0"/>
+          </a:p>
+        </p:txBody>
+      </p:sp>
       <p:pic>
         <p:nvPicPr>
-          <p:cNvPr id="14" name="그림 13">
-            <a:extLst>
-              <a:ext uri="{FF2B5EF4-FFF2-40B4-BE49-F238E27FC236}">
-                <a16:creationId xmlns:a16="http://schemas.microsoft.com/office/drawing/2014/main" id="{ACB9C867-3CD4-490E-82DF-16567F38F06C}"/>
+          <p:cNvPr id="19" name="그림 18" descr="텍스트이(가) 표시된 사진&#10;&#10;자동 생성된 설명">
+            <a:extLst>
+              <a:ext uri="{FF2B5EF4-FFF2-40B4-BE49-F238E27FC236}">
+                <a16:creationId xmlns:a16="http://schemas.microsoft.com/office/drawing/2014/main" id="{75F76C79-09EB-40E5-B5F0-377D51C4CB14}"/>
               </a:ext>
             </a:extLst>
           </p:cNvPr>
@@ -11114,8 +11216,8 @@
         </p:blipFill>
         <p:spPr>
           <a:xfrm>
-            <a:off x="4956448" y="5416399"/>
-            <a:ext cx="1152006" cy="1129769"/>
+            <a:off x="2572530" y="1200993"/>
+            <a:ext cx="2351258" cy="4019667"/>
           </a:xfrm>
           <a:prstGeom prst="rect">
             <a:avLst/>
@@ -11124,10 +11226,10 @@
       </p:pic>
       <p:pic>
         <p:nvPicPr>
-          <p:cNvPr id="16" name="그림 15">
-            <a:extLst>
-              <a:ext uri="{FF2B5EF4-FFF2-40B4-BE49-F238E27FC236}">
-                <a16:creationId xmlns:a16="http://schemas.microsoft.com/office/drawing/2014/main" id="{F764E354-B5F5-4F46-910E-648CD765D806}"/>
+          <p:cNvPr id="21" name="그림 20" descr="텍스트이(가) 표시된 사진&#10;&#10;자동 생성된 설명">
+            <a:extLst>
+              <a:ext uri="{FF2B5EF4-FFF2-40B4-BE49-F238E27FC236}">
+                <a16:creationId xmlns:a16="http://schemas.microsoft.com/office/drawing/2014/main" id="{730407ED-4FFA-401A-BC62-1AC3406D2E39}"/>
               </a:ext>
             </a:extLst>
           </p:cNvPr>
@@ -11150,8 +11252,8 @@
         </p:blipFill>
         <p:spPr>
           <a:xfrm>
-            <a:off x="2627030" y="5414330"/>
-            <a:ext cx="1078938" cy="1098980"/>
+            <a:off x="5025508" y="1200996"/>
+            <a:ext cx="2351258" cy="4019666"/>
           </a:xfrm>
           <a:prstGeom prst="rect">
             <a:avLst/>
@@ -11160,10 +11262,10 @@
       </p:pic>
       <p:sp>
         <p:nvSpPr>
-          <p:cNvPr id="17" name="TextBox 16">
-            <a:extLst>
-              <a:ext uri="{FF2B5EF4-FFF2-40B4-BE49-F238E27FC236}">
-                <a16:creationId xmlns:a16="http://schemas.microsoft.com/office/drawing/2014/main" id="{72795709-9F0F-47E0-8BEF-13B80E58638C}"/>
+          <p:cNvPr id="22" name="TextBox 21">
+            <a:extLst>
+              <a:ext uri="{FF2B5EF4-FFF2-40B4-BE49-F238E27FC236}">
+                <a16:creationId xmlns:a16="http://schemas.microsoft.com/office/drawing/2014/main" id="{960EFEF0-35E8-4582-9ED6-7921DEC19CDD}"/>
               </a:ext>
             </a:extLst>
           </p:cNvPr>
@@ -11172,8 +11274,8 @@
         </p:nvSpPr>
         <p:spPr>
           <a:xfrm>
-            <a:off x="7510667" y="5121971"/>
-            <a:ext cx="4525789" cy="1569660"/>
+            <a:off x="1108655" y="825311"/>
+            <a:ext cx="808217" cy="369332"/>
           </a:xfrm>
           <a:prstGeom prst="rect">
             <a:avLst/>
@@ -11186,104 +11288,140 @@
           </a:bodyPr>
           <a:lstStyle/>
           <a:p>
-            <a:endParaRPr lang="en-US" altLang="ko-KR" sz="1200" dirty="0"/>
-          </a:p>
+            <a:r>
+              <a:rPr lang="en-US" altLang="ko-KR" sz="1200" dirty="0"/>
+              <a:t>Junit</a:t>
+            </a:r>
+            <a:r>
+              <a:rPr lang="en-US" altLang="ko-KR" dirty="0"/>
+              <a:t> </a:t>
+            </a:r>
+            <a:endParaRPr lang="ko-KR" altLang="en-US" dirty="0"/>
+          </a:p>
+        </p:txBody>
+      </p:sp>
+      <p:sp>
+        <p:nvSpPr>
+          <p:cNvPr id="23" name="TextBox 22">
+            <a:extLst>
+              <a:ext uri="{FF2B5EF4-FFF2-40B4-BE49-F238E27FC236}">
+                <a16:creationId xmlns:a16="http://schemas.microsoft.com/office/drawing/2014/main" id="{CE8E3120-2920-44DA-9E8F-857FBE8F6E83}"/>
+              </a:ext>
+            </a:extLst>
+          </p:cNvPr>
+          <p:cNvSpPr txBox="1"/>
+          <p:nvPr/>
+        </p:nvSpPr>
+        <p:spPr>
+          <a:xfrm>
+            <a:off x="3502488" y="794730"/>
+            <a:ext cx="539469" cy="369332"/>
+          </a:xfrm>
+          <a:prstGeom prst="rect">
+            <a:avLst/>
+          </a:prstGeom>
+          <a:noFill/>
+        </p:spPr>
+        <p:txBody>
+          <a:bodyPr wrap="square" rtlCol="0">
+            <a:spAutoFit/>
+          </a:bodyPr>
+          <a:lstStyle/>
+          <a:p>
+            <a:r>
+              <a:rPr lang="en-US" altLang="ko-KR" sz="1200" dirty="0"/>
+              <a:t>JPA</a:t>
+            </a:r>
+            <a:r>
+              <a:rPr lang="en-US" altLang="ko-KR" dirty="0"/>
+              <a:t> </a:t>
+            </a:r>
+            <a:endParaRPr lang="ko-KR" altLang="en-US" dirty="0"/>
+          </a:p>
+        </p:txBody>
+      </p:sp>
+      <p:sp>
+        <p:nvSpPr>
+          <p:cNvPr id="25" name="TextBox 24">
+            <a:extLst>
+              <a:ext uri="{FF2B5EF4-FFF2-40B4-BE49-F238E27FC236}">
+                <a16:creationId xmlns:a16="http://schemas.microsoft.com/office/drawing/2014/main" id="{874E7AFE-A260-43E2-A358-E345781E2CE8}"/>
+              </a:ext>
+            </a:extLst>
+          </p:cNvPr>
+          <p:cNvSpPr txBox="1"/>
+          <p:nvPr/>
+        </p:nvSpPr>
+        <p:spPr>
+          <a:xfrm>
+            <a:off x="5814945" y="794730"/>
+            <a:ext cx="972100" cy="369332"/>
+          </a:xfrm>
+          <a:prstGeom prst="rect">
+            <a:avLst/>
+          </a:prstGeom>
+          <a:noFill/>
+        </p:spPr>
+        <p:txBody>
+          <a:bodyPr wrap="square" rtlCol="0">
+            <a:spAutoFit/>
+          </a:bodyPr>
+          <a:lstStyle/>
           <a:p>
             <a:r>
               <a:rPr lang="ko-KR" altLang="en-US" sz="1200" dirty="0"/>
-              <a:t>성숙한 </a:t>
-            </a:r>
-            <a:r>
-              <a:rPr lang="ko-KR" altLang="en-US" sz="1200" dirty="0" err="1"/>
-              <a:t>백엔드</a:t>
-            </a:r>
-            <a:r>
-              <a:rPr lang="ko-KR" altLang="en-US" sz="1200" dirty="0"/>
-              <a:t> 개발을 위해 네트워크 지식과 </a:t>
-            </a:r>
-            <a:r>
-              <a:rPr lang="en-US" altLang="ko-KR" sz="1200" dirty="0"/>
-              <a:t>Infra </a:t>
-            </a:r>
-            <a:r>
-              <a:rPr lang="ko-KR" altLang="en-US" sz="1200" dirty="0"/>
-              <a:t>지식도 함께 학습하고 있습니다</a:t>
-            </a:r>
-            <a:r>
-              <a:rPr lang="en-US" altLang="ko-KR" sz="1200" dirty="0"/>
-              <a:t>.</a:t>
-            </a:r>
-          </a:p>
-          <a:p>
-            <a:endParaRPr lang="en-US" altLang="ko-KR" sz="1200" dirty="0"/>
-          </a:p>
-          <a:p>
-            <a:r>
-              <a:rPr lang="en-US" altLang="ko-KR" sz="1200" dirty="0"/>
-              <a:t>EC2,</a:t>
-            </a:r>
-            <a:r>
-              <a:rPr lang="ko-KR" altLang="en-US" sz="1200" dirty="0"/>
+              <a:t>예외 처리</a:t>
+            </a:r>
+            <a:r>
+              <a:rPr lang="en-US" altLang="ko-KR" dirty="0"/>
               <a:t> </a:t>
             </a:r>
-            <a:r>
-              <a:rPr lang="en-US" altLang="ko-KR" sz="1200" dirty="0"/>
-              <a:t>S3, RDS</a:t>
-            </a:r>
-            <a:r>
-              <a:rPr lang="ko-KR" altLang="en-US" sz="1200" dirty="0"/>
-              <a:t>를 이용하여 배포를 진행한 경험이 있으며</a:t>
-            </a:r>
-            <a:r>
-              <a:rPr lang="en-US" altLang="ko-KR" sz="1200" dirty="0"/>
-              <a:t>, </a:t>
-            </a:r>
-          </a:p>
-          <a:p>
-            <a:r>
-              <a:rPr lang="ko-KR" altLang="en-US" sz="1200" dirty="0"/>
-              <a:t>강의와 스터디를 통해 </a:t>
-            </a:r>
-            <a:r>
-              <a:rPr lang="en-US" altLang="ko-KR" sz="1200" dirty="0"/>
-              <a:t>ELB, VPC </a:t>
-            </a:r>
-            <a:r>
-              <a:rPr lang="ko-KR" altLang="en-US" sz="1200" dirty="0"/>
-              <a:t>및 </a:t>
-            </a:r>
-            <a:r>
-              <a:rPr lang="en-US" altLang="ko-KR" sz="1200" dirty="0"/>
-              <a:t>Subnet, Auto Scaling</a:t>
-            </a:r>
-            <a:r>
-              <a:rPr lang="ko-KR" altLang="en-US" sz="1200" dirty="0"/>
-              <a:t>등 </a:t>
-            </a:r>
-            <a:r>
-              <a:rPr lang="en-US" altLang="ko-KR" sz="1200" dirty="0"/>
-              <a:t>AWS</a:t>
-            </a:r>
-            <a:r>
-              <a:rPr lang="ko-KR" altLang="en-US" sz="1200" dirty="0"/>
-              <a:t>의 기능을 학습하였습니다</a:t>
-            </a:r>
-            <a:r>
-              <a:rPr lang="en-US" altLang="ko-KR" sz="1200" dirty="0"/>
-              <a:t>.</a:t>
-            </a:r>
-          </a:p>
-          <a:p>
-            <a:endParaRPr lang="en-US" altLang="ko-KR" sz="1200" dirty="0"/>
+            <a:endParaRPr lang="ko-KR" altLang="en-US" dirty="0"/>
+          </a:p>
+        </p:txBody>
+      </p:sp>
+      <p:sp>
+        <p:nvSpPr>
+          <p:cNvPr id="26" name="TextBox 25">
+            <a:extLst>
+              <a:ext uri="{FF2B5EF4-FFF2-40B4-BE49-F238E27FC236}">
+                <a16:creationId xmlns:a16="http://schemas.microsoft.com/office/drawing/2014/main" id="{5B9505CD-71D2-4D6D-A13A-2DDE704E3F8C}"/>
+              </a:ext>
+            </a:extLst>
+          </p:cNvPr>
+          <p:cNvSpPr txBox="1"/>
+          <p:nvPr/>
+        </p:nvSpPr>
+        <p:spPr>
+          <a:xfrm>
+            <a:off x="265159" y="158098"/>
+            <a:ext cx="5614695" cy="707886"/>
+          </a:xfrm>
+          <a:prstGeom prst="rect">
+            <a:avLst/>
+          </a:prstGeom>
+          <a:noFill/>
+        </p:spPr>
+        <p:txBody>
+          <a:bodyPr wrap="square" rtlCol="0">
+            <a:spAutoFit/>
+          </a:bodyPr>
+          <a:lstStyle/>
+          <a:p>
+            <a:r>
+              <a:rPr lang="ko-KR" altLang="en-US" sz="4000" b="1" dirty="0"/>
+              <a:t>개인 공부</a:t>
+            </a:r>
+            <a:endParaRPr lang="en-US" altLang="ko-KR" sz="4000" b="1" dirty="0"/>
           </a:p>
         </p:txBody>
       </p:sp>
       <p:pic>
         <p:nvPicPr>
-          <p:cNvPr id="19" name="그림 18" descr="텍스트이(가) 표시된 사진&#10;&#10;자동 생성된 설명">
-            <a:extLst>
-              <a:ext uri="{FF2B5EF4-FFF2-40B4-BE49-F238E27FC236}">
-                <a16:creationId xmlns:a16="http://schemas.microsoft.com/office/drawing/2014/main" id="{75F76C79-09EB-40E5-B5F0-377D51C4CB14}"/>
+          <p:cNvPr id="5" name="그림 4">
+            <a:extLst>
+              <a:ext uri="{FF2B5EF4-FFF2-40B4-BE49-F238E27FC236}">
+                <a16:creationId xmlns:a16="http://schemas.microsoft.com/office/drawing/2014/main" id="{CEC5E6A6-D601-4042-A592-CB3691E31686}"/>
               </a:ext>
             </a:extLst>
           </p:cNvPr>
@@ -11306,8 +11444,8 @@
         </p:blipFill>
         <p:spPr>
           <a:xfrm>
-            <a:off x="2572530" y="1200993"/>
-            <a:ext cx="2351258" cy="4019667"/>
+            <a:off x="2607606" y="5394817"/>
+            <a:ext cx="1141090" cy="1118494"/>
           </a:xfrm>
           <a:prstGeom prst="rect">
             <a:avLst/>
@@ -11316,10 +11454,10 @@
       </p:pic>
       <p:pic>
         <p:nvPicPr>
-          <p:cNvPr id="21" name="그림 20" descr="텍스트이(가) 표시된 사진&#10;&#10;자동 생성된 설명">
-            <a:extLst>
-              <a:ext uri="{FF2B5EF4-FFF2-40B4-BE49-F238E27FC236}">
-                <a16:creationId xmlns:a16="http://schemas.microsoft.com/office/drawing/2014/main" id="{730407ED-4FFA-401A-BC62-1AC3406D2E39}"/>
+          <p:cNvPr id="9" name="그림 8">
+            <a:extLst>
+              <a:ext uri="{FF2B5EF4-FFF2-40B4-BE49-F238E27FC236}">
+                <a16:creationId xmlns:a16="http://schemas.microsoft.com/office/drawing/2014/main" id="{FFEF9A02-B0A8-4AC4-A935-952EEE4F7784}"/>
               </a:ext>
             </a:extLst>
           </p:cNvPr>
@@ -11342,170 +11480,14 @@
         </p:blipFill>
         <p:spPr>
           <a:xfrm>
-            <a:off x="5025508" y="1200996"/>
-            <a:ext cx="2351258" cy="4019666"/>
+            <a:off x="4951148" y="5381473"/>
+            <a:ext cx="1163933" cy="1096911"/>
           </a:xfrm>
           <a:prstGeom prst="rect">
             <a:avLst/>
           </a:prstGeom>
         </p:spPr>
       </p:pic>
-      <p:sp>
-        <p:nvSpPr>
-          <p:cNvPr id="22" name="TextBox 21">
-            <a:extLst>
-              <a:ext uri="{FF2B5EF4-FFF2-40B4-BE49-F238E27FC236}">
-                <a16:creationId xmlns:a16="http://schemas.microsoft.com/office/drawing/2014/main" id="{960EFEF0-35E8-4582-9ED6-7921DEC19CDD}"/>
-              </a:ext>
-            </a:extLst>
-          </p:cNvPr>
-          <p:cNvSpPr txBox="1"/>
-          <p:nvPr/>
-        </p:nvSpPr>
-        <p:spPr>
-          <a:xfrm>
-            <a:off x="1108655" y="825311"/>
-            <a:ext cx="808217" cy="369332"/>
-          </a:xfrm>
-          <a:prstGeom prst="rect">
-            <a:avLst/>
-          </a:prstGeom>
-          <a:noFill/>
-        </p:spPr>
-        <p:txBody>
-          <a:bodyPr wrap="square" rtlCol="0">
-            <a:spAutoFit/>
-          </a:bodyPr>
-          <a:lstStyle/>
-          <a:p>
-            <a:r>
-              <a:rPr lang="en-US" altLang="ko-KR" sz="1200" dirty="0"/>
-              <a:t>Junit</a:t>
-            </a:r>
-            <a:r>
-              <a:rPr lang="en-US" altLang="ko-KR" dirty="0"/>
-              <a:t> </a:t>
-            </a:r>
-            <a:endParaRPr lang="ko-KR" altLang="en-US" dirty="0"/>
-          </a:p>
-        </p:txBody>
-      </p:sp>
-      <p:sp>
-        <p:nvSpPr>
-          <p:cNvPr id="23" name="TextBox 22">
-            <a:extLst>
-              <a:ext uri="{FF2B5EF4-FFF2-40B4-BE49-F238E27FC236}">
-                <a16:creationId xmlns:a16="http://schemas.microsoft.com/office/drawing/2014/main" id="{CE8E3120-2920-44DA-9E8F-857FBE8F6E83}"/>
-              </a:ext>
-            </a:extLst>
-          </p:cNvPr>
-          <p:cNvSpPr txBox="1"/>
-          <p:nvPr/>
-        </p:nvSpPr>
-        <p:spPr>
-          <a:xfrm>
-            <a:off x="3502488" y="794730"/>
-            <a:ext cx="539469" cy="369332"/>
-          </a:xfrm>
-          <a:prstGeom prst="rect">
-            <a:avLst/>
-          </a:prstGeom>
-          <a:noFill/>
-        </p:spPr>
-        <p:txBody>
-          <a:bodyPr wrap="square" rtlCol="0">
-            <a:spAutoFit/>
-          </a:bodyPr>
-          <a:lstStyle/>
-          <a:p>
-            <a:r>
-              <a:rPr lang="en-US" altLang="ko-KR" sz="1200" dirty="0"/>
-              <a:t>JPA</a:t>
-            </a:r>
-            <a:r>
-              <a:rPr lang="en-US" altLang="ko-KR" dirty="0"/>
-              <a:t> </a:t>
-            </a:r>
-            <a:endParaRPr lang="ko-KR" altLang="en-US" dirty="0"/>
-          </a:p>
-        </p:txBody>
-      </p:sp>
-      <p:sp>
-        <p:nvSpPr>
-          <p:cNvPr id="25" name="TextBox 24">
-            <a:extLst>
-              <a:ext uri="{FF2B5EF4-FFF2-40B4-BE49-F238E27FC236}">
-                <a16:creationId xmlns:a16="http://schemas.microsoft.com/office/drawing/2014/main" id="{874E7AFE-A260-43E2-A358-E345781E2CE8}"/>
-              </a:ext>
-            </a:extLst>
-          </p:cNvPr>
-          <p:cNvSpPr txBox="1"/>
-          <p:nvPr/>
-        </p:nvSpPr>
-        <p:spPr>
-          <a:xfrm>
-            <a:off x="5814945" y="794730"/>
-            <a:ext cx="972100" cy="369332"/>
-          </a:xfrm>
-          <a:prstGeom prst="rect">
-            <a:avLst/>
-          </a:prstGeom>
-          <a:noFill/>
-        </p:spPr>
-        <p:txBody>
-          <a:bodyPr wrap="square" rtlCol="0">
-            <a:spAutoFit/>
-          </a:bodyPr>
-          <a:lstStyle/>
-          <a:p>
-            <a:r>
-              <a:rPr lang="ko-KR" altLang="en-US" sz="1200" dirty="0"/>
-              <a:t>예외 처리</a:t>
-            </a:r>
-            <a:r>
-              <a:rPr lang="en-US" altLang="ko-KR" dirty="0"/>
-              <a:t> </a:t>
-            </a:r>
-            <a:endParaRPr lang="ko-KR" altLang="en-US" dirty="0"/>
-          </a:p>
-        </p:txBody>
-      </p:sp>
-      <p:sp>
-        <p:nvSpPr>
-          <p:cNvPr id="26" name="TextBox 25">
-            <a:extLst>
-              <a:ext uri="{FF2B5EF4-FFF2-40B4-BE49-F238E27FC236}">
-                <a16:creationId xmlns:a16="http://schemas.microsoft.com/office/drawing/2014/main" id="{5B9505CD-71D2-4D6D-A13A-2DDE704E3F8C}"/>
-              </a:ext>
-            </a:extLst>
-          </p:cNvPr>
-          <p:cNvSpPr txBox="1"/>
-          <p:nvPr/>
-        </p:nvSpPr>
-        <p:spPr>
-          <a:xfrm>
-            <a:off x="265159" y="158098"/>
-            <a:ext cx="5614695" cy="707886"/>
-          </a:xfrm>
-          <a:prstGeom prst="rect">
-            <a:avLst/>
-          </a:prstGeom>
-          <a:noFill/>
-        </p:spPr>
-        <p:txBody>
-          <a:bodyPr wrap="square" rtlCol="0">
-            <a:spAutoFit/>
-          </a:bodyPr>
-          <a:lstStyle/>
-          <a:p>
-            <a:r>
-              <a:rPr lang="ko-KR" altLang="en-US" sz="4000" b="1" dirty="0"/>
-              <a:t>개인 공부</a:t>
-            </a:r>
-            <a:endParaRPr lang="en-US" altLang="ko-KR" sz="4000" b="1" dirty="0"/>
-          </a:p>
-        </p:txBody>
-      </p:sp>
     </p:spTree>
     <p:extLst>
       <p:ext uri="{BB962C8B-B14F-4D97-AF65-F5344CB8AC3E}">
